--- a/ppt/14.异常处理.pptx
+++ b/ppt/14.异常处理.pptx
@@ -5,46 +5,56 @@
     <p:sldMasterId id="2147483648" r:id="rId1"/>
   </p:sldMasterIdLst>
   <p:notesMasterIdLst>
-    <p:notesMasterId r:id="rId39"/>
+    <p:notesMasterId r:id="rId49"/>
   </p:notesMasterIdLst>
   <p:sldIdLst>
     <p:sldId id="258" r:id="rId2"/>
     <p:sldId id="349" r:id="rId3"/>
     <p:sldId id="304" r:id="rId4"/>
-    <p:sldId id="376" r:id="rId5"/>
-    <p:sldId id="382" r:id="rId6"/>
-    <p:sldId id="377" r:id="rId7"/>
-    <p:sldId id="383" r:id="rId8"/>
-    <p:sldId id="378" r:id="rId9"/>
-    <p:sldId id="379" r:id="rId10"/>
-    <p:sldId id="353" r:id="rId11"/>
-    <p:sldId id="380" r:id="rId12"/>
-    <p:sldId id="381" r:id="rId13"/>
-    <p:sldId id="384" r:id="rId14"/>
-    <p:sldId id="385" r:id="rId15"/>
-    <p:sldId id="374" r:id="rId16"/>
-    <p:sldId id="356" r:id="rId17"/>
-    <p:sldId id="369" r:id="rId18"/>
-    <p:sldId id="389" r:id="rId19"/>
-    <p:sldId id="405" r:id="rId20"/>
-    <p:sldId id="390" r:id="rId21"/>
-    <p:sldId id="392" r:id="rId22"/>
-    <p:sldId id="391" r:id="rId23"/>
-    <p:sldId id="393" r:id="rId24"/>
-    <p:sldId id="396" r:id="rId25"/>
-    <p:sldId id="397" r:id="rId26"/>
-    <p:sldId id="387" r:id="rId27"/>
-    <p:sldId id="401" r:id="rId28"/>
-    <p:sldId id="399" r:id="rId29"/>
-    <p:sldId id="402" r:id="rId30"/>
-    <p:sldId id="403" r:id="rId31"/>
-    <p:sldId id="407" r:id="rId32"/>
-    <p:sldId id="386" r:id="rId33"/>
-    <p:sldId id="388" r:id="rId34"/>
-    <p:sldId id="404" r:id="rId35"/>
-    <p:sldId id="406" r:id="rId36"/>
-    <p:sldId id="408" r:id="rId37"/>
-    <p:sldId id="409" r:id="rId38"/>
+    <p:sldId id="410" r:id="rId5"/>
+    <p:sldId id="411" r:id="rId6"/>
+    <p:sldId id="412" r:id="rId7"/>
+    <p:sldId id="376" r:id="rId8"/>
+    <p:sldId id="382" r:id="rId9"/>
+    <p:sldId id="377" r:id="rId10"/>
+    <p:sldId id="413" r:id="rId11"/>
+    <p:sldId id="418" r:id="rId12"/>
+    <p:sldId id="417" r:id="rId13"/>
+    <p:sldId id="414" r:id="rId14"/>
+    <p:sldId id="419" r:id="rId15"/>
+    <p:sldId id="415" r:id="rId16"/>
+    <p:sldId id="416" r:id="rId17"/>
+    <p:sldId id="383" r:id="rId18"/>
+    <p:sldId id="378" r:id="rId19"/>
+    <p:sldId id="379" r:id="rId20"/>
+    <p:sldId id="353" r:id="rId21"/>
+    <p:sldId id="380" r:id="rId22"/>
+    <p:sldId id="381" r:id="rId23"/>
+    <p:sldId id="384" r:id="rId24"/>
+    <p:sldId id="385" r:id="rId25"/>
+    <p:sldId id="374" r:id="rId26"/>
+    <p:sldId id="356" r:id="rId27"/>
+    <p:sldId id="369" r:id="rId28"/>
+    <p:sldId id="389" r:id="rId29"/>
+    <p:sldId id="405" r:id="rId30"/>
+    <p:sldId id="390" r:id="rId31"/>
+    <p:sldId id="392" r:id="rId32"/>
+    <p:sldId id="391" r:id="rId33"/>
+    <p:sldId id="393" r:id="rId34"/>
+    <p:sldId id="396" r:id="rId35"/>
+    <p:sldId id="397" r:id="rId36"/>
+    <p:sldId id="387" r:id="rId37"/>
+    <p:sldId id="401" r:id="rId38"/>
+    <p:sldId id="399" r:id="rId39"/>
+    <p:sldId id="402" r:id="rId40"/>
+    <p:sldId id="403" r:id="rId41"/>
+    <p:sldId id="407" r:id="rId42"/>
+    <p:sldId id="386" r:id="rId43"/>
+    <p:sldId id="388" r:id="rId44"/>
+    <p:sldId id="404" r:id="rId45"/>
+    <p:sldId id="406" r:id="rId46"/>
+    <p:sldId id="408" r:id="rId47"/>
+    <p:sldId id="409" r:id="rId48"/>
   </p:sldIdLst>
   <p:sldSz cx="12192000" cy="6858000"/>
   <p:notesSz cx="6858000" cy="9144000"/>
@@ -155,9 +165,19 @@
           <p14:sldIdLst>
             <p14:sldId id="349"/>
             <p14:sldId id="304"/>
+            <p14:sldId id="410"/>
+            <p14:sldId id="411"/>
+            <p14:sldId id="412"/>
             <p14:sldId id="376"/>
             <p14:sldId id="382"/>
             <p14:sldId id="377"/>
+            <p14:sldId id="413"/>
+            <p14:sldId id="418"/>
+            <p14:sldId id="417"/>
+            <p14:sldId id="414"/>
+            <p14:sldId id="419"/>
+            <p14:sldId id="415"/>
+            <p14:sldId id="416"/>
             <p14:sldId id="383"/>
             <p14:sldId id="378"/>
             <p14:sldId id="379"/>
@@ -677,7 +697,10 @@
           <a:bodyPr/>
           <a:lstStyle/>
           <a:p>
-            <a:endParaRPr kumimoji="1" lang="zh-CN" altLang="en-US" dirty="0"/>
+            <a:r>
+              <a:rPr kumimoji="1" lang="zh-CN" altLang="en-US" dirty="0"/>
+              <a:t>切换到代码演示</a:t>
+            </a:r>
           </a:p>
         </p:txBody>
       </p:sp>
@@ -707,7 +730,7 @@
     </p:spTree>
     <p:extLst>
       <p:ext uri="{BB962C8B-B14F-4D97-AF65-F5344CB8AC3E}">
-        <p14:creationId xmlns:p14="http://schemas.microsoft.com/office/powerpoint/2010/main" val="2113995585"/>
+        <p14:creationId xmlns:p14="http://schemas.microsoft.com/office/powerpoint/2010/main" val="1186559738"/>
       </p:ext>
     </p:extLst>
   </p:cSld>
@@ -761,7 +784,10 @@
           <a:bodyPr/>
           <a:lstStyle/>
           <a:p>
-            <a:endParaRPr kumimoji="1" lang="zh-CN" altLang="en-US" dirty="0"/>
+            <a:r>
+              <a:rPr kumimoji="1" lang="zh-CN" altLang="en-US" dirty="0"/>
+              <a:t>切换到代码演示</a:t>
+            </a:r>
           </a:p>
         </p:txBody>
       </p:sp>
@@ -791,7 +817,7 @@
     </p:spTree>
     <p:extLst>
       <p:ext uri="{BB962C8B-B14F-4D97-AF65-F5344CB8AC3E}">
-        <p14:creationId xmlns:p14="http://schemas.microsoft.com/office/powerpoint/2010/main" val="3558431947"/>
+        <p14:creationId xmlns:p14="http://schemas.microsoft.com/office/powerpoint/2010/main" val="1031709546"/>
       </p:ext>
     </p:extLst>
   </p:cSld>
@@ -845,7 +871,10 @@
           <a:bodyPr/>
           <a:lstStyle/>
           <a:p>
-            <a:endParaRPr kumimoji="1" lang="zh-CN" altLang="en-US" dirty="0"/>
+            <a:r>
+              <a:rPr kumimoji="1" lang="zh-CN" altLang="en-US" dirty="0"/>
+              <a:t>切换到代码演示</a:t>
+            </a:r>
           </a:p>
         </p:txBody>
       </p:sp>
@@ -875,7 +904,7 @@
     </p:spTree>
     <p:extLst>
       <p:ext uri="{BB962C8B-B14F-4D97-AF65-F5344CB8AC3E}">
-        <p14:creationId xmlns:p14="http://schemas.microsoft.com/office/powerpoint/2010/main" val="1647178987"/>
+        <p14:creationId xmlns:p14="http://schemas.microsoft.com/office/powerpoint/2010/main" val="3094961247"/>
       </p:ext>
     </p:extLst>
   </p:cSld>
@@ -929,7 +958,10 @@
           <a:bodyPr/>
           <a:lstStyle/>
           <a:p>
-            <a:endParaRPr kumimoji="1" lang="zh-CN" altLang="en-US" dirty="0"/>
+            <a:r>
+              <a:rPr kumimoji="1" lang="zh-CN" altLang="en-US" dirty="0"/>
+              <a:t>切换到代码演示</a:t>
+            </a:r>
           </a:p>
         </p:txBody>
       </p:sp>
@@ -959,7 +991,7 @@
     </p:spTree>
     <p:extLst>
       <p:ext uri="{BB962C8B-B14F-4D97-AF65-F5344CB8AC3E}">
-        <p14:creationId xmlns:p14="http://schemas.microsoft.com/office/powerpoint/2010/main" val="1609934446"/>
+        <p14:creationId xmlns:p14="http://schemas.microsoft.com/office/powerpoint/2010/main" val="3522572660"/>
       </p:ext>
     </p:extLst>
   </p:cSld>
@@ -1046,7 +1078,7 @@
     </p:spTree>
     <p:extLst>
       <p:ext uri="{BB962C8B-B14F-4D97-AF65-F5344CB8AC3E}">
-        <p14:creationId xmlns:p14="http://schemas.microsoft.com/office/powerpoint/2010/main" val="3893479894"/>
+        <p14:creationId xmlns:p14="http://schemas.microsoft.com/office/powerpoint/2010/main" val="959602281"/>
       </p:ext>
     </p:extLst>
   </p:cSld>
@@ -1100,7 +1132,10 @@
           <a:bodyPr/>
           <a:lstStyle/>
           <a:p>
-            <a:endParaRPr kumimoji="1" lang="zh-CN" altLang="en-US" dirty="0"/>
+            <a:r>
+              <a:rPr kumimoji="1" lang="zh-CN" altLang="en-US" dirty="0"/>
+              <a:t>切换到代码演示</a:t>
+            </a:r>
           </a:p>
         </p:txBody>
       </p:sp>
@@ -1130,7 +1165,7 @@
     </p:spTree>
     <p:extLst>
       <p:ext uri="{BB962C8B-B14F-4D97-AF65-F5344CB8AC3E}">
-        <p14:creationId xmlns:p14="http://schemas.microsoft.com/office/powerpoint/2010/main" val="4136779501"/>
+        <p14:creationId xmlns:p14="http://schemas.microsoft.com/office/powerpoint/2010/main" val="263913046"/>
       </p:ext>
     </p:extLst>
   </p:cSld>
@@ -1184,7 +1219,10 @@
           <a:bodyPr/>
           <a:lstStyle/>
           <a:p>
-            <a:endParaRPr kumimoji="1" lang="zh-CN" altLang="en-US" dirty="0"/>
+            <a:r>
+              <a:rPr kumimoji="1" lang="zh-CN" altLang="en-US" dirty="0"/>
+              <a:t>切换到代码演示</a:t>
+            </a:r>
           </a:p>
         </p:txBody>
       </p:sp>
@@ -1214,7 +1252,7 @@
     </p:spTree>
     <p:extLst>
       <p:ext uri="{BB962C8B-B14F-4D97-AF65-F5344CB8AC3E}">
-        <p14:creationId xmlns:p14="http://schemas.microsoft.com/office/powerpoint/2010/main" val="2101975829"/>
+        <p14:creationId xmlns:p14="http://schemas.microsoft.com/office/powerpoint/2010/main" val="911862099"/>
       </p:ext>
     </p:extLst>
   </p:cSld>
@@ -1268,6 +1306,46 @@
           <a:bodyPr/>
           <a:lstStyle/>
           <a:p>
+            <a:r>
+              <a:rPr kumimoji="1" lang="zh-CN" altLang="en-US" dirty="0"/>
+              <a:t>抽象类和接口的区别</a:t>
+            </a:r>
+            <a:endParaRPr kumimoji="1" lang="en-US" altLang="zh-CN" dirty="0"/>
+          </a:p>
+          <a:p>
+            <a:r>
+              <a:rPr lang="en-US" altLang="zh-CN" dirty="0">
+                <a:hlinkClick r:id="rId3"/>
+              </a:rPr>
+              <a:t>https://www.cnblogs.com/yongjiapei/p/5494894.html</a:t>
+            </a:r>
+            <a:endParaRPr lang="en-US" altLang="zh-CN" dirty="0"/>
+          </a:p>
+          <a:p>
+            <a:endParaRPr kumimoji="1" lang="en-US" altLang="zh-CN" dirty="0"/>
+          </a:p>
+          <a:p>
+            <a:r>
+              <a:rPr kumimoji="1" lang="zh-CN" altLang="en-US" dirty="0"/>
+              <a:t>为什么抽象类不能被实例化的例子：微博</a:t>
+            </a:r>
+            <a:r>
+              <a:rPr kumimoji="1" lang="en-US" altLang="zh-CN" dirty="0"/>
+              <a:t>-&gt;</a:t>
+            </a:r>
+            <a:r>
+              <a:rPr kumimoji="1" lang="zh-CN" altLang="en-US" dirty="0"/>
+              <a:t> 新浪微博，网易微博，腾讯微博 的例子</a:t>
+            </a:r>
+            <a:endParaRPr kumimoji="1" lang="en-US" altLang="zh-CN" dirty="0"/>
+          </a:p>
+          <a:p>
+            <a:r>
+              <a:rPr lang="en-US" altLang="zh-CN" dirty="0">
+                <a:hlinkClick r:id="rId4"/>
+              </a:rPr>
+              <a:t>https://www.zhihu.com/question/34797840/answer/61582232</a:t>
+            </a:r>
             <a:endParaRPr kumimoji="1" lang="zh-CN" altLang="en-US" dirty="0"/>
           </a:p>
         </p:txBody>
@@ -1298,7 +1376,7 @@
     </p:spTree>
     <p:extLst>
       <p:ext uri="{BB962C8B-B14F-4D97-AF65-F5344CB8AC3E}">
-        <p14:creationId xmlns:p14="http://schemas.microsoft.com/office/powerpoint/2010/main" val="2318883953"/>
+        <p14:creationId xmlns:p14="http://schemas.microsoft.com/office/powerpoint/2010/main" val="2158004502"/>
       </p:ext>
     </p:extLst>
   </p:cSld>
@@ -1382,7 +1460,7 @@
     </p:spTree>
     <p:extLst>
       <p:ext uri="{BB962C8B-B14F-4D97-AF65-F5344CB8AC3E}">
-        <p14:creationId xmlns:p14="http://schemas.microsoft.com/office/powerpoint/2010/main" val="1543490922"/>
+        <p14:creationId xmlns:p14="http://schemas.microsoft.com/office/powerpoint/2010/main" val="1121988609"/>
       </p:ext>
     </p:extLst>
   </p:cSld>
@@ -1466,7 +1544,7 @@
     </p:spTree>
     <p:extLst>
       <p:ext uri="{BB962C8B-B14F-4D97-AF65-F5344CB8AC3E}">
-        <p14:creationId xmlns:p14="http://schemas.microsoft.com/office/powerpoint/2010/main" val="4048281992"/>
+        <p14:creationId xmlns:p14="http://schemas.microsoft.com/office/powerpoint/2010/main" val="2238917971"/>
       </p:ext>
     </p:extLst>
   </p:cSld>
@@ -1634,7 +1712,7 @@
     </p:spTree>
     <p:extLst>
       <p:ext uri="{BB962C8B-B14F-4D97-AF65-F5344CB8AC3E}">
-        <p14:creationId xmlns:p14="http://schemas.microsoft.com/office/powerpoint/2010/main" val="1980322143"/>
+        <p14:creationId xmlns:p14="http://schemas.microsoft.com/office/powerpoint/2010/main" val="2113995585"/>
       </p:ext>
     </p:extLst>
   </p:cSld>
@@ -1718,7 +1796,7 @@
     </p:spTree>
     <p:extLst>
       <p:ext uri="{BB962C8B-B14F-4D97-AF65-F5344CB8AC3E}">
-        <p14:creationId xmlns:p14="http://schemas.microsoft.com/office/powerpoint/2010/main" val="3909738134"/>
+        <p14:creationId xmlns:p14="http://schemas.microsoft.com/office/powerpoint/2010/main" val="3558431947"/>
       </p:ext>
     </p:extLst>
   </p:cSld>
@@ -1802,7 +1880,7 @@
     </p:spTree>
     <p:extLst>
       <p:ext uri="{BB962C8B-B14F-4D97-AF65-F5344CB8AC3E}">
-        <p14:creationId xmlns:p14="http://schemas.microsoft.com/office/powerpoint/2010/main" val="4049264765"/>
+        <p14:creationId xmlns:p14="http://schemas.microsoft.com/office/powerpoint/2010/main" val="1647178987"/>
       </p:ext>
     </p:extLst>
   </p:cSld>
@@ -1886,7 +1964,7 @@
     </p:spTree>
     <p:extLst>
       <p:ext uri="{BB962C8B-B14F-4D97-AF65-F5344CB8AC3E}">
-        <p14:creationId xmlns:p14="http://schemas.microsoft.com/office/powerpoint/2010/main" val="1615207098"/>
+        <p14:creationId xmlns:p14="http://schemas.microsoft.com/office/powerpoint/2010/main" val="1609934446"/>
       </p:ext>
     </p:extLst>
   </p:cSld>
@@ -1940,132 +2018,10 @@
           <a:bodyPr/>
           <a:lstStyle/>
           <a:p>
-            <a:endParaRPr kumimoji="1" lang="zh-CN" altLang="en-US" sz="2400" dirty="0">
-              <a:latin typeface="Microsoft YaHei" panose="020B0503020204020204" pitchFamily="34" charset="-122"/>
-              <a:ea typeface="Microsoft YaHei" panose="020B0503020204020204" pitchFamily="34" charset="-122"/>
-            </a:endParaRPr>
-          </a:p>
-          <a:p>
-            <a:pPr marL="914400" lvl="1" indent="-457200">
-              <a:buFont typeface="+mj-lt"/>
-              <a:buAutoNum type="arabicPeriod"/>
-            </a:pPr>
-            <a:r>
-              <a:rPr lang="zh-CN" altLang="en-US" sz="2400" dirty="0">
-                <a:solidFill>
-                  <a:schemeClr val="accent2"/>
-                </a:solidFill>
-                <a:latin typeface="Microsoft YaHei" panose="020B0503020204020204" pitchFamily="34" charset="-122"/>
-                <a:ea typeface="Microsoft YaHei" panose="020B0503020204020204" pitchFamily="34" charset="-122"/>
-              </a:rPr>
-              <a:t>不管什么类，实现</a:t>
-            </a:r>
-            <a:r>
-              <a:rPr lang="en-US" altLang="zh-CN" sz="2400" dirty="0">
-                <a:solidFill>
-                  <a:schemeClr val="accent2"/>
-                </a:solidFill>
-                <a:latin typeface="Microsoft YaHei" panose="020B0503020204020204" pitchFamily="34" charset="-122"/>
-                <a:ea typeface="Microsoft YaHei" panose="020B0503020204020204" pitchFamily="34" charset="-122"/>
-              </a:rPr>
-              <a:t>clone</a:t>
-            </a:r>
-            <a:r>
-              <a:rPr lang="zh-CN" altLang="en-US" sz="2400" dirty="0">
-                <a:solidFill>
-                  <a:schemeClr val="accent2"/>
-                </a:solidFill>
-                <a:latin typeface="Microsoft YaHei" panose="020B0503020204020204" pitchFamily="34" charset="-122"/>
-                <a:ea typeface="Microsoft YaHei" panose="020B0503020204020204" pitchFamily="34" charset="-122"/>
-              </a:rPr>
-              <a:t>方法的第一步是调用</a:t>
-            </a:r>
-            <a:r>
-              <a:rPr lang="en-US" altLang="zh-CN" sz="2400" dirty="0" err="1">
-                <a:solidFill>
-                  <a:schemeClr val="accent2"/>
-                </a:solidFill>
-                <a:latin typeface="Microsoft YaHei" panose="020B0503020204020204" pitchFamily="34" charset="-122"/>
-                <a:ea typeface="Microsoft YaHei" panose="020B0503020204020204" pitchFamily="34" charset="-122"/>
-              </a:rPr>
-              <a:t>super.clone</a:t>
-            </a:r>
-            <a:r>
-              <a:rPr lang="en-US" altLang="zh-CN" sz="2400" dirty="0">
-                <a:solidFill>
-                  <a:schemeClr val="accent2"/>
-                </a:solidFill>
-                <a:latin typeface="Microsoft YaHei" panose="020B0503020204020204" pitchFamily="34" charset="-122"/>
-                <a:ea typeface="Microsoft YaHei" panose="020B0503020204020204" pitchFamily="34" charset="-122"/>
-              </a:rPr>
-              <a:t>()</a:t>
-            </a:r>
-            <a:r>
-              <a:rPr lang="zh-CN" altLang="en-US" sz="2400" dirty="0">
-                <a:solidFill>
-                  <a:schemeClr val="accent2"/>
-                </a:solidFill>
-                <a:latin typeface="Microsoft YaHei" panose="020B0503020204020204" pitchFamily="34" charset="-122"/>
-                <a:ea typeface="Microsoft YaHei" panose="020B0503020204020204" pitchFamily="34" charset="-122"/>
-              </a:rPr>
-              <a:t>完成其父类的深拷贝和该类对象本身的浅拷贝。</a:t>
-            </a:r>
-            <a:endParaRPr lang="en-US" altLang="zh-CN" sz="2400" dirty="0">
-              <a:solidFill>
-                <a:schemeClr val="accent2"/>
-              </a:solidFill>
-              <a:latin typeface="Microsoft YaHei" panose="020B0503020204020204" pitchFamily="34" charset="-122"/>
-              <a:ea typeface="Microsoft YaHei" panose="020B0503020204020204" pitchFamily="34" charset="-122"/>
-            </a:endParaRPr>
-          </a:p>
-          <a:p>
-            <a:pPr marL="914400" lvl="1" indent="-457200">
-              <a:buFont typeface="+mj-lt"/>
-              <a:buAutoNum type="arabicPeriod"/>
-            </a:pPr>
-            <a:r>
-              <a:rPr lang="zh-CN" altLang="en-US" sz="2400" dirty="0">
-                <a:solidFill>
-                  <a:schemeClr val="accent2"/>
-                </a:solidFill>
-                <a:latin typeface="Microsoft YaHei" panose="020B0503020204020204" pitchFamily="34" charset="-122"/>
-                <a:ea typeface="Microsoft YaHei" panose="020B0503020204020204" pitchFamily="34" charset="-122"/>
-              </a:rPr>
-              <a:t>如果该类包含引用类型，还需调用该引用类型的</a:t>
-            </a:r>
-            <a:r>
-              <a:rPr lang="en-US" altLang="zh-CN" sz="2400" dirty="0">
-                <a:solidFill>
-                  <a:schemeClr val="accent2"/>
-                </a:solidFill>
-                <a:latin typeface="Microsoft YaHei" panose="020B0503020204020204" pitchFamily="34" charset="-122"/>
-                <a:ea typeface="Microsoft YaHei" panose="020B0503020204020204" pitchFamily="34" charset="-122"/>
-              </a:rPr>
-              <a:t>clone</a:t>
-            </a:r>
-            <a:r>
-              <a:rPr lang="zh-CN" altLang="en-US" sz="2400" dirty="0">
-                <a:solidFill>
-                  <a:schemeClr val="accent2"/>
-                </a:solidFill>
-                <a:latin typeface="Microsoft YaHei" panose="020B0503020204020204" pitchFamily="34" charset="-122"/>
-                <a:ea typeface="Microsoft YaHei" panose="020B0503020204020204" pitchFamily="34" charset="-122"/>
-              </a:rPr>
-              <a:t>方法对引用类型深拷贝。</a:t>
-            </a:r>
-            <a:endParaRPr kumimoji="1" lang="en-US" altLang="zh-CN" sz="3200" dirty="0">
-              <a:solidFill>
-                <a:schemeClr val="accent2"/>
-              </a:solidFill>
-              <a:latin typeface="Microsoft YaHei" panose="020B0503020204020204" pitchFamily="34" charset="-122"/>
-              <a:ea typeface="Microsoft YaHei" panose="020B0503020204020204" pitchFamily="34" charset="-122"/>
-            </a:endParaRPr>
-          </a:p>
-          <a:p>
-            <a:endParaRPr kumimoji="1" lang="en-US" altLang="zh-CN" sz="2400" dirty="0">
-              <a:latin typeface="Microsoft YaHei" panose="020B0503020204020204" pitchFamily="34" charset="-122"/>
-              <a:ea typeface="Microsoft YaHei" panose="020B0503020204020204" pitchFamily="34" charset="-122"/>
-            </a:endParaRPr>
+            <a:r>
+              <a:rPr kumimoji="1" lang="zh-CN" altLang="en-US" dirty="0"/>
+              <a:t>切换到代码演示</a:t>
+            </a:r>
           </a:p>
         </p:txBody>
       </p:sp>
@@ -2095,7 +2051,7 @@
     </p:spTree>
     <p:extLst>
       <p:ext uri="{BB962C8B-B14F-4D97-AF65-F5344CB8AC3E}">
-        <p14:creationId xmlns:p14="http://schemas.microsoft.com/office/powerpoint/2010/main" val="3479437698"/>
+        <p14:creationId xmlns:p14="http://schemas.microsoft.com/office/powerpoint/2010/main" val="3893479894"/>
       </p:ext>
     </p:extLst>
   </p:cSld>
@@ -2179,7 +2135,7 @@
     </p:spTree>
     <p:extLst>
       <p:ext uri="{BB962C8B-B14F-4D97-AF65-F5344CB8AC3E}">
-        <p14:creationId xmlns:p14="http://schemas.microsoft.com/office/powerpoint/2010/main" val="1543490708"/>
+        <p14:creationId xmlns:p14="http://schemas.microsoft.com/office/powerpoint/2010/main" val="4136779501"/>
       </p:ext>
     </p:extLst>
   </p:cSld>
@@ -2233,12 +2189,6 @@
           <a:bodyPr/>
           <a:lstStyle/>
           <a:p>
-            <a:r>
-              <a:rPr lang="en-US" altLang="zh-CN" dirty="0">
-                <a:hlinkClick r:id="rId3"/>
-              </a:rPr>
-              <a:t>https://blog.csdn.net/qq_33314107/article/details/80271963</a:t>
-            </a:r>
             <a:endParaRPr kumimoji="1" lang="zh-CN" altLang="en-US" dirty="0"/>
           </a:p>
         </p:txBody>
@@ -2269,7 +2219,7 @@
     </p:spTree>
     <p:extLst>
       <p:ext uri="{BB962C8B-B14F-4D97-AF65-F5344CB8AC3E}">
-        <p14:creationId xmlns:p14="http://schemas.microsoft.com/office/powerpoint/2010/main" val="854797086"/>
+        <p14:creationId xmlns:p14="http://schemas.microsoft.com/office/powerpoint/2010/main" val="2101975829"/>
       </p:ext>
     </p:extLst>
   </p:cSld>
@@ -2353,7 +2303,7 @@
     </p:spTree>
     <p:extLst>
       <p:ext uri="{BB962C8B-B14F-4D97-AF65-F5344CB8AC3E}">
-        <p14:creationId xmlns:p14="http://schemas.microsoft.com/office/powerpoint/2010/main" val="3210190873"/>
+        <p14:creationId xmlns:p14="http://schemas.microsoft.com/office/powerpoint/2010/main" val="2318883953"/>
       </p:ext>
     </p:extLst>
   </p:cSld>
@@ -2407,10 +2357,7 @@
           <a:bodyPr/>
           <a:lstStyle/>
           <a:p>
-            <a:r>
-              <a:rPr kumimoji="1" lang="zh-CN" altLang="en-US" dirty="0"/>
-              <a:t>截图来自老师的示例代码</a:t>
-            </a:r>
+            <a:endParaRPr kumimoji="1" lang="zh-CN" altLang="en-US" dirty="0"/>
           </a:p>
         </p:txBody>
       </p:sp>
@@ -2440,7 +2387,7 @@
     </p:spTree>
     <p:extLst>
       <p:ext uri="{BB962C8B-B14F-4D97-AF65-F5344CB8AC3E}">
-        <p14:creationId xmlns:p14="http://schemas.microsoft.com/office/powerpoint/2010/main" val="1416790942"/>
+        <p14:creationId xmlns:p14="http://schemas.microsoft.com/office/powerpoint/2010/main" val="1543490922"/>
       </p:ext>
     </p:extLst>
   </p:cSld>
@@ -2524,7 +2471,7 @@
     </p:spTree>
     <p:extLst>
       <p:ext uri="{BB962C8B-B14F-4D97-AF65-F5344CB8AC3E}">
-        <p14:creationId xmlns:p14="http://schemas.microsoft.com/office/powerpoint/2010/main" val="2770177019"/>
+        <p14:creationId xmlns:p14="http://schemas.microsoft.com/office/powerpoint/2010/main" val="4048281992"/>
       </p:ext>
     </p:extLst>
   </p:cSld>
@@ -2608,7 +2555,7 @@
     </p:spTree>
     <p:extLst>
       <p:ext uri="{BB962C8B-B14F-4D97-AF65-F5344CB8AC3E}">
-        <p14:creationId xmlns:p14="http://schemas.microsoft.com/office/powerpoint/2010/main" val="868229928"/>
+        <p14:creationId xmlns:p14="http://schemas.microsoft.com/office/powerpoint/2010/main" val="2170200516"/>
       </p:ext>
     </p:extLst>
   </p:cSld>
@@ -2692,7 +2639,7 @@
     </p:spTree>
     <p:extLst>
       <p:ext uri="{BB962C8B-B14F-4D97-AF65-F5344CB8AC3E}">
-        <p14:creationId xmlns:p14="http://schemas.microsoft.com/office/powerpoint/2010/main" val="1934056411"/>
+        <p14:creationId xmlns:p14="http://schemas.microsoft.com/office/powerpoint/2010/main" val="1980322143"/>
       </p:ext>
     </p:extLst>
   </p:cSld>
@@ -2776,7 +2723,7 @@
     </p:spTree>
     <p:extLst>
       <p:ext uri="{BB962C8B-B14F-4D97-AF65-F5344CB8AC3E}">
-        <p14:creationId xmlns:p14="http://schemas.microsoft.com/office/powerpoint/2010/main" val="3465643749"/>
+        <p14:creationId xmlns:p14="http://schemas.microsoft.com/office/powerpoint/2010/main" val="3909738134"/>
       </p:ext>
     </p:extLst>
   </p:cSld>
@@ -2860,7 +2807,7 @@
     </p:spTree>
     <p:extLst>
       <p:ext uri="{BB962C8B-B14F-4D97-AF65-F5344CB8AC3E}">
-        <p14:creationId xmlns:p14="http://schemas.microsoft.com/office/powerpoint/2010/main" val="1349511160"/>
+        <p14:creationId xmlns:p14="http://schemas.microsoft.com/office/powerpoint/2010/main" val="4049264765"/>
       </p:ext>
     </p:extLst>
   </p:cSld>
@@ -2944,7 +2891,7 @@
     </p:spTree>
     <p:extLst>
       <p:ext uri="{BB962C8B-B14F-4D97-AF65-F5344CB8AC3E}">
-        <p14:creationId xmlns:p14="http://schemas.microsoft.com/office/powerpoint/2010/main" val="3282952626"/>
+        <p14:creationId xmlns:p14="http://schemas.microsoft.com/office/powerpoint/2010/main" val="1615207098"/>
       </p:ext>
     </p:extLst>
   </p:cSld>
@@ -2998,7 +2945,132 @@
           <a:bodyPr/>
           <a:lstStyle/>
           <a:p>
-            <a:endParaRPr kumimoji="1" lang="zh-CN" altLang="en-US" dirty="0"/>
+            <a:endParaRPr kumimoji="1" lang="zh-CN" altLang="en-US" sz="2400" dirty="0">
+              <a:latin typeface="Microsoft YaHei" panose="020B0503020204020204" pitchFamily="34" charset="-122"/>
+              <a:ea typeface="Microsoft YaHei" panose="020B0503020204020204" pitchFamily="34" charset="-122"/>
+            </a:endParaRPr>
+          </a:p>
+          <a:p>
+            <a:pPr marL="914400" lvl="1" indent="-457200">
+              <a:buFont typeface="+mj-lt"/>
+              <a:buAutoNum type="arabicPeriod"/>
+            </a:pPr>
+            <a:r>
+              <a:rPr lang="zh-CN" altLang="en-US" sz="2400" dirty="0">
+                <a:solidFill>
+                  <a:schemeClr val="accent2"/>
+                </a:solidFill>
+                <a:latin typeface="Microsoft YaHei" panose="020B0503020204020204" pitchFamily="34" charset="-122"/>
+                <a:ea typeface="Microsoft YaHei" panose="020B0503020204020204" pitchFamily="34" charset="-122"/>
+              </a:rPr>
+              <a:t>不管什么类，实现</a:t>
+            </a:r>
+            <a:r>
+              <a:rPr lang="en-US" altLang="zh-CN" sz="2400" dirty="0">
+                <a:solidFill>
+                  <a:schemeClr val="accent2"/>
+                </a:solidFill>
+                <a:latin typeface="Microsoft YaHei" panose="020B0503020204020204" pitchFamily="34" charset="-122"/>
+                <a:ea typeface="Microsoft YaHei" panose="020B0503020204020204" pitchFamily="34" charset="-122"/>
+              </a:rPr>
+              <a:t>clone</a:t>
+            </a:r>
+            <a:r>
+              <a:rPr lang="zh-CN" altLang="en-US" sz="2400" dirty="0">
+                <a:solidFill>
+                  <a:schemeClr val="accent2"/>
+                </a:solidFill>
+                <a:latin typeface="Microsoft YaHei" panose="020B0503020204020204" pitchFamily="34" charset="-122"/>
+                <a:ea typeface="Microsoft YaHei" panose="020B0503020204020204" pitchFamily="34" charset="-122"/>
+              </a:rPr>
+              <a:t>方法的第一步是调用</a:t>
+            </a:r>
+            <a:r>
+              <a:rPr lang="en-US" altLang="zh-CN" sz="2400" dirty="0" err="1">
+                <a:solidFill>
+                  <a:schemeClr val="accent2"/>
+                </a:solidFill>
+                <a:latin typeface="Microsoft YaHei" panose="020B0503020204020204" pitchFamily="34" charset="-122"/>
+                <a:ea typeface="Microsoft YaHei" panose="020B0503020204020204" pitchFamily="34" charset="-122"/>
+              </a:rPr>
+              <a:t>super.clone</a:t>
+            </a:r>
+            <a:r>
+              <a:rPr lang="en-US" altLang="zh-CN" sz="2400" dirty="0">
+                <a:solidFill>
+                  <a:schemeClr val="accent2"/>
+                </a:solidFill>
+                <a:latin typeface="Microsoft YaHei" panose="020B0503020204020204" pitchFamily="34" charset="-122"/>
+                <a:ea typeface="Microsoft YaHei" panose="020B0503020204020204" pitchFamily="34" charset="-122"/>
+              </a:rPr>
+              <a:t>()</a:t>
+            </a:r>
+            <a:r>
+              <a:rPr lang="zh-CN" altLang="en-US" sz="2400" dirty="0">
+                <a:solidFill>
+                  <a:schemeClr val="accent2"/>
+                </a:solidFill>
+                <a:latin typeface="Microsoft YaHei" panose="020B0503020204020204" pitchFamily="34" charset="-122"/>
+                <a:ea typeface="Microsoft YaHei" panose="020B0503020204020204" pitchFamily="34" charset="-122"/>
+              </a:rPr>
+              <a:t>完成其父类的深拷贝和该类对象本身的浅拷贝。</a:t>
+            </a:r>
+            <a:endParaRPr lang="en-US" altLang="zh-CN" sz="2400" dirty="0">
+              <a:solidFill>
+                <a:schemeClr val="accent2"/>
+              </a:solidFill>
+              <a:latin typeface="Microsoft YaHei" panose="020B0503020204020204" pitchFamily="34" charset="-122"/>
+              <a:ea typeface="Microsoft YaHei" panose="020B0503020204020204" pitchFamily="34" charset="-122"/>
+            </a:endParaRPr>
+          </a:p>
+          <a:p>
+            <a:pPr marL="914400" lvl="1" indent="-457200">
+              <a:buFont typeface="+mj-lt"/>
+              <a:buAutoNum type="arabicPeriod"/>
+            </a:pPr>
+            <a:r>
+              <a:rPr lang="zh-CN" altLang="en-US" sz="2400" dirty="0">
+                <a:solidFill>
+                  <a:schemeClr val="accent2"/>
+                </a:solidFill>
+                <a:latin typeface="Microsoft YaHei" panose="020B0503020204020204" pitchFamily="34" charset="-122"/>
+                <a:ea typeface="Microsoft YaHei" panose="020B0503020204020204" pitchFamily="34" charset="-122"/>
+              </a:rPr>
+              <a:t>如果该类包含引用类型，还需调用该引用类型的</a:t>
+            </a:r>
+            <a:r>
+              <a:rPr lang="en-US" altLang="zh-CN" sz="2400" dirty="0">
+                <a:solidFill>
+                  <a:schemeClr val="accent2"/>
+                </a:solidFill>
+                <a:latin typeface="Microsoft YaHei" panose="020B0503020204020204" pitchFamily="34" charset="-122"/>
+                <a:ea typeface="Microsoft YaHei" panose="020B0503020204020204" pitchFamily="34" charset="-122"/>
+              </a:rPr>
+              <a:t>clone</a:t>
+            </a:r>
+            <a:r>
+              <a:rPr lang="zh-CN" altLang="en-US" sz="2400" dirty="0">
+                <a:solidFill>
+                  <a:schemeClr val="accent2"/>
+                </a:solidFill>
+                <a:latin typeface="Microsoft YaHei" panose="020B0503020204020204" pitchFamily="34" charset="-122"/>
+                <a:ea typeface="Microsoft YaHei" panose="020B0503020204020204" pitchFamily="34" charset="-122"/>
+              </a:rPr>
+              <a:t>方法对引用类型深拷贝。</a:t>
+            </a:r>
+            <a:endParaRPr kumimoji="1" lang="en-US" altLang="zh-CN" sz="3200" dirty="0">
+              <a:solidFill>
+                <a:schemeClr val="accent2"/>
+              </a:solidFill>
+              <a:latin typeface="Microsoft YaHei" panose="020B0503020204020204" pitchFamily="34" charset="-122"/>
+              <a:ea typeface="Microsoft YaHei" panose="020B0503020204020204" pitchFamily="34" charset="-122"/>
+            </a:endParaRPr>
+          </a:p>
+          <a:p>
+            <a:endParaRPr kumimoji="1" lang="en-US" altLang="zh-CN" sz="2400" dirty="0">
+              <a:latin typeface="Microsoft YaHei" panose="020B0503020204020204" pitchFamily="34" charset="-122"/>
+              <a:ea typeface="Microsoft YaHei" panose="020B0503020204020204" pitchFamily="34" charset="-122"/>
+            </a:endParaRPr>
           </a:p>
         </p:txBody>
       </p:sp>
@@ -3028,7 +3100,7 @@
     </p:spTree>
     <p:extLst>
       <p:ext uri="{BB962C8B-B14F-4D97-AF65-F5344CB8AC3E}">
-        <p14:creationId xmlns:p14="http://schemas.microsoft.com/office/powerpoint/2010/main" val="1043890212"/>
+        <p14:creationId xmlns:p14="http://schemas.microsoft.com/office/powerpoint/2010/main" val="3479437698"/>
       </p:ext>
     </p:extLst>
   </p:cSld>
@@ -3112,7 +3184,7 @@
     </p:spTree>
     <p:extLst>
       <p:ext uri="{BB962C8B-B14F-4D97-AF65-F5344CB8AC3E}">
-        <p14:creationId xmlns:p14="http://schemas.microsoft.com/office/powerpoint/2010/main" val="2541675217"/>
+        <p14:creationId xmlns:p14="http://schemas.microsoft.com/office/powerpoint/2010/main" val="1543490708"/>
       </p:ext>
     </p:extLst>
   </p:cSld>
@@ -3166,6 +3238,12 @@
           <a:bodyPr/>
           <a:lstStyle/>
           <a:p>
+            <a:r>
+              <a:rPr lang="en-US" altLang="zh-CN" dirty="0">
+                <a:hlinkClick r:id="rId3"/>
+              </a:rPr>
+              <a:t>https://blog.csdn.net/qq_33314107/article/details/80271963</a:t>
+            </a:r>
             <a:endParaRPr kumimoji="1" lang="zh-CN" altLang="en-US" dirty="0"/>
           </a:p>
         </p:txBody>
@@ -3196,7 +3274,262 @@
     </p:spTree>
     <p:extLst>
       <p:ext uri="{BB962C8B-B14F-4D97-AF65-F5344CB8AC3E}">
-        <p14:creationId xmlns:p14="http://schemas.microsoft.com/office/powerpoint/2010/main" val="3272291297"/>
+        <p14:creationId xmlns:p14="http://schemas.microsoft.com/office/powerpoint/2010/main" val="854797086"/>
+      </p:ext>
+    </p:extLst>
+  </p:cSld>
+  <p:clrMapOvr>
+    <a:masterClrMapping/>
+  </p:clrMapOvr>
+</p:notes>
+</file>
+
+<file path=ppt/notesSlides/notesSlide37.xml><?xml version="1.0" encoding="utf-8"?>
+<p:notes xmlns:a="http://schemas.openxmlformats.org/drawingml/2006/main" xmlns:r="http://schemas.openxmlformats.org/officeDocument/2006/relationships" xmlns:p="http://schemas.openxmlformats.org/presentationml/2006/main">
+  <p:cSld>
+    <p:spTree>
+      <p:nvGrpSpPr>
+        <p:cNvPr id="1" name=""/>
+        <p:cNvGrpSpPr/>
+        <p:nvPr/>
+      </p:nvGrpSpPr>
+      <p:grpSpPr>
+        <a:xfrm>
+          <a:off x="0" y="0"/>
+          <a:ext cx="0" cy="0"/>
+          <a:chOff x="0" y="0"/>
+          <a:chExt cx="0" cy="0"/>
+        </a:xfrm>
+      </p:grpSpPr>
+      <p:sp>
+        <p:nvSpPr>
+          <p:cNvPr id="2" name="幻灯片图像占位符 1"/>
+          <p:cNvSpPr>
+            <a:spLocks noGrp="1" noRot="1" noChangeAspect="1"/>
+          </p:cNvSpPr>
+          <p:nvPr>
+            <p:ph type="sldImg"/>
+          </p:nvPr>
+        </p:nvSpPr>
+        <p:spPr/>
+      </p:sp>
+      <p:sp>
+        <p:nvSpPr>
+          <p:cNvPr id="3" name="备注占位符 2"/>
+          <p:cNvSpPr>
+            <a:spLocks noGrp="1"/>
+          </p:cNvSpPr>
+          <p:nvPr>
+            <p:ph type="body" idx="1"/>
+          </p:nvPr>
+        </p:nvSpPr>
+        <p:spPr/>
+        <p:txBody>
+          <a:bodyPr/>
+          <a:lstStyle/>
+          <a:p>
+            <a:endParaRPr kumimoji="1" lang="zh-CN" altLang="en-US" dirty="0"/>
+          </a:p>
+        </p:txBody>
+      </p:sp>
+      <p:sp>
+        <p:nvSpPr>
+          <p:cNvPr id="4" name="灯片编号占位符 3"/>
+          <p:cNvSpPr>
+            <a:spLocks noGrp="1"/>
+          </p:cNvSpPr>
+          <p:nvPr>
+            <p:ph type="sldNum" sz="quarter" idx="5"/>
+          </p:nvPr>
+        </p:nvSpPr>
+        <p:spPr/>
+        <p:txBody>
+          <a:bodyPr/>
+          <a:lstStyle/>
+          <a:p>
+            <a:fld id="{0F8E57A1-C481-6944-857F-EAC8E932B5ED}" type="slidenum">
+              <a:rPr kumimoji="1" lang="zh-CN" altLang="en-US" smtClean="0"/>
+              <a:t>38</a:t>
+            </a:fld>
+            <a:endParaRPr kumimoji="1" lang="zh-CN" altLang="en-US"/>
+          </a:p>
+        </p:txBody>
+      </p:sp>
+    </p:spTree>
+    <p:extLst>
+      <p:ext uri="{BB962C8B-B14F-4D97-AF65-F5344CB8AC3E}">
+        <p14:creationId xmlns:p14="http://schemas.microsoft.com/office/powerpoint/2010/main" val="3210190873"/>
+      </p:ext>
+    </p:extLst>
+  </p:cSld>
+  <p:clrMapOvr>
+    <a:masterClrMapping/>
+  </p:clrMapOvr>
+</p:notes>
+</file>
+
+<file path=ppt/notesSlides/notesSlide38.xml><?xml version="1.0" encoding="utf-8"?>
+<p:notes xmlns:a="http://schemas.openxmlformats.org/drawingml/2006/main" xmlns:r="http://schemas.openxmlformats.org/officeDocument/2006/relationships" xmlns:p="http://schemas.openxmlformats.org/presentationml/2006/main">
+  <p:cSld>
+    <p:spTree>
+      <p:nvGrpSpPr>
+        <p:cNvPr id="1" name=""/>
+        <p:cNvGrpSpPr/>
+        <p:nvPr/>
+      </p:nvGrpSpPr>
+      <p:grpSpPr>
+        <a:xfrm>
+          <a:off x="0" y="0"/>
+          <a:ext cx="0" cy="0"/>
+          <a:chOff x="0" y="0"/>
+          <a:chExt cx="0" cy="0"/>
+        </a:xfrm>
+      </p:grpSpPr>
+      <p:sp>
+        <p:nvSpPr>
+          <p:cNvPr id="2" name="幻灯片图像占位符 1"/>
+          <p:cNvSpPr>
+            <a:spLocks noGrp="1" noRot="1" noChangeAspect="1"/>
+          </p:cNvSpPr>
+          <p:nvPr>
+            <p:ph type="sldImg"/>
+          </p:nvPr>
+        </p:nvSpPr>
+        <p:spPr/>
+      </p:sp>
+      <p:sp>
+        <p:nvSpPr>
+          <p:cNvPr id="3" name="备注占位符 2"/>
+          <p:cNvSpPr>
+            <a:spLocks noGrp="1"/>
+          </p:cNvSpPr>
+          <p:nvPr>
+            <p:ph type="body" idx="1"/>
+          </p:nvPr>
+        </p:nvSpPr>
+        <p:spPr/>
+        <p:txBody>
+          <a:bodyPr/>
+          <a:lstStyle/>
+          <a:p>
+            <a:r>
+              <a:rPr kumimoji="1" lang="zh-CN" altLang="en-US" dirty="0"/>
+              <a:t>截图来自老师的示例代码</a:t>
+            </a:r>
+          </a:p>
+        </p:txBody>
+      </p:sp>
+      <p:sp>
+        <p:nvSpPr>
+          <p:cNvPr id="4" name="灯片编号占位符 3"/>
+          <p:cNvSpPr>
+            <a:spLocks noGrp="1"/>
+          </p:cNvSpPr>
+          <p:nvPr>
+            <p:ph type="sldNum" sz="quarter" idx="5"/>
+          </p:nvPr>
+        </p:nvSpPr>
+        <p:spPr/>
+        <p:txBody>
+          <a:bodyPr/>
+          <a:lstStyle/>
+          <a:p>
+            <a:fld id="{0F8E57A1-C481-6944-857F-EAC8E932B5ED}" type="slidenum">
+              <a:rPr kumimoji="1" lang="zh-CN" altLang="en-US" smtClean="0"/>
+              <a:t>39</a:t>
+            </a:fld>
+            <a:endParaRPr kumimoji="1" lang="zh-CN" altLang="en-US"/>
+          </a:p>
+        </p:txBody>
+      </p:sp>
+    </p:spTree>
+    <p:extLst>
+      <p:ext uri="{BB962C8B-B14F-4D97-AF65-F5344CB8AC3E}">
+        <p14:creationId xmlns:p14="http://schemas.microsoft.com/office/powerpoint/2010/main" val="1416790942"/>
+      </p:ext>
+    </p:extLst>
+  </p:cSld>
+  <p:clrMapOvr>
+    <a:masterClrMapping/>
+  </p:clrMapOvr>
+</p:notes>
+</file>
+
+<file path=ppt/notesSlides/notesSlide39.xml><?xml version="1.0" encoding="utf-8"?>
+<p:notes xmlns:a="http://schemas.openxmlformats.org/drawingml/2006/main" xmlns:r="http://schemas.openxmlformats.org/officeDocument/2006/relationships" xmlns:p="http://schemas.openxmlformats.org/presentationml/2006/main">
+  <p:cSld>
+    <p:spTree>
+      <p:nvGrpSpPr>
+        <p:cNvPr id="1" name=""/>
+        <p:cNvGrpSpPr/>
+        <p:nvPr/>
+      </p:nvGrpSpPr>
+      <p:grpSpPr>
+        <a:xfrm>
+          <a:off x="0" y="0"/>
+          <a:ext cx="0" cy="0"/>
+          <a:chOff x="0" y="0"/>
+          <a:chExt cx="0" cy="0"/>
+        </a:xfrm>
+      </p:grpSpPr>
+      <p:sp>
+        <p:nvSpPr>
+          <p:cNvPr id="2" name="幻灯片图像占位符 1"/>
+          <p:cNvSpPr>
+            <a:spLocks noGrp="1" noRot="1" noChangeAspect="1"/>
+          </p:cNvSpPr>
+          <p:nvPr>
+            <p:ph type="sldImg"/>
+          </p:nvPr>
+        </p:nvSpPr>
+        <p:spPr/>
+      </p:sp>
+      <p:sp>
+        <p:nvSpPr>
+          <p:cNvPr id="3" name="备注占位符 2"/>
+          <p:cNvSpPr>
+            <a:spLocks noGrp="1"/>
+          </p:cNvSpPr>
+          <p:nvPr>
+            <p:ph type="body" idx="1"/>
+          </p:nvPr>
+        </p:nvSpPr>
+        <p:spPr/>
+        <p:txBody>
+          <a:bodyPr/>
+          <a:lstStyle/>
+          <a:p>
+            <a:endParaRPr kumimoji="1" lang="zh-CN" altLang="en-US" dirty="0"/>
+          </a:p>
+        </p:txBody>
+      </p:sp>
+      <p:sp>
+        <p:nvSpPr>
+          <p:cNvPr id="4" name="灯片编号占位符 3"/>
+          <p:cNvSpPr>
+            <a:spLocks noGrp="1"/>
+          </p:cNvSpPr>
+          <p:nvPr>
+            <p:ph type="sldNum" sz="quarter" idx="5"/>
+          </p:nvPr>
+        </p:nvSpPr>
+        <p:spPr/>
+        <p:txBody>
+          <a:bodyPr/>
+          <a:lstStyle/>
+          <a:p>
+            <a:fld id="{0F8E57A1-C481-6944-857F-EAC8E932B5ED}" type="slidenum">
+              <a:rPr kumimoji="1" lang="zh-CN" altLang="en-US" smtClean="0"/>
+              <a:t>40</a:t>
+            </a:fld>
+            <a:endParaRPr kumimoji="1" lang="zh-CN" altLang="en-US"/>
+          </a:p>
+        </p:txBody>
+      </p:sp>
+    </p:spTree>
+    <p:extLst>
+      <p:ext uri="{BB962C8B-B14F-4D97-AF65-F5344CB8AC3E}">
+        <p14:creationId xmlns:p14="http://schemas.microsoft.com/office/powerpoint/2010/main" val="2770177019"/>
       </p:ext>
     </p:extLst>
   </p:cSld>
@@ -3280,7 +3613,595 @@
     </p:spTree>
     <p:extLst>
       <p:ext uri="{BB962C8B-B14F-4D97-AF65-F5344CB8AC3E}">
-        <p14:creationId xmlns:p14="http://schemas.microsoft.com/office/powerpoint/2010/main" val="1737300124"/>
+        <p14:creationId xmlns:p14="http://schemas.microsoft.com/office/powerpoint/2010/main" val="3714333887"/>
+      </p:ext>
+    </p:extLst>
+  </p:cSld>
+  <p:clrMapOvr>
+    <a:masterClrMapping/>
+  </p:clrMapOvr>
+</p:notes>
+</file>
+
+<file path=ppt/notesSlides/notesSlide40.xml><?xml version="1.0" encoding="utf-8"?>
+<p:notes xmlns:a="http://schemas.openxmlformats.org/drawingml/2006/main" xmlns:r="http://schemas.openxmlformats.org/officeDocument/2006/relationships" xmlns:p="http://schemas.openxmlformats.org/presentationml/2006/main">
+  <p:cSld>
+    <p:spTree>
+      <p:nvGrpSpPr>
+        <p:cNvPr id="1" name=""/>
+        <p:cNvGrpSpPr/>
+        <p:nvPr/>
+      </p:nvGrpSpPr>
+      <p:grpSpPr>
+        <a:xfrm>
+          <a:off x="0" y="0"/>
+          <a:ext cx="0" cy="0"/>
+          <a:chOff x="0" y="0"/>
+          <a:chExt cx="0" cy="0"/>
+        </a:xfrm>
+      </p:grpSpPr>
+      <p:sp>
+        <p:nvSpPr>
+          <p:cNvPr id="2" name="幻灯片图像占位符 1"/>
+          <p:cNvSpPr>
+            <a:spLocks noGrp="1" noRot="1" noChangeAspect="1"/>
+          </p:cNvSpPr>
+          <p:nvPr>
+            <p:ph type="sldImg"/>
+          </p:nvPr>
+        </p:nvSpPr>
+        <p:spPr/>
+      </p:sp>
+      <p:sp>
+        <p:nvSpPr>
+          <p:cNvPr id="3" name="备注占位符 2"/>
+          <p:cNvSpPr>
+            <a:spLocks noGrp="1"/>
+          </p:cNvSpPr>
+          <p:nvPr>
+            <p:ph type="body" idx="1"/>
+          </p:nvPr>
+        </p:nvSpPr>
+        <p:spPr/>
+        <p:txBody>
+          <a:bodyPr/>
+          <a:lstStyle/>
+          <a:p>
+            <a:endParaRPr kumimoji="1" lang="zh-CN" altLang="en-US" dirty="0"/>
+          </a:p>
+        </p:txBody>
+      </p:sp>
+      <p:sp>
+        <p:nvSpPr>
+          <p:cNvPr id="4" name="灯片编号占位符 3"/>
+          <p:cNvSpPr>
+            <a:spLocks noGrp="1"/>
+          </p:cNvSpPr>
+          <p:nvPr>
+            <p:ph type="sldNum" sz="quarter" idx="5"/>
+          </p:nvPr>
+        </p:nvSpPr>
+        <p:spPr/>
+        <p:txBody>
+          <a:bodyPr/>
+          <a:lstStyle/>
+          <a:p>
+            <a:fld id="{0F8E57A1-C481-6944-857F-EAC8E932B5ED}" type="slidenum">
+              <a:rPr kumimoji="1" lang="zh-CN" altLang="en-US" smtClean="0"/>
+              <a:t>41</a:t>
+            </a:fld>
+            <a:endParaRPr kumimoji="1" lang="zh-CN" altLang="en-US"/>
+          </a:p>
+        </p:txBody>
+      </p:sp>
+    </p:spTree>
+    <p:extLst>
+      <p:ext uri="{BB962C8B-B14F-4D97-AF65-F5344CB8AC3E}">
+        <p14:creationId xmlns:p14="http://schemas.microsoft.com/office/powerpoint/2010/main" val="1934056411"/>
+      </p:ext>
+    </p:extLst>
+  </p:cSld>
+  <p:clrMapOvr>
+    <a:masterClrMapping/>
+  </p:clrMapOvr>
+</p:notes>
+</file>
+
+<file path=ppt/notesSlides/notesSlide41.xml><?xml version="1.0" encoding="utf-8"?>
+<p:notes xmlns:a="http://schemas.openxmlformats.org/drawingml/2006/main" xmlns:r="http://schemas.openxmlformats.org/officeDocument/2006/relationships" xmlns:p="http://schemas.openxmlformats.org/presentationml/2006/main">
+  <p:cSld>
+    <p:spTree>
+      <p:nvGrpSpPr>
+        <p:cNvPr id="1" name=""/>
+        <p:cNvGrpSpPr/>
+        <p:nvPr/>
+      </p:nvGrpSpPr>
+      <p:grpSpPr>
+        <a:xfrm>
+          <a:off x="0" y="0"/>
+          <a:ext cx="0" cy="0"/>
+          <a:chOff x="0" y="0"/>
+          <a:chExt cx="0" cy="0"/>
+        </a:xfrm>
+      </p:grpSpPr>
+      <p:sp>
+        <p:nvSpPr>
+          <p:cNvPr id="2" name="幻灯片图像占位符 1"/>
+          <p:cNvSpPr>
+            <a:spLocks noGrp="1" noRot="1" noChangeAspect="1"/>
+          </p:cNvSpPr>
+          <p:nvPr>
+            <p:ph type="sldImg"/>
+          </p:nvPr>
+        </p:nvSpPr>
+        <p:spPr/>
+      </p:sp>
+      <p:sp>
+        <p:nvSpPr>
+          <p:cNvPr id="3" name="备注占位符 2"/>
+          <p:cNvSpPr>
+            <a:spLocks noGrp="1"/>
+          </p:cNvSpPr>
+          <p:nvPr>
+            <p:ph type="body" idx="1"/>
+          </p:nvPr>
+        </p:nvSpPr>
+        <p:spPr/>
+        <p:txBody>
+          <a:bodyPr/>
+          <a:lstStyle/>
+          <a:p>
+            <a:endParaRPr kumimoji="1" lang="zh-CN" altLang="en-US" dirty="0"/>
+          </a:p>
+        </p:txBody>
+      </p:sp>
+      <p:sp>
+        <p:nvSpPr>
+          <p:cNvPr id="4" name="灯片编号占位符 3"/>
+          <p:cNvSpPr>
+            <a:spLocks noGrp="1"/>
+          </p:cNvSpPr>
+          <p:nvPr>
+            <p:ph type="sldNum" sz="quarter" idx="5"/>
+          </p:nvPr>
+        </p:nvSpPr>
+        <p:spPr/>
+        <p:txBody>
+          <a:bodyPr/>
+          <a:lstStyle/>
+          <a:p>
+            <a:fld id="{0F8E57A1-C481-6944-857F-EAC8E932B5ED}" type="slidenum">
+              <a:rPr kumimoji="1" lang="zh-CN" altLang="en-US" smtClean="0"/>
+              <a:t>42</a:t>
+            </a:fld>
+            <a:endParaRPr kumimoji="1" lang="zh-CN" altLang="en-US"/>
+          </a:p>
+        </p:txBody>
+      </p:sp>
+    </p:spTree>
+    <p:extLst>
+      <p:ext uri="{BB962C8B-B14F-4D97-AF65-F5344CB8AC3E}">
+        <p14:creationId xmlns:p14="http://schemas.microsoft.com/office/powerpoint/2010/main" val="3465643749"/>
+      </p:ext>
+    </p:extLst>
+  </p:cSld>
+  <p:clrMapOvr>
+    <a:masterClrMapping/>
+  </p:clrMapOvr>
+</p:notes>
+</file>
+
+<file path=ppt/notesSlides/notesSlide42.xml><?xml version="1.0" encoding="utf-8"?>
+<p:notes xmlns:a="http://schemas.openxmlformats.org/drawingml/2006/main" xmlns:r="http://schemas.openxmlformats.org/officeDocument/2006/relationships" xmlns:p="http://schemas.openxmlformats.org/presentationml/2006/main">
+  <p:cSld>
+    <p:spTree>
+      <p:nvGrpSpPr>
+        <p:cNvPr id="1" name=""/>
+        <p:cNvGrpSpPr/>
+        <p:nvPr/>
+      </p:nvGrpSpPr>
+      <p:grpSpPr>
+        <a:xfrm>
+          <a:off x="0" y="0"/>
+          <a:ext cx="0" cy="0"/>
+          <a:chOff x="0" y="0"/>
+          <a:chExt cx="0" cy="0"/>
+        </a:xfrm>
+      </p:grpSpPr>
+      <p:sp>
+        <p:nvSpPr>
+          <p:cNvPr id="2" name="幻灯片图像占位符 1"/>
+          <p:cNvSpPr>
+            <a:spLocks noGrp="1" noRot="1" noChangeAspect="1"/>
+          </p:cNvSpPr>
+          <p:nvPr>
+            <p:ph type="sldImg"/>
+          </p:nvPr>
+        </p:nvSpPr>
+        <p:spPr/>
+      </p:sp>
+      <p:sp>
+        <p:nvSpPr>
+          <p:cNvPr id="3" name="备注占位符 2"/>
+          <p:cNvSpPr>
+            <a:spLocks noGrp="1"/>
+          </p:cNvSpPr>
+          <p:nvPr>
+            <p:ph type="body" idx="1"/>
+          </p:nvPr>
+        </p:nvSpPr>
+        <p:spPr/>
+        <p:txBody>
+          <a:bodyPr/>
+          <a:lstStyle/>
+          <a:p>
+            <a:endParaRPr kumimoji="1" lang="zh-CN" altLang="en-US" dirty="0"/>
+          </a:p>
+        </p:txBody>
+      </p:sp>
+      <p:sp>
+        <p:nvSpPr>
+          <p:cNvPr id="4" name="灯片编号占位符 3"/>
+          <p:cNvSpPr>
+            <a:spLocks noGrp="1"/>
+          </p:cNvSpPr>
+          <p:nvPr>
+            <p:ph type="sldNum" sz="quarter" idx="5"/>
+          </p:nvPr>
+        </p:nvSpPr>
+        <p:spPr/>
+        <p:txBody>
+          <a:bodyPr/>
+          <a:lstStyle/>
+          <a:p>
+            <a:fld id="{0F8E57A1-C481-6944-857F-EAC8E932B5ED}" type="slidenum">
+              <a:rPr kumimoji="1" lang="zh-CN" altLang="en-US" smtClean="0"/>
+              <a:t>43</a:t>
+            </a:fld>
+            <a:endParaRPr kumimoji="1" lang="zh-CN" altLang="en-US"/>
+          </a:p>
+        </p:txBody>
+      </p:sp>
+    </p:spTree>
+    <p:extLst>
+      <p:ext uri="{BB962C8B-B14F-4D97-AF65-F5344CB8AC3E}">
+        <p14:creationId xmlns:p14="http://schemas.microsoft.com/office/powerpoint/2010/main" val="1349511160"/>
+      </p:ext>
+    </p:extLst>
+  </p:cSld>
+  <p:clrMapOvr>
+    <a:masterClrMapping/>
+  </p:clrMapOvr>
+</p:notes>
+</file>
+
+<file path=ppt/notesSlides/notesSlide43.xml><?xml version="1.0" encoding="utf-8"?>
+<p:notes xmlns:a="http://schemas.openxmlformats.org/drawingml/2006/main" xmlns:r="http://schemas.openxmlformats.org/officeDocument/2006/relationships" xmlns:p="http://schemas.openxmlformats.org/presentationml/2006/main">
+  <p:cSld>
+    <p:spTree>
+      <p:nvGrpSpPr>
+        <p:cNvPr id="1" name=""/>
+        <p:cNvGrpSpPr/>
+        <p:nvPr/>
+      </p:nvGrpSpPr>
+      <p:grpSpPr>
+        <a:xfrm>
+          <a:off x="0" y="0"/>
+          <a:ext cx="0" cy="0"/>
+          <a:chOff x="0" y="0"/>
+          <a:chExt cx="0" cy="0"/>
+        </a:xfrm>
+      </p:grpSpPr>
+      <p:sp>
+        <p:nvSpPr>
+          <p:cNvPr id="2" name="幻灯片图像占位符 1"/>
+          <p:cNvSpPr>
+            <a:spLocks noGrp="1" noRot="1" noChangeAspect="1"/>
+          </p:cNvSpPr>
+          <p:nvPr>
+            <p:ph type="sldImg"/>
+          </p:nvPr>
+        </p:nvSpPr>
+        <p:spPr/>
+      </p:sp>
+      <p:sp>
+        <p:nvSpPr>
+          <p:cNvPr id="3" name="备注占位符 2"/>
+          <p:cNvSpPr>
+            <a:spLocks noGrp="1"/>
+          </p:cNvSpPr>
+          <p:nvPr>
+            <p:ph type="body" idx="1"/>
+          </p:nvPr>
+        </p:nvSpPr>
+        <p:spPr/>
+        <p:txBody>
+          <a:bodyPr/>
+          <a:lstStyle/>
+          <a:p>
+            <a:endParaRPr kumimoji="1" lang="zh-CN" altLang="en-US" dirty="0"/>
+          </a:p>
+        </p:txBody>
+      </p:sp>
+      <p:sp>
+        <p:nvSpPr>
+          <p:cNvPr id="4" name="灯片编号占位符 3"/>
+          <p:cNvSpPr>
+            <a:spLocks noGrp="1"/>
+          </p:cNvSpPr>
+          <p:nvPr>
+            <p:ph type="sldNum" sz="quarter" idx="5"/>
+          </p:nvPr>
+        </p:nvSpPr>
+        <p:spPr/>
+        <p:txBody>
+          <a:bodyPr/>
+          <a:lstStyle/>
+          <a:p>
+            <a:fld id="{0F8E57A1-C481-6944-857F-EAC8E932B5ED}" type="slidenum">
+              <a:rPr kumimoji="1" lang="zh-CN" altLang="en-US" smtClean="0"/>
+              <a:t>44</a:t>
+            </a:fld>
+            <a:endParaRPr kumimoji="1" lang="zh-CN" altLang="en-US"/>
+          </a:p>
+        </p:txBody>
+      </p:sp>
+    </p:spTree>
+    <p:extLst>
+      <p:ext uri="{BB962C8B-B14F-4D97-AF65-F5344CB8AC3E}">
+        <p14:creationId xmlns:p14="http://schemas.microsoft.com/office/powerpoint/2010/main" val="3282952626"/>
+      </p:ext>
+    </p:extLst>
+  </p:cSld>
+  <p:clrMapOvr>
+    <a:masterClrMapping/>
+  </p:clrMapOvr>
+</p:notes>
+</file>
+
+<file path=ppt/notesSlides/notesSlide44.xml><?xml version="1.0" encoding="utf-8"?>
+<p:notes xmlns:a="http://schemas.openxmlformats.org/drawingml/2006/main" xmlns:r="http://schemas.openxmlformats.org/officeDocument/2006/relationships" xmlns:p="http://schemas.openxmlformats.org/presentationml/2006/main">
+  <p:cSld>
+    <p:spTree>
+      <p:nvGrpSpPr>
+        <p:cNvPr id="1" name=""/>
+        <p:cNvGrpSpPr/>
+        <p:nvPr/>
+      </p:nvGrpSpPr>
+      <p:grpSpPr>
+        <a:xfrm>
+          <a:off x="0" y="0"/>
+          <a:ext cx="0" cy="0"/>
+          <a:chOff x="0" y="0"/>
+          <a:chExt cx="0" cy="0"/>
+        </a:xfrm>
+      </p:grpSpPr>
+      <p:sp>
+        <p:nvSpPr>
+          <p:cNvPr id="2" name="幻灯片图像占位符 1"/>
+          <p:cNvSpPr>
+            <a:spLocks noGrp="1" noRot="1" noChangeAspect="1"/>
+          </p:cNvSpPr>
+          <p:nvPr>
+            <p:ph type="sldImg"/>
+          </p:nvPr>
+        </p:nvSpPr>
+        <p:spPr/>
+      </p:sp>
+      <p:sp>
+        <p:nvSpPr>
+          <p:cNvPr id="3" name="备注占位符 2"/>
+          <p:cNvSpPr>
+            <a:spLocks noGrp="1"/>
+          </p:cNvSpPr>
+          <p:nvPr>
+            <p:ph type="body" idx="1"/>
+          </p:nvPr>
+        </p:nvSpPr>
+        <p:spPr/>
+        <p:txBody>
+          <a:bodyPr/>
+          <a:lstStyle/>
+          <a:p>
+            <a:endParaRPr kumimoji="1" lang="zh-CN" altLang="en-US" dirty="0"/>
+          </a:p>
+        </p:txBody>
+      </p:sp>
+      <p:sp>
+        <p:nvSpPr>
+          <p:cNvPr id="4" name="灯片编号占位符 3"/>
+          <p:cNvSpPr>
+            <a:spLocks noGrp="1"/>
+          </p:cNvSpPr>
+          <p:nvPr>
+            <p:ph type="sldNum" sz="quarter" idx="5"/>
+          </p:nvPr>
+        </p:nvSpPr>
+        <p:spPr/>
+        <p:txBody>
+          <a:bodyPr/>
+          <a:lstStyle/>
+          <a:p>
+            <a:fld id="{0F8E57A1-C481-6944-857F-EAC8E932B5ED}" type="slidenum">
+              <a:rPr kumimoji="1" lang="zh-CN" altLang="en-US" smtClean="0"/>
+              <a:t>45</a:t>
+            </a:fld>
+            <a:endParaRPr kumimoji="1" lang="zh-CN" altLang="en-US"/>
+          </a:p>
+        </p:txBody>
+      </p:sp>
+    </p:spTree>
+    <p:extLst>
+      <p:ext uri="{BB962C8B-B14F-4D97-AF65-F5344CB8AC3E}">
+        <p14:creationId xmlns:p14="http://schemas.microsoft.com/office/powerpoint/2010/main" val="1043890212"/>
+      </p:ext>
+    </p:extLst>
+  </p:cSld>
+  <p:clrMapOvr>
+    <a:masterClrMapping/>
+  </p:clrMapOvr>
+</p:notes>
+</file>
+
+<file path=ppt/notesSlides/notesSlide45.xml><?xml version="1.0" encoding="utf-8"?>
+<p:notes xmlns:a="http://schemas.openxmlformats.org/drawingml/2006/main" xmlns:r="http://schemas.openxmlformats.org/officeDocument/2006/relationships" xmlns:p="http://schemas.openxmlformats.org/presentationml/2006/main">
+  <p:cSld>
+    <p:spTree>
+      <p:nvGrpSpPr>
+        <p:cNvPr id="1" name=""/>
+        <p:cNvGrpSpPr/>
+        <p:nvPr/>
+      </p:nvGrpSpPr>
+      <p:grpSpPr>
+        <a:xfrm>
+          <a:off x="0" y="0"/>
+          <a:ext cx="0" cy="0"/>
+          <a:chOff x="0" y="0"/>
+          <a:chExt cx="0" cy="0"/>
+        </a:xfrm>
+      </p:grpSpPr>
+      <p:sp>
+        <p:nvSpPr>
+          <p:cNvPr id="2" name="幻灯片图像占位符 1"/>
+          <p:cNvSpPr>
+            <a:spLocks noGrp="1" noRot="1" noChangeAspect="1"/>
+          </p:cNvSpPr>
+          <p:nvPr>
+            <p:ph type="sldImg"/>
+          </p:nvPr>
+        </p:nvSpPr>
+        <p:spPr/>
+      </p:sp>
+      <p:sp>
+        <p:nvSpPr>
+          <p:cNvPr id="3" name="备注占位符 2"/>
+          <p:cNvSpPr>
+            <a:spLocks noGrp="1"/>
+          </p:cNvSpPr>
+          <p:nvPr>
+            <p:ph type="body" idx="1"/>
+          </p:nvPr>
+        </p:nvSpPr>
+        <p:spPr/>
+        <p:txBody>
+          <a:bodyPr/>
+          <a:lstStyle/>
+          <a:p>
+            <a:endParaRPr kumimoji="1" lang="zh-CN" altLang="en-US" dirty="0"/>
+          </a:p>
+        </p:txBody>
+      </p:sp>
+      <p:sp>
+        <p:nvSpPr>
+          <p:cNvPr id="4" name="灯片编号占位符 3"/>
+          <p:cNvSpPr>
+            <a:spLocks noGrp="1"/>
+          </p:cNvSpPr>
+          <p:nvPr>
+            <p:ph type="sldNum" sz="quarter" idx="5"/>
+          </p:nvPr>
+        </p:nvSpPr>
+        <p:spPr/>
+        <p:txBody>
+          <a:bodyPr/>
+          <a:lstStyle/>
+          <a:p>
+            <a:fld id="{0F8E57A1-C481-6944-857F-EAC8E932B5ED}" type="slidenum">
+              <a:rPr kumimoji="1" lang="zh-CN" altLang="en-US" smtClean="0"/>
+              <a:t>46</a:t>
+            </a:fld>
+            <a:endParaRPr kumimoji="1" lang="zh-CN" altLang="en-US"/>
+          </a:p>
+        </p:txBody>
+      </p:sp>
+    </p:spTree>
+    <p:extLst>
+      <p:ext uri="{BB962C8B-B14F-4D97-AF65-F5344CB8AC3E}">
+        <p14:creationId xmlns:p14="http://schemas.microsoft.com/office/powerpoint/2010/main" val="2541675217"/>
+      </p:ext>
+    </p:extLst>
+  </p:cSld>
+  <p:clrMapOvr>
+    <a:masterClrMapping/>
+  </p:clrMapOvr>
+</p:notes>
+</file>
+
+<file path=ppt/notesSlides/notesSlide46.xml><?xml version="1.0" encoding="utf-8"?>
+<p:notes xmlns:a="http://schemas.openxmlformats.org/drawingml/2006/main" xmlns:r="http://schemas.openxmlformats.org/officeDocument/2006/relationships" xmlns:p="http://schemas.openxmlformats.org/presentationml/2006/main">
+  <p:cSld>
+    <p:spTree>
+      <p:nvGrpSpPr>
+        <p:cNvPr id="1" name=""/>
+        <p:cNvGrpSpPr/>
+        <p:nvPr/>
+      </p:nvGrpSpPr>
+      <p:grpSpPr>
+        <a:xfrm>
+          <a:off x="0" y="0"/>
+          <a:ext cx="0" cy="0"/>
+          <a:chOff x="0" y="0"/>
+          <a:chExt cx="0" cy="0"/>
+        </a:xfrm>
+      </p:grpSpPr>
+      <p:sp>
+        <p:nvSpPr>
+          <p:cNvPr id="2" name="幻灯片图像占位符 1"/>
+          <p:cNvSpPr>
+            <a:spLocks noGrp="1" noRot="1" noChangeAspect="1"/>
+          </p:cNvSpPr>
+          <p:nvPr>
+            <p:ph type="sldImg"/>
+          </p:nvPr>
+        </p:nvSpPr>
+        <p:spPr/>
+      </p:sp>
+      <p:sp>
+        <p:nvSpPr>
+          <p:cNvPr id="3" name="备注占位符 2"/>
+          <p:cNvSpPr>
+            <a:spLocks noGrp="1"/>
+          </p:cNvSpPr>
+          <p:nvPr>
+            <p:ph type="body" idx="1"/>
+          </p:nvPr>
+        </p:nvSpPr>
+        <p:spPr/>
+        <p:txBody>
+          <a:bodyPr/>
+          <a:lstStyle/>
+          <a:p>
+            <a:endParaRPr kumimoji="1" lang="zh-CN" altLang="en-US" dirty="0"/>
+          </a:p>
+        </p:txBody>
+      </p:sp>
+      <p:sp>
+        <p:nvSpPr>
+          <p:cNvPr id="4" name="灯片编号占位符 3"/>
+          <p:cNvSpPr>
+            <a:spLocks noGrp="1"/>
+          </p:cNvSpPr>
+          <p:nvPr>
+            <p:ph type="sldNum" sz="quarter" idx="5"/>
+          </p:nvPr>
+        </p:nvSpPr>
+        <p:spPr/>
+        <p:txBody>
+          <a:bodyPr/>
+          <a:lstStyle/>
+          <a:p>
+            <a:fld id="{0F8E57A1-C481-6944-857F-EAC8E932B5ED}" type="slidenum">
+              <a:rPr kumimoji="1" lang="zh-CN" altLang="en-US" smtClean="0"/>
+              <a:t>47</a:t>
+            </a:fld>
+            <a:endParaRPr kumimoji="1" lang="zh-CN" altLang="en-US"/>
+          </a:p>
+        </p:txBody>
+      </p:sp>
+    </p:spTree>
+    <p:extLst>
+      <p:ext uri="{BB962C8B-B14F-4D97-AF65-F5344CB8AC3E}">
+        <p14:creationId xmlns:p14="http://schemas.microsoft.com/office/powerpoint/2010/main" val="3272291297"/>
       </p:ext>
     </p:extLst>
   </p:cSld>
@@ -3334,10 +4255,7 @@
           <a:bodyPr/>
           <a:lstStyle/>
           <a:p>
-            <a:r>
-              <a:rPr kumimoji="1" lang="zh-CN" altLang="en-US" dirty="0"/>
-              <a:t>切换到代码演示</a:t>
-            </a:r>
+            <a:endParaRPr kumimoji="1" lang="zh-CN" altLang="en-US" dirty="0"/>
           </a:p>
         </p:txBody>
       </p:sp>
@@ -3367,7 +4285,7 @@
     </p:spTree>
     <p:extLst>
       <p:ext uri="{BB962C8B-B14F-4D97-AF65-F5344CB8AC3E}">
-        <p14:creationId xmlns:p14="http://schemas.microsoft.com/office/powerpoint/2010/main" val="3015729976"/>
+        <p14:creationId xmlns:p14="http://schemas.microsoft.com/office/powerpoint/2010/main" val="2283825245"/>
       </p:ext>
     </p:extLst>
   </p:cSld>
@@ -3421,10 +4339,7 @@
           <a:bodyPr/>
           <a:lstStyle/>
           <a:p>
-            <a:r>
-              <a:rPr kumimoji="1" lang="zh-CN" altLang="en-US" dirty="0"/>
-              <a:t>切换到代码演示</a:t>
-            </a:r>
+            <a:endParaRPr kumimoji="1" lang="zh-CN" altLang="en-US" dirty="0"/>
           </a:p>
         </p:txBody>
       </p:sp>
@@ -3454,7 +4369,7 @@
     </p:spTree>
     <p:extLst>
       <p:ext uri="{BB962C8B-B14F-4D97-AF65-F5344CB8AC3E}">
-        <p14:creationId xmlns:p14="http://schemas.microsoft.com/office/powerpoint/2010/main" val="911862099"/>
+        <p14:creationId xmlns:p14="http://schemas.microsoft.com/office/powerpoint/2010/main" val="868229928"/>
       </p:ext>
     </p:extLst>
   </p:cSld>
@@ -3508,46 +4423,6 @@
           <a:bodyPr/>
           <a:lstStyle/>
           <a:p>
-            <a:r>
-              <a:rPr kumimoji="1" lang="zh-CN" altLang="en-US" dirty="0"/>
-              <a:t>抽象类和接口的区别</a:t>
-            </a:r>
-            <a:endParaRPr kumimoji="1" lang="en-US" altLang="zh-CN" dirty="0"/>
-          </a:p>
-          <a:p>
-            <a:r>
-              <a:rPr lang="en-US" altLang="zh-CN" dirty="0">
-                <a:hlinkClick r:id="rId3"/>
-              </a:rPr>
-              <a:t>https://www.cnblogs.com/yongjiapei/p/5494894.html</a:t>
-            </a:r>
-            <a:endParaRPr lang="en-US" altLang="zh-CN" dirty="0"/>
-          </a:p>
-          <a:p>
-            <a:endParaRPr kumimoji="1" lang="en-US" altLang="zh-CN" dirty="0"/>
-          </a:p>
-          <a:p>
-            <a:r>
-              <a:rPr kumimoji="1" lang="zh-CN" altLang="en-US" dirty="0"/>
-              <a:t>为什么抽象类不能被实例化的例子：微博</a:t>
-            </a:r>
-            <a:r>
-              <a:rPr kumimoji="1" lang="en-US" altLang="zh-CN" dirty="0"/>
-              <a:t>-&gt;</a:t>
-            </a:r>
-            <a:r>
-              <a:rPr kumimoji="1" lang="zh-CN" altLang="en-US" dirty="0"/>
-              <a:t> 新浪微博，网易微博，腾讯微博 的例子</a:t>
-            </a:r>
-            <a:endParaRPr kumimoji="1" lang="en-US" altLang="zh-CN" dirty="0"/>
-          </a:p>
-          <a:p>
-            <a:r>
-              <a:rPr lang="en-US" altLang="zh-CN" dirty="0">
-                <a:hlinkClick r:id="rId4"/>
-              </a:rPr>
-              <a:t>https://www.zhihu.com/question/34797840/answer/61582232</a:t>
-            </a:r>
             <a:endParaRPr kumimoji="1" lang="zh-CN" altLang="en-US" dirty="0"/>
           </a:p>
         </p:txBody>
@@ -3578,7 +4453,7 @@
     </p:spTree>
     <p:extLst>
       <p:ext uri="{BB962C8B-B14F-4D97-AF65-F5344CB8AC3E}">
-        <p14:creationId xmlns:p14="http://schemas.microsoft.com/office/powerpoint/2010/main" val="2158004502"/>
+        <p14:creationId xmlns:p14="http://schemas.microsoft.com/office/powerpoint/2010/main" val="1737300124"/>
       </p:ext>
     </p:extLst>
   </p:cSld>
@@ -3632,7 +4507,10 @@
           <a:bodyPr/>
           <a:lstStyle/>
           <a:p>
-            <a:endParaRPr kumimoji="1" lang="zh-CN" altLang="en-US" dirty="0"/>
+            <a:r>
+              <a:rPr kumimoji="1" lang="zh-CN" altLang="en-US" dirty="0"/>
+              <a:t>切换到代码演示</a:t>
+            </a:r>
           </a:p>
         </p:txBody>
       </p:sp>
@@ -3662,7 +4540,7 @@
     </p:spTree>
     <p:extLst>
       <p:ext uri="{BB962C8B-B14F-4D97-AF65-F5344CB8AC3E}">
-        <p14:creationId xmlns:p14="http://schemas.microsoft.com/office/powerpoint/2010/main" val="1121988609"/>
+        <p14:creationId xmlns:p14="http://schemas.microsoft.com/office/powerpoint/2010/main" val="3015729976"/>
       </p:ext>
     </p:extLst>
   </p:cSld>
@@ -3716,7 +4594,10 @@
           <a:bodyPr/>
           <a:lstStyle/>
           <a:p>
-            <a:endParaRPr kumimoji="1" lang="zh-CN" altLang="en-US" dirty="0"/>
+            <a:r>
+              <a:rPr kumimoji="1" lang="zh-CN" altLang="en-US" dirty="0"/>
+              <a:t>切换到代码演示</a:t>
+            </a:r>
           </a:p>
         </p:txBody>
       </p:sp>
@@ -3746,7 +4627,7 @@
     </p:spTree>
     <p:extLst>
       <p:ext uri="{BB962C8B-B14F-4D97-AF65-F5344CB8AC3E}">
-        <p14:creationId xmlns:p14="http://schemas.microsoft.com/office/powerpoint/2010/main" val="2238917971"/>
+        <p14:creationId xmlns:p14="http://schemas.microsoft.com/office/powerpoint/2010/main" val="2413597939"/>
       </p:ext>
     </p:extLst>
   </p:cSld>
@@ -7182,8 +8063,8 @@
         </p:nvSpPr>
         <p:spPr>
           <a:xfrm>
-            <a:off x="1660464" y="775865"/>
-            <a:ext cx="9550080" cy="830997"/>
+            <a:off x="2520000" y="720000"/>
+            <a:ext cx="7735824" cy="830997"/>
           </a:xfrm>
           <a:prstGeom prst="rect">
             <a:avLst/>
@@ -7202,21 +8083,7 @@
                 <a:latin typeface="Microsoft YaHei" panose="020B0503020204020204" pitchFamily="34" charset="-122"/>
                 <a:ea typeface="Microsoft YaHei" panose="020B0503020204020204" pitchFamily="34" charset="-122"/>
               </a:rPr>
-              <a:t>关于抽象方法</a:t>
-            </a:r>
-            <a:r>
-              <a:rPr kumimoji="1" lang="en-US" altLang="zh-CN" sz="4800" dirty="0">
-                <a:latin typeface="Microsoft YaHei" panose="020B0503020204020204" pitchFamily="34" charset="-122"/>
-                <a:ea typeface="Microsoft YaHei" panose="020B0503020204020204" pitchFamily="34" charset="-122"/>
-              </a:rPr>
-              <a:t>/</a:t>
-            </a:r>
-            <a:r>
-              <a:rPr kumimoji="1" lang="zh-CN" altLang="en-US" sz="4800" dirty="0">
-                <a:latin typeface="Microsoft YaHei" panose="020B0503020204020204" pitchFamily="34" charset="-122"/>
-                <a:ea typeface="Microsoft YaHei" panose="020B0503020204020204" pitchFamily="34" charset="-122"/>
-              </a:rPr>
-              <a:t>类 再唠叨几句</a:t>
+              <a:t>抛出异常</a:t>
             </a:r>
             <a:endParaRPr kumimoji="1" lang="en-US" altLang="zh-CN" sz="4800" dirty="0">
               <a:ea typeface="Microsoft YaHei" panose="020B0503020204020204" pitchFamily="34" charset="-122"/>
@@ -7238,8 +8105,8 @@
         </p:nvSpPr>
         <p:spPr>
           <a:xfrm>
-            <a:off x="1973232" y="1799135"/>
-            <a:ext cx="8924544" cy="4154984"/>
+            <a:off x="1671320" y="2011680"/>
+            <a:ext cx="8849360" cy="4524315"/>
           </a:xfrm>
           <a:prstGeom prst="rect">
             <a:avLst/>
@@ -7252,137 +8119,211 @@
           </a:bodyPr>
           <a:lstStyle/>
           <a:p>
+            <a:r>
+              <a:rPr kumimoji="1" lang="zh-CN" altLang="en-US" sz="2400" dirty="0">
+                <a:latin typeface="Microsoft YaHei" panose="020B0503020204020204" pitchFamily="34" charset="-122"/>
+                <a:ea typeface="Microsoft YaHei" panose="020B0503020204020204" pitchFamily="34" charset="-122"/>
+              </a:rPr>
+              <a:t>检测到错误，于是创建一个合适的异常类型的实例，然后抛出它。这就称为抛出一个异常</a:t>
+            </a:r>
+            <a:r>
+              <a:rPr kumimoji="1" lang="en-US" altLang="zh-CN" sz="2400" dirty="0">
+                <a:latin typeface="Microsoft YaHei" panose="020B0503020204020204" pitchFamily="34" charset="-122"/>
+                <a:ea typeface="Microsoft YaHei" panose="020B0503020204020204" pitchFamily="34" charset="-122"/>
+              </a:rPr>
+              <a:t>(throwing an exception) </a:t>
+            </a:r>
+          </a:p>
+          <a:p>
+            <a:endParaRPr kumimoji="1" lang="en-US" altLang="zh-CN" sz="2400" dirty="0">
+              <a:latin typeface="Microsoft YaHei" panose="020B0503020204020204" pitchFamily="34" charset="-122"/>
+              <a:ea typeface="Microsoft YaHei" panose="020B0503020204020204" pitchFamily="34" charset="-122"/>
+            </a:endParaRPr>
+          </a:p>
+          <a:p>
+            <a:r>
+              <a:rPr kumimoji="1" lang="zh-CN" altLang="en-US" sz="2400" dirty="0">
+                <a:latin typeface="Microsoft YaHei" panose="020B0503020204020204" pitchFamily="34" charset="-122"/>
+                <a:ea typeface="Microsoft YaHei" panose="020B0503020204020204" pitchFamily="34" charset="-122"/>
+              </a:rPr>
+              <a:t>格式</a:t>
+            </a:r>
+            <a:endParaRPr kumimoji="1" lang="en-US" altLang="zh-CN" sz="2400" dirty="0">
+              <a:latin typeface="Microsoft YaHei" panose="020B0503020204020204" pitchFamily="34" charset="-122"/>
+              <a:ea typeface="Microsoft YaHei" panose="020B0503020204020204" pitchFamily="34" charset="-122"/>
+            </a:endParaRPr>
+          </a:p>
+          <a:p>
+            <a:endParaRPr kumimoji="1" lang="en-US" altLang="zh-CN" sz="2400" dirty="0">
+              <a:latin typeface="Microsoft YaHei" panose="020B0503020204020204" pitchFamily="34" charset="-122"/>
+              <a:ea typeface="Microsoft YaHei" panose="020B0503020204020204" pitchFamily="34" charset="-122"/>
+            </a:endParaRPr>
+          </a:p>
+          <a:p>
             <a:pPr marL="457200" indent="-457200">
               <a:buFont typeface="+mj-lt"/>
               <a:buAutoNum type="arabicPeriod"/>
             </a:pPr>
+            <a:r>
+              <a:rPr kumimoji="1" lang="en-US" altLang="zh-CN" sz="2400" dirty="0" err="1">
+                <a:latin typeface="Microsoft YaHei" panose="020B0503020204020204" pitchFamily="34" charset="-122"/>
+                <a:ea typeface="Microsoft YaHei" panose="020B0503020204020204" pitchFamily="34" charset="-122"/>
+              </a:rPr>
+              <a:t>NullPointerException</a:t>
+            </a:r>
+            <a:r>
+              <a:rPr kumimoji="1" lang="zh-CN" altLang="en-US" sz="2400" dirty="0">
+                <a:latin typeface="Microsoft YaHei" panose="020B0503020204020204" pitchFamily="34" charset="-122"/>
+                <a:ea typeface="Microsoft YaHei" panose="020B0503020204020204" pitchFamily="34" charset="-122"/>
+              </a:rPr>
+              <a:t> </a:t>
+            </a:r>
+            <a:r>
+              <a:rPr kumimoji="1" lang="en-US" altLang="zh-CN" sz="2400" dirty="0" err="1">
+                <a:latin typeface="Microsoft YaHei" panose="020B0503020204020204" pitchFamily="34" charset="-122"/>
+                <a:ea typeface="Microsoft YaHei" panose="020B0503020204020204" pitchFamily="34" charset="-122"/>
+              </a:rPr>
+              <a:t>nullException</a:t>
+            </a:r>
+            <a:r>
+              <a:rPr kumimoji="1" lang="zh-CN" altLang="en-US" sz="2400" dirty="0">
+                <a:latin typeface="Microsoft YaHei" panose="020B0503020204020204" pitchFamily="34" charset="-122"/>
+                <a:ea typeface="Microsoft YaHei" panose="020B0503020204020204" pitchFamily="34" charset="-122"/>
+              </a:rPr>
+              <a:t> </a:t>
+            </a:r>
+            <a:r>
+              <a:rPr kumimoji="1" lang="en-US" altLang="zh-CN" sz="2400" dirty="0">
+                <a:latin typeface="Microsoft YaHei" panose="020B0503020204020204" pitchFamily="34" charset="-122"/>
+                <a:ea typeface="Microsoft YaHei" panose="020B0503020204020204" pitchFamily="34" charset="-122"/>
+              </a:rPr>
+              <a:t>=</a:t>
+            </a:r>
+            <a:r>
+              <a:rPr kumimoji="1" lang="zh-CN" altLang="en-US" sz="2400" dirty="0">
+                <a:latin typeface="Microsoft YaHei" panose="020B0503020204020204" pitchFamily="34" charset="-122"/>
+                <a:ea typeface="Microsoft YaHei" panose="020B0503020204020204" pitchFamily="34" charset="-122"/>
+              </a:rPr>
+              <a:t> </a:t>
+            </a:r>
+            <a:r>
+              <a:rPr kumimoji="1" lang="en-US" altLang="zh-CN" sz="2400" dirty="0">
+                <a:latin typeface="Microsoft YaHei" panose="020B0503020204020204" pitchFamily="34" charset="-122"/>
+                <a:ea typeface="Microsoft YaHei" panose="020B0503020204020204" pitchFamily="34" charset="-122"/>
+              </a:rPr>
+              <a:t>new</a:t>
+            </a:r>
+            <a:r>
+              <a:rPr kumimoji="1" lang="zh-CN" altLang="en-US" sz="2400" dirty="0">
+                <a:latin typeface="Microsoft YaHei" panose="020B0503020204020204" pitchFamily="34" charset="-122"/>
+                <a:ea typeface="Microsoft YaHei" panose="020B0503020204020204" pitchFamily="34" charset="-122"/>
+              </a:rPr>
+              <a:t> </a:t>
+            </a:r>
+            <a:r>
+              <a:rPr kumimoji="1" lang="en-US" altLang="zh-CN" sz="2400" dirty="0" err="1">
+                <a:latin typeface="Microsoft YaHei" panose="020B0503020204020204" pitchFamily="34" charset="-122"/>
+                <a:ea typeface="Microsoft YaHei" panose="020B0503020204020204" pitchFamily="34" charset="-122"/>
+              </a:rPr>
+              <a:t>NullPointerException</a:t>
+            </a:r>
+            <a:r>
+              <a:rPr kumimoji="1" lang="en-US" altLang="zh-CN" sz="2400" dirty="0">
+                <a:latin typeface="Microsoft YaHei" panose="020B0503020204020204" pitchFamily="34" charset="-122"/>
+                <a:ea typeface="Microsoft YaHei" panose="020B0503020204020204" pitchFamily="34" charset="-122"/>
+              </a:rPr>
+              <a:t>(</a:t>
+            </a:r>
+            <a:r>
+              <a:rPr kumimoji="1" lang="zh-CN" altLang="en-US" sz="2400" dirty="0">
+                <a:latin typeface="Microsoft YaHei" panose="020B0503020204020204" pitchFamily="34" charset="-122"/>
+                <a:ea typeface="Microsoft YaHei" panose="020B0503020204020204" pitchFamily="34" charset="-122"/>
+              </a:rPr>
+              <a:t>“发生在程序</a:t>
+            </a:r>
+            <a:r>
+              <a:rPr kumimoji="1" lang="en-US" altLang="zh-CN" sz="2400" dirty="0">
+                <a:latin typeface="Microsoft YaHei" panose="020B0503020204020204" pitchFamily="34" charset="-122"/>
+                <a:ea typeface="Microsoft YaHei" panose="020B0503020204020204" pitchFamily="34" charset="-122"/>
+              </a:rPr>
+              <a:t>X</a:t>
+            </a:r>
+            <a:r>
+              <a:rPr kumimoji="1" lang="zh-CN" altLang="en-US" sz="2400" dirty="0">
+                <a:latin typeface="Microsoft YaHei" panose="020B0503020204020204" pitchFamily="34" charset="-122"/>
+                <a:ea typeface="Microsoft YaHei" panose="020B0503020204020204" pitchFamily="34" charset="-122"/>
+              </a:rPr>
+              <a:t>个位置”</a:t>
+            </a:r>
+            <a:r>
+              <a:rPr kumimoji="1" lang="en-US" altLang="zh-CN" sz="2400" dirty="0">
+                <a:latin typeface="Microsoft YaHei" panose="020B0503020204020204" pitchFamily="34" charset="-122"/>
+                <a:ea typeface="Microsoft YaHei" panose="020B0503020204020204" pitchFamily="34" charset="-122"/>
+              </a:rPr>
+              <a:t>)</a:t>
+            </a:r>
+            <a:r>
+              <a:rPr kumimoji="1" lang="zh-CN" altLang="en-US" sz="2400" dirty="0">
+                <a:latin typeface="Microsoft YaHei" panose="020B0503020204020204" pitchFamily="34" charset="-122"/>
+                <a:ea typeface="Microsoft YaHei" panose="020B0503020204020204" pitchFamily="34" charset="-122"/>
+              </a:rPr>
+              <a:t>；</a:t>
+            </a:r>
             <a:endParaRPr kumimoji="1" lang="en-US" altLang="zh-CN" sz="2400" dirty="0">
               <a:latin typeface="Microsoft YaHei" panose="020B0503020204020204" pitchFamily="34" charset="-122"/>
               <a:ea typeface="Microsoft YaHei" panose="020B0503020204020204" pitchFamily="34" charset="-122"/>
             </a:endParaRPr>
           </a:p>
           <a:p>
-            <a:pPr marL="457200" indent="-457200">
-              <a:buFont typeface="+mj-lt"/>
-              <a:buAutoNum type="arabicPeriod"/>
-            </a:pPr>
             <a:r>
               <a:rPr kumimoji="1" lang="zh-CN" altLang="en-US" sz="2400" dirty="0">
-                <a:solidFill>
-                  <a:schemeClr val="accent2"/>
-                </a:solidFill>
-                <a:latin typeface="Microsoft YaHei" panose="020B0503020204020204" pitchFamily="34" charset="-122"/>
-                <a:ea typeface="Microsoft YaHei" panose="020B0503020204020204" pitchFamily="34" charset="-122"/>
-              </a:rPr>
-              <a:t>抽象方法的目的是提供方法声明但不实现，让子类去实现，除去这个目的，不要在普通类中使用</a:t>
+                <a:latin typeface="Microsoft YaHei" panose="020B0503020204020204" pitchFamily="34" charset="-122"/>
+                <a:ea typeface="Microsoft YaHei" panose="020B0503020204020204" pitchFamily="34" charset="-122"/>
+              </a:rPr>
+              <a:t>     </a:t>
             </a:r>
             <a:r>
               <a:rPr kumimoji="1" lang="en-US" altLang="zh-CN" sz="2400" dirty="0">
-                <a:solidFill>
-                  <a:schemeClr val="accent2"/>
-                </a:solidFill>
-                <a:latin typeface="Microsoft YaHei" panose="020B0503020204020204" pitchFamily="34" charset="-122"/>
-                <a:ea typeface="Microsoft YaHei" panose="020B0503020204020204" pitchFamily="34" charset="-122"/>
-              </a:rPr>
-              <a:t>abstract</a:t>
+                <a:latin typeface="Microsoft YaHei" panose="020B0503020204020204" pitchFamily="34" charset="-122"/>
+                <a:ea typeface="Microsoft YaHei" panose="020B0503020204020204" pitchFamily="34" charset="-122"/>
+              </a:rPr>
+              <a:t>throw</a:t>
             </a:r>
             <a:r>
               <a:rPr kumimoji="1" lang="zh-CN" altLang="en-US" sz="2400" dirty="0">
-                <a:solidFill>
-                  <a:schemeClr val="accent2"/>
-                </a:solidFill>
-                <a:latin typeface="Microsoft YaHei" panose="020B0503020204020204" pitchFamily="34" charset="-122"/>
-                <a:ea typeface="Microsoft YaHei" panose="020B0503020204020204" pitchFamily="34" charset="-122"/>
-              </a:rPr>
-              <a:t>方法。</a:t>
-            </a:r>
-            <a:endParaRPr kumimoji="1" lang="en-US" altLang="zh-CN" sz="2400" dirty="0">
-              <a:solidFill>
-                <a:schemeClr val="accent2"/>
-              </a:solidFill>
-              <a:latin typeface="Microsoft YaHei" panose="020B0503020204020204" pitchFamily="34" charset="-122"/>
-              <a:ea typeface="Microsoft YaHei" panose="020B0503020204020204" pitchFamily="34" charset="-122"/>
-            </a:endParaRPr>
-          </a:p>
-          <a:p>
-            <a:pPr marL="457200" indent="-457200">
-              <a:buFont typeface="+mj-lt"/>
-              <a:buAutoNum type="arabicPeriod"/>
-            </a:pPr>
-            <a:r>
-              <a:rPr kumimoji="1" lang="zh-CN" altLang="en-US" sz="2400" dirty="0">
-                <a:solidFill>
-                  <a:schemeClr val="accent2"/>
-                </a:solidFill>
-                <a:latin typeface="Microsoft YaHei" panose="020B0503020204020204" pitchFamily="34" charset="-122"/>
-                <a:ea typeface="Microsoft YaHei" panose="020B0503020204020204" pitchFamily="34" charset="-122"/>
-              </a:rPr>
-              <a:t>抽象类的目的是在普通父类的基础上添加“自己不想实现，但强制子类实现抽象函数” 这个属性，如果没有这个需求，就不要用。</a:t>
-            </a:r>
-            <a:endParaRPr kumimoji="1" lang="en-US" altLang="zh-CN" sz="2400" dirty="0">
-              <a:solidFill>
-                <a:schemeClr val="accent2"/>
-              </a:solidFill>
-              <a:latin typeface="Microsoft YaHei" panose="020B0503020204020204" pitchFamily="34" charset="-122"/>
-              <a:ea typeface="Microsoft YaHei" panose="020B0503020204020204" pitchFamily="34" charset="-122"/>
-            </a:endParaRPr>
-          </a:p>
-          <a:p>
-            <a:pPr marL="457200" indent="-457200">
-              <a:buFont typeface="+mj-lt"/>
-              <a:buAutoNum type="arabicPeriod"/>
-            </a:pPr>
-            <a:r>
-              <a:rPr kumimoji="1" lang="zh-CN" altLang="en-US" sz="2400" dirty="0">
-                <a:latin typeface="Microsoft YaHei" panose="020B0503020204020204" pitchFamily="34" charset="-122"/>
-                <a:ea typeface="Microsoft YaHei" panose="020B0503020204020204" pitchFamily="34" charset="-122"/>
-              </a:rPr>
-              <a:t>有抽象方法的一定是抽象类，但抽象类可以没有抽象方法</a:t>
-            </a:r>
+                <a:latin typeface="Microsoft YaHei" panose="020B0503020204020204" pitchFamily="34" charset="-122"/>
+                <a:ea typeface="Microsoft YaHei" panose="020B0503020204020204" pitchFamily="34" charset="-122"/>
+              </a:rPr>
+              <a:t> </a:t>
+            </a:r>
+            <a:r>
+              <a:rPr kumimoji="1" lang="en-US" altLang="zh-CN" sz="2400" dirty="0" err="1">
+                <a:latin typeface="Microsoft YaHei" panose="020B0503020204020204" pitchFamily="34" charset="-122"/>
+                <a:ea typeface="Microsoft YaHei" panose="020B0503020204020204" pitchFamily="34" charset="-122"/>
+              </a:rPr>
+              <a:t>nullException</a:t>
+            </a:r>
+            <a:r>
+              <a:rPr kumimoji="1" lang="en-US" altLang="zh-CN" sz="2400" dirty="0">
+                <a:latin typeface="Microsoft YaHei" panose="020B0503020204020204" pitchFamily="34" charset="-122"/>
+                <a:ea typeface="Microsoft YaHei" panose="020B0503020204020204" pitchFamily="34" charset="-122"/>
+              </a:rPr>
+              <a:t>;</a:t>
+            </a:r>
+          </a:p>
+          <a:p>
             <a:endParaRPr kumimoji="1" lang="en-US" altLang="zh-CN" sz="2400" dirty="0">
               <a:latin typeface="Microsoft YaHei" panose="020B0503020204020204" pitchFamily="34" charset="-122"/>
               <a:ea typeface="Microsoft YaHei" panose="020B0503020204020204" pitchFamily="34" charset="-122"/>
             </a:endParaRPr>
           </a:p>
           <a:p>
-            <a:pPr marL="457200" indent="-457200">
-              <a:buFont typeface="+mj-lt"/>
-              <a:buAutoNum type="arabicPeriod"/>
-            </a:pPr>
             <a:r>
               <a:rPr kumimoji="1" lang="zh-CN" altLang="en-US" sz="2400" dirty="0">
                 <a:latin typeface="Microsoft YaHei" panose="020B0503020204020204" pitchFamily="34" charset="-122"/>
                 <a:ea typeface="Microsoft YaHei" panose="020B0503020204020204" pitchFamily="34" charset="-122"/>
               </a:rPr>
-              <a:t>抽象类不能用</a:t>
-            </a:r>
-            <a:r>
-              <a:rPr kumimoji="1" lang="en-US" altLang="zh-CN" sz="2400" dirty="0">
-                <a:latin typeface="Microsoft YaHei" panose="020B0503020204020204" pitchFamily="34" charset="-122"/>
-                <a:ea typeface="Microsoft YaHei" panose="020B0503020204020204" pitchFamily="34" charset="-122"/>
-              </a:rPr>
-              <a:t>new</a:t>
-            </a:r>
-            <a:r>
-              <a:rPr kumimoji="1" lang="zh-CN" altLang="en-US" sz="2400" dirty="0">
-                <a:latin typeface="Microsoft YaHei" panose="020B0503020204020204" pitchFamily="34" charset="-122"/>
-                <a:ea typeface="Microsoft YaHei" panose="020B0503020204020204" pitchFamily="34" charset="-122"/>
-              </a:rPr>
-              <a:t>来创建对象，其构造函数可以用于子类调用</a:t>
-            </a:r>
-            <a:r>
-              <a:rPr kumimoji="1" lang="en-US" altLang="zh-CN" sz="2400" dirty="0">
-                <a:latin typeface="Microsoft YaHei" panose="020B0503020204020204" pitchFamily="34" charset="-122"/>
-                <a:ea typeface="Microsoft YaHei" panose="020B0503020204020204" pitchFamily="34" charset="-122"/>
-              </a:rPr>
-              <a:t>super</a:t>
-            </a:r>
-            <a:r>
-              <a:rPr kumimoji="1" lang="zh-CN" altLang="en-US" sz="2400" dirty="0">
-                <a:latin typeface="Microsoft YaHei" panose="020B0503020204020204" pitchFamily="34" charset="-122"/>
-                <a:ea typeface="Microsoft YaHei" panose="020B0503020204020204" pitchFamily="34" charset="-122"/>
-              </a:rPr>
-              <a:t>时候用</a:t>
+              <a:t>     或者更加简单的写法：</a:t>
             </a:r>
             <a:endParaRPr kumimoji="1" lang="en-US" altLang="zh-CN" sz="2400" dirty="0">
               <a:latin typeface="Microsoft YaHei" panose="020B0503020204020204" pitchFamily="34" charset="-122"/>
@@ -7390,42 +8331,114 @@
             </a:endParaRPr>
           </a:p>
           <a:p>
-            <a:pPr marL="457200" indent="-457200">
-              <a:buFont typeface="+mj-lt"/>
-              <a:buAutoNum type="arabicPeriod"/>
-            </a:pPr>
-            <a:r>
-              <a:rPr kumimoji="1" lang="zh-CN" altLang="en-US" sz="2400" dirty="0">
-                <a:latin typeface="Microsoft YaHei" panose="020B0503020204020204" pitchFamily="34" charset="-122"/>
-                <a:ea typeface="Microsoft YaHei" panose="020B0503020204020204" pitchFamily="34" charset="-122"/>
-              </a:rPr>
-              <a:t>父类是普通类，子类也可以是抽象类，只要它声明了</a:t>
-            </a:r>
-            <a:r>
-              <a:rPr kumimoji="1" lang="en-US" altLang="zh-CN" sz="2400" dirty="0">
-                <a:latin typeface="Microsoft YaHei" panose="020B0503020204020204" pitchFamily="34" charset="-122"/>
-                <a:ea typeface="Microsoft YaHei" panose="020B0503020204020204" pitchFamily="34" charset="-122"/>
-              </a:rPr>
-              <a:t>abstract</a:t>
-            </a:r>
-            <a:r>
-              <a:rPr kumimoji="1" lang="zh-CN" altLang="en-US" sz="2400" dirty="0">
-                <a:latin typeface="Microsoft YaHei" panose="020B0503020204020204" pitchFamily="34" charset="-122"/>
-                <a:ea typeface="Microsoft YaHei" panose="020B0503020204020204" pitchFamily="34" charset="-122"/>
-              </a:rPr>
-              <a:t>方法，所以是不是抽象</a:t>
-            </a:r>
             <a:endParaRPr kumimoji="1" lang="en-US" altLang="zh-CN" sz="2400" dirty="0">
               <a:latin typeface="Microsoft YaHei" panose="020B0503020204020204" pitchFamily="34" charset="-122"/>
               <a:ea typeface="Microsoft YaHei" panose="020B0503020204020204" pitchFamily="34" charset="-122"/>
             </a:endParaRPr>
           </a:p>
+          <a:p>
+            <a:r>
+              <a:rPr kumimoji="1" lang="en-US" altLang="zh-CN" sz="2400" dirty="0">
+                <a:latin typeface="Microsoft YaHei" panose="020B0503020204020204" pitchFamily="34" charset="-122"/>
+                <a:ea typeface="Microsoft YaHei" panose="020B0503020204020204" pitchFamily="34" charset="-122"/>
+              </a:rPr>
+              <a:t>2.</a:t>
+            </a:r>
+            <a:r>
+              <a:rPr kumimoji="1" lang="zh-CN" altLang="en-US" sz="2400" dirty="0">
+                <a:latin typeface="Microsoft YaHei" panose="020B0503020204020204" pitchFamily="34" charset="-122"/>
+                <a:ea typeface="Microsoft YaHei" panose="020B0503020204020204" pitchFamily="34" charset="-122"/>
+              </a:rPr>
+              <a:t>   </a:t>
+            </a:r>
+            <a:r>
+              <a:rPr kumimoji="1" lang="en-US" altLang="zh-CN" sz="2400" dirty="0">
+                <a:latin typeface="Microsoft YaHei" panose="020B0503020204020204" pitchFamily="34" charset="-122"/>
+                <a:ea typeface="Microsoft YaHei" panose="020B0503020204020204" pitchFamily="34" charset="-122"/>
+              </a:rPr>
+              <a:t>throw</a:t>
+            </a:r>
+            <a:r>
+              <a:rPr kumimoji="1" lang="zh-CN" altLang="en-US" sz="2400" dirty="0">
+                <a:latin typeface="Microsoft YaHei" panose="020B0503020204020204" pitchFamily="34" charset="-122"/>
+                <a:ea typeface="Microsoft YaHei" panose="020B0503020204020204" pitchFamily="34" charset="-122"/>
+              </a:rPr>
+              <a:t> </a:t>
+            </a:r>
+            <a:r>
+              <a:rPr kumimoji="1" lang="en-US" altLang="zh-CN" sz="2400" dirty="0">
+                <a:latin typeface="Microsoft YaHei" panose="020B0503020204020204" pitchFamily="34" charset="-122"/>
+                <a:ea typeface="Microsoft YaHei" panose="020B0503020204020204" pitchFamily="34" charset="-122"/>
+              </a:rPr>
+              <a:t>new</a:t>
+            </a:r>
+            <a:r>
+              <a:rPr kumimoji="1" lang="zh-CN" altLang="en-US" sz="2400" dirty="0">
+                <a:latin typeface="Microsoft YaHei" panose="020B0503020204020204" pitchFamily="34" charset="-122"/>
+                <a:ea typeface="Microsoft YaHei" panose="020B0503020204020204" pitchFamily="34" charset="-122"/>
+              </a:rPr>
+              <a:t> </a:t>
+            </a:r>
+            <a:r>
+              <a:rPr kumimoji="1" lang="en-US" altLang="zh-CN" sz="2400" dirty="0" err="1">
+                <a:latin typeface="Microsoft YaHei" panose="020B0503020204020204" pitchFamily="34" charset="-122"/>
+                <a:ea typeface="Microsoft YaHei" panose="020B0503020204020204" pitchFamily="34" charset="-122"/>
+              </a:rPr>
+              <a:t>NullPointerException</a:t>
+            </a:r>
+            <a:r>
+              <a:rPr kumimoji="1" lang="en-US" altLang="zh-CN" sz="2400" dirty="0">
+                <a:latin typeface="Microsoft YaHei" panose="020B0503020204020204" pitchFamily="34" charset="-122"/>
+                <a:ea typeface="Microsoft YaHei" panose="020B0503020204020204" pitchFamily="34" charset="-122"/>
+              </a:rPr>
+              <a:t>(</a:t>
+            </a:r>
+            <a:r>
+              <a:rPr kumimoji="1" lang="zh-CN" altLang="en-US" sz="2400" dirty="0">
+                <a:latin typeface="Microsoft YaHei" panose="020B0503020204020204" pitchFamily="34" charset="-122"/>
+                <a:ea typeface="Microsoft YaHei" panose="020B0503020204020204" pitchFamily="34" charset="-122"/>
+              </a:rPr>
+              <a:t>“发生在程序</a:t>
+            </a:r>
+            <a:r>
+              <a:rPr kumimoji="1" lang="en-US" altLang="zh-CN" sz="2400" dirty="0">
+                <a:latin typeface="Microsoft YaHei" panose="020B0503020204020204" pitchFamily="34" charset="-122"/>
+                <a:ea typeface="Microsoft YaHei" panose="020B0503020204020204" pitchFamily="34" charset="-122"/>
+              </a:rPr>
+              <a:t>X</a:t>
+            </a:r>
+            <a:r>
+              <a:rPr kumimoji="1" lang="zh-CN" altLang="en-US" sz="2400" dirty="0">
+                <a:latin typeface="Microsoft YaHei" panose="020B0503020204020204" pitchFamily="34" charset="-122"/>
+                <a:ea typeface="Microsoft YaHei" panose="020B0503020204020204" pitchFamily="34" charset="-122"/>
+              </a:rPr>
+              <a:t>个位置”</a:t>
+            </a:r>
+            <a:r>
+              <a:rPr kumimoji="1" lang="en-US" altLang="zh-CN" sz="2400" dirty="0">
+                <a:latin typeface="Microsoft YaHei" panose="020B0503020204020204" pitchFamily="34" charset="-122"/>
+                <a:ea typeface="Microsoft YaHei" panose="020B0503020204020204" pitchFamily="34" charset="-122"/>
+              </a:rPr>
+              <a:t>)</a:t>
+            </a:r>
+            <a:r>
+              <a:rPr kumimoji="1" lang="zh-CN" altLang="en-US" sz="2400" dirty="0">
+                <a:latin typeface="Microsoft YaHei" panose="020B0503020204020204" pitchFamily="34" charset="-122"/>
+                <a:ea typeface="Microsoft YaHei" panose="020B0503020204020204" pitchFamily="34" charset="-122"/>
+              </a:rPr>
+              <a:t>；</a:t>
+            </a:r>
+            <a:endParaRPr kumimoji="1" lang="en-US" altLang="zh-CN" sz="2400" dirty="0">
+              <a:latin typeface="Microsoft YaHei" panose="020B0503020204020204" pitchFamily="34" charset="-122"/>
+              <a:ea typeface="Microsoft YaHei" panose="020B0503020204020204" pitchFamily="34" charset="-122"/>
+            </a:endParaRPr>
+          </a:p>
         </p:txBody>
       </p:sp>
     </p:spTree>
     <p:extLst>
       <p:ext uri="{BB962C8B-B14F-4D97-AF65-F5344CB8AC3E}">
-        <p14:creationId xmlns:p14="http://schemas.microsoft.com/office/powerpoint/2010/main" val="2305744253"/>
+        <p14:creationId xmlns:p14="http://schemas.microsoft.com/office/powerpoint/2010/main" val="1130241999"/>
       </p:ext>
     </p:extLst>
   </p:cSld>
@@ -7475,8 +8488,8 @@
         </p:nvSpPr>
         <p:spPr>
           <a:xfrm>
-            <a:off x="1660464" y="775865"/>
-            <a:ext cx="9550080" cy="830997"/>
+            <a:off x="2520000" y="720000"/>
+            <a:ext cx="7735824" cy="830997"/>
           </a:xfrm>
           <a:prstGeom prst="rect">
             <a:avLst/>
@@ -7492,9 +8505,24 @@
             <a:pPr algn="ctr"/>
             <a:r>
               <a:rPr kumimoji="1" lang="zh-CN" altLang="en-US" sz="4800" dirty="0">
-                <a:ea typeface="Microsoft YaHei" panose="020B0503020204020204" pitchFamily="34" charset="-122"/>
-              </a:rPr>
-              <a:t>继续唠叨 </a:t>
+                <a:latin typeface="Microsoft YaHei" panose="020B0503020204020204" pitchFamily="34" charset="-122"/>
+                <a:ea typeface="Microsoft YaHei" panose="020B0503020204020204" pitchFamily="34" charset="-122"/>
+              </a:rPr>
+              <a:t>抛出异常</a:t>
+            </a:r>
+            <a:r>
+              <a:rPr kumimoji="1" lang="en-US" altLang="zh-CN" sz="4800" dirty="0">
+                <a:latin typeface="Microsoft YaHei" panose="020B0503020204020204" pitchFamily="34" charset="-122"/>
+                <a:ea typeface="Microsoft YaHei" panose="020B0503020204020204" pitchFamily="34" charset="-122"/>
+              </a:rPr>
+              <a:t>—</a:t>
+            </a:r>
+            <a:r>
+              <a:rPr kumimoji="1" lang="zh-CN" altLang="en-US" sz="4800" dirty="0">
+                <a:latin typeface="Microsoft YaHei" panose="020B0503020204020204" pitchFamily="34" charset="-122"/>
+                <a:ea typeface="Microsoft YaHei" panose="020B0503020204020204" pitchFamily="34" charset="-122"/>
+              </a:rPr>
+              <a:t>异常构造函数</a:t>
             </a:r>
             <a:endParaRPr kumimoji="1" lang="en-US" altLang="zh-CN" sz="4800" dirty="0">
               <a:ea typeface="Microsoft YaHei" panose="020B0503020204020204" pitchFamily="34" charset="-122"/>
@@ -7504,10 +8532,10 @@
       </p:sp>
       <p:sp>
         <p:nvSpPr>
-          <p:cNvPr id="13" name="文本框 12">
+          <p:cNvPr id="4" name="文本框 3">
             <a:extLst>
               <a:ext uri="{FF2B5EF4-FFF2-40B4-BE49-F238E27FC236}">
-                <a16:creationId xmlns:a16="http://schemas.microsoft.com/office/drawing/2014/main" id="{8E054F89-5FA8-2F47-8710-58E04A67980C}"/>
+                <a16:creationId xmlns:a16="http://schemas.microsoft.com/office/drawing/2014/main" id="{73B802F8-FBC2-2C4A-B64A-43555E83A54D}"/>
               </a:ext>
             </a:extLst>
           </p:cNvPr>
@@ -7516,8 +8544,8 @@
         </p:nvSpPr>
         <p:spPr>
           <a:xfrm>
-            <a:off x="1806768" y="2598003"/>
-            <a:ext cx="8924544" cy="2252027"/>
+            <a:off x="1776149" y="2712414"/>
+            <a:ext cx="8322891" cy="2243050"/>
           </a:xfrm>
           <a:prstGeom prst="rect">
             <a:avLst/>
@@ -7530,185 +8558,127 @@
           </a:bodyPr>
           <a:lstStyle/>
           <a:p>
+            <a:pPr>
+              <a:lnSpc>
+                <a:spcPct val="150000"/>
+              </a:lnSpc>
+            </a:pPr>
+            <a:r>
+              <a:rPr kumimoji="1" lang="en-US" altLang="zh-CN" sz="2400" dirty="0">
+                <a:latin typeface="Microsoft YaHei" panose="020B0503020204020204" pitchFamily="34" charset="-122"/>
+                <a:ea typeface="Microsoft YaHei" panose="020B0503020204020204" pitchFamily="34" charset="-122"/>
+              </a:rPr>
+              <a:t>Java</a:t>
+            </a:r>
+            <a:r>
+              <a:rPr kumimoji="1" lang="zh-CN" altLang="en-US" sz="2400" dirty="0">
+                <a:latin typeface="Microsoft YaHei" panose="020B0503020204020204" pitchFamily="34" charset="-122"/>
+                <a:ea typeface="Microsoft YaHei" panose="020B0503020204020204" pitchFamily="34" charset="-122"/>
+              </a:rPr>
+              <a:t>中每个</a:t>
+            </a:r>
+            <a:r>
+              <a:rPr kumimoji="1" lang="en-US" altLang="zh-CN" sz="2400" dirty="0">
+                <a:latin typeface="Microsoft YaHei" panose="020B0503020204020204" pitchFamily="34" charset="-122"/>
+                <a:ea typeface="Microsoft YaHei" panose="020B0503020204020204" pitchFamily="34" charset="-122"/>
+              </a:rPr>
+              <a:t>Exception</a:t>
+            </a:r>
+            <a:r>
+              <a:rPr kumimoji="1" lang="zh-CN" altLang="en-US" sz="2400" dirty="0">
+                <a:latin typeface="Microsoft YaHei" panose="020B0503020204020204" pitchFamily="34" charset="-122"/>
+                <a:ea typeface="Microsoft YaHei" panose="020B0503020204020204" pitchFamily="34" charset="-122"/>
+              </a:rPr>
+              <a:t>，要有</a:t>
+            </a:r>
+            <a:r>
+              <a:rPr kumimoji="1" lang="en-US" altLang="zh-CN" sz="2400" dirty="0">
+                <a:latin typeface="Microsoft YaHei" panose="020B0503020204020204" pitchFamily="34" charset="-122"/>
+                <a:ea typeface="Microsoft YaHei" panose="020B0503020204020204" pitchFamily="34" charset="-122"/>
+              </a:rPr>
+              <a:t>2</a:t>
+            </a:r>
+            <a:r>
+              <a:rPr kumimoji="1" lang="zh-CN" altLang="en-US" sz="2400" dirty="0">
+                <a:latin typeface="Microsoft YaHei" panose="020B0503020204020204" pitchFamily="34" charset="-122"/>
+                <a:ea typeface="Microsoft YaHei" panose="020B0503020204020204" pitchFamily="34" charset="-122"/>
+              </a:rPr>
+              <a:t>个构造函数，</a:t>
+            </a:r>
+            <a:endParaRPr kumimoji="1" lang="en-US" altLang="zh-CN" sz="2400" dirty="0">
+              <a:latin typeface="Microsoft YaHei" panose="020B0503020204020204" pitchFamily="34" charset="-122"/>
+              <a:ea typeface="Microsoft YaHei" panose="020B0503020204020204" pitchFamily="34" charset="-122"/>
+            </a:endParaRPr>
+          </a:p>
+          <a:p>
             <a:pPr marL="342900" indent="-342900">
               <a:lnSpc>
                 <a:spcPct val="150000"/>
               </a:lnSpc>
-              <a:buFont typeface="Arial" panose="020B0604020202020204" pitchFamily="34" charset="0"/>
-              <a:buChar char="•"/>
+              <a:buFont typeface="+mj-lt"/>
+              <a:buAutoNum type="arabicPeriod"/>
             </a:pPr>
             <a:r>
-              <a:rPr kumimoji="1" lang="zh-CN" altLang="en-US" sz="2400" dirty="0"/>
-              <a:t>面向对象中学到 的封装，继承，多态，更多的是在设计类，设计多个类之间关系的时候考虑的。</a:t>
-            </a:r>
-            <a:endParaRPr kumimoji="1" lang="en-US" altLang="zh-CN" sz="2400" dirty="0"/>
+              <a:rPr kumimoji="1" lang="zh-CN" altLang="en-US" sz="2400" dirty="0">
+                <a:latin typeface="Microsoft YaHei" panose="020B0503020204020204" pitchFamily="34" charset="-122"/>
+                <a:ea typeface="Microsoft YaHei" panose="020B0503020204020204" pitchFamily="34" charset="-122"/>
+              </a:rPr>
+              <a:t>无参构造函数</a:t>
+            </a:r>
+            <a:endParaRPr kumimoji="1" lang="en-US" altLang="zh-CN" sz="2400" dirty="0">
+              <a:latin typeface="Microsoft YaHei" panose="020B0503020204020204" pitchFamily="34" charset="-122"/>
+              <a:ea typeface="Microsoft YaHei" panose="020B0503020204020204" pitchFamily="34" charset="-122"/>
+            </a:endParaRPr>
           </a:p>
           <a:p>
             <a:pPr marL="342900" indent="-342900">
               <a:lnSpc>
                 <a:spcPct val="150000"/>
               </a:lnSpc>
-              <a:buFont typeface="Arial" panose="020B0604020202020204" pitchFamily="34" charset="0"/>
-              <a:buChar char="•"/>
+              <a:buFont typeface="+mj-lt"/>
+              <a:buAutoNum type="arabicPeriod"/>
             </a:pPr>
             <a:r>
-              <a:rPr kumimoji="1" lang="zh-CN" altLang="en-US" sz="2400" dirty="0"/>
-              <a:t>所以，要根据实际需求决定是否采用面向对象提供的这些设计元素，它们都是积木，请按需取用。</a:t>
-            </a:r>
-          </a:p>
-        </p:txBody>
-      </p:sp>
-      <p:sp>
-        <p:nvSpPr>
-          <p:cNvPr id="4" name="文本框 3">
-            <a:extLst>
-              <a:ext uri="{FF2B5EF4-FFF2-40B4-BE49-F238E27FC236}">
-                <a16:creationId xmlns:a16="http://schemas.microsoft.com/office/drawing/2014/main" id="{8F44DB5D-2A6B-C94F-B017-30A25551570B}"/>
-              </a:ext>
-            </a:extLst>
-          </p:cNvPr>
-          <p:cNvSpPr txBox="1"/>
-          <p:nvPr/>
-        </p:nvSpPr>
-        <p:spPr>
-          <a:xfrm>
-            <a:off x="8503920" y="5102508"/>
-            <a:ext cx="3163824" cy="1477328"/>
-          </a:xfrm>
-          <a:prstGeom prst="rect">
-            <a:avLst/>
-          </a:prstGeom>
-          <a:solidFill>
-            <a:schemeClr val="accent2"/>
-          </a:solidFill>
-        </p:spPr>
-        <p:txBody>
-          <a:bodyPr wrap="square" rtlCol="0">
-            <a:spAutoFit/>
-          </a:bodyPr>
-          <a:lstStyle/>
-          <a:p>
-            <a:r>
-              <a:rPr kumimoji="1" lang="zh-CN" altLang="en-US" dirty="0">
-                <a:solidFill>
-                  <a:schemeClr val="bg1"/>
-                </a:solidFill>
-              </a:rPr>
-              <a:t>有些概念你们现在感受不出，但等你们实习了，或者工作了，就知道了。 学了以后会有用的，每个你理解的知识点都是</a:t>
-            </a:r>
-            <a:r>
-              <a:rPr kumimoji="1" lang="en-US" altLang="zh-CN" dirty="0">
-                <a:solidFill>
-                  <a:schemeClr val="bg1"/>
-                </a:solidFill>
-              </a:rPr>
-              <a:t>dot</a:t>
-            </a:r>
-            <a:r>
-              <a:rPr kumimoji="1" lang="zh-CN" altLang="en-US" dirty="0">
-                <a:solidFill>
-                  <a:schemeClr val="bg1"/>
-                </a:solidFill>
-              </a:rPr>
-              <a:t>。</a:t>
-            </a:r>
-          </a:p>
-        </p:txBody>
-      </p:sp>
-      <p:sp>
-        <p:nvSpPr>
-          <p:cNvPr id="5" name="文本框 4">
-            <a:extLst>
-              <a:ext uri="{FF2B5EF4-FFF2-40B4-BE49-F238E27FC236}">
-                <a16:creationId xmlns:a16="http://schemas.microsoft.com/office/drawing/2014/main" id="{F062BD7E-340F-264D-AEB3-46E22295B418}"/>
-              </a:ext>
-            </a:extLst>
-          </p:cNvPr>
-          <p:cNvSpPr txBox="1"/>
-          <p:nvPr/>
-        </p:nvSpPr>
-        <p:spPr>
-          <a:xfrm>
-            <a:off x="1806768" y="5102507"/>
-            <a:ext cx="6400800" cy="1477328"/>
-          </a:xfrm>
-          <a:prstGeom prst="rect">
-            <a:avLst/>
-          </a:prstGeom>
-          <a:solidFill>
-            <a:schemeClr val="accent2"/>
-          </a:solidFill>
-        </p:spPr>
-        <p:txBody>
-          <a:bodyPr wrap="square" rtlCol="0">
-            <a:spAutoFit/>
-          </a:bodyPr>
-          <a:lstStyle/>
-          <a:p>
-            <a:r>
-              <a:rPr lang="en-US" altLang="zh-CN" dirty="0">
-                <a:solidFill>
-                  <a:schemeClr val="bg1"/>
-                </a:solidFill>
-              </a:rPr>
-              <a:t>You can’t</a:t>
-            </a:r>
-            <a:r>
-              <a:rPr lang="zh-CN" altLang="en-US" dirty="0">
-                <a:solidFill>
-                  <a:schemeClr val="bg1"/>
-                </a:solidFill>
-              </a:rPr>
-              <a:t> </a:t>
-            </a:r>
-            <a:r>
-              <a:rPr lang="en-US" altLang="zh-CN" dirty="0">
-                <a:solidFill>
-                  <a:schemeClr val="bg1"/>
-                </a:solidFill>
-              </a:rPr>
-              <a:t> connect the dots looking forward; you can only connect them looking backward.</a:t>
-            </a:r>
-            <a:br>
-              <a:rPr lang="en-US" altLang="zh-CN" dirty="0">
-                <a:solidFill>
-                  <a:schemeClr val="bg1"/>
-                </a:solidFill>
-              </a:rPr>
-            </a:br>
-            <a:r>
-              <a:rPr lang="en-US" altLang="zh-CN" dirty="0">
-                <a:solidFill>
-                  <a:schemeClr val="bg1"/>
-                </a:solidFill>
-              </a:rPr>
-              <a:t>So you have to trust that the dots will somehow connect in your future</a:t>
-            </a:r>
-          </a:p>
-          <a:p>
-            <a:r>
-              <a:rPr kumimoji="1" lang="zh-CN" altLang="en-US" dirty="0">
-                <a:solidFill>
-                  <a:schemeClr val="bg1"/>
-                </a:solidFill>
-              </a:rPr>
-              <a:t>                                 乔布斯 </a:t>
-            </a:r>
-            <a:r>
-              <a:rPr kumimoji="1" lang="en-US" altLang="zh-CN" dirty="0">
-                <a:solidFill>
-                  <a:schemeClr val="bg1"/>
-                </a:solidFill>
-              </a:rPr>
-              <a:t>2015</a:t>
-            </a:r>
-            <a:r>
-              <a:rPr kumimoji="1" lang="zh-CN" altLang="en-US" dirty="0">
-                <a:solidFill>
-                  <a:schemeClr val="bg1"/>
-                </a:solidFill>
-              </a:rPr>
-              <a:t> 斯坦福大学毕业演讲</a:t>
+              <a:rPr kumimoji="1" lang="zh-CN" altLang="en-US" sz="2400" dirty="0">
+                <a:latin typeface="Microsoft YaHei" panose="020B0503020204020204" pitchFamily="34" charset="-122"/>
+                <a:ea typeface="Microsoft YaHei" panose="020B0503020204020204" pitchFamily="34" charset="-122"/>
+              </a:rPr>
+              <a:t>带描述</a:t>
+            </a:r>
+            <a:r>
+              <a:rPr kumimoji="1" lang="en-US" altLang="zh-CN" sz="2400" dirty="0">
+                <a:latin typeface="Microsoft YaHei" panose="020B0503020204020204" pitchFamily="34" charset="-122"/>
+                <a:ea typeface="Microsoft YaHei" panose="020B0503020204020204" pitchFamily="34" charset="-122"/>
+              </a:rPr>
+              <a:t>string</a:t>
+            </a:r>
+            <a:r>
+              <a:rPr kumimoji="1" lang="zh-CN" altLang="en-US" sz="2400" dirty="0">
+                <a:latin typeface="Microsoft YaHei" panose="020B0503020204020204" pitchFamily="34" charset="-122"/>
+                <a:ea typeface="Microsoft YaHei" panose="020B0503020204020204" pitchFamily="34" charset="-122"/>
+              </a:rPr>
+              <a:t>参数的构造函数，此描述可以根据</a:t>
+            </a:r>
+            <a:r>
+              <a:rPr kumimoji="1" lang="en-US" altLang="zh-CN" sz="2400" dirty="0" err="1">
+                <a:latin typeface="Microsoft YaHei" panose="020B0503020204020204" pitchFamily="34" charset="-122"/>
+                <a:ea typeface="Microsoft YaHei" panose="020B0503020204020204" pitchFamily="34" charset="-122"/>
+              </a:rPr>
+              <a:t>exception.getMessage</a:t>
+            </a:r>
+            <a:r>
+              <a:rPr kumimoji="1" lang="en-US" altLang="zh-CN" sz="2400" dirty="0">
+                <a:latin typeface="Microsoft YaHei" panose="020B0503020204020204" pitchFamily="34" charset="-122"/>
+                <a:ea typeface="Microsoft YaHei" panose="020B0503020204020204" pitchFamily="34" charset="-122"/>
+              </a:rPr>
+              <a:t>()</a:t>
+            </a:r>
+            <a:r>
+              <a:rPr kumimoji="1" lang="zh-CN" altLang="en-US" sz="2400" dirty="0">
+                <a:latin typeface="Microsoft YaHei" panose="020B0503020204020204" pitchFamily="34" charset="-122"/>
+                <a:ea typeface="Microsoft YaHei" panose="020B0503020204020204" pitchFamily="34" charset="-122"/>
+              </a:rPr>
+              <a:t>获取，方便接受异常者查询原因</a:t>
             </a:r>
           </a:p>
         </p:txBody>
@@ -7716,7 +8686,7 @@
     </p:spTree>
     <p:extLst>
       <p:ext uri="{BB962C8B-B14F-4D97-AF65-F5344CB8AC3E}">
-        <p14:creationId xmlns:p14="http://schemas.microsoft.com/office/powerpoint/2010/main" val="2157639987"/>
+        <p14:creationId xmlns:p14="http://schemas.microsoft.com/office/powerpoint/2010/main" val="1747147531"/>
       </p:ext>
     </p:extLst>
   </p:cSld>
@@ -7766,6 +8736,3527 @@
         </p:nvSpPr>
         <p:spPr>
           <a:xfrm>
+            <a:off x="345440" y="577760"/>
+            <a:ext cx="11846560" cy="830997"/>
+          </a:xfrm>
+          <a:prstGeom prst="rect">
+            <a:avLst/>
+          </a:prstGeom>
+          <a:noFill/>
+        </p:spPr>
+        <p:txBody>
+          <a:bodyPr wrap="square" rtlCol="0">
+            <a:spAutoFit/>
+          </a:bodyPr>
+          <a:lstStyle/>
+          <a:p>
+            <a:pPr algn="ctr"/>
+            <a:r>
+              <a:rPr kumimoji="1" lang="zh-CN" altLang="en-US" sz="4800" dirty="0">
+                <a:latin typeface="Microsoft YaHei" panose="020B0503020204020204" pitchFamily="34" charset="-122"/>
+                <a:ea typeface="Microsoft YaHei" panose="020B0503020204020204" pitchFamily="34" charset="-122"/>
+              </a:rPr>
+              <a:t>声明和抛出异常例子</a:t>
+            </a:r>
+            <a:r>
+              <a:rPr kumimoji="1" lang="en-US" altLang="zh-CN" sz="4800" dirty="0">
+                <a:latin typeface="Microsoft YaHei" panose="020B0503020204020204" pitchFamily="34" charset="-122"/>
+                <a:ea typeface="Microsoft YaHei" panose="020B0503020204020204" pitchFamily="34" charset="-122"/>
+              </a:rPr>
+              <a:t>—</a:t>
+            </a:r>
+            <a:r>
+              <a:rPr kumimoji="1" lang="en-US" altLang="zh-CN" sz="4800" dirty="0" err="1">
+                <a:latin typeface="Microsoft YaHei" panose="020B0503020204020204" pitchFamily="34" charset="-122"/>
+                <a:ea typeface="Microsoft YaHei" panose="020B0503020204020204" pitchFamily="34" charset="-122"/>
+              </a:rPr>
+              <a:t>Integer.parseInt</a:t>
+            </a:r>
+            <a:endParaRPr kumimoji="1" lang="en-US" altLang="zh-CN" sz="4800" dirty="0">
+              <a:ea typeface="Microsoft YaHei" panose="020B0503020204020204" pitchFamily="34" charset="-122"/>
+            </a:endParaRPr>
+          </a:p>
+        </p:txBody>
+      </p:sp>
+      <p:pic>
+        <p:nvPicPr>
+          <p:cNvPr id="4" name="图片 3">
+            <a:extLst>
+              <a:ext uri="{FF2B5EF4-FFF2-40B4-BE49-F238E27FC236}">
+                <a16:creationId xmlns:a16="http://schemas.microsoft.com/office/drawing/2014/main" id="{C6BA4377-C2C3-C247-9AD4-1B67009E8ADA}"/>
+              </a:ext>
+            </a:extLst>
+          </p:cNvPr>
+          <p:cNvPicPr>
+            <a:picLocks noChangeAspect="1"/>
+          </p:cNvPicPr>
+          <p:nvPr/>
+        </p:nvPicPr>
+        <p:blipFill>
+          <a:blip r:embed="rId4"/>
+          <a:stretch>
+            <a:fillRect/>
+          </a:stretch>
+        </p:blipFill>
+        <p:spPr>
+          <a:xfrm>
+            <a:off x="1837690" y="2101940"/>
+            <a:ext cx="7581900" cy="4178300"/>
+          </a:xfrm>
+          <a:prstGeom prst="rect">
+            <a:avLst/>
+          </a:prstGeom>
+          <a:ln w="28575">
+            <a:solidFill>
+              <a:schemeClr val="bg1"/>
+            </a:solidFill>
+            <a:tailEnd type="triangle"/>
+          </a:ln>
+        </p:spPr>
+      </p:pic>
+      <p:sp>
+        <p:nvSpPr>
+          <p:cNvPr id="5" name="文本框 4">
+            <a:extLst>
+              <a:ext uri="{FF2B5EF4-FFF2-40B4-BE49-F238E27FC236}">
+                <a16:creationId xmlns:a16="http://schemas.microsoft.com/office/drawing/2014/main" id="{5CB71E1A-5BD8-944D-BF73-79C3E91E48D6}"/>
+              </a:ext>
+            </a:extLst>
+          </p:cNvPr>
+          <p:cNvSpPr txBox="1"/>
+          <p:nvPr/>
+        </p:nvSpPr>
+        <p:spPr>
+          <a:xfrm>
+            <a:off x="7376160" y="2247334"/>
+            <a:ext cx="1239520" cy="369332"/>
+          </a:xfrm>
+          <a:prstGeom prst="rect">
+            <a:avLst/>
+          </a:prstGeom>
+          <a:solidFill>
+            <a:schemeClr val="accent2"/>
+          </a:solidFill>
+        </p:spPr>
+        <p:txBody>
+          <a:bodyPr wrap="square" rtlCol="0">
+            <a:spAutoFit/>
+          </a:bodyPr>
+          <a:lstStyle/>
+          <a:p>
+            <a:r>
+              <a:rPr kumimoji="1" lang="zh-CN" altLang="en-US" dirty="0">
+                <a:solidFill>
+                  <a:schemeClr val="bg1"/>
+                </a:solidFill>
+              </a:rPr>
+              <a:t>声明异常</a:t>
+            </a:r>
+          </a:p>
+        </p:txBody>
+      </p:sp>
+      <p:sp>
+        <p:nvSpPr>
+          <p:cNvPr id="7" name="文本框 6">
+            <a:extLst>
+              <a:ext uri="{FF2B5EF4-FFF2-40B4-BE49-F238E27FC236}">
+                <a16:creationId xmlns:a16="http://schemas.microsoft.com/office/drawing/2014/main" id="{8F9DA4DE-260E-D94B-8960-C4926ACA31BB}"/>
+              </a:ext>
+            </a:extLst>
+          </p:cNvPr>
+          <p:cNvSpPr txBox="1"/>
+          <p:nvPr/>
+        </p:nvSpPr>
+        <p:spPr>
+          <a:xfrm>
+            <a:off x="7995920" y="3821758"/>
+            <a:ext cx="1239520" cy="369332"/>
+          </a:xfrm>
+          <a:prstGeom prst="rect">
+            <a:avLst/>
+          </a:prstGeom>
+          <a:solidFill>
+            <a:schemeClr val="accent2"/>
+          </a:solidFill>
+        </p:spPr>
+        <p:txBody>
+          <a:bodyPr wrap="square" rtlCol="0">
+            <a:spAutoFit/>
+          </a:bodyPr>
+          <a:lstStyle/>
+          <a:p>
+            <a:r>
+              <a:rPr kumimoji="1" lang="zh-CN" altLang="en-US" dirty="0">
+                <a:solidFill>
+                  <a:schemeClr val="bg1"/>
+                </a:solidFill>
+              </a:rPr>
+              <a:t>抛出异常</a:t>
+            </a:r>
+          </a:p>
+        </p:txBody>
+      </p:sp>
+      <p:cxnSp>
+        <p:nvCxnSpPr>
+          <p:cNvPr id="10" name="直线箭头连接符 9">
+            <a:extLst>
+              <a:ext uri="{FF2B5EF4-FFF2-40B4-BE49-F238E27FC236}">
+                <a16:creationId xmlns:a16="http://schemas.microsoft.com/office/drawing/2014/main" id="{D7E9B064-2D99-3948-8305-4FA2DB318EBA}"/>
+              </a:ext>
+            </a:extLst>
+          </p:cNvPr>
+          <p:cNvCxnSpPr>
+            <a:stCxn id="5" idx="1"/>
+          </p:cNvCxnSpPr>
+          <p:nvPr/>
+        </p:nvCxnSpPr>
+        <p:spPr>
+          <a:xfrm flipH="1">
+            <a:off x="6096000" y="2432000"/>
+            <a:ext cx="1280160" cy="6400"/>
+          </a:xfrm>
+          <a:prstGeom prst="straightConnector1">
+            <a:avLst/>
+          </a:prstGeom>
+          <a:ln w="28575">
+            <a:solidFill>
+              <a:schemeClr val="bg1"/>
+            </a:solidFill>
+            <a:tailEnd type="triangle"/>
+          </a:ln>
+        </p:spPr>
+        <p:style>
+          <a:lnRef idx="1">
+            <a:schemeClr val="accent1"/>
+          </a:lnRef>
+          <a:fillRef idx="0">
+            <a:schemeClr val="accent1"/>
+          </a:fillRef>
+          <a:effectRef idx="0">
+            <a:schemeClr val="accent1"/>
+          </a:effectRef>
+          <a:fontRef idx="minor">
+            <a:schemeClr val="tx1"/>
+          </a:fontRef>
+        </p:style>
+      </p:cxnSp>
+      <p:cxnSp>
+        <p:nvCxnSpPr>
+          <p:cNvPr id="12" name="直线箭头连接符 11">
+            <a:extLst>
+              <a:ext uri="{FF2B5EF4-FFF2-40B4-BE49-F238E27FC236}">
+                <a16:creationId xmlns:a16="http://schemas.microsoft.com/office/drawing/2014/main" id="{E53E1FA9-3B8F-6F49-8D7A-3D8329900F73}"/>
+              </a:ext>
+            </a:extLst>
+          </p:cNvPr>
+          <p:cNvCxnSpPr/>
+          <p:nvPr/>
+        </p:nvCxnSpPr>
+        <p:spPr>
+          <a:xfrm flipH="1">
+            <a:off x="6766560" y="3982720"/>
+            <a:ext cx="1219200" cy="0"/>
+          </a:xfrm>
+          <a:prstGeom prst="straightConnector1">
+            <a:avLst/>
+          </a:prstGeom>
+          <a:ln w="28575">
+            <a:solidFill>
+              <a:schemeClr val="bg1"/>
+            </a:solidFill>
+            <a:tailEnd type="triangle"/>
+          </a:ln>
+        </p:spPr>
+        <p:style>
+          <a:lnRef idx="1">
+            <a:schemeClr val="accent1"/>
+          </a:lnRef>
+          <a:fillRef idx="0">
+            <a:schemeClr val="accent1"/>
+          </a:fillRef>
+          <a:effectRef idx="0">
+            <a:schemeClr val="accent1"/>
+          </a:effectRef>
+          <a:fontRef idx="minor">
+            <a:schemeClr val="tx1"/>
+          </a:fontRef>
+        </p:style>
+      </p:cxnSp>
+      <p:cxnSp>
+        <p:nvCxnSpPr>
+          <p:cNvPr id="15" name="直线箭头连接符 14">
+            <a:extLst>
+              <a:ext uri="{FF2B5EF4-FFF2-40B4-BE49-F238E27FC236}">
+                <a16:creationId xmlns:a16="http://schemas.microsoft.com/office/drawing/2014/main" id="{D3ACE343-8D96-CD41-895A-FEE46B403461}"/>
+              </a:ext>
+            </a:extLst>
+          </p:cNvPr>
+          <p:cNvCxnSpPr/>
+          <p:nvPr/>
+        </p:nvCxnSpPr>
+        <p:spPr>
+          <a:xfrm flipH="1">
+            <a:off x="6096000" y="4191090"/>
+            <a:ext cx="1899920" cy="543470"/>
+          </a:xfrm>
+          <a:prstGeom prst="straightConnector1">
+            <a:avLst/>
+          </a:prstGeom>
+          <a:ln w="28575">
+            <a:solidFill>
+              <a:schemeClr val="bg1"/>
+            </a:solidFill>
+            <a:tailEnd type="triangle"/>
+          </a:ln>
+        </p:spPr>
+        <p:style>
+          <a:lnRef idx="1">
+            <a:schemeClr val="accent1"/>
+          </a:lnRef>
+          <a:fillRef idx="0">
+            <a:schemeClr val="accent1"/>
+          </a:fillRef>
+          <a:effectRef idx="0">
+            <a:schemeClr val="accent1"/>
+          </a:effectRef>
+          <a:fontRef idx="minor">
+            <a:schemeClr val="tx1"/>
+          </a:fontRef>
+        </p:style>
+      </p:cxnSp>
+      <p:cxnSp>
+        <p:nvCxnSpPr>
+          <p:cNvPr id="17" name="直线箭头连接符 16">
+            <a:extLst>
+              <a:ext uri="{FF2B5EF4-FFF2-40B4-BE49-F238E27FC236}">
+                <a16:creationId xmlns:a16="http://schemas.microsoft.com/office/drawing/2014/main" id="{2A0CCD3D-EB90-F345-826B-D025A355D7E7}"/>
+              </a:ext>
+            </a:extLst>
+          </p:cNvPr>
+          <p:cNvCxnSpPr/>
+          <p:nvPr/>
+        </p:nvCxnSpPr>
+        <p:spPr>
+          <a:xfrm flipH="1">
+            <a:off x="5913120" y="4191090"/>
+            <a:ext cx="2082800" cy="1396910"/>
+          </a:xfrm>
+          <a:prstGeom prst="straightConnector1">
+            <a:avLst/>
+          </a:prstGeom>
+          <a:ln w="28575">
+            <a:solidFill>
+              <a:schemeClr val="bg1"/>
+            </a:solidFill>
+            <a:tailEnd type="triangle"/>
+          </a:ln>
+        </p:spPr>
+        <p:style>
+          <a:lnRef idx="1">
+            <a:schemeClr val="accent1"/>
+          </a:lnRef>
+          <a:fillRef idx="0">
+            <a:schemeClr val="accent1"/>
+          </a:fillRef>
+          <a:effectRef idx="0">
+            <a:schemeClr val="accent1"/>
+          </a:effectRef>
+          <a:fontRef idx="minor">
+            <a:schemeClr val="tx1"/>
+          </a:fontRef>
+        </p:style>
+      </p:cxnSp>
+    </p:spTree>
+    <p:extLst>
+      <p:ext uri="{BB962C8B-B14F-4D97-AF65-F5344CB8AC3E}">
+        <p14:creationId xmlns:p14="http://schemas.microsoft.com/office/powerpoint/2010/main" val="1325932664"/>
+      </p:ext>
+    </p:extLst>
+  </p:cSld>
+  <p:clrMapOvr>
+    <a:masterClrMapping/>
+  </p:clrMapOvr>
+  <p:timing>
+    <p:tnLst>
+      <p:par>
+        <p:cTn id="1" dur="indefinite" restart="never" nodeType="tmRoot">
+          <p:childTnLst>
+            <p:seq concurrent="1" nextAc="seek">
+              <p:cTn id="2" dur="indefinite" nodeType="mainSeq">
+                <p:childTnLst>
+                  <p:par>
+                    <p:cTn id="3" fill="hold">
+                      <p:stCondLst>
+                        <p:cond delay="indefinite"/>
+                      </p:stCondLst>
+                      <p:childTnLst>
+                        <p:par>
+                          <p:cTn id="4" fill="hold">
+                            <p:stCondLst>
+                              <p:cond delay="0"/>
+                            </p:stCondLst>
+                            <p:childTnLst>
+                              <p:par>
+                                <p:cTn id="5" presetID="1" presetClass="entr" presetSubtype="0" fill="hold" grpId="0" nodeType="clickEffect">
+                                  <p:stCondLst>
+                                    <p:cond delay="0"/>
+                                  </p:stCondLst>
+                                  <p:childTnLst>
+                                    <p:set>
+                                      <p:cBhvr>
+                                        <p:cTn id="6" dur="1" fill="hold">
+                                          <p:stCondLst>
+                                            <p:cond delay="0"/>
+                                          </p:stCondLst>
+                                        </p:cTn>
+                                        <p:tgtEl>
+                                          <p:spTgt spid="5"/>
+                                        </p:tgtEl>
+                                        <p:attrNameLst>
+                                          <p:attrName>style.visibility</p:attrName>
+                                        </p:attrNameLst>
+                                      </p:cBhvr>
+                                      <p:to>
+                                        <p:strVal val="visible"/>
+                                      </p:to>
+                                    </p:set>
+                                  </p:childTnLst>
+                                </p:cTn>
+                              </p:par>
+                              <p:par>
+                                <p:cTn id="7" presetID="1" presetClass="entr" presetSubtype="0" fill="hold" nodeType="withEffect">
+                                  <p:stCondLst>
+                                    <p:cond delay="0"/>
+                                  </p:stCondLst>
+                                  <p:childTnLst>
+                                    <p:set>
+                                      <p:cBhvr>
+                                        <p:cTn id="8" dur="1" fill="hold">
+                                          <p:stCondLst>
+                                            <p:cond delay="0"/>
+                                          </p:stCondLst>
+                                        </p:cTn>
+                                        <p:tgtEl>
+                                          <p:spTgt spid="10"/>
+                                        </p:tgtEl>
+                                        <p:attrNameLst>
+                                          <p:attrName>style.visibility</p:attrName>
+                                        </p:attrNameLst>
+                                      </p:cBhvr>
+                                      <p:to>
+                                        <p:strVal val="visible"/>
+                                      </p:to>
+                                    </p:set>
+                                  </p:childTnLst>
+                                </p:cTn>
+                              </p:par>
+                            </p:childTnLst>
+                          </p:cTn>
+                        </p:par>
+                      </p:childTnLst>
+                    </p:cTn>
+                  </p:par>
+                  <p:par>
+                    <p:cTn id="9" fill="hold">
+                      <p:stCondLst>
+                        <p:cond delay="indefinite"/>
+                      </p:stCondLst>
+                      <p:childTnLst>
+                        <p:par>
+                          <p:cTn id="10" fill="hold">
+                            <p:stCondLst>
+                              <p:cond delay="0"/>
+                            </p:stCondLst>
+                            <p:childTnLst>
+                              <p:par>
+                                <p:cTn id="11" presetID="1" presetClass="entr" presetSubtype="0" fill="hold" grpId="0" nodeType="clickEffect">
+                                  <p:stCondLst>
+                                    <p:cond delay="0"/>
+                                  </p:stCondLst>
+                                  <p:childTnLst>
+                                    <p:set>
+                                      <p:cBhvr>
+                                        <p:cTn id="12" dur="1" fill="hold">
+                                          <p:stCondLst>
+                                            <p:cond delay="0"/>
+                                          </p:stCondLst>
+                                        </p:cTn>
+                                        <p:tgtEl>
+                                          <p:spTgt spid="7"/>
+                                        </p:tgtEl>
+                                        <p:attrNameLst>
+                                          <p:attrName>style.visibility</p:attrName>
+                                        </p:attrNameLst>
+                                      </p:cBhvr>
+                                      <p:to>
+                                        <p:strVal val="visible"/>
+                                      </p:to>
+                                    </p:set>
+                                  </p:childTnLst>
+                                </p:cTn>
+                              </p:par>
+                              <p:par>
+                                <p:cTn id="13" presetID="1" presetClass="entr" presetSubtype="0" fill="hold" nodeType="withEffect">
+                                  <p:stCondLst>
+                                    <p:cond delay="0"/>
+                                  </p:stCondLst>
+                                  <p:childTnLst>
+                                    <p:set>
+                                      <p:cBhvr>
+                                        <p:cTn id="14" dur="1" fill="hold">
+                                          <p:stCondLst>
+                                            <p:cond delay="0"/>
+                                          </p:stCondLst>
+                                        </p:cTn>
+                                        <p:tgtEl>
+                                          <p:spTgt spid="12"/>
+                                        </p:tgtEl>
+                                        <p:attrNameLst>
+                                          <p:attrName>style.visibility</p:attrName>
+                                        </p:attrNameLst>
+                                      </p:cBhvr>
+                                      <p:to>
+                                        <p:strVal val="visible"/>
+                                      </p:to>
+                                    </p:set>
+                                  </p:childTnLst>
+                                </p:cTn>
+                              </p:par>
+                              <p:par>
+                                <p:cTn id="15" presetID="1" presetClass="entr" presetSubtype="0" fill="hold" nodeType="withEffect">
+                                  <p:stCondLst>
+                                    <p:cond delay="0"/>
+                                  </p:stCondLst>
+                                  <p:childTnLst>
+                                    <p:set>
+                                      <p:cBhvr>
+                                        <p:cTn id="16" dur="1" fill="hold">
+                                          <p:stCondLst>
+                                            <p:cond delay="0"/>
+                                          </p:stCondLst>
+                                        </p:cTn>
+                                        <p:tgtEl>
+                                          <p:spTgt spid="15"/>
+                                        </p:tgtEl>
+                                        <p:attrNameLst>
+                                          <p:attrName>style.visibility</p:attrName>
+                                        </p:attrNameLst>
+                                      </p:cBhvr>
+                                      <p:to>
+                                        <p:strVal val="visible"/>
+                                      </p:to>
+                                    </p:set>
+                                  </p:childTnLst>
+                                </p:cTn>
+                              </p:par>
+                              <p:par>
+                                <p:cTn id="17" presetID="1" presetClass="entr" presetSubtype="0" fill="hold" nodeType="withEffect">
+                                  <p:stCondLst>
+                                    <p:cond delay="0"/>
+                                  </p:stCondLst>
+                                  <p:childTnLst>
+                                    <p:set>
+                                      <p:cBhvr>
+                                        <p:cTn id="18" dur="1" fill="hold">
+                                          <p:stCondLst>
+                                            <p:cond delay="0"/>
+                                          </p:stCondLst>
+                                        </p:cTn>
+                                        <p:tgtEl>
+                                          <p:spTgt spid="17"/>
+                                        </p:tgtEl>
+                                        <p:attrNameLst>
+                                          <p:attrName>style.visibility</p:attrName>
+                                        </p:attrNameLst>
+                                      </p:cBhvr>
+                                      <p:to>
+                                        <p:strVal val="visible"/>
+                                      </p:to>
+                                    </p:set>
+                                  </p:childTnLst>
+                                </p:cTn>
+                              </p:par>
+                            </p:childTnLst>
+                          </p:cTn>
+                        </p:par>
+                      </p:childTnLst>
+                    </p:cTn>
+                  </p:par>
+                </p:childTnLst>
+              </p:cTn>
+              <p:prevCondLst>
+                <p:cond evt="onPrev" delay="0">
+                  <p:tgtEl>
+                    <p:sldTgt/>
+                  </p:tgtEl>
+                </p:cond>
+              </p:prevCondLst>
+              <p:nextCondLst>
+                <p:cond evt="onNext" delay="0">
+                  <p:tgtEl>
+                    <p:sldTgt/>
+                  </p:tgtEl>
+                </p:cond>
+              </p:nextCondLst>
+            </p:seq>
+          </p:childTnLst>
+        </p:cTn>
+      </p:par>
+    </p:tnLst>
+    <p:bldLst>
+      <p:bldP spid="5" grpId="0" animBg="1"/>
+      <p:bldP spid="7" grpId="0" animBg="1"/>
+    </p:bldLst>
+  </p:timing>
+</p:sld>
+</file>
+
+<file path=ppt/slides/slide13.xml><?xml version="1.0" encoding="utf-8"?>
+<p:sld xmlns:a="http://schemas.openxmlformats.org/drawingml/2006/main" xmlns:r="http://schemas.openxmlformats.org/officeDocument/2006/relationships" xmlns:p="http://schemas.openxmlformats.org/presentationml/2006/main">
+  <p:cSld>
+    <p:bg>
+      <p:bgPr>
+        <a:blipFill>
+          <a:blip r:embed="rId3"/>
+          <a:tile tx="0" ty="0" sx="100000" sy="100000" flip="none" algn="tl"/>
+        </a:blipFill>
+        <a:effectLst/>
+      </p:bgPr>
+    </p:bg>
+    <p:spTree>
+      <p:nvGrpSpPr>
+        <p:cNvPr id="1" name=""/>
+        <p:cNvGrpSpPr/>
+        <p:nvPr/>
+      </p:nvGrpSpPr>
+      <p:grpSpPr>
+        <a:xfrm>
+          <a:off x="0" y="0"/>
+          <a:ext cx="0" cy="0"/>
+          <a:chOff x="0" y="0"/>
+          <a:chExt cx="0" cy="0"/>
+        </a:xfrm>
+      </p:grpSpPr>
+      <p:sp>
+        <p:nvSpPr>
+          <p:cNvPr id="2" name="文本框 1">
+            <a:extLst>
+              <a:ext uri="{FF2B5EF4-FFF2-40B4-BE49-F238E27FC236}">
+                <a16:creationId xmlns:a16="http://schemas.microsoft.com/office/drawing/2014/main" id="{12AA8BCC-7B15-4842-80C2-48C079429338}"/>
+              </a:ext>
+            </a:extLst>
+          </p:cNvPr>
+          <p:cNvSpPr txBox="1"/>
+          <p:nvPr/>
+        </p:nvSpPr>
+        <p:spPr>
+          <a:xfrm>
+            <a:off x="2520000" y="720000"/>
+            <a:ext cx="7735824" cy="830997"/>
+          </a:xfrm>
+          <a:prstGeom prst="rect">
+            <a:avLst/>
+          </a:prstGeom>
+          <a:noFill/>
+        </p:spPr>
+        <p:txBody>
+          <a:bodyPr wrap="square" rtlCol="0">
+            <a:spAutoFit/>
+          </a:bodyPr>
+          <a:lstStyle/>
+          <a:p>
+            <a:pPr algn="ctr"/>
+            <a:r>
+              <a:rPr kumimoji="1" lang="zh-CN" altLang="en-US" sz="4800" dirty="0">
+                <a:latin typeface="Microsoft YaHei" panose="020B0503020204020204" pitchFamily="34" charset="-122"/>
+                <a:ea typeface="Microsoft YaHei" panose="020B0503020204020204" pitchFamily="34" charset="-122"/>
+              </a:rPr>
+              <a:t>捕获异常</a:t>
+            </a:r>
+            <a:endParaRPr kumimoji="1" lang="en-US" altLang="zh-CN" sz="4800" dirty="0">
+              <a:ea typeface="Microsoft YaHei" panose="020B0503020204020204" pitchFamily="34" charset="-122"/>
+            </a:endParaRPr>
+          </a:p>
+        </p:txBody>
+      </p:sp>
+      <p:sp>
+        <p:nvSpPr>
+          <p:cNvPr id="13" name="文本框 12">
+            <a:extLst>
+              <a:ext uri="{FF2B5EF4-FFF2-40B4-BE49-F238E27FC236}">
+                <a16:creationId xmlns:a16="http://schemas.microsoft.com/office/drawing/2014/main" id="{8E054F89-5FA8-2F47-8710-58E04A67980C}"/>
+              </a:ext>
+            </a:extLst>
+          </p:cNvPr>
+          <p:cNvSpPr txBox="1"/>
+          <p:nvPr/>
+        </p:nvSpPr>
+        <p:spPr>
+          <a:xfrm>
+            <a:off x="1779336" y="2039835"/>
+            <a:ext cx="8924544" cy="1569660"/>
+          </a:xfrm>
+          <a:prstGeom prst="rect">
+            <a:avLst/>
+          </a:prstGeom>
+          <a:noFill/>
+        </p:spPr>
+        <p:txBody>
+          <a:bodyPr wrap="square" rtlCol="0">
+            <a:spAutoFit/>
+          </a:bodyPr>
+          <a:lstStyle/>
+          <a:p>
+            <a:r>
+              <a:rPr kumimoji="1" lang="zh-CN" altLang="en-US" sz="2400" dirty="0">
+                <a:latin typeface="Microsoft YaHei" panose="020B0503020204020204" pitchFamily="34" charset="-122"/>
+                <a:ea typeface="Microsoft YaHei" panose="020B0503020204020204" pitchFamily="34" charset="-122"/>
+              </a:rPr>
+              <a:t>格式：</a:t>
+            </a:r>
+            <a:endParaRPr kumimoji="1" lang="en-US" altLang="zh-CN" sz="2400" dirty="0">
+              <a:latin typeface="Microsoft YaHei" panose="020B0503020204020204" pitchFamily="34" charset="-122"/>
+              <a:ea typeface="Microsoft YaHei" panose="020B0503020204020204" pitchFamily="34" charset="-122"/>
+            </a:endParaRPr>
+          </a:p>
+          <a:p>
+            <a:r>
+              <a:rPr kumimoji="1" lang="en-US" altLang="zh-CN" sz="2400" dirty="0">
+                <a:latin typeface="Microsoft YaHei" panose="020B0503020204020204" pitchFamily="34" charset="-122"/>
+                <a:ea typeface="Microsoft YaHei" panose="020B0503020204020204" pitchFamily="34" charset="-122"/>
+              </a:rPr>
+              <a:t>	try</a:t>
+            </a:r>
+            <a:r>
+              <a:rPr kumimoji="1" lang="zh-CN" altLang="en-US" sz="2400" dirty="0">
+                <a:latin typeface="Microsoft YaHei" panose="020B0503020204020204" pitchFamily="34" charset="-122"/>
+                <a:ea typeface="Microsoft YaHei" panose="020B0503020204020204" pitchFamily="34" charset="-122"/>
+              </a:rPr>
+              <a:t> </a:t>
+            </a:r>
+            <a:r>
+              <a:rPr kumimoji="1" lang="en-US" altLang="zh-CN" sz="2400" dirty="0">
+                <a:latin typeface="Microsoft YaHei" panose="020B0503020204020204" pitchFamily="34" charset="-122"/>
+                <a:ea typeface="Microsoft YaHei" panose="020B0503020204020204" pitchFamily="34" charset="-122"/>
+              </a:rPr>
+              <a:t>{</a:t>
+            </a:r>
+          </a:p>
+          <a:p>
+            <a:endParaRPr kumimoji="1" lang="en-US" altLang="zh-CN" sz="2400" dirty="0">
+              <a:latin typeface="Microsoft YaHei" panose="020B0503020204020204" pitchFamily="34" charset="-122"/>
+              <a:ea typeface="Microsoft YaHei" panose="020B0503020204020204" pitchFamily="34" charset="-122"/>
+            </a:endParaRPr>
+          </a:p>
+          <a:p>
+            <a:r>
+              <a:rPr kumimoji="1" lang="en-US" altLang="zh-CN" sz="2400" dirty="0">
+                <a:latin typeface="Microsoft YaHei" panose="020B0503020204020204" pitchFamily="34" charset="-122"/>
+                <a:ea typeface="Microsoft YaHei" panose="020B0503020204020204" pitchFamily="34" charset="-122"/>
+              </a:rPr>
+              <a:t>	}catch</a:t>
+            </a:r>
+            <a:r>
+              <a:rPr kumimoji="1" lang="zh-CN" altLang="en-US" sz="2400" dirty="0">
+                <a:latin typeface="Microsoft YaHei" panose="020B0503020204020204" pitchFamily="34" charset="-122"/>
+                <a:ea typeface="Microsoft YaHei" panose="020B0503020204020204" pitchFamily="34" charset="-122"/>
+              </a:rPr>
+              <a:t>（</a:t>
+            </a:r>
+            <a:r>
+              <a:rPr kumimoji="1" lang="en-US" altLang="zh-CN" sz="2400" dirty="0">
+                <a:latin typeface="Microsoft YaHei" panose="020B0503020204020204" pitchFamily="34" charset="-122"/>
+                <a:ea typeface="Microsoft YaHei" panose="020B0503020204020204" pitchFamily="34" charset="-122"/>
+              </a:rPr>
+              <a:t>Exception</a:t>
+            </a:r>
+            <a:r>
+              <a:rPr kumimoji="1" lang="zh-CN" altLang="en-US" sz="2400" dirty="0">
+                <a:latin typeface="Microsoft YaHei" panose="020B0503020204020204" pitchFamily="34" charset="-122"/>
+                <a:ea typeface="Microsoft YaHei" panose="020B0503020204020204" pitchFamily="34" charset="-122"/>
+              </a:rPr>
+              <a:t> </a:t>
+            </a:r>
+            <a:r>
+              <a:rPr kumimoji="1" lang="en-US" altLang="zh-CN" sz="2400" dirty="0">
+                <a:latin typeface="Microsoft YaHei" panose="020B0503020204020204" pitchFamily="34" charset="-122"/>
+                <a:ea typeface="Microsoft YaHei" panose="020B0503020204020204" pitchFamily="34" charset="-122"/>
+              </a:rPr>
+              <a:t>e</a:t>
+            </a:r>
+            <a:r>
+              <a:rPr kumimoji="1" lang="zh-CN" altLang="en-US" sz="2400" dirty="0">
+                <a:latin typeface="Microsoft YaHei" panose="020B0503020204020204" pitchFamily="34" charset="-122"/>
+                <a:ea typeface="Microsoft YaHei" panose="020B0503020204020204" pitchFamily="34" charset="-122"/>
+              </a:rPr>
+              <a:t>）</a:t>
+            </a:r>
+            <a:endParaRPr kumimoji="1" lang="en-US" altLang="zh-CN" sz="2400" dirty="0">
+              <a:latin typeface="Microsoft YaHei" panose="020B0503020204020204" pitchFamily="34" charset="-122"/>
+              <a:ea typeface="Microsoft YaHei" panose="020B0503020204020204" pitchFamily="34" charset="-122"/>
+            </a:endParaRPr>
+          </a:p>
+        </p:txBody>
+      </p:sp>
+      <p:pic>
+        <p:nvPicPr>
+          <p:cNvPr id="5" name="图片 4">
+            <a:extLst>
+              <a:ext uri="{FF2B5EF4-FFF2-40B4-BE49-F238E27FC236}">
+                <a16:creationId xmlns:a16="http://schemas.microsoft.com/office/drawing/2014/main" id="{671D4AF7-275B-7F4C-9F10-30DC52FCC852}"/>
+              </a:ext>
+            </a:extLst>
+          </p:cNvPr>
+          <p:cNvPicPr>
+            <a:picLocks noChangeAspect="1"/>
+          </p:cNvPicPr>
+          <p:nvPr/>
+        </p:nvPicPr>
+        <p:blipFill>
+          <a:blip r:embed="rId4"/>
+          <a:stretch>
+            <a:fillRect/>
+          </a:stretch>
+        </p:blipFill>
+        <p:spPr>
+          <a:xfrm>
+            <a:off x="3463290" y="4098333"/>
+            <a:ext cx="4737100" cy="2413000"/>
+          </a:xfrm>
+          <a:prstGeom prst="rect">
+            <a:avLst/>
+          </a:prstGeom>
+        </p:spPr>
+      </p:pic>
+    </p:spTree>
+    <p:extLst>
+      <p:ext uri="{BB962C8B-B14F-4D97-AF65-F5344CB8AC3E}">
+        <p14:creationId xmlns:p14="http://schemas.microsoft.com/office/powerpoint/2010/main" val="2962917903"/>
+      </p:ext>
+    </p:extLst>
+  </p:cSld>
+  <p:clrMapOvr>
+    <a:masterClrMapping/>
+  </p:clrMapOvr>
+</p:sld>
+</file>
+
+<file path=ppt/slides/slide14.xml><?xml version="1.0" encoding="utf-8"?>
+<p:sld xmlns:a="http://schemas.openxmlformats.org/drawingml/2006/main" xmlns:r="http://schemas.openxmlformats.org/officeDocument/2006/relationships" xmlns:p="http://schemas.openxmlformats.org/presentationml/2006/main">
+  <p:cSld>
+    <p:bg>
+      <p:bgPr>
+        <a:blipFill>
+          <a:blip r:embed="rId3"/>
+          <a:tile tx="0" ty="0" sx="100000" sy="100000" flip="none" algn="tl"/>
+        </a:blipFill>
+        <a:effectLst/>
+      </p:bgPr>
+    </p:bg>
+    <p:spTree>
+      <p:nvGrpSpPr>
+        <p:cNvPr id="1" name=""/>
+        <p:cNvGrpSpPr/>
+        <p:nvPr/>
+      </p:nvGrpSpPr>
+      <p:grpSpPr>
+        <a:xfrm>
+          <a:off x="0" y="0"/>
+          <a:ext cx="0" cy="0"/>
+          <a:chOff x="0" y="0"/>
+          <a:chExt cx="0" cy="0"/>
+        </a:xfrm>
+      </p:grpSpPr>
+      <p:sp>
+        <p:nvSpPr>
+          <p:cNvPr id="2" name="文本框 1">
+            <a:extLst>
+              <a:ext uri="{FF2B5EF4-FFF2-40B4-BE49-F238E27FC236}">
+                <a16:creationId xmlns:a16="http://schemas.microsoft.com/office/drawing/2014/main" id="{12AA8BCC-7B15-4842-80C2-48C079429338}"/>
+              </a:ext>
+            </a:extLst>
+          </p:cNvPr>
+          <p:cNvSpPr txBox="1"/>
+          <p:nvPr/>
+        </p:nvSpPr>
+        <p:spPr>
+          <a:xfrm>
+            <a:off x="1854520" y="438827"/>
+            <a:ext cx="9066784" cy="830997"/>
+          </a:xfrm>
+          <a:prstGeom prst="rect">
+            <a:avLst/>
+          </a:prstGeom>
+          <a:noFill/>
+        </p:spPr>
+        <p:txBody>
+          <a:bodyPr wrap="square" rtlCol="0">
+            <a:spAutoFit/>
+          </a:bodyPr>
+          <a:lstStyle/>
+          <a:p>
+            <a:pPr algn="ctr"/>
+            <a:r>
+              <a:rPr kumimoji="1" lang="zh-CN" altLang="en-US" sz="4800" dirty="0">
+                <a:latin typeface="Microsoft YaHei" panose="020B0503020204020204" pitchFamily="34" charset="-122"/>
+                <a:ea typeface="Microsoft YaHei" panose="020B0503020204020204" pitchFamily="34" charset="-122"/>
+              </a:rPr>
+              <a:t>捕获异常</a:t>
+            </a:r>
+            <a:r>
+              <a:rPr kumimoji="1" lang="en-US" altLang="zh-CN" sz="4800" dirty="0">
+                <a:latin typeface="Microsoft YaHei" panose="020B0503020204020204" pitchFamily="34" charset="-122"/>
+                <a:ea typeface="Microsoft YaHei" panose="020B0503020204020204" pitchFamily="34" charset="-122"/>
+              </a:rPr>
+              <a:t>---</a:t>
+            </a:r>
+            <a:r>
+              <a:rPr kumimoji="1" lang="zh-CN" altLang="en-US" sz="4800" dirty="0">
+                <a:latin typeface="Microsoft YaHei" panose="020B0503020204020204" pitchFamily="34" charset="-122"/>
+                <a:ea typeface="Microsoft YaHei" panose="020B0503020204020204" pitchFamily="34" charset="-122"/>
+              </a:rPr>
+              <a:t>向上汇报处理原则</a:t>
+            </a:r>
+            <a:endParaRPr kumimoji="1" lang="en-US" altLang="zh-CN" sz="4800" dirty="0">
+              <a:ea typeface="Microsoft YaHei" panose="020B0503020204020204" pitchFamily="34" charset="-122"/>
+            </a:endParaRPr>
+          </a:p>
+        </p:txBody>
+      </p:sp>
+      <p:sp>
+        <p:nvSpPr>
+          <p:cNvPr id="4" name="文本框 3">
+            <a:extLst>
+              <a:ext uri="{FF2B5EF4-FFF2-40B4-BE49-F238E27FC236}">
+                <a16:creationId xmlns:a16="http://schemas.microsoft.com/office/drawing/2014/main" id="{2BE44B78-0493-DE41-9830-07C67AB37F46}"/>
+              </a:ext>
+            </a:extLst>
+          </p:cNvPr>
+          <p:cNvSpPr txBox="1"/>
+          <p:nvPr/>
+        </p:nvSpPr>
+        <p:spPr>
+          <a:xfrm>
+            <a:off x="1854520" y="1789345"/>
+            <a:ext cx="9341038" cy="1569660"/>
+          </a:xfrm>
+          <a:prstGeom prst="rect">
+            <a:avLst/>
+          </a:prstGeom>
+          <a:noFill/>
+        </p:spPr>
+        <p:txBody>
+          <a:bodyPr wrap="square" rtlCol="0">
+            <a:spAutoFit/>
+          </a:bodyPr>
+          <a:lstStyle/>
+          <a:p>
+            <a:r>
+              <a:rPr lang="zh-CN" altLang="en-US" sz="2400" dirty="0">
+                <a:latin typeface="Microsoft YaHei" panose="020B0503020204020204" pitchFamily="34" charset="-122"/>
+                <a:ea typeface="Microsoft YaHei" panose="020B0503020204020204" pitchFamily="34" charset="-122"/>
+              </a:rPr>
+              <a:t>向上：向调用者</a:t>
+            </a:r>
+            <a:r>
+              <a:rPr lang="zh-CN" altLang="en-US" sz="2400">
+                <a:latin typeface="Microsoft YaHei" panose="020B0503020204020204" pitchFamily="34" charset="-122"/>
+                <a:ea typeface="Microsoft YaHei" panose="020B0503020204020204" pitchFamily="34" charset="-122"/>
+              </a:rPr>
+              <a:t>传递的</a:t>
+            </a:r>
+            <a:endParaRPr lang="en-US" altLang="zh-CN" sz="2400" dirty="0">
+              <a:latin typeface="Microsoft YaHei" panose="020B0503020204020204" pitchFamily="34" charset="-122"/>
+              <a:ea typeface="Microsoft YaHei" panose="020B0503020204020204" pitchFamily="34" charset="-122"/>
+            </a:endParaRPr>
+          </a:p>
+          <a:p>
+            <a:r>
+              <a:rPr kumimoji="1" lang="zh-CN" altLang="en-US" sz="2400" dirty="0">
+                <a:latin typeface="Microsoft YaHei" panose="020B0503020204020204" pitchFamily="34" charset="-122"/>
+                <a:ea typeface="Microsoft YaHei" panose="020B0503020204020204" pitchFamily="34" charset="-122"/>
+              </a:rPr>
+              <a:t>如果异常没有在当前的方法中被捕获，就把异常传给该方法的调用者 ，这个过程一直重复，直到异常被捕获处理或被传给 </a:t>
+            </a:r>
+            <a:r>
+              <a:rPr kumimoji="1" lang="en-US" altLang="zh-CN" sz="2400" dirty="0">
+                <a:latin typeface="Microsoft YaHei" panose="020B0503020204020204" pitchFamily="34" charset="-122"/>
+                <a:ea typeface="Microsoft YaHei" panose="020B0503020204020204" pitchFamily="34" charset="-122"/>
+              </a:rPr>
+              <a:t>main </a:t>
+            </a:r>
+            <a:r>
+              <a:rPr kumimoji="1" lang="zh-CN" altLang="en-US" sz="2400" dirty="0">
+                <a:latin typeface="Microsoft YaHei" panose="020B0503020204020204" pitchFamily="34" charset="-122"/>
+                <a:ea typeface="Microsoft YaHei" panose="020B0503020204020204" pitchFamily="34" charset="-122"/>
+              </a:rPr>
+              <a:t>方法 </a:t>
+            </a:r>
+          </a:p>
+          <a:p>
+            <a:endParaRPr lang="zh-CN" altLang="en-US" sz="2400" dirty="0">
+              <a:latin typeface="Microsoft YaHei" panose="020B0503020204020204" pitchFamily="34" charset="-122"/>
+              <a:ea typeface="Microsoft YaHei" panose="020B0503020204020204" pitchFamily="34" charset="-122"/>
+            </a:endParaRPr>
+          </a:p>
+        </p:txBody>
+      </p:sp>
+      <p:pic>
+        <p:nvPicPr>
+          <p:cNvPr id="7" name="图片 6">
+            <a:extLst>
+              <a:ext uri="{FF2B5EF4-FFF2-40B4-BE49-F238E27FC236}">
+                <a16:creationId xmlns:a16="http://schemas.microsoft.com/office/drawing/2014/main" id="{F9FAD25A-8120-0849-AB2D-00AF4966D1FC}"/>
+              </a:ext>
+            </a:extLst>
+          </p:cNvPr>
+          <p:cNvPicPr>
+            <a:picLocks noChangeAspect="1"/>
+          </p:cNvPicPr>
+          <p:nvPr/>
+        </p:nvPicPr>
+        <p:blipFill>
+          <a:blip r:embed="rId4"/>
+          <a:stretch>
+            <a:fillRect/>
+          </a:stretch>
+        </p:blipFill>
+        <p:spPr>
+          <a:xfrm>
+            <a:off x="2070100" y="3127151"/>
+            <a:ext cx="8051800" cy="3556000"/>
+          </a:xfrm>
+          <a:prstGeom prst="rect">
+            <a:avLst/>
+          </a:prstGeom>
+        </p:spPr>
+      </p:pic>
+    </p:spTree>
+    <p:extLst>
+      <p:ext uri="{BB962C8B-B14F-4D97-AF65-F5344CB8AC3E}">
+        <p14:creationId xmlns:p14="http://schemas.microsoft.com/office/powerpoint/2010/main" val="3083497068"/>
+      </p:ext>
+    </p:extLst>
+  </p:cSld>
+  <p:clrMapOvr>
+    <a:masterClrMapping/>
+  </p:clrMapOvr>
+</p:sld>
+</file>
+
+<file path=ppt/slides/slide15.xml><?xml version="1.0" encoding="utf-8"?>
+<p:sld xmlns:a="http://schemas.openxmlformats.org/drawingml/2006/main" xmlns:r="http://schemas.openxmlformats.org/officeDocument/2006/relationships" xmlns:p="http://schemas.openxmlformats.org/presentationml/2006/main">
+  <p:cSld>
+    <p:bg>
+      <p:bgPr>
+        <a:blipFill>
+          <a:blip r:embed="rId3"/>
+          <a:tile tx="0" ty="0" sx="100000" sy="100000" flip="none" algn="tl"/>
+        </a:blipFill>
+        <a:effectLst/>
+      </p:bgPr>
+    </p:bg>
+    <p:spTree>
+      <p:nvGrpSpPr>
+        <p:cNvPr id="1" name=""/>
+        <p:cNvGrpSpPr/>
+        <p:nvPr/>
+      </p:nvGrpSpPr>
+      <p:grpSpPr>
+        <a:xfrm>
+          <a:off x="0" y="0"/>
+          <a:ext cx="0" cy="0"/>
+          <a:chOff x="0" y="0"/>
+          <a:chExt cx="0" cy="0"/>
+        </a:xfrm>
+      </p:grpSpPr>
+      <p:sp>
+        <p:nvSpPr>
+          <p:cNvPr id="2" name="文本框 1">
+            <a:extLst>
+              <a:ext uri="{FF2B5EF4-FFF2-40B4-BE49-F238E27FC236}">
+                <a16:creationId xmlns:a16="http://schemas.microsoft.com/office/drawing/2014/main" id="{12AA8BCC-7B15-4842-80C2-48C079429338}"/>
+              </a:ext>
+            </a:extLst>
+          </p:cNvPr>
+          <p:cNvSpPr txBox="1"/>
+          <p:nvPr/>
+        </p:nvSpPr>
+        <p:spPr>
+          <a:xfrm>
+            <a:off x="2520000" y="720000"/>
+            <a:ext cx="7735824" cy="830997"/>
+          </a:xfrm>
+          <a:prstGeom prst="rect">
+            <a:avLst/>
+          </a:prstGeom>
+          <a:noFill/>
+        </p:spPr>
+        <p:txBody>
+          <a:bodyPr wrap="square" rtlCol="0">
+            <a:spAutoFit/>
+          </a:bodyPr>
+          <a:lstStyle/>
+          <a:p>
+            <a:pPr algn="ctr"/>
+            <a:r>
+              <a:rPr kumimoji="1" lang="zh-CN" altLang="en-US" sz="4800" dirty="0">
+                <a:latin typeface="Microsoft YaHei" panose="020B0503020204020204" pitchFamily="34" charset="-122"/>
+                <a:ea typeface="Microsoft YaHei" panose="020B0503020204020204" pitchFamily="34" charset="-122"/>
+              </a:rPr>
+              <a:t>从异常中获取信息</a:t>
+            </a:r>
+            <a:endParaRPr kumimoji="1" lang="en-US" altLang="zh-CN" sz="4800" dirty="0">
+              <a:ea typeface="Microsoft YaHei" panose="020B0503020204020204" pitchFamily="34" charset="-122"/>
+            </a:endParaRPr>
+          </a:p>
+        </p:txBody>
+      </p:sp>
+      <p:sp>
+        <p:nvSpPr>
+          <p:cNvPr id="13" name="文本框 12">
+            <a:extLst>
+              <a:ext uri="{FF2B5EF4-FFF2-40B4-BE49-F238E27FC236}">
+                <a16:creationId xmlns:a16="http://schemas.microsoft.com/office/drawing/2014/main" id="{8E054F89-5FA8-2F47-8710-58E04A67980C}"/>
+              </a:ext>
+            </a:extLst>
+          </p:cNvPr>
+          <p:cNvSpPr txBox="1"/>
+          <p:nvPr/>
+        </p:nvSpPr>
+        <p:spPr>
+          <a:xfrm>
+            <a:off x="1779336" y="2039835"/>
+            <a:ext cx="8924544" cy="1200329"/>
+          </a:xfrm>
+          <a:prstGeom prst="rect">
+            <a:avLst/>
+          </a:prstGeom>
+          <a:noFill/>
+        </p:spPr>
+        <p:txBody>
+          <a:bodyPr wrap="square" rtlCol="0">
+            <a:spAutoFit/>
+          </a:bodyPr>
+          <a:lstStyle/>
+          <a:p>
+            <a:r>
+              <a:rPr kumimoji="1" lang="zh-CN" altLang="en-US" sz="2400" dirty="0">
+                <a:latin typeface="Microsoft YaHei" panose="020B0503020204020204" pitchFamily="34" charset="-122"/>
+                <a:ea typeface="Microsoft YaHei" panose="020B0503020204020204" pitchFamily="34" charset="-122"/>
+              </a:rPr>
+              <a:t>直观定义：包含抽象方法的类，其他和普通类一样。声明时候多一个</a:t>
+            </a:r>
+            <a:r>
+              <a:rPr kumimoji="1" lang="en-US" altLang="zh-CN" sz="2400" dirty="0">
+                <a:latin typeface="Microsoft YaHei" panose="020B0503020204020204" pitchFamily="34" charset="-122"/>
+                <a:ea typeface="Microsoft YaHei" panose="020B0503020204020204" pitchFamily="34" charset="-122"/>
+              </a:rPr>
+              <a:t>abstract</a:t>
+            </a:r>
+            <a:r>
+              <a:rPr kumimoji="1" lang="zh-CN" altLang="en-US" sz="2400" dirty="0">
+                <a:latin typeface="Microsoft YaHei" panose="020B0503020204020204" pitchFamily="34" charset="-122"/>
+                <a:ea typeface="Microsoft YaHei" panose="020B0503020204020204" pitchFamily="34" charset="-122"/>
+              </a:rPr>
+              <a:t>关键字修饰。</a:t>
+            </a:r>
+            <a:endParaRPr kumimoji="1" lang="en-US" altLang="zh-CN" sz="2400" dirty="0">
+              <a:latin typeface="Microsoft YaHei" panose="020B0503020204020204" pitchFamily="34" charset="-122"/>
+              <a:ea typeface="Microsoft YaHei" panose="020B0503020204020204" pitchFamily="34" charset="-122"/>
+            </a:endParaRPr>
+          </a:p>
+          <a:p>
+            <a:r>
+              <a:rPr kumimoji="1" lang="zh-CN" altLang="en-US" sz="2400" dirty="0">
+                <a:latin typeface="Microsoft YaHei" panose="020B0503020204020204" pitchFamily="34" charset="-122"/>
+                <a:ea typeface="Microsoft YaHei" panose="020B0503020204020204" pitchFamily="34" charset="-122"/>
+              </a:rPr>
+              <a:t>格式：  </a:t>
+            </a:r>
+            <a:r>
+              <a:rPr kumimoji="1" lang="en-US" altLang="zh-CN" sz="2400" dirty="0">
+                <a:solidFill>
+                  <a:schemeClr val="accent2"/>
+                </a:solidFill>
+                <a:latin typeface="Microsoft YaHei" panose="020B0503020204020204" pitchFamily="34" charset="-122"/>
+                <a:ea typeface="Microsoft YaHei" panose="020B0503020204020204" pitchFamily="34" charset="-122"/>
+              </a:rPr>
+              <a:t>abstract</a:t>
+            </a:r>
+            <a:r>
+              <a:rPr kumimoji="1" lang="zh-CN" altLang="en-US" sz="2400" dirty="0">
+                <a:latin typeface="Microsoft YaHei" panose="020B0503020204020204" pitchFamily="34" charset="-122"/>
+                <a:ea typeface="Microsoft YaHei" panose="020B0503020204020204" pitchFamily="34" charset="-122"/>
+              </a:rPr>
+              <a:t> </a:t>
+            </a:r>
+            <a:r>
+              <a:rPr kumimoji="1" lang="en-US" altLang="zh-CN" sz="2400" dirty="0">
+                <a:latin typeface="Microsoft YaHei" panose="020B0503020204020204" pitchFamily="34" charset="-122"/>
+                <a:ea typeface="Microsoft YaHei" panose="020B0503020204020204" pitchFamily="34" charset="-122"/>
+              </a:rPr>
+              <a:t>class</a:t>
+            </a:r>
+            <a:r>
+              <a:rPr kumimoji="1" lang="zh-CN" altLang="en-US" sz="2400" dirty="0">
+                <a:latin typeface="Microsoft YaHei" panose="020B0503020204020204" pitchFamily="34" charset="-122"/>
+                <a:ea typeface="Microsoft YaHei" panose="020B0503020204020204" pitchFamily="34" charset="-122"/>
+              </a:rPr>
+              <a:t> 类名</a:t>
+            </a:r>
+            <a:endParaRPr kumimoji="1" lang="en-US" altLang="zh-CN" sz="2400" dirty="0">
+              <a:latin typeface="Microsoft YaHei" panose="020B0503020204020204" pitchFamily="34" charset="-122"/>
+              <a:ea typeface="Microsoft YaHei" panose="020B0503020204020204" pitchFamily="34" charset="-122"/>
+            </a:endParaRPr>
+          </a:p>
+        </p:txBody>
+      </p:sp>
+      <p:sp>
+        <p:nvSpPr>
+          <p:cNvPr id="3" name="文本框 2">
+            <a:extLst>
+              <a:ext uri="{FF2B5EF4-FFF2-40B4-BE49-F238E27FC236}">
+                <a16:creationId xmlns:a16="http://schemas.microsoft.com/office/drawing/2014/main" id="{5CCFF940-CD29-5F4C-996D-E543226C3730}"/>
+              </a:ext>
+            </a:extLst>
+          </p:cNvPr>
+          <p:cNvSpPr txBox="1"/>
+          <p:nvPr/>
+        </p:nvSpPr>
+        <p:spPr>
+          <a:xfrm>
+            <a:off x="8863584" y="4504986"/>
+            <a:ext cx="1627632" cy="1200329"/>
+          </a:xfrm>
+          <a:prstGeom prst="rect">
+            <a:avLst/>
+          </a:prstGeom>
+          <a:solidFill>
+            <a:schemeClr val="accent2"/>
+          </a:solidFill>
+        </p:spPr>
+        <p:txBody>
+          <a:bodyPr wrap="square" rtlCol="0">
+            <a:spAutoFit/>
+          </a:bodyPr>
+          <a:lstStyle/>
+          <a:p>
+            <a:r>
+              <a:rPr kumimoji="1" lang="zh-CN" altLang="en-US" dirty="0">
+                <a:solidFill>
+                  <a:schemeClr val="bg1"/>
+                </a:solidFill>
+              </a:rPr>
+              <a:t>看示例代码：</a:t>
+            </a:r>
+            <a:r>
+              <a:rPr kumimoji="1" lang="en-US" altLang="zh-CN" dirty="0">
+                <a:solidFill>
+                  <a:schemeClr val="bg1"/>
+                </a:solidFill>
+              </a:rPr>
+              <a:t>Person,</a:t>
+            </a:r>
+            <a:r>
+              <a:rPr kumimoji="1" lang="zh-CN" altLang="en-US" dirty="0">
+                <a:solidFill>
+                  <a:schemeClr val="bg1"/>
+                </a:solidFill>
+              </a:rPr>
+              <a:t> </a:t>
+            </a:r>
+            <a:r>
+              <a:rPr kumimoji="1" lang="en-US" altLang="zh-CN" dirty="0">
+                <a:solidFill>
+                  <a:schemeClr val="bg1"/>
+                </a:solidFill>
+              </a:rPr>
+              <a:t>Student,</a:t>
+            </a:r>
+            <a:r>
+              <a:rPr kumimoji="1" lang="zh-CN" altLang="en-US" dirty="0">
+                <a:solidFill>
+                  <a:schemeClr val="bg1"/>
+                </a:solidFill>
+              </a:rPr>
+              <a:t> </a:t>
+            </a:r>
+            <a:r>
+              <a:rPr kumimoji="1" lang="en-US" altLang="zh-CN" dirty="0">
+                <a:solidFill>
+                  <a:schemeClr val="bg1"/>
+                </a:solidFill>
+              </a:rPr>
+              <a:t>Teacher3</a:t>
+            </a:r>
+            <a:r>
+              <a:rPr kumimoji="1" lang="zh-CN" altLang="en-US" dirty="0">
+                <a:solidFill>
+                  <a:schemeClr val="bg1"/>
+                </a:solidFill>
+              </a:rPr>
+              <a:t>个类</a:t>
+            </a:r>
+          </a:p>
+        </p:txBody>
+      </p:sp>
+      <p:pic>
+        <p:nvPicPr>
+          <p:cNvPr id="7" name="图片 6">
+            <a:extLst>
+              <a:ext uri="{FF2B5EF4-FFF2-40B4-BE49-F238E27FC236}">
+                <a16:creationId xmlns:a16="http://schemas.microsoft.com/office/drawing/2014/main" id="{5899285A-0E14-3245-86B3-38CB537B1337}"/>
+              </a:ext>
+            </a:extLst>
+          </p:cNvPr>
+          <p:cNvPicPr>
+            <a:picLocks noChangeAspect="1"/>
+          </p:cNvPicPr>
+          <p:nvPr/>
+        </p:nvPicPr>
+        <p:blipFill>
+          <a:blip r:embed="rId4"/>
+          <a:stretch>
+            <a:fillRect/>
+          </a:stretch>
+        </p:blipFill>
+        <p:spPr>
+          <a:xfrm>
+            <a:off x="1779336" y="3429000"/>
+            <a:ext cx="4316664" cy="3352303"/>
+          </a:xfrm>
+          <a:prstGeom prst="rect">
+            <a:avLst/>
+          </a:prstGeom>
+        </p:spPr>
+      </p:pic>
+    </p:spTree>
+    <p:extLst>
+      <p:ext uri="{BB962C8B-B14F-4D97-AF65-F5344CB8AC3E}">
+        <p14:creationId xmlns:p14="http://schemas.microsoft.com/office/powerpoint/2010/main" val="2135922568"/>
+      </p:ext>
+    </p:extLst>
+  </p:cSld>
+  <p:clrMapOvr>
+    <a:masterClrMapping/>
+  </p:clrMapOvr>
+</p:sld>
+</file>
+
+<file path=ppt/slides/slide16.xml><?xml version="1.0" encoding="utf-8"?>
+<p:sld xmlns:a="http://schemas.openxmlformats.org/drawingml/2006/main" xmlns:r="http://schemas.openxmlformats.org/officeDocument/2006/relationships" xmlns:p="http://schemas.openxmlformats.org/presentationml/2006/main">
+  <p:cSld>
+    <p:bg>
+      <p:bgPr>
+        <a:blipFill>
+          <a:blip r:embed="rId3"/>
+          <a:tile tx="0" ty="0" sx="100000" sy="100000" flip="none" algn="tl"/>
+        </a:blipFill>
+        <a:effectLst/>
+      </p:bgPr>
+    </p:bg>
+    <p:spTree>
+      <p:nvGrpSpPr>
+        <p:cNvPr id="1" name=""/>
+        <p:cNvGrpSpPr/>
+        <p:nvPr/>
+      </p:nvGrpSpPr>
+      <p:grpSpPr>
+        <a:xfrm>
+          <a:off x="0" y="0"/>
+          <a:ext cx="0" cy="0"/>
+          <a:chOff x="0" y="0"/>
+          <a:chExt cx="0" cy="0"/>
+        </a:xfrm>
+      </p:grpSpPr>
+      <p:sp>
+        <p:nvSpPr>
+          <p:cNvPr id="2" name="文本框 1">
+            <a:extLst>
+              <a:ext uri="{FF2B5EF4-FFF2-40B4-BE49-F238E27FC236}">
+                <a16:creationId xmlns:a16="http://schemas.microsoft.com/office/drawing/2014/main" id="{12AA8BCC-7B15-4842-80C2-48C079429338}"/>
+              </a:ext>
+            </a:extLst>
+          </p:cNvPr>
+          <p:cNvSpPr txBox="1"/>
+          <p:nvPr/>
+        </p:nvSpPr>
+        <p:spPr>
+          <a:xfrm>
+            <a:off x="2520000" y="720000"/>
+            <a:ext cx="7735824" cy="830997"/>
+          </a:xfrm>
+          <a:prstGeom prst="rect">
+            <a:avLst/>
+          </a:prstGeom>
+          <a:noFill/>
+        </p:spPr>
+        <p:txBody>
+          <a:bodyPr wrap="square" rtlCol="0">
+            <a:spAutoFit/>
+          </a:bodyPr>
+          <a:lstStyle/>
+          <a:p>
+            <a:pPr algn="ctr"/>
+            <a:r>
+              <a:rPr kumimoji="1" lang="zh-CN" altLang="en-US" sz="4800" dirty="0">
+                <a:latin typeface="Microsoft YaHei" panose="020B0503020204020204" pitchFamily="34" charset="-122"/>
+                <a:ea typeface="Microsoft YaHei" panose="020B0503020204020204" pitchFamily="34" charset="-122"/>
+              </a:rPr>
+              <a:t>示例学习</a:t>
+            </a:r>
+            <a:endParaRPr kumimoji="1" lang="en-US" altLang="zh-CN" sz="4800" dirty="0">
+              <a:ea typeface="Microsoft YaHei" panose="020B0503020204020204" pitchFamily="34" charset="-122"/>
+            </a:endParaRPr>
+          </a:p>
+        </p:txBody>
+      </p:sp>
+      <p:sp>
+        <p:nvSpPr>
+          <p:cNvPr id="13" name="文本框 12">
+            <a:extLst>
+              <a:ext uri="{FF2B5EF4-FFF2-40B4-BE49-F238E27FC236}">
+                <a16:creationId xmlns:a16="http://schemas.microsoft.com/office/drawing/2014/main" id="{8E054F89-5FA8-2F47-8710-58E04A67980C}"/>
+              </a:ext>
+            </a:extLst>
+          </p:cNvPr>
+          <p:cNvSpPr txBox="1"/>
+          <p:nvPr/>
+        </p:nvSpPr>
+        <p:spPr>
+          <a:xfrm>
+            <a:off x="1779336" y="2039835"/>
+            <a:ext cx="8924544" cy="1200329"/>
+          </a:xfrm>
+          <a:prstGeom prst="rect">
+            <a:avLst/>
+          </a:prstGeom>
+          <a:noFill/>
+        </p:spPr>
+        <p:txBody>
+          <a:bodyPr wrap="square" rtlCol="0">
+            <a:spAutoFit/>
+          </a:bodyPr>
+          <a:lstStyle/>
+          <a:p>
+            <a:r>
+              <a:rPr kumimoji="1" lang="zh-CN" altLang="en-US" sz="2400" dirty="0">
+                <a:latin typeface="Microsoft YaHei" panose="020B0503020204020204" pitchFamily="34" charset="-122"/>
+                <a:ea typeface="Microsoft YaHei" panose="020B0503020204020204" pitchFamily="34" charset="-122"/>
+              </a:rPr>
+              <a:t>直观定义：包含抽象方法的类，其他和普通类一样。声明时候多一个</a:t>
+            </a:r>
+            <a:r>
+              <a:rPr kumimoji="1" lang="en-US" altLang="zh-CN" sz="2400" dirty="0">
+                <a:latin typeface="Microsoft YaHei" panose="020B0503020204020204" pitchFamily="34" charset="-122"/>
+                <a:ea typeface="Microsoft YaHei" panose="020B0503020204020204" pitchFamily="34" charset="-122"/>
+              </a:rPr>
+              <a:t>abstract</a:t>
+            </a:r>
+            <a:r>
+              <a:rPr kumimoji="1" lang="zh-CN" altLang="en-US" sz="2400" dirty="0">
+                <a:latin typeface="Microsoft YaHei" panose="020B0503020204020204" pitchFamily="34" charset="-122"/>
+                <a:ea typeface="Microsoft YaHei" panose="020B0503020204020204" pitchFamily="34" charset="-122"/>
+              </a:rPr>
+              <a:t>关键字修饰。</a:t>
+            </a:r>
+            <a:endParaRPr kumimoji="1" lang="en-US" altLang="zh-CN" sz="2400" dirty="0">
+              <a:latin typeface="Microsoft YaHei" panose="020B0503020204020204" pitchFamily="34" charset="-122"/>
+              <a:ea typeface="Microsoft YaHei" panose="020B0503020204020204" pitchFamily="34" charset="-122"/>
+            </a:endParaRPr>
+          </a:p>
+          <a:p>
+            <a:r>
+              <a:rPr kumimoji="1" lang="zh-CN" altLang="en-US" sz="2400" dirty="0">
+                <a:latin typeface="Microsoft YaHei" panose="020B0503020204020204" pitchFamily="34" charset="-122"/>
+                <a:ea typeface="Microsoft YaHei" panose="020B0503020204020204" pitchFamily="34" charset="-122"/>
+              </a:rPr>
+              <a:t>格式：  </a:t>
+            </a:r>
+            <a:r>
+              <a:rPr kumimoji="1" lang="en-US" altLang="zh-CN" sz="2400" dirty="0">
+                <a:solidFill>
+                  <a:schemeClr val="accent2"/>
+                </a:solidFill>
+                <a:latin typeface="Microsoft YaHei" panose="020B0503020204020204" pitchFamily="34" charset="-122"/>
+                <a:ea typeface="Microsoft YaHei" panose="020B0503020204020204" pitchFamily="34" charset="-122"/>
+              </a:rPr>
+              <a:t>abstract</a:t>
+            </a:r>
+            <a:r>
+              <a:rPr kumimoji="1" lang="zh-CN" altLang="en-US" sz="2400" dirty="0">
+                <a:latin typeface="Microsoft YaHei" panose="020B0503020204020204" pitchFamily="34" charset="-122"/>
+                <a:ea typeface="Microsoft YaHei" panose="020B0503020204020204" pitchFamily="34" charset="-122"/>
+              </a:rPr>
+              <a:t> </a:t>
+            </a:r>
+            <a:r>
+              <a:rPr kumimoji="1" lang="en-US" altLang="zh-CN" sz="2400" dirty="0">
+                <a:latin typeface="Microsoft YaHei" panose="020B0503020204020204" pitchFamily="34" charset="-122"/>
+                <a:ea typeface="Microsoft YaHei" panose="020B0503020204020204" pitchFamily="34" charset="-122"/>
+              </a:rPr>
+              <a:t>class</a:t>
+            </a:r>
+            <a:r>
+              <a:rPr kumimoji="1" lang="zh-CN" altLang="en-US" sz="2400" dirty="0">
+                <a:latin typeface="Microsoft YaHei" panose="020B0503020204020204" pitchFamily="34" charset="-122"/>
+                <a:ea typeface="Microsoft YaHei" panose="020B0503020204020204" pitchFamily="34" charset="-122"/>
+              </a:rPr>
+              <a:t> 类名</a:t>
+            </a:r>
+            <a:endParaRPr kumimoji="1" lang="en-US" altLang="zh-CN" sz="2400" dirty="0">
+              <a:latin typeface="Microsoft YaHei" panose="020B0503020204020204" pitchFamily="34" charset="-122"/>
+              <a:ea typeface="Microsoft YaHei" panose="020B0503020204020204" pitchFamily="34" charset="-122"/>
+            </a:endParaRPr>
+          </a:p>
+        </p:txBody>
+      </p:sp>
+      <p:sp>
+        <p:nvSpPr>
+          <p:cNvPr id="3" name="文本框 2">
+            <a:extLst>
+              <a:ext uri="{FF2B5EF4-FFF2-40B4-BE49-F238E27FC236}">
+                <a16:creationId xmlns:a16="http://schemas.microsoft.com/office/drawing/2014/main" id="{5CCFF940-CD29-5F4C-996D-E543226C3730}"/>
+              </a:ext>
+            </a:extLst>
+          </p:cNvPr>
+          <p:cNvSpPr txBox="1"/>
+          <p:nvPr/>
+        </p:nvSpPr>
+        <p:spPr>
+          <a:xfrm>
+            <a:off x="8863584" y="4504986"/>
+            <a:ext cx="1627632" cy="1200329"/>
+          </a:xfrm>
+          <a:prstGeom prst="rect">
+            <a:avLst/>
+          </a:prstGeom>
+          <a:solidFill>
+            <a:schemeClr val="accent2"/>
+          </a:solidFill>
+        </p:spPr>
+        <p:txBody>
+          <a:bodyPr wrap="square" rtlCol="0">
+            <a:spAutoFit/>
+          </a:bodyPr>
+          <a:lstStyle/>
+          <a:p>
+            <a:r>
+              <a:rPr kumimoji="1" lang="zh-CN" altLang="en-US" dirty="0">
+                <a:solidFill>
+                  <a:schemeClr val="bg1"/>
+                </a:solidFill>
+              </a:rPr>
+              <a:t>看示例代码：</a:t>
+            </a:r>
+            <a:r>
+              <a:rPr kumimoji="1" lang="en-US" altLang="zh-CN" dirty="0">
+                <a:solidFill>
+                  <a:schemeClr val="bg1"/>
+                </a:solidFill>
+              </a:rPr>
+              <a:t>Person,</a:t>
+            </a:r>
+            <a:r>
+              <a:rPr kumimoji="1" lang="zh-CN" altLang="en-US" dirty="0">
+                <a:solidFill>
+                  <a:schemeClr val="bg1"/>
+                </a:solidFill>
+              </a:rPr>
+              <a:t> </a:t>
+            </a:r>
+            <a:r>
+              <a:rPr kumimoji="1" lang="en-US" altLang="zh-CN" dirty="0">
+                <a:solidFill>
+                  <a:schemeClr val="bg1"/>
+                </a:solidFill>
+              </a:rPr>
+              <a:t>Student,</a:t>
+            </a:r>
+            <a:r>
+              <a:rPr kumimoji="1" lang="zh-CN" altLang="en-US" dirty="0">
+                <a:solidFill>
+                  <a:schemeClr val="bg1"/>
+                </a:solidFill>
+              </a:rPr>
+              <a:t> </a:t>
+            </a:r>
+            <a:r>
+              <a:rPr kumimoji="1" lang="en-US" altLang="zh-CN" dirty="0">
+                <a:solidFill>
+                  <a:schemeClr val="bg1"/>
+                </a:solidFill>
+              </a:rPr>
+              <a:t>Teacher3</a:t>
+            </a:r>
+            <a:r>
+              <a:rPr kumimoji="1" lang="zh-CN" altLang="en-US" dirty="0">
+                <a:solidFill>
+                  <a:schemeClr val="bg1"/>
+                </a:solidFill>
+              </a:rPr>
+              <a:t>个类</a:t>
+            </a:r>
+          </a:p>
+        </p:txBody>
+      </p:sp>
+      <p:pic>
+        <p:nvPicPr>
+          <p:cNvPr id="7" name="图片 6">
+            <a:extLst>
+              <a:ext uri="{FF2B5EF4-FFF2-40B4-BE49-F238E27FC236}">
+                <a16:creationId xmlns:a16="http://schemas.microsoft.com/office/drawing/2014/main" id="{5899285A-0E14-3245-86B3-38CB537B1337}"/>
+              </a:ext>
+            </a:extLst>
+          </p:cNvPr>
+          <p:cNvPicPr>
+            <a:picLocks noChangeAspect="1"/>
+          </p:cNvPicPr>
+          <p:nvPr/>
+        </p:nvPicPr>
+        <p:blipFill>
+          <a:blip r:embed="rId4"/>
+          <a:stretch>
+            <a:fillRect/>
+          </a:stretch>
+        </p:blipFill>
+        <p:spPr>
+          <a:xfrm>
+            <a:off x="1779336" y="3429000"/>
+            <a:ext cx="4316664" cy="3352303"/>
+          </a:xfrm>
+          <a:prstGeom prst="rect">
+            <a:avLst/>
+          </a:prstGeom>
+        </p:spPr>
+      </p:pic>
+    </p:spTree>
+    <p:extLst>
+      <p:ext uri="{BB962C8B-B14F-4D97-AF65-F5344CB8AC3E}">
+        <p14:creationId xmlns:p14="http://schemas.microsoft.com/office/powerpoint/2010/main" val="4137642976"/>
+      </p:ext>
+    </p:extLst>
+  </p:cSld>
+  <p:clrMapOvr>
+    <a:masterClrMapping/>
+  </p:clrMapOvr>
+</p:sld>
+</file>
+
+<file path=ppt/slides/slide17.xml><?xml version="1.0" encoding="utf-8"?>
+<p:sld xmlns:a="http://schemas.openxmlformats.org/drawingml/2006/main" xmlns:r="http://schemas.openxmlformats.org/officeDocument/2006/relationships" xmlns:p="http://schemas.openxmlformats.org/presentationml/2006/main">
+  <p:cSld>
+    <p:bg>
+      <p:bgPr>
+        <a:blipFill>
+          <a:blip r:embed="rId3"/>
+          <a:tile tx="0" ty="0" sx="100000" sy="100000" flip="none" algn="tl"/>
+        </a:blipFill>
+        <a:effectLst/>
+      </p:bgPr>
+    </p:bg>
+    <p:spTree>
+      <p:nvGrpSpPr>
+        <p:cNvPr id="1" name=""/>
+        <p:cNvGrpSpPr/>
+        <p:nvPr/>
+      </p:nvGrpSpPr>
+      <p:grpSpPr>
+        <a:xfrm>
+          <a:off x="0" y="0"/>
+          <a:ext cx="0" cy="0"/>
+          <a:chOff x="0" y="0"/>
+          <a:chExt cx="0" cy="0"/>
+        </a:xfrm>
+      </p:grpSpPr>
+      <p:sp>
+        <p:nvSpPr>
+          <p:cNvPr id="2" name="文本框 1">
+            <a:extLst>
+              <a:ext uri="{FF2B5EF4-FFF2-40B4-BE49-F238E27FC236}">
+                <a16:creationId xmlns:a16="http://schemas.microsoft.com/office/drawing/2014/main" id="{12AA8BCC-7B15-4842-80C2-48C079429338}"/>
+              </a:ext>
+            </a:extLst>
+          </p:cNvPr>
+          <p:cNvSpPr txBox="1"/>
+          <p:nvPr/>
+        </p:nvSpPr>
+        <p:spPr>
+          <a:xfrm>
+            <a:off x="2520000" y="720000"/>
+            <a:ext cx="7735824" cy="830997"/>
+          </a:xfrm>
+          <a:prstGeom prst="rect">
+            <a:avLst/>
+          </a:prstGeom>
+          <a:noFill/>
+        </p:spPr>
+        <p:txBody>
+          <a:bodyPr wrap="square" rtlCol="0">
+            <a:spAutoFit/>
+          </a:bodyPr>
+          <a:lstStyle/>
+          <a:p>
+            <a:pPr algn="ctr"/>
+            <a:r>
+              <a:rPr kumimoji="1" lang="zh-CN" altLang="en-US" sz="4800" dirty="0">
+                <a:latin typeface="Microsoft YaHei" panose="020B0503020204020204" pitchFamily="34" charset="-122"/>
+                <a:ea typeface="Microsoft YaHei" panose="020B0503020204020204" pitchFamily="34" charset="-122"/>
+              </a:rPr>
+              <a:t>抽象类需要注意的几点</a:t>
+            </a:r>
+            <a:endParaRPr kumimoji="1" lang="en-US" altLang="zh-CN" sz="4800" dirty="0">
+              <a:ea typeface="Microsoft YaHei" panose="020B0503020204020204" pitchFamily="34" charset="-122"/>
+            </a:endParaRPr>
+          </a:p>
+        </p:txBody>
+      </p:sp>
+      <p:sp>
+        <p:nvSpPr>
+          <p:cNvPr id="13" name="文本框 12">
+            <a:extLst>
+              <a:ext uri="{FF2B5EF4-FFF2-40B4-BE49-F238E27FC236}">
+                <a16:creationId xmlns:a16="http://schemas.microsoft.com/office/drawing/2014/main" id="{8E054F89-5FA8-2F47-8710-58E04A67980C}"/>
+              </a:ext>
+            </a:extLst>
+          </p:cNvPr>
+          <p:cNvSpPr txBox="1"/>
+          <p:nvPr/>
+        </p:nvSpPr>
+        <p:spPr>
+          <a:xfrm>
+            <a:off x="1633728" y="2103120"/>
+            <a:ext cx="8924544" cy="3351046"/>
+          </a:xfrm>
+          <a:prstGeom prst="rect">
+            <a:avLst/>
+          </a:prstGeom>
+          <a:noFill/>
+        </p:spPr>
+        <p:txBody>
+          <a:bodyPr wrap="square" rtlCol="0">
+            <a:spAutoFit/>
+          </a:bodyPr>
+          <a:lstStyle/>
+          <a:p>
+            <a:pPr marL="457200" indent="-457200">
+              <a:lnSpc>
+                <a:spcPct val="150000"/>
+              </a:lnSpc>
+              <a:buFont typeface="+mj-lt"/>
+              <a:buAutoNum type="arabicPeriod"/>
+            </a:pPr>
+            <a:r>
+              <a:rPr lang="zh-CN" altLang="en-US" sz="2400" dirty="0">
+                <a:latin typeface="Microsoft YaHei" panose="020B0503020204020204" pitchFamily="34" charset="-122"/>
+                <a:ea typeface="Microsoft YaHei" panose="020B0503020204020204" pitchFamily="34" charset="-122"/>
+              </a:rPr>
+              <a:t>不可被实例化 ，也就是说不能直接用来 </a:t>
+            </a:r>
+            <a:r>
+              <a:rPr lang="en-US" altLang="zh-CN" sz="2400" dirty="0">
+                <a:latin typeface="Microsoft YaHei" panose="020B0503020204020204" pitchFamily="34" charset="-122"/>
+                <a:ea typeface="Microsoft YaHei" panose="020B0503020204020204" pitchFamily="34" charset="-122"/>
+              </a:rPr>
+              <a:t>new</a:t>
+            </a:r>
+            <a:r>
+              <a:rPr lang="zh-CN" altLang="en-US" sz="2400" dirty="0">
+                <a:latin typeface="Microsoft YaHei" panose="020B0503020204020204" pitchFamily="34" charset="-122"/>
+                <a:ea typeface="Microsoft YaHei" panose="020B0503020204020204" pitchFamily="34" charset="-122"/>
+              </a:rPr>
+              <a:t> </a:t>
+            </a:r>
+          </a:p>
+          <a:p>
+            <a:pPr marL="457200" indent="-457200">
+              <a:lnSpc>
+                <a:spcPct val="150000"/>
+              </a:lnSpc>
+              <a:buFont typeface="+mj-lt"/>
+              <a:buAutoNum type="arabicPeriod"/>
+            </a:pPr>
+            <a:r>
+              <a:rPr lang="zh-CN" altLang="en-US" sz="2400" dirty="0">
+                <a:latin typeface="Microsoft YaHei" panose="020B0503020204020204" pitchFamily="34" charset="-122"/>
+                <a:ea typeface="Microsoft YaHei" panose="020B0503020204020204" pitchFamily="34" charset="-122"/>
+              </a:rPr>
+              <a:t>抽象类是有构造器的（所有类都有构造器）</a:t>
+            </a:r>
+          </a:p>
+          <a:p>
+            <a:pPr marL="457200" indent="-457200">
+              <a:lnSpc>
+                <a:spcPct val="150000"/>
+              </a:lnSpc>
+              <a:buFont typeface="+mj-lt"/>
+              <a:buAutoNum type="arabicPeriod"/>
+            </a:pPr>
+            <a:r>
+              <a:rPr lang="zh-CN" altLang="en-US" sz="2400" dirty="0">
+                <a:latin typeface="Microsoft YaHei" panose="020B0503020204020204" pitchFamily="34" charset="-122"/>
+                <a:ea typeface="Microsoft YaHei" panose="020B0503020204020204" pitchFamily="34" charset="-122"/>
+              </a:rPr>
+              <a:t>抽象方法所在的类，一定是抽象类</a:t>
+            </a:r>
+            <a:endParaRPr lang="en-US" altLang="zh-CN" sz="2400" dirty="0">
+              <a:latin typeface="Microsoft YaHei" panose="020B0503020204020204" pitchFamily="34" charset="-122"/>
+              <a:ea typeface="Microsoft YaHei" panose="020B0503020204020204" pitchFamily="34" charset="-122"/>
+            </a:endParaRPr>
+          </a:p>
+          <a:p>
+            <a:pPr marL="457200" indent="-457200">
+              <a:lnSpc>
+                <a:spcPct val="150000"/>
+              </a:lnSpc>
+              <a:buFont typeface="+mj-lt"/>
+              <a:buAutoNum type="arabicPeriod"/>
+            </a:pPr>
+            <a:r>
+              <a:rPr lang="zh-CN" altLang="en-US" sz="2400" dirty="0">
+                <a:latin typeface="Microsoft YaHei" panose="020B0503020204020204" pitchFamily="34" charset="-122"/>
+                <a:ea typeface="Microsoft YaHei" panose="020B0503020204020204" pitchFamily="34" charset="-122"/>
+              </a:rPr>
+              <a:t>如果一个子类没有实现父类中的抽象方法，则子类也成为了一个抽象类</a:t>
+            </a:r>
+            <a:endParaRPr lang="en-US" altLang="zh-CN" sz="2400" dirty="0">
+              <a:latin typeface="Microsoft YaHei" panose="020B0503020204020204" pitchFamily="34" charset="-122"/>
+              <a:ea typeface="Microsoft YaHei" panose="020B0503020204020204" pitchFamily="34" charset="-122"/>
+            </a:endParaRPr>
+          </a:p>
+          <a:p>
+            <a:pPr marL="457200" indent="-457200">
+              <a:lnSpc>
+                <a:spcPct val="150000"/>
+              </a:lnSpc>
+              <a:buFont typeface="+mj-lt"/>
+              <a:buAutoNum type="arabicPeriod"/>
+            </a:pPr>
+            <a:r>
+              <a:rPr lang="zh-CN" altLang="en-US" sz="2400" dirty="0">
+                <a:latin typeface="Microsoft YaHei" panose="020B0503020204020204" pitchFamily="34" charset="-122"/>
+                <a:ea typeface="Microsoft YaHei" panose="020B0503020204020204" pitchFamily="34" charset="-122"/>
+              </a:rPr>
+              <a:t>抽象类可以没有抽象方法的</a:t>
+            </a:r>
+            <a:endParaRPr kumimoji="1" lang="en-US" altLang="zh-CN" sz="2400" dirty="0">
+              <a:latin typeface="Microsoft YaHei" panose="020B0503020204020204" pitchFamily="34" charset="-122"/>
+              <a:ea typeface="Microsoft YaHei" panose="020B0503020204020204" pitchFamily="34" charset="-122"/>
+            </a:endParaRPr>
+          </a:p>
+        </p:txBody>
+      </p:sp>
+    </p:spTree>
+    <p:extLst>
+      <p:ext uri="{BB962C8B-B14F-4D97-AF65-F5344CB8AC3E}">
+        <p14:creationId xmlns:p14="http://schemas.microsoft.com/office/powerpoint/2010/main" val="407071317"/>
+      </p:ext>
+    </p:extLst>
+  </p:cSld>
+  <p:clrMapOvr>
+    <a:masterClrMapping/>
+  </p:clrMapOvr>
+</p:sld>
+</file>
+
+<file path=ppt/slides/slide18.xml><?xml version="1.0" encoding="utf-8"?>
+<p:sld xmlns:a="http://schemas.openxmlformats.org/drawingml/2006/main" xmlns:r="http://schemas.openxmlformats.org/officeDocument/2006/relationships" xmlns:p="http://schemas.openxmlformats.org/presentationml/2006/main">
+  <p:cSld>
+    <p:bg>
+      <p:bgPr>
+        <a:blipFill>
+          <a:blip r:embed="rId3"/>
+          <a:tile tx="0" ty="0" sx="100000" sy="100000" flip="none" algn="tl"/>
+        </a:blipFill>
+        <a:effectLst/>
+      </p:bgPr>
+    </p:bg>
+    <p:spTree>
+      <p:nvGrpSpPr>
+        <p:cNvPr id="1" name=""/>
+        <p:cNvGrpSpPr/>
+        <p:nvPr/>
+      </p:nvGrpSpPr>
+      <p:grpSpPr>
+        <a:xfrm>
+          <a:off x="0" y="0"/>
+          <a:ext cx="0" cy="0"/>
+          <a:chOff x="0" y="0"/>
+          <a:chExt cx="0" cy="0"/>
+        </a:xfrm>
+      </p:grpSpPr>
+      <p:sp>
+        <p:nvSpPr>
+          <p:cNvPr id="2" name="文本框 1">
+            <a:extLst>
+              <a:ext uri="{FF2B5EF4-FFF2-40B4-BE49-F238E27FC236}">
+                <a16:creationId xmlns:a16="http://schemas.microsoft.com/office/drawing/2014/main" id="{12AA8BCC-7B15-4842-80C2-48C079429338}"/>
+              </a:ext>
+            </a:extLst>
+          </p:cNvPr>
+          <p:cNvSpPr txBox="1"/>
+          <p:nvPr/>
+        </p:nvSpPr>
+        <p:spPr>
+          <a:xfrm>
+            <a:off x="2157984" y="713232"/>
+            <a:ext cx="8562528" cy="830997"/>
+          </a:xfrm>
+          <a:prstGeom prst="rect">
+            <a:avLst/>
+          </a:prstGeom>
+          <a:noFill/>
+        </p:spPr>
+        <p:txBody>
+          <a:bodyPr wrap="square" rtlCol="0">
+            <a:spAutoFit/>
+          </a:bodyPr>
+          <a:lstStyle/>
+          <a:p>
+            <a:pPr algn="ctr"/>
+            <a:r>
+              <a:rPr kumimoji="1" lang="zh-CN" altLang="en-US" sz="4800" dirty="0">
+                <a:latin typeface="Microsoft YaHei" panose="020B0503020204020204" pitchFamily="34" charset="-122"/>
+                <a:ea typeface="Microsoft YaHei" panose="020B0503020204020204" pitchFamily="34" charset="-122"/>
+              </a:rPr>
+              <a:t>思考</a:t>
+            </a:r>
+            <a:r>
+              <a:rPr kumimoji="1" lang="en-US" altLang="zh-CN" sz="4800" dirty="0">
+                <a:latin typeface="Microsoft YaHei" panose="020B0503020204020204" pitchFamily="34" charset="-122"/>
+                <a:ea typeface="Microsoft YaHei" panose="020B0503020204020204" pitchFamily="34" charset="-122"/>
+              </a:rPr>
+              <a:t>1</a:t>
+            </a:r>
+            <a:r>
+              <a:rPr kumimoji="1" lang="zh-CN" altLang="en-US" sz="4800" dirty="0">
+                <a:latin typeface="Microsoft YaHei" panose="020B0503020204020204" pitchFamily="34" charset="-122"/>
+                <a:ea typeface="Microsoft YaHei" panose="020B0503020204020204" pitchFamily="34" charset="-122"/>
+              </a:rPr>
+              <a:t>：为什么要使用抽象类？</a:t>
+            </a:r>
+            <a:endParaRPr kumimoji="1" lang="en-US" altLang="zh-CN" sz="4800" dirty="0">
+              <a:ea typeface="Microsoft YaHei" panose="020B0503020204020204" pitchFamily="34" charset="-122"/>
+            </a:endParaRPr>
+          </a:p>
+        </p:txBody>
+      </p:sp>
+      <p:sp>
+        <p:nvSpPr>
+          <p:cNvPr id="13" name="文本框 12">
+            <a:extLst>
+              <a:ext uri="{FF2B5EF4-FFF2-40B4-BE49-F238E27FC236}">
+                <a16:creationId xmlns:a16="http://schemas.microsoft.com/office/drawing/2014/main" id="{8E054F89-5FA8-2F47-8710-58E04A67980C}"/>
+              </a:ext>
+            </a:extLst>
+          </p:cNvPr>
+          <p:cNvSpPr txBox="1"/>
+          <p:nvPr/>
+        </p:nvSpPr>
+        <p:spPr>
+          <a:xfrm>
+            <a:off x="1633728" y="2103120"/>
+            <a:ext cx="8924544" cy="2308324"/>
+          </a:xfrm>
+          <a:prstGeom prst="rect">
+            <a:avLst/>
+          </a:prstGeom>
+          <a:noFill/>
+        </p:spPr>
+        <p:txBody>
+          <a:bodyPr wrap="square" rtlCol="0">
+            <a:spAutoFit/>
+          </a:bodyPr>
+          <a:lstStyle/>
+          <a:p>
+            <a:r>
+              <a:rPr kumimoji="1" lang="zh-CN" altLang="en-US" sz="2400" dirty="0">
+                <a:latin typeface="Microsoft YaHei" panose="020B0503020204020204" pitchFamily="34" charset="-122"/>
+                <a:ea typeface="Microsoft YaHei" panose="020B0503020204020204" pitchFamily="34" charset="-122"/>
+              </a:rPr>
+              <a:t>通过继承它实现多态，预先定义好接口，实现重用性。</a:t>
+            </a:r>
+            <a:endParaRPr kumimoji="1" lang="en-US" altLang="zh-CN" sz="2400" dirty="0">
+              <a:latin typeface="Microsoft YaHei" panose="020B0503020204020204" pitchFamily="34" charset="-122"/>
+              <a:ea typeface="Microsoft YaHei" panose="020B0503020204020204" pitchFamily="34" charset="-122"/>
+            </a:endParaRPr>
+          </a:p>
+          <a:p>
+            <a:endParaRPr kumimoji="1" lang="en-US" altLang="zh-CN" sz="2400" dirty="0">
+              <a:latin typeface="Microsoft YaHei" panose="020B0503020204020204" pitchFamily="34" charset="-122"/>
+              <a:ea typeface="Microsoft YaHei" panose="020B0503020204020204" pitchFamily="34" charset="-122"/>
+            </a:endParaRPr>
+          </a:p>
+          <a:p>
+            <a:r>
+              <a:rPr kumimoji="1" lang="zh-CN" altLang="en-US" sz="2400" dirty="0">
+                <a:latin typeface="Microsoft YaHei" panose="020B0503020204020204" pitchFamily="34" charset="-122"/>
+                <a:ea typeface="Microsoft YaHei" panose="020B0503020204020204" pitchFamily="34" charset="-122"/>
+              </a:rPr>
+              <a:t>普通类作为父类和抽象类作为父类的区别：</a:t>
+            </a:r>
+            <a:endParaRPr kumimoji="1" lang="en-US" altLang="zh-CN" sz="2400" dirty="0">
+              <a:latin typeface="Microsoft YaHei" panose="020B0503020204020204" pitchFamily="34" charset="-122"/>
+              <a:ea typeface="Microsoft YaHei" panose="020B0503020204020204" pitchFamily="34" charset="-122"/>
+            </a:endParaRPr>
+          </a:p>
+          <a:p>
+            <a:pPr marL="342900" indent="-342900">
+              <a:buFont typeface="Arial" panose="020B0604020202020204" pitchFamily="34" charset="0"/>
+              <a:buChar char="•"/>
+            </a:pPr>
+            <a:r>
+              <a:rPr kumimoji="1" lang="zh-CN" altLang="en-US" sz="2400" dirty="0">
+                <a:latin typeface="Microsoft YaHei" panose="020B0503020204020204" pitchFamily="34" charset="-122"/>
+                <a:ea typeface="Microsoft YaHei" panose="020B0503020204020204" pitchFamily="34" charset="-122"/>
+              </a:rPr>
+              <a:t>普通类不强制子类去重写父类的方法，</a:t>
+            </a:r>
+            <a:endParaRPr kumimoji="1" lang="en-US" altLang="zh-CN" sz="2400" dirty="0">
+              <a:latin typeface="Microsoft YaHei" panose="020B0503020204020204" pitchFamily="34" charset="-122"/>
+              <a:ea typeface="Microsoft YaHei" panose="020B0503020204020204" pitchFamily="34" charset="-122"/>
+            </a:endParaRPr>
+          </a:p>
+          <a:p>
+            <a:pPr marL="342900" indent="-342900">
+              <a:buFont typeface="Arial" panose="020B0604020202020204" pitchFamily="34" charset="0"/>
+              <a:buChar char="•"/>
+            </a:pPr>
+            <a:r>
+              <a:rPr kumimoji="1" lang="zh-CN" altLang="en-US" sz="2400" dirty="0">
+                <a:latin typeface="Microsoft YaHei" panose="020B0503020204020204" pitchFamily="34" charset="-122"/>
+                <a:ea typeface="Microsoft YaHei" panose="020B0503020204020204" pitchFamily="34" charset="-122"/>
+              </a:rPr>
+              <a:t>抽象类是强制的，子类必须实现父类的方法，不然你也是</a:t>
+            </a:r>
+            <a:r>
+              <a:rPr kumimoji="1" lang="en-US" altLang="zh-CN" sz="2400" dirty="0">
+                <a:latin typeface="Microsoft YaHei" panose="020B0503020204020204" pitchFamily="34" charset="-122"/>
+                <a:ea typeface="Microsoft YaHei" panose="020B0503020204020204" pitchFamily="34" charset="-122"/>
+              </a:rPr>
+              <a:t>abstract</a:t>
+            </a:r>
+            <a:r>
+              <a:rPr kumimoji="1" lang="zh-CN" altLang="en-US" sz="2400" dirty="0">
+                <a:latin typeface="Microsoft YaHei" panose="020B0503020204020204" pitchFamily="34" charset="-122"/>
+                <a:ea typeface="Microsoft YaHei" panose="020B0503020204020204" pitchFamily="34" charset="-122"/>
+              </a:rPr>
+              <a:t>，没法创建对象。</a:t>
+            </a:r>
+            <a:endParaRPr kumimoji="1" lang="en-US" altLang="zh-CN" sz="2400" dirty="0">
+              <a:latin typeface="Microsoft YaHei" panose="020B0503020204020204" pitchFamily="34" charset="-122"/>
+              <a:ea typeface="Microsoft YaHei" panose="020B0503020204020204" pitchFamily="34" charset="-122"/>
+            </a:endParaRPr>
+          </a:p>
+        </p:txBody>
+      </p:sp>
+    </p:spTree>
+    <p:extLst>
+      <p:ext uri="{BB962C8B-B14F-4D97-AF65-F5344CB8AC3E}">
+        <p14:creationId xmlns:p14="http://schemas.microsoft.com/office/powerpoint/2010/main" val="2813510044"/>
+      </p:ext>
+    </p:extLst>
+  </p:cSld>
+  <p:clrMapOvr>
+    <a:masterClrMapping/>
+  </p:clrMapOvr>
+</p:sld>
+</file>
+
+<file path=ppt/slides/slide19.xml><?xml version="1.0" encoding="utf-8"?>
+<p:sld xmlns:a="http://schemas.openxmlformats.org/drawingml/2006/main" xmlns:r="http://schemas.openxmlformats.org/officeDocument/2006/relationships" xmlns:p="http://schemas.openxmlformats.org/presentationml/2006/main">
+  <p:cSld>
+    <p:bg>
+      <p:bgPr>
+        <a:blipFill>
+          <a:blip r:embed="rId3"/>
+          <a:tile tx="0" ty="0" sx="100000" sy="100000" flip="none" algn="tl"/>
+        </a:blipFill>
+        <a:effectLst/>
+      </p:bgPr>
+    </p:bg>
+    <p:spTree>
+      <p:nvGrpSpPr>
+        <p:cNvPr id="1" name=""/>
+        <p:cNvGrpSpPr/>
+        <p:nvPr/>
+      </p:nvGrpSpPr>
+      <p:grpSpPr>
+        <a:xfrm>
+          <a:off x="0" y="0"/>
+          <a:ext cx="0" cy="0"/>
+          <a:chOff x="0" y="0"/>
+          <a:chExt cx="0" cy="0"/>
+        </a:xfrm>
+      </p:grpSpPr>
+      <p:sp>
+        <p:nvSpPr>
+          <p:cNvPr id="2" name="文本框 1">
+            <a:extLst>
+              <a:ext uri="{FF2B5EF4-FFF2-40B4-BE49-F238E27FC236}">
+                <a16:creationId xmlns:a16="http://schemas.microsoft.com/office/drawing/2014/main" id="{12AA8BCC-7B15-4842-80C2-48C079429338}"/>
+              </a:ext>
+            </a:extLst>
+          </p:cNvPr>
+          <p:cNvSpPr txBox="1"/>
+          <p:nvPr/>
+        </p:nvSpPr>
+        <p:spPr>
+          <a:xfrm>
+            <a:off x="1686024" y="631327"/>
+            <a:ext cx="9842688" cy="1577288"/>
+          </a:xfrm>
+          <a:prstGeom prst="rect">
+            <a:avLst/>
+          </a:prstGeom>
+          <a:noFill/>
+        </p:spPr>
+        <p:txBody>
+          <a:bodyPr wrap="square" rtlCol="0">
+            <a:spAutoFit/>
+          </a:bodyPr>
+          <a:lstStyle/>
+          <a:p>
+            <a:pPr algn="ctr"/>
+            <a:r>
+              <a:rPr kumimoji="1" lang="zh-CN" altLang="en-US" sz="4800" dirty="0">
+                <a:latin typeface="Microsoft YaHei" panose="020B0503020204020204" pitchFamily="34" charset="-122"/>
+                <a:ea typeface="Microsoft YaHei" panose="020B0503020204020204" pitchFamily="34" charset="-122"/>
+              </a:rPr>
+              <a:t>思考</a:t>
+            </a:r>
+            <a:r>
+              <a:rPr kumimoji="1" lang="en-US" altLang="zh-CN" sz="4800" dirty="0">
+                <a:latin typeface="Microsoft YaHei" panose="020B0503020204020204" pitchFamily="34" charset="-122"/>
+                <a:ea typeface="Microsoft YaHei" panose="020B0503020204020204" pitchFamily="34" charset="-122"/>
+              </a:rPr>
+              <a:t>2</a:t>
+            </a:r>
+            <a:r>
+              <a:rPr kumimoji="1" lang="zh-CN" altLang="en-US" sz="4800" dirty="0">
+                <a:latin typeface="Microsoft YaHei" panose="020B0503020204020204" pitchFamily="34" charset="-122"/>
+                <a:ea typeface="Microsoft YaHei" panose="020B0503020204020204" pitchFamily="34" charset="-122"/>
+              </a:rPr>
+              <a:t>：既然抽象类不能</a:t>
+            </a:r>
+            <a:r>
+              <a:rPr kumimoji="1" lang="en-US" altLang="zh-CN" sz="4800" dirty="0">
+                <a:latin typeface="Microsoft YaHei" panose="020B0503020204020204" pitchFamily="34" charset="-122"/>
+                <a:ea typeface="Microsoft YaHei" panose="020B0503020204020204" pitchFamily="34" charset="-122"/>
+              </a:rPr>
+              <a:t>new</a:t>
+            </a:r>
+            <a:r>
+              <a:rPr kumimoji="1" lang="zh-CN" altLang="en-US" sz="4800" dirty="0">
+                <a:latin typeface="Microsoft YaHei" panose="020B0503020204020204" pitchFamily="34" charset="-122"/>
+                <a:ea typeface="Microsoft YaHei" panose="020B0503020204020204" pitchFamily="34" charset="-122"/>
+              </a:rPr>
+              <a:t>对象，那为何要有构造函数呢？</a:t>
+            </a:r>
+            <a:endParaRPr kumimoji="1" lang="en-US" altLang="zh-CN" sz="4800" dirty="0">
+              <a:ea typeface="Microsoft YaHei" panose="020B0503020204020204" pitchFamily="34" charset="-122"/>
+            </a:endParaRPr>
+          </a:p>
+        </p:txBody>
+      </p:sp>
+      <p:sp>
+        <p:nvSpPr>
+          <p:cNvPr id="13" name="文本框 12">
+            <a:extLst>
+              <a:ext uri="{FF2B5EF4-FFF2-40B4-BE49-F238E27FC236}">
+                <a16:creationId xmlns:a16="http://schemas.microsoft.com/office/drawing/2014/main" id="{8E054F89-5FA8-2F47-8710-58E04A67980C}"/>
+              </a:ext>
+            </a:extLst>
+          </p:cNvPr>
+          <p:cNvSpPr txBox="1"/>
+          <p:nvPr/>
+        </p:nvSpPr>
+        <p:spPr>
+          <a:xfrm>
+            <a:off x="1925640" y="2671718"/>
+            <a:ext cx="8924544" cy="1200329"/>
+          </a:xfrm>
+          <a:prstGeom prst="rect">
+            <a:avLst/>
+          </a:prstGeom>
+          <a:noFill/>
+        </p:spPr>
+        <p:txBody>
+          <a:bodyPr wrap="square" rtlCol="0">
+            <a:spAutoFit/>
+          </a:bodyPr>
+          <a:lstStyle/>
+          <a:p>
+            <a:r>
+              <a:rPr kumimoji="1" lang="zh-CN" altLang="en-US" sz="2400" dirty="0">
+                <a:latin typeface="Microsoft YaHei" panose="020B0503020204020204" pitchFamily="34" charset="-122"/>
+                <a:ea typeface="Microsoft YaHei" panose="020B0503020204020204" pitchFamily="34" charset="-122"/>
+              </a:rPr>
+              <a:t>虽然抽象类不能用</a:t>
+            </a:r>
+            <a:r>
+              <a:rPr kumimoji="1" lang="en-US" altLang="zh-CN" sz="2400" dirty="0">
+                <a:latin typeface="Microsoft YaHei" panose="020B0503020204020204" pitchFamily="34" charset="-122"/>
+                <a:ea typeface="Microsoft YaHei" panose="020B0503020204020204" pitchFamily="34" charset="-122"/>
+              </a:rPr>
+              <a:t>new</a:t>
+            </a:r>
+            <a:r>
+              <a:rPr kumimoji="1" lang="zh-CN" altLang="en-US" sz="2400" dirty="0">
+                <a:latin typeface="Microsoft YaHei" panose="020B0503020204020204" pitchFamily="34" charset="-122"/>
+                <a:ea typeface="Microsoft YaHei" panose="020B0503020204020204" pitchFamily="34" charset="-122"/>
+              </a:rPr>
+              <a:t>实例化，但当你实例化抽象类子类的时候抽象类是会被实例化的，子类的构造函数可以用</a:t>
+            </a:r>
+            <a:r>
+              <a:rPr kumimoji="1" lang="en-US" altLang="zh-CN" sz="2400" dirty="0">
+                <a:latin typeface="Microsoft YaHei" panose="020B0503020204020204" pitchFamily="34" charset="-122"/>
+                <a:ea typeface="Microsoft YaHei" panose="020B0503020204020204" pitchFamily="34" charset="-122"/>
+              </a:rPr>
+              <a:t>super()</a:t>
+            </a:r>
+            <a:r>
+              <a:rPr kumimoji="1" lang="zh-CN" altLang="en-US" sz="2400" dirty="0">
+                <a:latin typeface="Microsoft YaHei" panose="020B0503020204020204" pitchFamily="34" charset="-122"/>
+                <a:ea typeface="Microsoft YaHei" panose="020B0503020204020204" pitchFamily="34" charset="-122"/>
+              </a:rPr>
+              <a:t>方法来调用抽象类中的构造方法，来初始化抽象类中的数据</a:t>
+            </a:r>
+            <a:r>
+              <a:rPr kumimoji="1" lang="en-US" altLang="zh-CN" sz="2400" dirty="0">
+                <a:latin typeface="Microsoft YaHei" panose="020B0503020204020204" pitchFamily="34" charset="-122"/>
+                <a:ea typeface="Microsoft YaHei" panose="020B0503020204020204" pitchFamily="34" charset="-122"/>
+              </a:rPr>
+              <a:t>(</a:t>
+            </a:r>
+            <a:r>
+              <a:rPr kumimoji="1" lang="zh-CN" altLang="en-US" sz="2400" dirty="0">
+                <a:latin typeface="Microsoft YaHei" panose="020B0503020204020204" pitchFamily="34" charset="-122"/>
+                <a:ea typeface="Microsoft YaHei" panose="020B0503020204020204" pitchFamily="34" charset="-122"/>
+              </a:rPr>
+              <a:t>属性</a:t>
+            </a:r>
+            <a:r>
+              <a:rPr kumimoji="1" lang="en-US" altLang="zh-CN" sz="2400" dirty="0">
+                <a:latin typeface="Microsoft YaHei" panose="020B0503020204020204" pitchFamily="34" charset="-122"/>
+                <a:ea typeface="Microsoft YaHei" panose="020B0503020204020204" pitchFamily="34" charset="-122"/>
+              </a:rPr>
+              <a:t>)</a:t>
+            </a:r>
+            <a:r>
+              <a:rPr kumimoji="1" lang="zh-CN" altLang="en-US" sz="2400" dirty="0">
+                <a:latin typeface="Microsoft YaHei" panose="020B0503020204020204" pitchFamily="34" charset="-122"/>
+                <a:ea typeface="Microsoft YaHei" panose="020B0503020204020204" pitchFamily="34" charset="-122"/>
+              </a:rPr>
+              <a:t>。</a:t>
+            </a:r>
+            <a:endParaRPr kumimoji="1" lang="en-US" altLang="zh-CN" sz="2400" dirty="0">
+              <a:latin typeface="Microsoft YaHei" panose="020B0503020204020204" pitchFamily="34" charset="-122"/>
+              <a:ea typeface="Microsoft YaHei" panose="020B0503020204020204" pitchFamily="34" charset="-122"/>
+            </a:endParaRPr>
+          </a:p>
+        </p:txBody>
+      </p:sp>
+      <p:pic>
+        <p:nvPicPr>
+          <p:cNvPr id="5" name="图形 4" descr="有想法的人">
+            <a:extLst>
+              <a:ext uri="{FF2B5EF4-FFF2-40B4-BE49-F238E27FC236}">
+                <a16:creationId xmlns:a16="http://schemas.microsoft.com/office/drawing/2014/main" id="{7F3B36B9-F0B9-9E45-94DD-7ADB20404FE8}"/>
+              </a:ext>
+            </a:extLst>
+          </p:cNvPr>
+          <p:cNvPicPr>
+            <a:picLocks noChangeAspect="1"/>
+          </p:cNvPicPr>
+          <p:nvPr/>
+        </p:nvPicPr>
+        <p:blipFill>
+          <a:blip r:embed="rId4">
+            <a:extLst>
+              <a:ext uri="{96DAC541-7B7A-43D3-8B79-37D633B846F1}">
+                <asvg:svgBlip xmlns:asvg="http://schemas.microsoft.com/office/drawing/2016/SVG/main" r:embed="rId5"/>
+              </a:ext>
+            </a:extLst>
+          </a:blip>
+          <a:stretch>
+            <a:fillRect/>
+          </a:stretch>
+        </p:blipFill>
+        <p:spPr>
+          <a:xfrm>
+            <a:off x="427416" y="2289660"/>
+            <a:ext cx="914400" cy="914400"/>
+          </a:xfrm>
+          <a:prstGeom prst="rect">
+            <a:avLst/>
+          </a:prstGeom>
+        </p:spPr>
+      </p:pic>
+      <p:pic>
+        <p:nvPicPr>
+          <p:cNvPr id="6" name="图片 5">
+            <a:extLst>
+              <a:ext uri="{FF2B5EF4-FFF2-40B4-BE49-F238E27FC236}">
+                <a16:creationId xmlns:a16="http://schemas.microsoft.com/office/drawing/2014/main" id="{AE3A5FC1-C9E9-4A44-8E04-CC041A2FC9C5}"/>
+              </a:ext>
+            </a:extLst>
+          </p:cNvPr>
+          <p:cNvPicPr>
+            <a:picLocks noChangeAspect="1"/>
+          </p:cNvPicPr>
+          <p:nvPr/>
+        </p:nvPicPr>
+        <p:blipFill>
+          <a:blip r:embed="rId6"/>
+          <a:stretch>
+            <a:fillRect/>
+          </a:stretch>
+        </p:blipFill>
+        <p:spPr>
+          <a:xfrm>
+            <a:off x="711388" y="4130266"/>
+            <a:ext cx="5384612" cy="2350558"/>
+          </a:xfrm>
+          <a:prstGeom prst="rect">
+            <a:avLst/>
+          </a:prstGeom>
+        </p:spPr>
+      </p:pic>
+      <p:pic>
+        <p:nvPicPr>
+          <p:cNvPr id="7" name="图片 6">
+            <a:extLst>
+              <a:ext uri="{FF2B5EF4-FFF2-40B4-BE49-F238E27FC236}">
+                <a16:creationId xmlns:a16="http://schemas.microsoft.com/office/drawing/2014/main" id="{A1255CC5-1257-7B4C-9137-AF2FBA1F5BCB}"/>
+              </a:ext>
+            </a:extLst>
+          </p:cNvPr>
+          <p:cNvPicPr>
+            <a:picLocks noChangeAspect="1"/>
+          </p:cNvPicPr>
+          <p:nvPr/>
+        </p:nvPicPr>
+        <p:blipFill>
+          <a:blip r:embed="rId7"/>
+          <a:stretch>
+            <a:fillRect/>
+          </a:stretch>
+        </p:blipFill>
+        <p:spPr>
+          <a:xfrm>
+            <a:off x="6607368" y="4118496"/>
+            <a:ext cx="5023800" cy="2362328"/>
+          </a:xfrm>
+          <a:prstGeom prst="rect">
+            <a:avLst/>
+          </a:prstGeom>
+        </p:spPr>
+      </p:pic>
+    </p:spTree>
+    <p:extLst>
+      <p:ext uri="{BB962C8B-B14F-4D97-AF65-F5344CB8AC3E}">
+        <p14:creationId xmlns:p14="http://schemas.microsoft.com/office/powerpoint/2010/main" val="3992295352"/>
+      </p:ext>
+    </p:extLst>
+  </p:cSld>
+  <p:clrMapOvr>
+    <a:masterClrMapping/>
+  </p:clrMapOvr>
+  <p:timing>
+    <p:tnLst>
+      <p:par>
+        <p:cTn id="1" dur="indefinite" restart="never" nodeType="tmRoot">
+          <p:childTnLst>
+            <p:seq concurrent="1" nextAc="seek">
+              <p:cTn id="2" dur="indefinite" nodeType="mainSeq">
+                <p:childTnLst>
+                  <p:par>
+                    <p:cTn id="3" fill="hold">
+                      <p:stCondLst>
+                        <p:cond delay="indefinite"/>
+                      </p:stCondLst>
+                      <p:childTnLst>
+                        <p:par>
+                          <p:cTn id="4" fill="hold">
+                            <p:stCondLst>
+                              <p:cond delay="0"/>
+                            </p:stCondLst>
+                            <p:childTnLst>
+                              <p:par>
+                                <p:cTn id="5" presetID="1" presetClass="entr" presetSubtype="0" fill="hold" grpId="0" nodeType="clickEffect">
+                                  <p:stCondLst>
+                                    <p:cond delay="0"/>
+                                  </p:stCondLst>
+                                  <p:childTnLst>
+                                    <p:set>
+                                      <p:cBhvr>
+                                        <p:cTn id="6" dur="1" fill="hold">
+                                          <p:stCondLst>
+                                            <p:cond delay="0"/>
+                                          </p:stCondLst>
+                                        </p:cTn>
+                                        <p:tgtEl>
+                                          <p:spTgt spid="13"/>
+                                        </p:tgtEl>
+                                        <p:attrNameLst>
+                                          <p:attrName>style.visibility</p:attrName>
+                                        </p:attrNameLst>
+                                      </p:cBhvr>
+                                      <p:to>
+                                        <p:strVal val="visible"/>
+                                      </p:to>
+                                    </p:set>
+                                  </p:childTnLst>
+                                </p:cTn>
+                              </p:par>
+                              <p:par>
+                                <p:cTn id="7" presetID="1" presetClass="entr" presetSubtype="0" fill="hold" nodeType="withEffect">
+                                  <p:stCondLst>
+                                    <p:cond delay="0"/>
+                                  </p:stCondLst>
+                                  <p:childTnLst>
+                                    <p:set>
+                                      <p:cBhvr>
+                                        <p:cTn id="8" dur="1" fill="hold">
+                                          <p:stCondLst>
+                                            <p:cond delay="0"/>
+                                          </p:stCondLst>
+                                        </p:cTn>
+                                        <p:tgtEl>
+                                          <p:spTgt spid="6"/>
+                                        </p:tgtEl>
+                                        <p:attrNameLst>
+                                          <p:attrName>style.visibility</p:attrName>
+                                        </p:attrNameLst>
+                                      </p:cBhvr>
+                                      <p:to>
+                                        <p:strVal val="visible"/>
+                                      </p:to>
+                                    </p:set>
+                                  </p:childTnLst>
+                                </p:cTn>
+                              </p:par>
+                              <p:par>
+                                <p:cTn id="9" presetID="1" presetClass="entr" presetSubtype="0" fill="hold" nodeType="withEffect">
+                                  <p:stCondLst>
+                                    <p:cond delay="0"/>
+                                  </p:stCondLst>
+                                  <p:childTnLst>
+                                    <p:set>
+                                      <p:cBhvr>
+                                        <p:cTn id="10" dur="1" fill="hold">
+                                          <p:stCondLst>
+                                            <p:cond delay="0"/>
+                                          </p:stCondLst>
+                                        </p:cTn>
+                                        <p:tgtEl>
+                                          <p:spTgt spid="7"/>
+                                        </p:tgtEl>
+                                        <p:attrNameLst>
+                                          <p:attrName>style.visibility</p:attrName>
+                                        </p:attrNameLst>
+                                      </p:cBhvr>
+                                      <p:to>
+                                        <p:strVal val="visible"/>
+                                      </p:to>
+                                    </p:set>
+                                  </p:childTnLst>
+                                </p:cTn>
+                              </p:par>
+                            </p:childTnLst>
+                          </p:cTn>
+                        </p:par>
+                      </p:childTnLst>
+                    </p:cTn>
+                  </p:par>
+                </p:childTnLst>
+              </p:cTn>
+              <p:prevCondLst>
+                <p:cond evt="onPrev" delay="0">
+                  <p:tgtEl>
+                    <p:sldTgt/>
+                  </p:tgtEl>
+                </p:cond>
+              </p:prevCondLst>
+              <p:nextCondLst>
+                <p:cond evt="onNext" delay="0">
+                  <p:tgtEl>
+                    <p:sldTgt/>
+                  </p:tgtEl>
+                </p:cond>
+              </p:nextCondLst>
+            </p:seq>
+          </p:childTnLst>
+        </p:cTn>
+      </p:par>
+    </p:tnLst>
+    <p:bldLst>
+      <p:bldP spid="13" grpId="0"/>
+    </p:bldLst>
+  </p:timing>
+</p:sld>
+</file>
+
+<file path=ppt/slides/slide2.xml><?xml version="1.0" encoding="utf-8"?>
+<p:sld xmlns:a="http://schemas.openxmlformats.org/drawingml/2006/main" xmlns:r="http://schemas.openxmlformats.org/officeDocument/2006/relationships" xmlns:p="http://schemas.openxmlformats.org/presentationml/2006/main">
+  <p:cSld>
+    <p:bg>
+      <p:bgPr>
+        <a:blipFill>
+          <a:blip r:embed="rId3"/>
+          <a:tile tx="0" ty="0" sx="100000" sy="100000" flip="none" algn="tl"/>
+        </a:blipFill>
+        <a:effectLst/>
+      </p:bgPr>
+    </p:bg>
+    <p:spTree>
+      <p:nvGrpSpPr>
+        <p:cNvPr id="1" name=""/>
+        <p:cNvGrpSpPr/>
+        <p:nvPr/>
+      </p:nvGrpSpPr>
+      <p:grpSpPr>
+        <a:xfrm>
+          <a:off x="0" y="0"/>
+          <a:ext cx="0" cy="0"/>
+          <a:chOff x="0" y="0"/>
+          <a:chExt cx="0" cy="0"/>
+        </a:xfrm>
+      </p:grpSpPr>
+      <p:sp>
+        <p:nvSpPr>
+          <p:cNvPr id="8" name="文本框 7">
+            <a:extLst>
+              <a:ext uri="{FF2B5EF4-FFF2-40B4-BE49-F238E27FC236}">
+                <a16:creationId xmlns:a16="http://schemas.microsoft.com/office/drawing/2014/main" id="{B294230C-E86E-7247-BAC6-5F43DED3D0AF}"/>
+              </a:ext>
+            </a:extLst>
+          </p:cNvPr>
+          <p:cNvSpPr txBox="1"/>
+          <p:nvPr/>
+        </p:nvSpPr>
+        <p:spPr>
+          <a:xfrm>
+            <a:off x="6813179" y="1081658"/>
+            <a:ext cx="3767687" cy="4909074"/>
+          </a:xfrm>
+          <a:prstGeom prst="rect">
+            <a:avLst/>
+          </a:prstGeom>
+          <a:noFill/>
+        </p:spPr>
+        <p:txBody>
+          <a:bodyPr wrap="square" tIns="360000" bIns="360000" rtlCol="0">
+            <a:spAutoFit/>
+          </a:bodyPr>
+          <a:lstStyle/>
+          <a:p>
+            <a:endParaRPr kumimoji="1" lang="en-US" altLang="zh-CN" sz="2400" dirty="0">
+              <a:latin typeface="Microsoft YaHei" panose="020B0503020204020204" pitchFamily="34" charset="-122"/>
+              <a:ea typeface="Microsoft YaHei" panose="020B0503020204020204" pitchFamily="34" charset="-122"/>
+            </a:endParaRPr>
+          </a:p>
+          <a:p>
+            <a:pPr marL="571500" indent="-571500">
+              <a:lnSpc>
+                <a:spcPct val="150000"/>
+              </a:lnSpc>
+              <a:buFont typeface="Wingdings" pitchFamily="2" charset="2"/>
+              <a:buChar char="Ø"/>
+            </a:pPr>
+            <a:r>
+              <a:rPr kumimoji="1" lang="zh-CN" altLang="en-US" sz="2400" dirty="0">
+                <a:latin typeface="Microsoft YaHei" panose="020B0503020204020204" pitchFamily="34" charset="-122"/>
+                <a:ea typeface="Microsoft YaHei" panose="020B0503020204020204" pitchFamily="34" charset="-122"/>
+              </a:rPr>
+              <a:t>什么是异常处理</a:t>
+            </a:r>
+            <a:endParaRPr kumimoji="1" lang="en-US" altLang="zh-CN" sz="2400" dirty="0">
+              <a:latin typeface="Microsoft YaHei" panose="020B0503020204020204" pitchFamily="34" charset="-122"/>
+              <a:ea typeface="Microsoft YaHei" panose="020B0503020204020204" pitchFamily="34" charset="-122"/>
+            </a:endParaRPr>
+          </a:p>
+          <a:p>
+            <a:pPr marL="571500" indent="-571500">
+              <a:lnSpc>
+                <a:spcPct val="150000"/>
+              </a:lnSpc>
+              <a:buFont typeface="Wingdings" pitchFamily="2" charset="2"/>
+              <a:buChar char="Ø"/>
+            </a:pPr>
+            <a:r>
+              <a:rPr kumimoji="1" lang="zh-CN" altLang="en-US" sz="2400" dirty="0">
+                <a:latin typeface="Microsoft YaHei" panose="020B0503020204020204" pitchFamily="34" charset="-122"/>
+                <a:ea typeface="Microsoft YaHei" panose="020B0503020204020204" pitchFamily="34" charset="-122"/>
+              </a:rPr>
+              <a:t>异常类型</a:t>
+            </a:r>
+            <a:endParaRPr kumimoji="1" lang="en-US" altLang="zh-CN" sz="2400" dirty="0">
+              <a:latin typeface="Microsoft YaHei" panose="020B0503020204020204" pitchFamily="34" charset="-122"/>
+              <a:ea typeface="Microsoft YaHei" panose="020B0503020204020204" pitchFamily="34" charset="-122"/>
+            </a:endParaRPr>
+          </a:p>
+          <a:p>
+            <a:pPr marL="571500" indent="-571500">
+              <a:lnSpc>
+                <a:spcPct val="150000"/>
+              </a:lnSpc>
+              <a:buFont typeface="Wingdings" pitchFamily="2" charset="2"/>
+              <a:buChar char="Ø"/>
+            </a:pPr>
+            <a:r>
+              <a:rPr kumimoji="1" lang="zh-CN" altLang="en-US" sz="2400" dirty="0">
+                <a:latin typeface="Microsoft YaHei" panose="020B0503020204020204" pitchFamily="34" charset="-122"/>
+                <a:ea typeface="Microsoft YaHei" panose="020B0503020204020204" pitchFamily="34" charset="-122"/>
+              </a:rPr>
+              <a:t>关于异常的更多知识</a:t>
+            </a:r>
+            <a:endParaRPr kumimoji="1" lang="en-US" altLang="zh-CN" sz="2400" dirty="0">
+              <a:latin typeface="Microsoft YaHei" panose="020B0503020204020204" pitchFamily="34" charset="-122"/>
+              <a:ea typeface="Microsoft YaHei" panose="020B0503020204020204" pitchFamily="34" charset="-122"/>
+            </a:endParaRPr>
+          </a:p>
+          <a:p>
+            <a:pPr marL="571500" indent="-571500">
+              <a:lnSpc>
+                <a:spcPct val="150000"/>
+              </a:lnSpc>
+              <a:buFont typeface="Wingdings" pitchFamily="2" charset="2"/>
+              <a:buChar char="Ø"/>
+            </a:pPr>
+            <a:r>
+              <a:rPr kumimoji="1" lang="en-US" altLang="zh-CN" sz="2400" dirty="0">
+                <a:latin typeface="Microsoft YaHei" panose="020B0503020204020204" pitchFamily="34" charset="-122"/>
+                <a:ea typeface="Microsoft YaHei" panose="020B0503020204020204" pitchFamily="34" charset="-122"/>
+              </a:rPr>
+              <a:t>Finally</a:t>
+            </a:r>
+            <a:r>
+              <a:rPr kumimoji="1" lang="zh-CN" altLang="en-US" sz="2400" dirty="0">
+                <a:latin typeface="Microsoft YaHei" panose="020B0503020204020204" pitchFamily="34" charset="-122"/>
+                <a:ea typeface="Microsoft YaHei" panose="020B0503020204020204" pitchFamily="34" charset="-122"/>
+              </a:rPr>
+              <a:t>子句</a:t>
+            </a:r>
+            <a:endParaRPr kumimoji="1" lang="en-US" altLang="zh-CN" sz="2400" dirty="0">
+              <a:latin typeface="Microsoft YaHei" panose="020B0503020204020204" pitchFamily="34" charset="-122"/>
+              <a:ea typeface="Microsoft YaHei" panose="020B0503020204020204" pitchFamily="34" charset="-122"/>
+            </a:endParaRPr>
+          </a:p>
+          <a:p>
+            <a:pPr marL="571500" indent="-571500">
+              <a:lnSpc>
+                <a:spcPct val="150000"/>
+              </a:lnSpc>
+              <a:buFont typeface="Wingdings" pitchFamily="2" charset="2"/>
+              <a:buChar char="Ø"/>
+            </a:pPr>
+            <a:r>
+              <a:rPr kumimoji="1" lang="zh-CN" altLang="en-US" sz="2400" dirty="0">
+                <a:latin typeface="Microsoft YaHei" panose="020B0503020204020204" pitchFamily="34" charset="-122"/>
+                <a:ea typeface="Microsoft YaHei" panose="020B0503020204020204" pitchFamily="34" charset="-122"/>
+              </a:rPr>
+              <a:t>何时抛出异常</a:t>
+            </a:r>
+            <a:endParaRPr kumimoji="1" lang="en-US" altLang="zh-CN" sz="2400" dirty="0">
+              <a:latin typeface="Microsoft YaHei" panose="020B0503020204020204" pitchFamily="34" charset="-122"/>
+              <a:ea typeface="Microsoft YaHei" panose="020B0503020204020204" pitchFamily="34" charset="-122"/>
+            </a:endParaRPr>
+          </a:p>
+          <a:p>
+            <a:pPr marL="571500" indent="-571500">
+              <a:lnSpc>
+                <a:spcPct val="150000"/>
+              </a:lnSpc>
+              <a:buFont typeface="Wingdings" pitchFamily="2" charset="2"/>
+              <a:buChar char="Ø"/>
+            </a:pPr>
+            <a:r>
+              <a:rPr kumimoji="1" lang="zh-CN" altLang="en-US" sz="2400" dirty="0">
+                <a:latin typeface="Microsoft YaHei" panose="020B0503020204020204" pitchFamily="34" charset="-122"/>
+                <a:ea typeface="Microsoft YaHei" panose="020B0503020204020204" pitchFamily="34" charset="-122"/>
+              </a:rPr>
+              <a:t>链式异常</a:t>
+            </a:r>
+            <a:endParaRPr kumimoji="1" lang="en-US" altLang="zh-CN" sz="2400" dirty="0">
+              <a:latin typeface="Microsoft YaHei" panose="020B0503020204020204" pitchFamily="34" charset="-122"/>
+              <a:ea typeface="Microsoft YaHei" panose="020B0503020204020204" pitchFamily="34" charset="-122"/>
+            </a:endParaRPr>
+          </a:p>
+          <a:p>
+            <a:pPr marL="571500" indent="-571500">
+              <a:lnSpc>
+                <a:spcPct val="150000"/>
+              </a:lnSpc>
+              <a:buFont typeface="Wingdings" pitchFamily="2" charset="2"/>
+              <a:buChar char="Ø"/>
+            </a:pPr>
+            <a:r>
+              <a:rPr kumimoji="1" lang="zh-CN" altLang="en-US" sz="2400" dirty="0">
+                <a:latin typeface="Microsoft YaHei" panose="020B0503020204020204" pitchFamily="34" charset="-122"/>
+                <a:ea typeface="Microsoft YaHei" panose="020B0503020204020204" pitchFamily="34" charset="-122"/>
+              </a:rPr>
+              <a:t>创建自定义异常</a:t>
+            </a:r>
+            <a:endParaRPr kumimoji="1" lang="en-US" altLang="zh-CN" sz="2400" dirty="0">
+              <a:latin typeface="Microsoft YaHei" panose="020B0503020204020204" pitchFamily="34" charset="-122"/>
+              <a:ea typeface="Microsoft YaHei" panose="020B0503020204020204" pitchFamily="34" charset="-122"/>
+            </a:endParaRPr>
+          </a:p>
+        </p:txBody>
+      </p:sp>
+      <p:sp>
+        <p:nvSpPr>
+          <p:cNvPr id="3" name="文本框 2">
+            <a:extLst>
+              <a:ext uri="{FF2B5EF4-FFF2-40B4-BE49-F238E27FC236}">
+                <a16:creationId xmlns:a16="http://schemas.microsoft.com/office/drawing/2014/main" id="{641E33BC-DDF3-4D4D-9BF8-A86743D742D6}"/>
+              </a:ext>
+            </a:extLst>
+          </p:cNvPr>
+          <p:cNvSpPr txBox="1"/>
+          <p:nvPr/>
+        </p:nvSpPr>
+        <p:spPr>
+          <a:xfrm>
+            <a:off x="1362636" y="3260757"/>
+            <a:ext cx="2563906" cy="584775"/>
+          </a:xfrm>
+          <a:prstGeom prst="rect">
+            <a:avLst/>
+          </a:prstGeom>
+          <a:solidFill>
+            <a:schemeClr val="accent2"/>
+          </a:solidFill>
+        </p:spPr>
+        <p:txBody>
+          <a:bodyPr wrap="square" rtlCol="0">
+            <a:spAutoFit/>
+          </a:bodyPr>
+          <a:lstStyle/>
+          <a:p>
+            <a:r>
+              <a:rPr kumimoji="1" lang="zh-CN" altLang="en-US" sz="3200" dirty="0">
+                <a:solidFill>
+                  <a:schemeClr val="bg1"/>
+                </a:solidFill>
+                <a:latin typeface="Microsoft YaHei" panose="020B0503020204020204" pitchFamily="34" charset="-122"/>
+                <a:ea typeface="Microsoft YaHei" panose="020B0503020204020204" pitchFamily="34" charset="-122"/>
+              </a:rPr>
+              <a:t>这节课讲啥？</a:t>
+            </a:r>
+          </a:p>
+        </p:txBody>
+      </p:sp>
+      <p:sp>
+        <p:nvSpPr>
+          <p:cNvPr id="4" name="右箭头 3">
+            <a:extLst>
+              <a:ext uri="{FF2B5EF4-FFF2-40B4-BE49-F238E27FC236}">
+                <a16:creationId xmlns:a16="http://schemas.microsoft.com/office/drawing/2014/main" id="{A6D184A1-AE02-8A46-AEFE-470C1B4DA7E6}"/>
+              </a:ext>
+            </a:extLst>
+          </p:cNvPr>
+          <p:cNvSpPr/>
+          <p:nvPr/>
+        </p:nvSpPr>
+        <p:spPr>
+          <a:xfrm>
+            <a:off x="4787152" y="3325906"/>
+            <a:ext cx="591671" cy="420579"/>
+          </a:xfrm>
+          <a:prstGeom prst="rightArrow">
+            <a:avLst/>
+          </a:prstGeom>
+        </p:spPr>
+        <p:style>
+          <a:lnRef idx="2">
+            <a:schemeClr val="accent1">
+              <a:shade val="50000"/>
+            </a:schemeClr>
+          </a:lnRef>
+          <a:fillRef idx="1">
+            <a:schemeClr val="accent1"/>
+          </a:fillRef>
+          <a:effectRef idx="0">
+            <a:schemeClr val="accent1"/>
+          </a:effectRef>
+          <a:fontRef idx="minor">
+            <a:schemeClr val="lt1"/>
+          </a:fontRef>
+        </p:style>
+        <p:txBody>
+          <a:bodyPr rtlCol="0" anchor="ctr"/>
+          <a:lstStyle/>
+          <a:p>
+            <a:pPr algn="ctr"/>
+            <a:endParaRPr kumimoji="1" lang="zh-CN" altLang="en-US"/>
+          </a:p>
+        </p:txBody>
+      </p:sp>
+    </p:spTree>
+    <p:extLst>
+      <p:ext uri="{BB962C8B-B14F-4D97-AF65-F5344CB8AC3E}">
+        <p14:creationId xmlns:p14="http://schemas.microsoft.com/office/powerpoint/2010/main" val="1067490150"/>
+      </p:ext>
+    </p:extLst>
+  </p:cSld>
+  <p:clrMapOvr>
+    <a:masterClrMapping/>
+  </p:clrMapOvr>
+  <p:timing>
+    <p:tnLst>
+      <p:par>
+        <p:cTn id="1" dur="indefinite" restart="never" nodeType="tmRoot">
+          <p:childTnLst>
+            <p:seq concurrent="1" nextAc="seek">
+              <p:cTn id="2" dur="indefinite" nodeType="mainSeq">
+                <p:childTnLst>
+                  <p:par>
+                    <p:cTn id="3" fill="hold">
+                      <p:stCondLst>
+                        <p:cond delay="indefinite"/>
+                      </p:stCondLst>
+                      <p:childTnLst>
+                        <p:par>
+                          <p:cTn id="4" fill="hold">
+                            <p:stCondLst>
+                              <p:cond delay="0"/>
+                            </p:stCondLst>
+                            <p:childTnLst>
+                              <p:par>
+                                <p:cTn id="5" presetID="1" presetClass="entr" presetSubtype="0" fill="hold" grpId="0" nodeType="clickEffect">
+                                  <p:stCondLst>
+                                    <p:cond delay="0"/>
+                                  </p:stCondLst>
+                                  <p:childTnLst>
+                                    <p:set>
+                                      <p:cBhvr>
+                                        <p:cTn id="6" dur="1" fill="hold">
+                                          <p:stCondLst>
+                                            <p:cond delay="0"/>
+                                          </p:stCondLst>
+                                        </p:cTn>
+                                        <p:tgtEl>
+                                          <p:spTgt spid="4"/>
+                                        </p:tgtEl>
+                                        <p:attrNameLst>
+                                          <p:attrName>style.visibility</p:attrName>
+                                        </p:attrNameLst>
+                                      </p:cBhvr>
+                                      <p:to>
+                                        <p:strVal val="visible"/>
+                                      </p:to>
+                                    </p:set>
+                                  </p:childTnLst>
+                                </p:cTn>
+                              </p:par>
+                            </p:childTnLst>
+                          </p:cTn>
+                        </p:par>
+                      </p:childTnLst>
+                    </p:cTn>
+                  </p:par>
+                  <p:par>
+                    <p:cTn id="7" fill="hold">
+                      <p:stCondLst>
+                        <p:cond delay="indefinite"/>
+                      </p:stCondLst>
+                      <p:childTnLst>
+                        <p:par>
+                          <p:cTn id="8" fill="hold">
+                            <p:stCondLst>
+                              <p:cond delay="0"/>
+                            </p:stCondLst>
+                            <p:childTnLst>
+                              <p:par>
+                                <p:cTn id="9" presetID="1" presetClass="entr" presetSubtype="0" fill="hold" grpId="0" nodeType="clickEffect">
+                                  <p:stCondLst>
+                                    <p:cond delay="0"/>
+                                  </p:stCondLst>
+                                  <p:childTnLst>
+                                    <p:set>
+                                      <p:cBhvr>
+                                        <p:cTn id="10" dur="1" fill="hold">
+                                          <p:stCondLst>
+                                            <p:cond delay="0"/>
+                                          </p:stCondLst>
+                                        </p:cTn>
+                                        <p:tgtEl>
+                                          <p:spTgt spid="8"/>
+                                        </p:tgtEl>
+                                        <p:attrNameLst>
+                                          <p:attrName>style.visibility</p:attrName>
+                                        </p:attrNameLst>
+                                      </p:cBhvr>
+                                      <p:to>
+                                        <p:strVal val="visible"/>
+                                      </p:to>
+                                    </p:set>
+                                  </p:childTnLst>
+                                </p:cTn>
+                              </p:par>
+                            </p:childTnLst>
+                          </p:cTn>
+                        </p:par>
+                      </p:childTnLst>
+                    </p:cTn>
+                  </p:par>
+                </p:childTnLst>
+              </p:cTn>
+              <p:prevCondLst>
+                <p:cond evt="onPrev" delay="0">
+                  <p:tgtEl>
+                    <p:sldTgt/>
+                  </p:tgtEl>
+                </p:cond>
+              </p:prevCondLst>
+              <p:nextCondLst>
+                <p:cond evt="onNext" delay="0">
+                  <p:tgtEl>
+                    <p:sldTgt/>
+                  </p:tgtEl>
+                </p:cond>
+              </p:nextCondLst>
+            </p:seq>
+          </p:childTnLst>
+        </p:cTn>
+      </p:par>
+    </p:tnLst>
+    <p:bldLst>
+      <p:bldP spid="8" grpId="0"/>
+      <p:bldP spid="4" grpId="0" animBg="1"/>
+    </p:bldLst>
+  </p:timing>
+</p:sld>
+</file>
+
+<file path=ppt/slides/slide20.xml><?xml version="1.0" encoding="utf-8"?>
+<p:sld xmlns:a="http://schemas.openxmlformats.org/drawingml/2006/main" xmlns:r="http://schemas.openxmlformats.org/officeDocument/2006/relationships" xmlns:p="http://schemas.openxmlformats.org/presentationml/2006/main">
+  <p:cSld>
+    <p:bg>
+      <p:bgPr>
+        <a:blipFill>
+          <a:blip r:embed="rId3"/>
+          <a:tile tx="0" ty="0" sx="100000" sy="100000" flip="none" algn="tl"/>
+        </a:blipFill>
+        <a:effectLst/>
+      </p:bgPr>
+    </p:bg>
+    <p:spTree>
+      <p:nvGrpSpPr>
+        <p:cNvPr id="1" name=""/>
+        <p:cNvGrpSpPr/>
+        <p:nvPr/>
+      </p:nvGrpSpPr>
+      <p:grpSpPr>
+        <a:xfrm>
+          <a:off x="0" y="0"/>
+          <a:ext cx="0" cy="0"/>
+          <a:chOff x="0" y="0"/>
+          <a:chExt cx="0" cy="0"/>
+        </a:xfrm>
+      </p:grpSpPr>
+      <p:sp>
+        <p:nvSpPr>
+          <p:cNvPr id="2" name="文本框 1">
+            <a:extLst>
+              <a:ext uri="{FF2B5EF4-FFF2-40B4-BE49-F238E27FC236}">
+                <a16:creationId xmlns:a16="http://schemas.microsoft.com/office/drawing/2014/main" id="{12AA8BCC-7B15-4842-80C2-48C079429338}"/>
+              </a:ext>
+            </a:extLst>
+          </p:cNvPr>
+          <p:cNvSpPr txBox="1"/>
+          <p:nvPr/>
+        </p:nvSpPr>
+        <p:spPr>
+          <a:xfrm>
+            <a:off x="1660464" y="775865"/>
+            <a:ext cx="9550080" cy="830997"/>
+          </a:xfrm>
+          <a:prstGeom prst="rect">
+            <a:avLst/>
+          </a:prstGeom>
+          <a:noFill/>
+        </p:spPr>
+        <p:txBody>
+          <a:bodyPr wrap="square" rtlCol="0">
+            <a:spAutoFit/>
+          </a:bodyPr>
+          <a:lstStyle/>
+          <a:p>
+            <a:pPr algn="ctr"/>
+            <a:r>
+              <a:rPr kumimoji="1" lang="zh-CN" altLang="en-US" sz="4800" dirty="0">
+                <a:latin typeface="Microsoft YaHei" panose="020B0503020204020204" pitchFamily="34" charset="-122"/>
+                <a:ea typeface="Microsoft YaHei" panose="020B0503020204020204" pitchFamily="34" charset="-122"/>
+              </a:rPr>
+              <a:t>关于抽象方法</a:t>
+            </a:r>
+            <a:r>
+              <a:rPr kumimoji="1" lang="en-US" altLang="zh-CN" sz="4800" dirty="0">
+                <a:latin typeface="Microsoft YaHei" panose="020B0503020204020204" pitchFamily="34" charset="-122"/>
+                <a:ea typeface="Microsoft YaHei" panose="020B0503020204020204" pitchFamily="34" charset="-122"/>
+              </a:rPr>
+              <a:t>/</a:t>
+            </a:r>
+            <a:r>
+              <a:rPr kumimoji="1" lang="zh-CN" altLang="en-US" sz="4800" dirty="0">
+                <a:latin typeface="Microsoft YaHei" panose="020B0503020204020204" pitchFamily="34" charset="-122"/>
+                <a:ea typeface="Microsoft YaHei" panose="020B0503020204020204" pitchFamily="34" charset="-122"/>
+              </a:rPr>
+              <a:t>类 再唠叨几句</a:t>
+            </a:r>
+            <a:endParaRPr kumimoji="1" lang="en-US" altLang="zh-CN" sz="4800" dirty="0">
+              <a:ea typeface="Microsoft YaHei" panose="020B0503020204020204" pitchFamily="34" charset="-122"/>
+            </a:endParaRPr>
+          </a:p>
+        </p:txBody>
+      </p:sp>
+      <p:sp>
+        <p:nvSpPr>
+          <p:cNvPr id="13" name="文本框 12">
+            <a:extLst>
+              <a:ext uri="{FF2B5EF4-FFF2-40B4-BE49-F238E27FC236}">
+                <a16:creationId xmlns:a16="http://schemas.microsoft.com/office/drawing/2014/main" id="{8E054F89-5FA8-2F47-8710-58E04A67980C}"/>
+              </a:ext>
+            </a:extLst>
+          </p:cNvPr>
+          <p:cNvSpPr txBox="1"/>
+          <p:nvPr/>
+        </p:nvSpPr>
+        <p:spPr>
+          <a:xfrm>
+            <a:off x="1973232" y="1799135"/>
+            <a:ext cx="8924544" cy="4154984"/>
+          </a:xfrm>
+          <a:prstGeom prst="rect">
+            <a:avLst/>
+          </a:prstGeom>
+          <a:noFill/>
+        </p:spPr>
+        <p:txBody>
+          <a:bodyPr wrap="square" rtlCol="0">
+            <a:spAutoFit/>
+          </a:bodyPr>
+          <a:lstStyle/>
+          <a:p>
+            <a:pPr marL="457200" indent="-457200">
+              <a:buFont typeface="+mj-lt"/>
+              <a:buAutoNum type="arabicPeriod"/>
+            </a:pPr>
+            <a:endParaRPr kumimoji="1" lang="en-US" altLang="zh-CN" sz="2400" dirty="0">
+              <a:latin typeface="Microsoft YaHei" panose="020B0503020204020204" pitchFamily="34" charset="-122"/>
+              <a:ea typeface="Microsoft YaHei" panose="020B0503020204020204" pitchFamily="34" charset="-122"/>
+            </a:endParaRPr>
+          </a:p>
+          <a:p>
+            <a:pPr marL="457200" indent="-457200">
+              <a:buFont typeface="+mj-lt"/>
+              <a:buAutoNum type="arabicPeriod"/>
+            </a:pPr>
+            <a:r>
+              <a:rPr kumimoji="1" lang="zh-CN" altLang="en-US" sz="2400" dirty="0">
+                <a:solidFill>
+                  <a:schemeClr val="accent2"/>
+                </a:solidFill>
+                <a:latin typeface="Microsoft YaHei" panose="020B0503020204020204" pitchFamily="34" charset="-122"/>
+                <a:ea typeface="Microsoft YaHei" panose="020B0503020204020204" pitchFamily="34" charset="-122"/>
+              </a:rPr>
+              <a:t>抽象方法的目的是提供方法声明但不实现，让子类去实现，除去这个目的，不要在普通类中使用</a:t>
+            </a:r>
+            <a:r>
+              <a:rPr kumimoji="1" lang="en-US" altLang="zh-CN" sz="2400" dirty="0">
+                <a:solidFill>
+                  <a:schemeClr val="accent2"/>
+                </a:solidFill>
+                <a:latin typeface="Microsoft YaHei" panose="020B0503020204020204" pitchFamily="34" charset="-122"/>
+                <a:ea typeface="Microsoft YaHei" panose="020B0503020204020204" pitchFamily="34" charset="-122"/>
+              </a:rPr>
+              <a:t>abstract</a:t>
+            </a:r>
+            <a:r>
+              <a:rPr kumimoji="1" lang="zh-CN" altLang="en-US" sz="2400" dirty="0">
+                <a:solidFill>
+                  <a:schemeClr val="accent2"/>
+                </a:solidFill>
+                <a:latin typeface="Microsoft YaHei" panose="020B0503020204020204" pitchFamily="34" charset="-122"/>
+                <a:ea typeface="Microsoft YaHei" panose="020B0503020204020204" pitchFamily="34" charset="-122"/>
+              </a:rPr>
+              <a:t>方法。</a:t>
+            </a:r>
+            <a:endParaRPr kumimoji="1" lang="en-US" altLang="zh-CN" sz="2400" dirty="0">
+              <a:solidFill>
+                <a:schemeClr val="accent2"/>
+              </a:solidFill>
+              <a:latin typeface="Microsoft YaHei" panose="020B0503020204020204" pitchFamily="34" charset="-122"/>
+              <a:ea typeface="Microsoft YaHei" panose="020B0503020204020204" pitchFamily="34" charset="-122"/>
+            </a:endParaRPr>
+          </a:p>
+          <a:p>
+            <a:pPr marL="457200" indent="-457200">
+              <a:buFont typeface="+mj-lt"/>
+              <a:buAutoNum type="arabicPeriod"/>
+            </a:pPr>
+            <a:r>
+              <a:rPr kumimoji="1" lang="zh-CN" altLang="en-US" sz="2400" dirty="0">
+                <a:solidFill>
+                  <a:schemeClr val="accent2"/>
+                </a:solidFill>
+                <a:latin typeface="Microsoft YaHei" panose="020B0503020204020204" pitchFamily="34" charset="-122"/>
+                <a:ea typeface="Microsoft YaHei" panose="020B0503020204020204" pitchFamily="34" charset="-122"/>
+              </a:rPr>
+              <a:t>抽象类的目的是在普通父类的基础上添加“自己不想实现，但强制子类实现抽象函数” 这个属性，如果没有这个需求，就不要用。</a:t>
+            </a:r>
+            <a:endParaRPr kumimoji="1" lang="en-US" altLang="zh-CN" sz="2400" dirty="0">
+              <a:solidFill>
+                <a:schemeClr val="accent2"/>
+              </a:solidFill>
+              <a:latin typeface="Microsoft YaHei" panose="020B0503020204020204" pitchFamily="34" charset="-122"/>
+              <a:ea typeface="Microsoft YaHei" panose="020B0503020204020204" pitchFamily="34" charset="-122"/>
+            </a:endParaRPr>
+          </a:p>
+          <a:p>
+            <a:pPr marL="457200" indent="-457200">
+              <a:buFont typeface="+mj-lt"/>
+              <a:buAutoNum type="arabicPeriod"/>
+            </a:pPr>
+            <a:r>
+              <a:rPr kumimoji="1" lang="zh-CN" altLang="en-US" sz="2400" dirty="0">
+                <a:latin typeface="Microsoft YaHei" panose="020B0503020204020204" pitchFamily="34" charset="-122"/>
+                <a:ea typeface="Microsoft YaHei" panose="020B0503020204020204" pitchFamily="34" charset="-122"/>
+              </a:rPr>
+              <a:t>有抽象方法的一定是抽象类，但抽象类可以没有抽象方法</a:t>
+            </a:r>
+            <a:endParaRPr kumimoji="1" lang="en-US" altLang="zh-CN" sz="2400" dirty="0">
+              <a:latin typeface="Microsoft YaHei" panose="020B0503020204020204" pitchFamily="34" charset="-122"/>
+              <a:ea typeface="Microsoft YaHei" panose="020B0503020204020204" pitchFamily="34" charset="-122"/>
+            </a:endParaRPr>
+          </a:p>
+          <a:p>
+            <a:pPr marL="457200" indent="-457200">
+              <a:buFont typeface="+mj-lt"/>
+              <a:buAutoNum type="arabicPeriod"/>
+            </a:pPr>
+            <a:r>
+              <a:rPr kumimoji="1" lang="zh-CN" altLang="en-US" sz="2400" dirty="0">
+                <a:latin typeface="Microsoft YaHei" panose="020B0503020204020204" pitchFamily="34" charset="-122"/>
+                <a:ea typeface="Microsoft YaHei" panose="020B0503020204020204" pitchFamily="34" charset="-122"/>
+              </a:rPr>
+              <a:t>抽象类不能用</a:t>
+            </a:r>
+            <a:r>
+              <a:rPr kumimoji="1" lang="en-US" altLang="zh-CN" sz="2400" dirty="0">
+                <a:latin typeface="Microsoft YaHei" panose="020B0503020204020204" pitchFamily="34" charset="-122"/>
+                <a:ea typeface="Microsoft YaHei" panose="020B0503020204020204" pitchFamily="34" charset="-122"/>
+              </a:rPr>
+              <a:t>new</a:t>
+            </a:r>
+            <a:r>
+              <a:rPr kumimoji="1" lang="zh-CN" altLang="en-US" sz="2400" dirty="0">
+                <a:latin typeface="Microsoft YaHei" panose="020B0503020204020204" pitchFamily="34" charset="-122"/>
+                <a:ea typeface="Microsoft YaHei" panose="020B0503020204020204" pitchFamily="34" charset="-122"/>
+              </a:rPr>
+              <a:t>来创建对象，其构造函数可以用于子类调用</a:t>
+            </a:r>
+            <a:r>
+              <a:rPr kumimoji="1" lang="en-US" altLang="zh-CN" sz="2400" dirty="0">
+                <a:latin typeface="Microsoft YaHei" panose="020B0503020204020204" pitchFamily="34" charset="-122"/>
+                <a:ea typeface="Microsoft YaHei" panose="020B0503020204020204" pitchFamily="34" charset="-122"/>
+              </a:rPr>
+              <a:t>super</a:t>
+            </a:r>
+            <a:r>
+              <a:rPr kumimoji="1" lang="zh-CN" altLang="en-US" sz="2400" dirty="0">
+                <a:latin typeface="Microsoft YaHei" panose="020B0503020204020204" pitchFamily="34" charset="-122"/>
+                <a:ea typeface="Microsoft YaHei" panose="020B0503020204020204" pitchFamily="34" charset="-122"/>
+              </a:rPr>
+              <a:t>时候用</a:t>
+            </a:r>
+            <a:endParaRPr kumimoji="1" lang="en-US" altLang="zh-CN" sz="2400" dirty="0">
+              <a:latin typeface="Microsoft YaHei" panose="020B0503020204020204" pitchFamily="34" charset="-122"/>
+              <a:ea typeface="Microsoft YaHei" panose="020B0503020204020204" pitchFamily="34" charset="-122"/>
+            </a:endParaRPr>
+          </a:p>
+          <a:p>
+            <a:pPr marL="457200" indent="-457200">
+              <a:buFont typeface="+mj-lt"/>
+              <a:buAutoNum type="arabicPeriod"/>
+            </a:pPr>
+            <a:r>
+              <a:rPr kumimoji="1" lang="zh-CN" altLang="en-US" sz="2400" dirty="0">
+                <a:latin typeface="Microsoft YaHei" panose="020B0503020204020204" pitchFamily="34" charset="-122"/>
+                <a:ea typeface="Microsoft YaHei" panose="020B0503020204020204" pitchFamily="34" charset="-122"/>
+              </a:rPr>
+              <a:t>父类是普通类，子类也可以是抽象类，只要它声明了</a:t>
+            </a:r>
+            <a:r>
+              <a:rPr kumimoji="1" lang="en-US" altLang="zh-CN" sz="2400" dirty="0">
+                <a:latin typeface="Microsoft YaHei" panose="020B0503020204020204" pitchFamily="34" charset="-122"/>
+                <a:ea typeface="Microsoft YaHei" panose="020B0503020204020204" pitchFamily="34" charset="-122"/>
+              </a:rPr>
+              <a:t>abstract</a:t>
+            </a:r>
+            <a:r>
+              <a:rPr kumimoji="1" lang="zh-CN" altLang="en-US" sz="2400" dirty="0">
+                <a:latin typeface="Microsoft YaHei" panose="020B0503020204020204" pitchFamily="34" charset="-122"/>
+                <a:ea typeface="Microsoft YaHei" panose="020B0503020204020204" pitchFamily="34" charset="-122"/>
+              </a:rPr>
+              <a:t>方法，所以是不是抽象</a:t>
+            </a:r>
+            <a:endParaRPr kumimoji="1" lang="en-US" altLang="zh-CN" sz="2400" dirty="0">
+              <a:latin typeface="Microsoft YaHei" panose="020B0503020204020204" pitchFamily="34" charset="-122"/>
+              <a:ea typeface="Microsoft YaHei" panose="020B0503020204020204" pitchFamily="34" charset="-122"/>
+            </a:endParaRPr>
+          </a:p>
+        </p:txBody>
+      </p:sp>
+    </p:spTree>
+    <p:extLst>
+      <p:ext uri="{BB962C8B-B14F-4D97-AF65-F5344CB8AC3E}">
+        <p14:creationId xmlns:p14="http://schemas.microsoft.com/office/powerpoint/2010/main" val="2305744253"/>
+      </p:ext>
+    </p:extLst>
+  </p:cSld>
+  <p:clrMapOvr>
+    <a:masterClrMapping/>
+  </p:clrMapOvr>
+</p:sld>
+</file>
+
+<file path=ppt/slides/slide21.xml><?xml version="1.0" encoding="utf-8"?>
+<p:sld xmlns:a="http://schemas.openxmlformats.org/drawingml/2006/main" xmlns:r="http://schemas.openxmlformats.org/officeDocument/2006/relationships" xmlns:p="http://schemas.openxmlformats.org/presentationml/2006/main">
+  <p:cSld>
+    <p:bg>
+      <p:bgPr>
+        <a:blipFill>
+          <a:blip r:embed="rId3"/>
+          <a:tile tx="0" ty="0" sx="100000" sy="100000" flip="none" algn="tl"/>
+        </a:blipFill>
+        <a:effectLst/>
+      </p:bgPr>
+    </p:bg>
+    <p:spTree>
+      <p:nvGrpSpPr>
+        <p:cNvPr id="1" name=""/>
+        <p:cNvGrpSpPr/>
+        <p:nvPr/>
+      </p:nvGrpSpPr>
+      <p:grpSpPr>
+        <a:xfrm>
+          <a:off x="0" y="0"/>
+          <a:ext cx="0" cy="0"/>
+          <a:chOff x="0" y="0"/>
+          <a:chExt cx="0" cy="0"/>
+        </a:xfrm>
+      </p:grpSpPr>
+      <p:sp>
+        <p:nvSpPr>
+          <p:cNvPr id="2" name="文本框 1">
+            <a:extLst>
+              <a:ext uri="{FF2B5EF4-FFF2-40B4-BE49-F238E27FC236}">
+                <a16:creationId xmlns:a16="http://schemas.microsoft.com/office/drawing/2014/main" id="{12AA8BCC-7B15-4842-80C2-48C079429338}"/>
+              </a:ext>
+            </a:extLst>
+          </p:cNvPr>
+          <p:cNvSpPr txBox="1"/>
+          <p:nvPr/>
+        </p:nvSpPr>
+        <p:spPr>
+          <a:xfrm>
+            <a:off x="1660464" y="775865"/>
+            <a:ext cx="9550080" cy="830997"/>
+          </a:xfrm>
+          <a:prstGeom prst="rect">
+            <a:avLst/>
+          </a:prstGeom>
+          <a:noFill/>
+        </p:spPr>
+        <p:txBody>
+          <a:bodyPr wrap="square" rtlCol="0">
+            <a:spAutoFit/>
+          </a:bodyPr>
+          <a:lstStyle/>
+          <a:p>
+            <a:pPr algn="ctr"/>
+            <a:r>
+              <a:rPr kumimoji="1" lang="zh-CN" altLang="en-US" sz="4800" dirty="0">
+                <a:ea typeface="Microsoft YaHei" panose="020B0503020204020204" pitchFamily="34" charset="-122"/>
+              </a:rPr>
+              <a:t>继续唠叨 </a:t>
+            </a:r>
+            <a:endParaRPr kumimoji="1" lang="en-US" altLang="zh-CN" sz="4800" dirty="0">
+              <a:ea typeface="Microsoft YaHei" panose="020B0503020204020204" pitchFamily="34" charset="-122"/>
+            </a:endParaRPr>
+          </a:p>
+        </p:txBody>
+      </p:sp>
+      <p:sp>
+        <p:nvSpPr>
+          <p:cNvPr id="13" name="文本框 12">
+            <a:extLst>
+              <a:ext uri="{FF2B5EF4-FFF2-40B4-BE49-F238E27FC236}">
+                <a16:creationId xmlns:a16="http://schemas.microsoft.com/office/drawing/2014/main" id="{8E054F89-5FA8-2F47-8710-58E04A67980C}"/>
+              </a:ext>
+            </a:extLst>
+          </p:cNvPr>
+          <p:cNvSpPr txBox="1"/>
+          <p:nvPr/>
+        </p:nvSpPr>
+        <p:spPr>
+          <a:xfrm>
+            <a:off x="1806768" y="2598003"/>
+            <a:ext cx="8924544" cy="2252027"/>
+          </a:xfrm>
+          <a:prstGeom prst="rect">
+            <a:avLst/>
+          </a:prstGeom>
+          <a:noFill/>
+        </p:spPr>
+        <p:txBody>
+          <a:bodyPr wrap="square" rtlCol="0">
+            <a:spAutoFit/>
+          </a:bodyPr>
+          <a:lstStyle/>
+          <a:p>
+            <a:pPr marL="342900" indent="-342900">
+              <a:lnSpc>
+                <a:spcPct val="150000"/>
+              </a:lnSpc>
+              <a:buFont typeface="Arial" panose="020B0604020202020204" pitchFamily="34" charset="0"/>
+              <a:buChar char="•"/>
+            </a:pPr>
+            <a:r>
+              <a:rPr kumimoji="1" lang="zh-CN" altLang="en-US" sz="2400" dirty="0"/>
+              <a:t>面向对象中学到 的封装，继承，多态，更多的是在设计类，设计多个类之间关系的时候考虑的。</a:t>
+            </a:r>
+            <a:endParaRPr kumimoji="1" lang="en-US" altLang="zh-CN" sz="2400" dirty="0"/>
+          </a:p>
+          <a:p>
+            <a:pPr marL="342900" indent="-342900">
+              <a:lnSpc>
+                <a:spcPct val="150000"/>
+              </a:lnSpc>
+              <a:buFont typeface="Arial" panose="020B0604020202020204" pitchFamily="34" charset="0"/>
+              <a:buChar char="•"/>
+            </a:pPr>
+            <a:r>
+              <a:rPr kumimoji="1" lang="zh-CN" altLang="en-US" sz="2400" dirty="0"/>
+              <a:t>所以，要根据实际需求决定是否采用面向对象提供的这些设计元素，它们都是积木，请按需取用。</a:t>
+            </a:r>
+          </a:p>
+        </p:txBody>
+      </p:sp>
+      <p:sp>
+        <p:nvSpPr>
+          <p:cNvPr id="4" name="文本框 3">
+            <a:extLst>
+              <a:ext uri="{FF2B5EF4-FFF2-40B4-BE49-F238E27FC236}">
+                <a16:creationId xmlns:a16="http://schemas.microsoft.com/office/drawing/2014/main" id="{8F44DB5D-2A6B-C94F-B017-30A25551570B}"/>
+              </a:ext>
+            </a:extLst>
+          </p:cNvPr>
+          <p:cNvSpPr txBox="1"/>
+          <p:nvPr/>
+        </p:nvSpPr>
+        <p:spPr>
+          <a:xfrm>
+            <a:off x="8503920" y="5102508"/>
+            <a:ext cx="3163824" cy="1477328"/>
+          </a:xfrm>
+          <a:prstGeom prst="rect">
+            <a:avLst/>
+          </a:prstGeom>
+          <a:solidFill>
+            <a:schemeClr val="accent2"/>
+          </a:solidFill>
+        </p:spPr>
+        <p:txBody>
+          <a:bodyPr wrap="square" rtlCol="0">
+            <a:spAutoFit/>
+          </a:bodyPr>
+          <a:lstStyle/>
+          <a:p>
+            <a:r>
+              <a:rPr kumimoji="1" lang="zh-CN" altLang="en-US" dirty="0">
+                <a:solidFill>
+                  <a:schemeClr val="bg1"/>
+                </a:solidFill>
+              </a:rPr>
+              <a:t>有些概念你们现在感受不出，但等你们实习了，或者工作了，就知道了。 学了以后会有用的，每个你理解的知识点都是</a:t>
+            </a:r>
+            <a:r>
+              <a:rPr kumimoji="1" lang="en-US" altLang="zh-CN" dirty="0">
+                <a:solidFill>
+                  <a:schemeClr val="bg1"/>
+                </a:solidFill>
+              </a:rPr>
+              <a:t>dot</a:t>
+            </a:r>
+            <a:r>
+              <a:rPr kumimoji="1" lang="zh-CN" altLang="en-US" dirty="0">
+                <a:solidFill>
+                  <a:schemeClr val="bg1"/>
+                </a:solidFill>
+              </a:rPr>
+              <a:t>。</a:t>
+            </a:r>
+          </a:p>
+        </p:txBody>
+      </p:sp>
+      <p:sp>
+        <p:nvSpPr>
+          <p:cNvPr id="5" name="文本框 4">
+            <a:extLst>
+              <a:ext uri="{FF2B5EF4-FFF2-40B4-BE49-F238E27FC236}">
+                <a16:creationId xmlns:a16="http://schemas.microsoft.com/office/drawing/2014/main" id="{F062BD7E-340F-264D-AEB3-46E22295B418}"/>
+              </a:ext>
+            </a:extLst>
+          </p:cNvPr>
+          <p:cNvSpPr txBox="1"/>
+          <p:nvPr/>
+        </p:nvSpPr>
+        <p:spPr>
+          <a:xfrm>
+            <a:off x="1806768" y="5102507"/>
+            <a:ext cx="6400800" cy="1477328"/>
+          </a:xfrm>
+          <a:prstGeom prst="rect">
+            <a:avLst/>
+          </a:prstGeom>
+          <a:solidFill>
+            <a:schemeClr val="accent2"/>
+          </a:solidFill>
+        </p:spPr>
+        <p:txBody>
+          <a:bodyPr wrap="square" rtlCol="0">
+            <a:spAutoFit/>
+          </a:bodyPr>
+          <a:lstStyle/>
+          <a:p>
+            <a:r>
+              <a:rPr lang="en-US" altLang="zh-CN" dirty="0">
+                <a:solidFill>
+                  <a:schemeClr val="bg1"/>
+                </a:solidFill>
+              </a:rPr>
+              <a:t>You can’t</a:t>
+            </a:r>
+            <a:r>
+              <a:rPr lang="zh-CN" altLang="en-US" dirty="0">
+                <a:solidFill>
+                  <a:schemeClr val="bg1"/>
+                </a:solidFill>
+              </a:rPr>
+              <a:t> </a:t>
+            </a:r>
+            <a:r>
+              <a:rPr lang="en-US" altLang="zh-CN" dirty="0">
+                <a:solidFill>
+                  <a:schemeClr val="bg1"/>
+                </a:solidFill>
+              </a:rPr>
+              <a:t> connect the dots looking forward; you can only connect them looking backward.</a:t>
+            </a:r>
+            <a:br>
+              <a:rPr lang="en-US" altLang="zh-CN" dirty="0">
+                <a:solidFill>
+                  <a:schemeClr val="bg1"/>
+                </a:solidFill>
+              </a:rPr>
+            </a:br>
+            <a:r>
+              <a:rPr lang="en-US" altLang="zh-CN" dirty="0">
+                <a:solidFill>
+                  <a:schemeClr val="bg1"/>
+                </a:solidFill>
+              </a:rPr>
+              <a:t>So you have to trust that the dots will somehow connect in your future</a:t>
+            </a:r>
+          </a:p>
+          <a:p>
+            <a:r>
+              <a:rPr kumimoji="1" lang="zh-CN" altLang="en-US" dirty="0">
+                <a:solidFill>
+                  <a:schemeClr val="bg1"/>
+                </a:solidFill>
+              </a:rPr>
+              <a:t>                                 乔布斯 </a:t>
+            </a:r>
+            <a:r>
+              <a:rPr kumimoji="1" lang="en-US" altLang="zh-CN" dirty="0">
+                <a:solidFill>
+                  <a:schemeClr val="bg1"/>
+                </a:solidFill>
+              </a:rPr>
+              <a:t>2015</a:t>
+            </a:r>
+            <a:r>
+              <a:rPr kumimoji="1" lang="zh-CN" altLang="en-US" dirty="0">
+                <a:solidFill>
+                  <a:schemeClr val="bg1"/>
+                </a:solidFill>
+              </a:rPr>
+              <a:t> 斯坦福大学毕业演讲</a:t>
+            </a:r>
+          </a:p>
+        </p:txBody>
+      </p:sp>
+    </p:spTree>
+    <p:extLst>
+      <p:ext uri="{BB962C8B-B14F-4D97-AF65-F5344CB8AC3E}">
+        <p14:creationId xmlns:p14="http://schemas.microsoft.com/office/powerpoint/2010/main" val="2157639987"/>
+      </p:ext>
+    </p:extLst>
+  </p:cSld>
+  <p:clrMapOvr>
+    <a:masterClrMapping/>
+  </p:clrMapOvr>
+</p:sld>
+</file>
+
+<file path=ppt/slides/slide22.xml><?xml version="1.0" encoding="utf-8"?>
+<p:sld xmlns:a="http://schemas.openxmlformats.org/drawingml/2006/main" xmlns:r="http://schemas.openxmlformats.org/officeDocument/2006/relationships" xmlns:p="http://schemas.openxmlformats.org/presentationml/2006/main">
+  <p:cSld>
+    <p:bg>
+      <p:bgPr>
+        <a:blipFill>
+          <a:blip r:embed="rId3"/>
+          <a:tile tx="0" ty="0" sx="100000" sy="100000" flip="none" algn="tl"/>
+        </a:blipFill>
+        <a:effectLst/>
+      </p:bgPr>
+    </p:bg>
+    <p:spTree>
+      <p:nvGrpSpPr>
+        <p:cNvPr id="1" name=""/>
+        <p:cNvGrpSpPr/>
+        <p:nvPr/>
+      </p:nvGrpSpPr>
+      <p:grpSpPr>
+        <a:xfrm>
+          <a:off x="0" y="0"/>
+          <a:ext cx="0" cy="0"/>
+          <a:chOff x="0" y="0"/>
+          <a:chExt cx="0" cy="0"/>
+        </a:xfrm>
+      </p:grpSpPr>
+      <p:sp>
+        <p:nvSpPr>
+          <p:cNvPr id="2" name="文本框 1">
+            <a:extLst>
+              <a:ext uri="{FF2B5EF4-FFF2-40B4-BE49-F238E27FC236}">
+                <a16:creationId xmlns:a16="http://schemas.microsoft.com/office/drawing/2014/main" id="{12AA8BCC-7B15-4842-80C2-48C079429338}"/>
+              </a:ext>
+            </a:extLst>
+          </p:cNvPr>
+          <p:cNvSpPr txBox="1"/>
+          <p:nvPr/>
+        </p:nvSpPr>
+        <p:spPr>
+          <a:xfrm>
             <a:off x="1660464" y="775865"/>
             <a:ext cx="9550080" cy="830997"/>
           </a:xfrm>
@@ -7899,7 +12390,7 @@
 </p:sld>
 </file>
 
-<file path=ppt/slides/slide13.xml><?xml version="1.0" encoding="utf-8"?>
+<file path=ppt/slides/slide23.xml><?xml version="1.0" encoding="utf-8"?>
 <p:sld xmlns:a="http://schemas.openxmlformats.org/drawingml/2006/main" xmlns:r="http://schemas.openxmlformats.org/officeDocument/2006/relationships" xmlns:p="http://schemas.openxmlformats.org/presentationml/2006/main">
   <p:cSld>
     <p:bg>
@@ -8020,7 +12511,7 @@
 </p:sld>
 </file>
 
-<file path=ppt/slides/slide14.xml><?xml version="1.0" encoding="utf-8"?>
+<file path=ppt/slides/slide24.xml><?xml version="1.0" encoding="utf-8"?>
 <p:sld xmlns:a="http://schemas.openxmlformats.org/drawingml/2006/main" xmlns:r="http://schemas.openxmlformats.org/officeDocument/2006/relationships" xmlns:p="http://schemas.openxmlformats.org/presentationml/2006/main">
   <p:cSld>
     <p:bg>
@@ -8136,7 +12627,7 @@
 </p:sld>
 </file>
 
-<file path=ppt/slides/slide15.xml><?xml version="1.0" encoding="utf-8"?>
+<file path=ppt/slides/slide25.xml><?xml version="1.0" encoding="utf-8"?>
 <p:sld xmlns:a="http://schemas.openxmlformats.org/drawingml/2006/main" xmlns:r="http://schemas.openxmlformats.org/officeDocument/2006/relationships" xmlns:p="http://schemas.openxmlformats.org/presentationml/2006/main">
   <p:cSld>
     <p:bg>
@@ -8547,7 +13038,7 @@
 </p:sld>
 </file>
 
-<file path=ppt/slides/slide16.xml><?xml version="1.0" encoding="utf-8"?>
+<file path=ppt/slides/slide26.xml><?xml version="1.0" encoding="utf-8"?>
 <p:sld xmlns:a="http://schemas.openxmlformats.org/drawingml/2006/main" xmlns:r="http://schemas.openxmlformats.org/officeDocument/2006/relationships" xmlns:p="http://schemas.openxmlformats.org/presentationml/2006/main">
   <p:cSld>
     <p:bg>
@@ -9118,7 +13609,7 @@
 </p:sld>
 </file>
 
-<file path=ppt/slides/slide17.xml><?xml version="1.0" encoding="utf-8"?>
+<file path=ppt/slides/slide27.xml><?xml version="1.0" encoding="utf-8"?>
 <p:sld xmlns:a="http://schemas.openxmlformats.org/drawingml/2006/main" xmlns:r="http://schemas.openxmlformats.org/officeDocument/2006/relationships" xmlns:p="http://schemas.openxmlformats.org/presentationml/2006/main">
   <p:cSld>
     <p:bg>
@@ -10386,7 +14877,7 @@
 </p:sld>
 </file>
 
-<file path=ppt/slides/slide18.xml><?xml version="1.0" encoding="utf-8"?>
+<file path=ppt/slides/slide28.xml><?xml version="1.0" encoding="utf-8"?>
 <p:sld xmlns:a="http://schemas.openxmlformats.org/drawingml/2006/main" xmlns:r="http://schemas.openxmlformats.org/officeDocument/2006/relationships" xmlns:p="http://schemas.openxmlformats.org/presentationml/2006/main">
   <p:cSld>
     <p:bg>
@@ -10644,7 +15135,7 @@
 </p:sld>
 </file>
 
-<file path=ppt/slides/slide19.xml><?xml version="1.0" encoding="utf-8"?>
+<file path=ppt/slides/slide29.xml><?xml version="1.0" encoding="utf-8"?>
 <p:sld xmlns:a="http://schemas.openxmlformats.org/drawingml/2006/main" xmlns:r="http://schemas.openxmlformats.org/officeDocument/2006/relationships" xmlns:p="http://schemas.openxmlformats.org/presentationml/2006/main">
   <p:cSld>
     <p:bg>
@@ -10970,7 +15461,7 @@
 </p:sld>
 </file>
 
-<file path=ppt/slides/slide2.xml><?xml version="1.0" encoding="utf-8"?>
+<file path=ppt/slides/slide3.xml><?xml version="1.0" encoding="utf-8"?>
 <p:sld xmlns:a="http://schemas.openxmlformats.org/drawingml/2006/main" xmlns:r="http://schemas.openxmlformats.org/officeDocument/2006/relationships" xmlns:p="http://schemas.openxmlformats.org/presentationml/2006/main">
   <p:cSld>
     <p:bg>
@@ -11010,7 +15501,7 @@
         </p:nvSpPr>
         <p:spPr>
           <a:xfrm>
-            <a:off x="2520000" y="421690"/>
+            <a:off x="2520000" y="720000"/>
             <a:ext cx="7735824" cy="830997"/>
           </a:xfrm>
           <a:prstGeom prst="rect">
@@ -11030,17 +15521,20 @@
                 <a:latin typeface="Microsoft YaHei" panose="020B0503020204020204" pitchFamily="34" charset="-122"/>
                 <a:ea typeface="Microsoft YaHei" panose="020B0503020204020204" pitchFamily="34" charset="-122"/>
               </a:rPr>
-              <a:t>这节课讲啥？</a:t>
-            </a:r>
-          </a:p>
-        </p:txBody>
-      </p:sp>
-      <p:sp>
-        <p:nvSpPr>
-          <p:cNvPr id="8" name="文本框 7">
+              <a:t>什么是异常</a:t>
+            </a:r>
+            <a:endParaRPr kumimoji="1" lang="en-US" altLang="zh-CN" sz="4800" dirty="0">
+              <a:ea typeface="Microsoft YaHei" panose="020B0503020204020204" pitchFamily="34" charset="-122"/>
+            </a:endParaRPr>
+          </a:p>
+        </p:txBody>
+      </p:sp>
+      <p:sp>
+        <p:nvSpPr>
+          <p:cNvPr id="3" name="文本框 2">
             <a:extLst>
               <a:ext uri="{FF2B5EF4-FFF2-40B4-BE49-F238E27FC236}">
-                <a16:creationId xmlns:a16="http://schemas.microsoft.com/office/drawing/2014/main" id="{B294230C-E86E-7247-BAC6-5F43DED3D0AF}"/>
+                <a16:creationId xmlns:a16="http://schemas.microsoft.com/office/drawing/2014/main" id="{65743253-DED0-A84F-A210-3DF1330BBA4A}"/>
               </a:ext>
             </a:extLst>
           </p:cNvPr>
@@ -11049,8 +15543,8 @@
         </p:nvSpPr>
         <p:spPr>
           <a:xfrm>
-            <a:off x="3160080" y="837188"/>
-            <a:ext cx="7443216" cy="6356586"/>
+            <a:off x="1605280" y="3169920"/>
+            <a:ext cx="9509760" cy="1938992"/>
           </a:xfrm>
           <a:prstGeom prst="rect">
             <a:avLst/>
@@ -11058,366 +15552,152 @@
           <a:noFill/>
         </p:spPr>
         <p:txBody>
-          <a:bodyPr wrap="square" tIns="360000" bIns="360000" rtlCol="0">
+          <a:bodyPr wrap="square" rtlCol="0">
             <a:spAutoFit/>
           </a:bodyPr>
           <a:lstStyle/>
           <a:p>
-            <a:endParaRPr kumimoji="1" lang="en-US" altLang="zh-CN" dirty="0">
+            <a:r>
+              <a:rPr kumimoji="1" lang="zh-CN" altLang="en-US" sz="2400" dirty="0">
+                <a:latin typeface="Microsoft YaHei" panose="020B0503020204020204" pitchFamily="34" charset="-122"/>
+                <a:ea typeface="Microsoft YaHei" panose="020B0503020204020204" pitchFamily="34" charset="-122"/>
+              </a:rPr>
+              <a:t>异常指的是在程序运行过程中发生的异常事件，通常是</a:t>
+            </a:r>
+            <a:endParaRPr kumimoji="1" lang="en-US" altLang="zh-CN" sz="2400" dirty="0">
               <a:latin typeface="Microsoft YaHei" panose="020B0503020204020204" pitchFamily="34" charset="-122"/>
               <a:ea typeface="Microsoft YaHei" panose="020B0503020204020204" pitchFamily="34" charset="-122"/>
             </a:endParaRPr>
           </a:p>
           <a:p>
-            <a:pPr marL="571500" indent="-571500">
-              <a:lnSpc>
-                <a:spcPct val="150000"/>
-              </a:lnSpc>
-              <a:buFont typeface="Wingdings" pitchFamily="2" charset="2"/>
-              <a:buChar char="Ø"/>
+            <a:pPr marL="342900" indent="-342900">
+              <a:buFont typeface="Arial" panose="020B0604020202020204" pitchFamily="34" charset="0"/>
+              <a:buChar char="•"/>
             </a:pPr>
             <a:r>
-              <a:rPr kumimoji="1" lang="zh-CN" altLang="en-US" dirty="0">
-                <a:latin typeface="Microsoft YaHei" panose="020B0503020204020204" pitchFamily="34" charset="-122"/>
-                <a:ea typeface="Microsoft YaHei" panose="020B0503020204020204" pitchFamily="34" charset="-122"/>
-              </a:rPr>
-              <a:t>面向对象</a:t>
-            </a:r>
-            <a:r>
-              <a:rPr kumimoji="1" lang="en-US" altLang="zh-CN" dirty="0">
-                <a:latin typeface="Microsoft YaHei" panose="020B0503020204020204" pitchFamily="34" charset="-122"/>
-                <a:ea typeface="Microsoft YaHei" panose="020B0503020204020204" pitchFamily="34" charset="-122"/>
-              </a:rPr>
-              <a:t>---</a:t>
-            </a:r>
-            <a:r>
-              <a:rPr kumimoji="1" lang="zh-CN" altLang="en-US" dirty="0">
-                <a:latin typeface="Microsoft YaHei" panose="020B0503020204020204" pitchFamily="34" charset="-122"/>
-                <a:ea typeface="Microsoft YaHei" panose="020B0503020204020204" pitchFamily="34" charset="-122"/>
-              </a:rPr>
-              <a:t>抽象类</a:t>
-            </a:r>
-            <a:endParaRPr kumimoji="1" lang="en-US" altLang="zh-CN" dirty="0">
+              <a:rPr kumimoji="1" lang="zh-CN" altLang="en-US" sz="2400" dirty="0">
+                <a:latin typeface="Microsoft YaHei" panose="020B0503020204020204" pitchFamily="34" charset="-122"/>
+                <a:ea typeface="Microsoft YaHei" panose="020B0503020204020204" pitchFamily="34" charset="-122"/>
+              </a:rPr>
+              <a:t>外部问题（如硬件错误、输入错误）；</a:t>
+            </a:r>
+            <a:endParaRPr kumimoji="1" lang="en-US" altLang="zh-CN" sz="2400" dirty="0">
               <a:latin typeface="Microsoft YaHei" panose="020B0503020204020204" pitchFamily="34" charset="-122"/>
               <a:ea typeface="Microsoft YaHei" panose="020B0503020204020204" pitchFamily="34" charset="-122"/>
             </a:endParaRPr>
           </a:p>
           <a:p>
-            <a:pPr marL="1028700" lvl="1" indent="-571500">
-              <a:lnSpc>
-                <a:spcPct val="150000"/>
-              </a:lnSpc>
-              <a:buFont typeface="Wingdings" pitchFamily="2" charset="2"/>
-              <a:buChar char="Ø"/>
+            <a:pPr marL="342900" indent="-342900">
+              <a:buFont typeface="Arial" panose="020B0604020202020204" pitchFamily="34" charset="0"/>
+              <a:buChar char="•"/>
             </a:pPr>
             <a:r>
-              <a:rPr kumimoji="1" lang="zh-CN" altLang="en-US" dirty="0">
-                <a:latin typeface="Microsoft YaHei" panose="020B0503020204020204" pitchFamily="34" charset="-122"/>
-                <a:ea typeface="Microsoft YaHei" panose="020B0503020204020204" pitchFamily="34" charset="-122"/>
-              </a:rPr>
-              <a:t>抽象类和抽象方法及其注意点</a:t>
-            </a:r>
-            <a:endParaRPr kumimoji="1" lang="en-US" altLang="zh-CN" dirty="0">
+              <a:rPr kumimoji="1" lang="zh-CN" altLang="en-US" sz="2400" dirty="0">
+                <a:latin typeface="Microsoft YaHei" panose="020B0503020204020204" pitchFamily="34" charset="-122"/>
+                <a:ea typeface="Microsoft YaHei" panose="020B0503020204020204" pitchFamily="34" charset="-122"/>
+              </a:rPr>
+              <a:t>内部问题</a:t>
+            </a:r>
+            <a:r>
+              <a:rPr kumimoji="1" lang="en-US" altLang="zh-CN" sz="2400" dirty="0">
+                <a:latin typeface="Microsoft YaHei" panose="020B0503020204020204" pitchFamily="34" charset="-122"/>
+                <a:ea typeface="Microsoft YaHei" panose="020B0503020204020204" pitchFamily="34" charset="-122"/>
+              </a:rPr>
+              <a:t>(</a:t>
+            </a:r>
+            <a:r>
+              <a:rPr kumimoji="1" lang="zh-CN" altLang="en-US" sz="2400" dirty="0">
+                <a:latin typeface="Microsoft YaHei" panose="020B0503020204020204" pitchFamily="34" charset="-122"/>
+                <a:ea typeface="Microsoft YaHei" panose="020B0503020204020204" pitchFamily="34" charset="-122"/>
+              </a:rPr>
+              <a:t>如空对象的使用，除以</a:t>
+            </a:r>
+            <a:r>
+              <a:rPr kumimoji="1" lang="en-US" altLang="zh-CN" sz="2400" dirty="0">
+                <a:latin typeface="Microsoft YaHei" panose="020B0503020204020204" pitchFamily="34" charset="-122"/>
+                <a:ea typeface="Microsoft YaHei" panose="020B0503020204020204" pitchFamily="34" charset="-122"/>
+              </a:rPr>
+              <a:t>0</a:t>
+            </a:r>
+            <a:r>
+              <a:rPr kumimoji="1" lang="zh-CN" altLang="en-US" sz="2400" dirty="0">
+                <a:latin typeface="Microsoft YaHei" panose="020B0503020204020204" pitchFamily="34" charset="-122"/>
+                <a:ea typeface="Microsoft YaHei" panose="020B0503020204020204" pitchFamily="34" charset="-122"/>
+              </a:rPr>
+              <a:t>等</a:t>
+            </a:r>
+            <a:r>
+              <a:rPr kumimoji="1" lang="en-US" altLang="zh-CN" sz="2400" dirty="0">
+                <a:latin typeface="Microsoft YaHei" panose="020B0503020204020204" pitchFamily="34" charset="-122"/>
+                <a:ea typeface="Microsoft YaHei" panose="020B0503020204020204" pitchFamily="34" charset="-122"/>
+              </a:rPr>
+              <a:t>)</a:t>
+            </a:r>
+            <a:r>
+              <a:rPr kumimoji="1" lang="zh-CN" altLang="en-US" sz="2400" dirty="0">
+                <a:latin typeface="Microsoft YaHei" panose="020B0503020204020204" pitchFamily="34" charset="-122"/>
+                <a:ea typeface="Microsoft YaHei" panose="020B0503020204020204" pitchFamily="34" charset="-122"/>
+              </a:rPr>
+              <a:t>；</a:t>
+            </a:r>
+            <a:endParaRPr kumimoji="1" lang="en-US" altLang="zh-CN" sz="2400" dirty="0">
               <a:latin typeface="Microsoft YaHei" panose="020B0503020204020204" pitchFamily="34" charset="-122"/>
               <a:ea typeface="Microsoft YaHei" panose="020B0503020204020204" pitchFamily="34" charset="-122"/>
             </a:endParaRPr>
           </a:p>
           <a:p>
-            <a:pPr marL="1028700" lvl="1" indent="-571500">
-              <a:lnSpc>
-                <a:spcPct val="150000"/>
-              </a:lnSpc>
-              <a:buFont typeface="Wingdings" pitchFamily="2" charset="2"/>
-              <a:buChar char="Ø"/>
+            <a:pPr marL="342900" indent="-342900">
+              <a:buFont typeface="Arial" panose="020B0604020202020204" pitchFamily="34" charset="0"/>
+              <a:buChar char="•"/>
             </a:pPr>
-            <a:r>
-              <a:rPr kumimoji="1" lang="zh-CN" altLang="en-US" dirty="0">
-                <a:latin typeface="Microsoft YaHei" panose="020B0503020204020204" pitchFamily="34" charset="-122"/>
-                <a:ea typeface="Microsoft YaHei" panose="020B0503020204020204" pitchFamily="34" charset="-122"/>
-              </a:rPr>
-              <a:t>扩展思考</a:t>
-            </a:r>
-            <a:endParaRPr kumimoji="1" lang="en-US" altLang="zh-CN" dirty="0">
+            <a:endParaRPr kumimoji="1" lang="en-US" altLang="zh-CN" sz="2400" dirty="0">
               <a:latin typeface="Microsoft YaHei" panose="020B0503020204020204" pitchFamily="34" charset="-122"/>
               <a:ea typeface="Microsoft YaHei" panose="020B0503020204020204" pitchFamily="34" charset="-122"/>
             </a:endParaRPr>
           </a:p>
           <a:p>
-            <a:pPr marL="1485900" lvl="2" indent="-571500">
-              <a:lnSpc>
-                <a:spcPct val="150000"/>
-              </a:lnSpc>
-              <a:buFont typeface="Wingdings" pitchFamily="2" charset="2"/>
-              <a:buChar char="Ø"/>
-            </a:pPr>
-            <a:r>
-              <a:rPr kumimoji="1" lang="zh-CN" altLang="en-US" dirty="0">
-                <a:latin typeface="Microsoft YaHei" panose="020B0503020204020204" pitchFamily="34" charset="-122"/>
-                <a:ea typeface="Microsoft YaHei" panose="020B0503020204020204" pitchFamily="34" charset="-122"/>
-              </a:rPr>
-              <a:t>为什要用抽象类</a:t>
-            </a:r>
-            <a:endParaRPr kumimoji="1" lang="en-US" altLang="zh-CN" dirty="0">
-              <a:latin typeface="Microsoft YaHei" panose="020B0503020204020204" pitchFamily="34" charset="-122"/>
-              <a:ea typeface="Microsoft YaHei" panose="020B0503020204020204" pitchFamily="34" charset="-122"/>
-            </a:endParaRPr>
-          </a:p>
-          <a:p>
-            <a:pPr marL="1485900" lvl="2" indent="-571500">
-              <a:lnSpc>
-                <a:spcPct val="150000"/>
-              </a:lnSpc>
-              <a:buFont typeface="Wingdings" pitchFamily="2" charset="2"/>
-              <a:buChar char="Ø"/>
-            </a:pPr>
-            <a:r>
-              <a:rPr kumimoji="1" lang="zh-CN" altLang="en-US" dirty="0">
-                <a:latin typeface="Microsoft YaHei" panose="020B0503020204020204" pitchFamily="34" charset="-122"/>
-                <a:ea typeface="Microsoft YaHei" panose="020B0503020204020204" pitchFamily="34" charset="-122"/>
-              </a:rPr>
-              <a:t>抽象类的构造函数的作用</a:t>
-            </a:r>
-            <a:endParaRPr kumimoji="1" lang="en-US" altLang="zh-CN" dirty="0">
-              <a:latin typeface="Microsoft YaHei" panose="020B0503020204020204" pitchFamily="34" charset="-122"/>
-              <a:ea typeface="Microsoft YaHei" panose="020B0503020204020204" pitchFamily="34" charset="-122"/>
-            </a:endParaRPr>
-          </a:p>
-          <a:p>
-            <a:pPr marL="1028700" lvl="1" indent="-571500">
-              <a:lnSpc>
-                <a:spcPct val="150000"/>
-              </a:lnSpc>
-              <a:buFont typeface="Wingdings" pitchFamily="2" charset="2"/>
-              <a:buChar char="Ø"/>
-            </a:pPr>
-            <a:r>
-              <a:rPr kumimoji="1" lang="zh-CN" altLang="en-US" dirty="0">
-                <a:latin typeface="Microsoft YaHei" panose="020B0503020204020204" pitchFamily="34" charset="-122"/>
-                <a:ea typeface="Microsoft YaHei" panose="020B0503020204020204" pitchFamily="34" charset="-122"/>
-              </a:rPr>
-              <a:t>抽象类有助理解的一些唠叨</a:t>
-            </a:r>
-            <a:endParaRPr kumimoji="1" lang="en-US" altLang="zh-CN" dirty="0">
-              <a:latin typeface="Microsoft YaHei" panose="020B0503020204020204" pitchFamily="34" charset="-122"/>
-              <a:ea typeface="Microsoft YaHei" panose="020B0503020204020204" pitchFamily="34" charset="-122"/>
-            </a:endParaRPr>
-          </a:p>
-          <a:p>
-            <a:pPr marL="1028700" lvl="1" indent="-571500">
-              <a:lnSpc>
-                <a:spcPct val="150000"/>
-              </a:lnSpc>
-              <a:buFont typeface="Wingdings" pitchFamily="2" charset="2"/>
-              <a:buChar char="Ø"/>
-            </a:pPr>
-            <a:r>
-              <a:rPr kumimoji="1" lang="zh-CN" altLang="en-US" dirty="0">
-                <a:latin typeface="Microsoft YaHei" panose="020B0503020204020204" pitchFamily="34" charset="-122"/>
-                <a:ea typeface="Microsoft YaHei" panose="020B0503020204020204" pitchFamily="34" charset="-122"/>
-              </a:rPr>
-              <a:t>示例</a:t>
-            </a:r>
-            <a:endParaRPr kumimoji="1" lang="en-US" altLang="zh-CN" dirty="0">
-              <a:latin typeface="Microsoft YaHei" panose="020B0503020204020204" pitchFamily="34" charset="-122"/>
-              <a:ea typeface="Microsoft YaHei" panose="020B0503020204020204" pitchFamily="34" charset="-122"/>
-            </a:endParaRPr>
-          </a:p>
-          <a:p>
-            <a:pPr marL="571500" indent="-571500">
-              <a:lnSpc>
-                <a:spcPct val="150000"/>
-              </a:lnSpc>
-              <a:buFont typeface="Wingdings" pitchFamily="2" charset="2"/>
-              <a:buChar char="Ø"/>
-            </a:pPr>
-            <a:r>
-              <a:rPr kumimoji="1" lang="zh-CN" altLang="en-US" dirty="0">
-                <a:latin typeface="Microsoft YaHei" panose="020B0503020204020204" pitchFamily="34" charset="-122"/>
-                <a:ea typeface="Microsoft YaHei" panose="020B0503020204020204" pitchFamily="34" charset="-122"/>
-              </a:rPr>
-              <a:t>面向对象</a:t>
-            </a:r>
-            <a:r>
-              <a:rPr kumimoji="1" lang="en-US" altLang="zh-CN" dirty="0">
-                <a:latin typeface="Microsoft YaHei" panose="020B0503020204020204" pitchFamily="34" charset="-122"/>
-                <a:ea typeface="Microsoft YaHei" panose="020B0503020204020204" pitchFamily="34" charset="-122"/>
-              </a:rPr>
-              <a:t>---</a:t>
-            </a:r>
-            <a:r>
-              <a:rPr kumimoji="1" lang="zh-CN" altLang="en-US" dirty="0">
-                <a:latin typeface="Microsoft YaHei" panose="020B0503020204020204" pitchFamily="34" charset="-122"/>
-                <a:ea typeface="Microsoft YaHei" panose="020B0503020204020204" pitchFamily="34" charset="-122"/>
-              </a:rPr>
-              <a:t>接口</a:t>
-            </a:r>
-            <a:endParaRPr kumimoji="1" lang="en-US" altLang="zh-CN" dirty="0">
-              <a:latin typeface="Microsoft YaHei" panose="020B0503020204020204" pitchFamily="34" charset="-122"/>
-              <a:ea typeface="Microsoft YaHei" panose="020B0503020204020204" pitchFamily="34" charset="-122"/>
-            </a:endParaRPr>
-          </a:p>
-          <a:p>
-            <a:pPr marL="1028700" lvl="1" indent="-571500">
-              <a:lnSpc>
-                <a:spcPct val="150000"/>
-              </a:lnSpc>
-              <a:buFont typeface="Wingdings" pitchFamily="2" charset="2"/>
-              <a:buChar char="Ø"/>
-            </a:pPr>
-            <a:r>
-              <a:rPr kumimoji="1" lang="zh-CN" altLang="en-US" dirty="0">
-                <a:latin typeface="Microsoft YaHei" panose="020B0503020204020204" pitchFamily="34" charset="-122"/>
-                <a:ea typeface="Microsoft YaHei" panose="020B0503020204020204" pitchFamily="34" charset="-122"/>
-              </a:rPr>
-              <a:t>接口的定义和用法</a:t>
-            </a:r>
-            <a:endParaRPr kumimoji="1" lang="en-US" altLang="zh-CN" dirty="0">
-              <a:latin typeface="Microsoft YaHei" panose="020B0503020204020204" pitchFamily="34" charset="-122"/>
-              <a:ea typeface="Microsoft YaHei" panose="020B0503020204020204" pitchFamily="34" charset="-122"/>
-            </a:endParaRPr>
-          </a:p>
-          <a:p>
-            <a:pPr marL="1028700" lvl="1" indent="-571500">
-              <a:lnSpc>
-                <a:spcPct val="150000"/>
-              </a:lnSpc>
-              <a:buFont typeface="Wingdings" pitchFamily="2" charset="2"/>
-              <a:buChar char="Ø"/>
-            </a:pPr>
-            <a:r>
-              <a:rPr kumimoji="1" lang="zh-CN" altLang="en-US" dirty="0">
-                <a:latin typeface="Microsoft YaHei" panose="020B0503020204020204" pitchFamily="34" charset="-122"/>
-                <a:ea typeface="Microsoft YaHei" panose="020B0503020204020204" pitchFamily="34" charset="-122"/>
-              </a:rPr>
-              <a:t>示例</a:t>
-            </a:r>
-            <a:r>
-              <a:rPr kumimoji="1" lang="en-US" altLang="zh-CN" dirty="0">
-                <a:latin typeface="Microsoft YaHei" panose="020B0503020204020204" pitchFamily="34" charset="-122"/>
-                <a:ea typeface="Microsoft YaHei" panose="020B0503020204020204" pitchFamily="34" charset="-122"/>
-              </a:rPr>
-              <a:t>1</a:t>
-            </a:r>
-            <a:r>
-              <a:rPr kumimoji="1" lang="zh-CN" altLang="en-US" dirty="0">
-                <a:latin typeface="Microsoft YaHei" panose="020B0503020204020204" pitchFamily="34" charset="-122"/>
-                <a:ea typeface="Microsoft YaHei" panose="020B0503020204020204" pitchFamily="34" charset="-122"/>
-              </a:rPr>
-              <a:t> </a:t>
-            </a:r>
-            <a:r>
-              <a:rPr kumimoji="1" lang="en-US" altLang="zh-CN" dirty="0">
-                <a:latin typeface="Microsoft YaHei" panose="020B0503020204020204" pitchFamily="34" charset="-122"/>
-                <a:ea typeface="Microsoft YaHei" panose="020B0503020204020204" pitchFamily="34" charset="-122"/>
-              </a:rPr>
-              <a:t>Comparable</a:t>
-            </a:r>
-            <a:r>
-              <a:rPr kumimoji="1" lang="zh-CN" altLang="en-US" dirty="0">
-                <a:latin typeface="Microsoft YaHei" panose="020B0503020204020204" pitchFamily="34" charset="-122"/>
-                <a:ea typeface="Microsoft YaHei" panose="020B0503020204020204" pitchFamily="34" charset="-122"/>
-              </a:rPr>
-              <a:t>接口</a:t>
-            </a:r>
-            <a:endParaRPr kumimoji="1" lang="en-US" altLang="zh-CN" dirty="0">
-              <a:latin typeface="Microsoft YaHei" panose="020B0503020204020204" pitchFamily="34" charset="-122"/>
-              <a:ea typeface="Microsoft YaHei" panose="020B0503020204020204" pitchFamily="34" charset="-122"/>
-            </a:endParaRPr>
-          </a:p>
-          <a:p>
-            <a:pPr marL="1028700" lvl="1" indent="-571500">
-              <a:lnSpc>
-                <a:spcPct val="150000"/>
-              </a:lnSpc>
-              <a:buFont typeface="Wingdings" pitchFamily="2" charset="2"/>
-              <a:buChar char="Ø"/>
-            </a:pPr>
-            <a:r>
-              <a:rPr kumimoji="1" lang="zh-CN" altLang="en-US" dirty="0">
-                <a:latin typeface="Microsoft YaHei" panose="020B0503020204020204" pitchFamily="34" charset="-122"/>
-                <a:ea typeface="Microsoft YaHei" panose="020B0503020204020204" pitchFamily="34" charset="-122"/>
-              </a:rPr>
-              <a:t>示例</a:t>
-            </a:r>
-            <a:r>
-              <a:rPr kumimoji="1" lang="en-US" altLang="zh-CN" dirty="0">
-                <a:latin typeface="Microsoft YaHei" panose="020B0503020204020204" pitchFamily="34" charset="-122"/>
-                <a:ea typeface="Microsoft YaHei" panose="020B0503020204020204" pitchFamily="34" charset="-122"/>
-              </a:rPr>
-              <a:t>2</a:t>
-            </a:r>
-            <a:r>
-              <a:rPr kumimoji="1" lang="zh-CN" altLang="en-US" dirty="0">
-                <a:latin typeface="Microsoft YaHei" panose="020B0503020204020204" pitchFamily="34" charset="-122"/>
-                <a:ea typeface="Microsoft YaHei" panose="020B0503020204020204" pitchFamily="34" charset="-122"/>
-              </a:rPr>
-              <a:t> </a:t>
-            </a:r>
-            <a:r>
-              <a:rPr kumimoji="1" lang="en-US" altLang="zh-CN" dirty="0">
-                <a:latin typeface="Microsoft YaHei" panose="020B0503020204020204" pitchFamily="34" charset="-122"/>
-                <a:ea typeface="Microsoft YaHei" panose="020B0503020204020204" pitchFamily="34" charset="-122"/>
-              </a:rPr>
-              <a:t>Cloneable</a:t>
-            </a:r>
-            <a:r>
-              <a:rPr kumimoji="1" lang="zh-CN" altLang="en-US" dirty="0">
-                <a:latin typeface="Microsoft YaHei" panose="020B0503020204020204" pitchFamily="34" charset="-122"/>
-                <a:ea typeface="Microsoft YaHei" panose="020B0503020204020204" pitchFamily="34" charset="-122"/>
-              </a:rPr>
-              <a:t>接口</a:t>
-            </a:r>
-            <a:endParaRPr kumimoji="1" lang="en-US" altLang="zh-CN" dirty="0">
-              <a:latin typeface="Microsoft YaHei" panose="020B0503020204020204" pitchFamily="34" charset="-122"/>
-              <a:ea typeface="Microsoft YaHei" panose="020B0503020204020204" pitchFamily="34" charset="-122"/>
-            </a:endParaRPr>
-          </a:p>
-          <a:p>
-            <a:pPr marL="571500" indent="-571500">
-              <a:lnSpc>
-                <a:spcPct val="150000"/>
-              </a:lnSpc>
-              <a:buFont typeface="Wingdings" pitchFamily="2" charset="2"/>
-              <a:buChar char="Ø"/>
-            </a:pPr>
-            <a:r>
-              <a:rPr kumimoji="1" lang="zh-CN" altLang="en-US" dirty="0">
-                <a:latin typeface="Microsoft YaHei" panose="020B0503020204020204" pitchFamily="34" charset="-122"/>
-                <a:ea typeface="Microsoft YaHei" panose="020B0503020204020204" pitchFamily="34" charset="-122"/>
-              </a:rPr>
-              <a:t>抽象类和接口的区别</a:t>
-            </a:r>
-            <a:endParaRPr kumimoji="1" lang="en-US" altLang="zh-CN" dirty="0">
-              <a:latin typeface="Microsoft YaHei" panose="020B0503020204020204" pitchFamily="34" charset="-122"/>
-              <a:ea typeface="Microsoft YaHei" panose="020B0503020204020204" pitchFamily="34" charset="-122"/>
-            </a:endParaRPr>
-          </a:p>
-          <a:p>
-            <a:pPr marL="571500" indent="-571500">
-              <a:lnSpc>
-                <a:spcPct val="150000"/>
-              </a:lnSpc>
-              <a:buFont typeface="Wingdings" pitchFamily="2" charset="2"/>
-              <a:buChar char="Ø"/>
-            </a:pPr>
-            <a:r>
-              <a:rPr kumimoji="1" lang="zh-CN" altLang="en-US" dirty="0">
-                <a:latin typeface="Microsoft YaHei" panose="020B0503020204020204" pitchFamily="34" charset="-122"/>
-                <a:ea typeface="Microsoft YaHei" panose="020B0503020204020204" pitchFamily="34" charset="-122"/>
-              </a:rPr>
-              <a:t>何时用普通类，抽象类，接口</a:t>
-            </a:r>
-            <a:endParaRPr kumimoji="1" lang="en-US" altLang="zh-CN" dirty="0">
-              <a:latin typeface="Microsoft YaHei" panose="020B0503020204020204" pitchFamily="34" charset="-122"/>
-              <a:ea typeface="Microsoft YaHei" panose="020B0503020204020204" pitchFamily="34" charset="-122"/>
-            </a:endParaRPr>
+            <a:r>
+              <a:rPr kumimoji="1" lang="zh-CN" altLang="en-US" sz="2400" dirty="0">
+                <a:latin typeface="Microsoft YaHei" panose="020B0503020204020204" pitchFamily="34" charset="-122"/>
+                <a:ea typeface="Microsoft YaHei" panose="020B0503020204020204" pitchFamily="34" charset="-122"/>
+              </a:rPr>
+              <a:t>在</a:t>
+            </a:r>
+            <a:r>
+              <a:rPr kumimoji="1" lang="en-US" altLang="zh-CN" sz="2400" dirty="0">
+                <a:latin typeface="Microsoft YaHei" panose="020B0503020204020204" pitchFamily="34" charset="-122"/>
+                <a:ea typeface="Microsoft YaHei" panose="020B0503020204020204" pitchFamily="34" charset="-122"/>
+              </a:rPr>
+              <a:t>Java</a:t>
+            </a:r>
+            <a:r>
+              <a:rPr kumimoji="1" lang="zh-CN" altLang="en-US" sz="2400" dirty="0">
+                <a:latin typeface="Microsoft YaHei" panose="020B0503020204020204" pitchFamily="34" charset="-122"/>
+                <a:ea typeface="Microsoft YaHei" panose="020B0503020204020204" pitchFamily="34" charset="-122"/>
+              </a:rPr>
+              <a:t>等面向对象的编程语言中异常（</a:t>
+            </a:r>
+            <a:r>
+              <a:rPr kumimoji="1" lang="en-US" altLang="zh-CN" sz="2400" dirty="0">
+                <a:latin typeface="Microsoft YaHei" panose="020B0503020204020204" pitchFamily="34" charset="-122"/>
+                <a:ea typeface="Microsoft YaHei" panose="020B0503020204020204" pitchFamily="34" charset="-122"/>
+              </a:rPr>
+              <a:t>Exception</a:t>
+            </a:r>
+            <a:r>
+              <a:rPr kumimoji="1" lang="zh-CN" altLang="en-US" sz="2400" dirty="0">
+                <a:latin typeface="Microsoft YaHei" panose="020B0503020204020204" pitchFamily="34" charset="-122"/>
+                <a:ea typeface="Microsoft YaHei" panose="020B0503020204020204" pitchFamily="34" charset="-122"/>
+              </a:rPr>
+              <a:t>）是个。</a:t>
+            </a:r>
           </a:p>
         </p:txBody>
       </p:sp>
     </p:spTree>
     <p:extLst>
       <p:ext uri="{BB962C8B-B14F-4D97-AF65-F5344CB8AC3E}">
-        <p14:creationId xmlns:p14="http://schemas.microsoft.com/office/powerpoint/2010/main" val="1067490150"/>
+        <p14:creationId xmlns:p14="http://schemas.microsoft.com/office/powerpoint/2010/main" val="2037433810"/>
       </p:ext>
     </p:extLst>
   </p:cSld>
@@ -11427,7 +15707,7 @@
 </p:sld>
 </file>
 
-<file path=ppt/slides/slide20.xml><?xml version="1.0" encoding="utf-8"?>
+<file path=ppt/slides/slide30.xml><?xml version="1.0" encoding="utf-8"?>
 <p:sld xmlns:a="http://schemas.openxmlformats.org/drawingml/2006/main" xmlns:r="http://schemas.openxmlformats.org/officeDocument/2006/relationships" xmlns:p="http://schemas.openxmlformats.org/presentationml/2006/main">
   <p:cSld>
     <p:bg>
@@ -11684,7 +15964,7 @@
 </p:sld>
 </file>
 
-<file path=ppt/slides/slide21.xml><?xml version="1.0" encoding="utf-8"?>
+<file path=ppt/slides/slide31.xml><?xml version="1.0" encoding="utf-8"?>
 <p:sld xmlns:a="http://schemas.openxmlformats.org/drawingml/2006/main" xmlns:r="http://schemas.openxmlformats.org/officeDocument/2006/relationships" xmlns:p="http://schemas.openxmlformats.org/presentationml/2006/main">
   <p:cSld>
     <p:bg>
@@ -12031,7 +16311,7 @@
 </p:sld>
 </file>
 
-<file path=ppt/slides/slide22.xml><?xml version="1.0" encoding="utf-8"?>
+<file path=ppt/slides/slide32.xml><?xml version="1.0" encoding="utf-8"?>
 <p:sld xmlns:a="http://schemas.openxmlformats.org/drawingml/2006/main" xmlns:r="http://schemas.openxmlformats.org/officeDocument/2006/relationships" xmlns:p="http://schemas.openxmlformats.org/presentationml/2006/main">
   <p:cSld>
     <p:bg>
@@ -12263,7 +16543,7 @@
 </p:sld>
 </file>
 
-<file path=ppt/slides/slide23.xml><?xml version="1.0" encoding="utf-8"?>
+<file path=ppt/slides/slide33.xml><?xml version="1.0" encoding="utf-8"?>
 <p:sld xmlns:a="http://schemas.openxmlformats.org/drawingml/2006/main" xmlns:r="http://schemas.openxmlformats.org/officeDocument/2006/relationships" xmlns:p="http://schemas.openxmlformats.org/presentationml/2006/main">
   <p:cSld>
     <p:bg>
@@ -13025,7 +17305,7 @@
 </p:sld>
 </file>
 
-<file path=ppt/slides/slide24.xml><?xml version="1.0" encoding="utf-8"?>
+<file path=ppt/slides/slide34.xml><?xml version="1.0" encoding="utf-8"?>
 <p:sld xmlns:a="http://schemas.openxmlformats.org/drawingml/2006/main" xmlns:r="http://schemas.openxmlformats.org/officeDocument/2006/relationships" xmlns:p="http://schemas.openxmlformats.org/presentationml/2006/main">
   <p:cSld>
     <p:bg>
@@ -13929,7 +18209,7 @@
 </p:sld>
 </file>
 
-<file path=ppt/slides/slide25.xml><?xml version="1.0" encoding="utf-8"?>
+<file path=ppt/slides/slide35.xml><?xml version="1.0" encoding="utf-8"?>
 <p:sld xmlns:a="http://schemas.openxmlformats.org/drawingml/2006/main" xmlns:r="http://schemas.openxmlformats.org/officeDocument/2006/relationships" xmlns:p="http://schemas.openxmlformats.org/presentationml/2006/main">
   <p:cSld>
     <p:bg>
@@ -14294,7 +18574,7 @@
 </p:sld>
 </file>
 
-<file path=ppt/slides/slide26.xml><?xml version="1.0" encoding="utf-8"?>
+<file path=ppt/slides/slide36.xml><?xml version="1.0" encoding="utf-8"?>
 <p:sld xmlns:a="http://schemas.openxmlformats.org/drawingml/2006/main" xmlns:r="http://schemas.openxmlformats.org/officeDocument/2006/relationships" xmlns:p="http://schemas.openxmlformats.org/presentationml/2006/main">
   <p:cSld>
     <p:bg>
@@ -14515,7 +18795,7 @@
 </p:sld>
 </file>
 
-<file path=ppt/slides/slide27.xml><?xml version="1.0" encoding="utf-8"?>
+<file path=ppt/slides/slide37.xml><?xml version="1.0" encoding="utf-8"?>
 <p:sld xmlns:a="http://schemas.openxmlformats.org/drawingml/2006/main" xmlns:r="http://schemas.openxmlformats.org/officeDocument/2006/relationships" xmlns:p="http://schemas.openxmlformats.org/presentationml/2006/main">
   <p:cSld>
     <p:bg>
@@ -14924,7 +19204,7 @@
 </p:sld>
 </file>
 
-<file path=ppt/slides/slide28.xml><?xml version="1.0" encoding="utf-8"?>
+<file path=ppt/slides/slide38.xml><?xml version="1.0" encoding="utf-8"?>
 <p:sld xmlns:a="http://schemas.openxmlformats.org/drawingml/2006/main" xmlns:r="http://schemas.openxmlformats.org/officeDocument/2006/relationships" xmlns:p="http://schemas.openxmlformats.org/presentationml/2006/main">
   <p:cSld>
     <p:bg>
@@ -15911,7 +20191,7 @@
 </p:sld>
 </file>
 
-<file path=ppt/slides/slide29.xml><?xml version="1.0" encoding="utf-8"?>
+<file path=ppt/slides/slide39.xml><?xml version="1.0" encoding="utf-8"?>
 <p:sld xmlns:a="http://schemas.openxmlformats.org/drawingml/2006/main" xmlns:r="http://schemas.openxmlformats.org/officeDocument/2006/relationships" xmlns:p="http://schemas.openxmlformats.org/presentationml/2006/main">
   <p:cSld>
     <p:bg>
@@ -16508,7 +20788,7 @@
 </p:sld>
 </file>
 
-<file path=ppt/slides/slide3.xml><?xml version="1.0" encoding="utf-8"?>
+<file path=ppt/slides/slide4.xml><?xml version="1.0" encoding="utf-8"?>
 <p:sld xmlns:a="http://schemas.openxmlformats.org/drawingml/2006/main" xmlns:r="http://schemas.openxmlformats.org/officeDocument/2006/relationships" xmlns:p="http://schemas.openxmlformats.org/presentationml/2006/main">
   <p:cSld>
     <p:bg>
@@ -16568,7 +20848,7 @@
                 <a:latin typeface="Microsoft YaHei" panose="020B0503020204020204" pitchFamily="34" charset="-122"/>
                 <a:ea typeface="Microsoft YaHei" panose="020B0503020204020204" pitchFamily="34" charset="-122"/>
               </a:rPr>
-              <a:t>抽象在社会中的含义</a:t>
+              <a:t>什么是异常处理</a:t>
             </a:r>
             <a:endParaRPr kumimoji="1" lang="en-US" altLang="zh-CN" sz="4800" dirty="0">
               <a:ea typeface="Microsoft YaHei" panose="020B0503020204020204" pitchFamily="34" charset="-122"/>
@@ -16578,10 +20858,10 @@
       </p:sp>
       <p:sp>
         <p:nvSpPr>
-          <p:cNvPr id="13" name="文本框 12">
+          <p:cNvPr id="3" name="文本框 2">
             <a:extLst>
               <a:ext uri="{FF2B5EF4-FFF2-40B4-BE49-F238E27FC236}">
-                <a16:creationId xmlns:a16="http://schemas.microsoft.com/office/drawing/2014/main" id="{8E054F89-5FA8-2F47-8710-58E04A67980C}"/>
+                <a16:creationId xmlns:a16="http://schemas.microsoft.com/office/drawing/2014/main" id="{65743253-DED0-A84F-A210-3DF1330BBA4A}"/>
               </a:ext>
             </a:extLst>
           </p:cNvPr>
@@ -16590,8 +20870,8 @@
         </p:nvSpPr>
         <p:spPr>
           <a:xfrm>
-            <a:off x="1925640" y="2999232"/>
-            <a:ext cx="8924544" cy="1200329"/>
+            <a:off x="1605280" y="3169920"/>
+            <a:ext cx="9509760" cy="2308324"/>
           </a:xfrm>
           <a:prstGeom prst="rect">
             <a:avLst/>
@@ -16609,7 +20889,7 @@
                 <a:latin typeface="Microsoft YaHei" panose="020B0503020204020204" pitchFamily="34" charset="-122"/>
                 <a:ea typeface="Microsoft YaHei" panose="020B0503020204020204" pitchFamily="34" charset="-122"/>
               </a:rPr>
-              <a:t>来自百度百科的定义：</a:t>
+              <a:t>异常处理使得程序可以处理非预期的情景，并且继续正常的处理。 如果不处理，程序会非正常状态退出，在软件使用中是用户体验不友好的。</a:t>
             </a:r>
             <a:endParaRPr kumimoji="1" lang="en-US" altLang="zh-CN" sz="2400" dirty="0">
               <a:latin typeface="Microsoft YaHei" panose="020B0503020204020204" pitchFamily="34" charset="-122"/>
@@ -16617,24 +20897,35 @@
             </a:endParaRPr>
           </a:p>
           <a:p>
-            <a:r>
-              <a:rPr kumimoji="1" lang="zh-CN" altLang="en-US" sz="2400" dirty="0">
-                <a:latin typeface="Microsoft YaHei" panose="020B0503020204020204" pitchFamily="34" charset="-122"/>
-                <a:ea typeface="Microsoft YaHei" panose="020B0503020204020204" pitchFamily="34" charset="-122"/>
-              </a:rPr>
-              <a:t>       从具体事物抽出、概括出它们共同的方面、本质属性与关系等，而将个别的、非本质的方面、属性与关系舍弃的思维过程</a:t>
-            </a:r>
             <a:endParaRPr kumimoji="1" lang="en-US" altLang="zh-CN" sz="2400" dirty="0">
               <a:latin typeface="Microsoft YaHei" panose="020B0503020204020204" pitchFamily="34" charset="-122"/>
               <a:ea typeface="Microsoft YaHei" panose="020B0503020204020204" pitchFamily="34" charset="-122"/>
             </a:endParaRPr>
           </a:p>
+          <a:p>
+            <a:r>
+              <a:rPr kumimoji="1" lang="zh-CN" altLang="en-US" sz="2400" dirty="0">
+                <a:solidFill>
+                  <a:schemeClr val="accent2"/>
+                </a:solidFill>
+                <a:latin typeface="Microsoft YaHei" panose="020B0503020204020204" pitchFamily="34" charset="-122"/>
+                <a:ea typeface="Microsoft YaHei" panose="020B0503020204020204" pitchFamily="34" charset="-122"/>
+              </a:rPr>
+              <a:t>异常是从方法抛出的。方法的调用者可以捕获以及处理该异常。 </a:t>
+            </a:r>
+          </a:p>
+          <a:p>
+            <a:endParaRPr kumimoji="1" lang="zh-CN" altLang="en-US" sz="2400" dirty="0">
+              <a:latin typeface="Microsoft YaHei" panose="020B0503020204020204" pitchFamily="34" charset="-122"/>
+              <a:ea typeface="Microsoft YaHei" panose="020B0503020204020204" pitchFamily="34" charset="-122"/>
+            </a:endParaRPr>
+          </a:p>
         </p:txBody>
       </p:sp>
     </p:spTree>
     <p:extLst>
       <p:ext uri="{BB962C8B-B14F-4D97-AF65-F5344CB8AC3E}">
-        <p14:creationId xmlns:p14="http://schemas.microsoft.com/office/powerpoint/2010/main" val="2037433810"/>
+        <p14:creationId xmlns:p14="http://schemas.microsoft.com/office/powerpoint/2010/main" val="2222028594"/>
       </p:ext>
     </p:extLst>
   </p:cSld>
@@ -16644,7 +20935,7 @@
 </p:sld>
 </file>
 
-<file path=ppt/slides/slide30.xml><?xml version="1.0" encoding="utf-8"?>
+<file path=ppt/slides/slide40.xml><?xml version="1.0" encoding="utf-8"?>
 <p:sld xmlns:a="http://schemas.openxmlformats.org/drawingml/2006/main" xmlns:r="http://schemas.openxmlformats.org/officeDocument/2006/relationships" xmlns:p="http://schemas.openxmlformats.org/presentationml/2006/main">
   <p:cSld>
     <p:bg>
@@ -16951,7 +21242,7 @@
 </p:sld>
 </file>
 
-<file path=ppt/slides/slide31.xml><?xml version="1.0" encoding="utf-8"?>
+<file path=ppt/slides/slide41.xml><?xml version="1.0" encoding="utf-8"?>
 <p:sld xmlns:a="http://schemas.openxmlformats.org/drawingml/2006/main" xmlns:r="http://schemas.openxmlformats.org/officeDocument/2006/relationships" xmlns:p="http://schemas.openxmlformats.org/presentationml/2006/main">
   <p:cSld>
     <p:bg>
@@ -17166,7 +21457,7 @@
 </p:sld>
 </file>
 
-<file path=ppt/slides/slide32.xml><?xml version="1.0" encoding="utf-8"?>
+<file path=ppt/slides/slide42.xml><?xml version="1.0" encoding="utf-8"?>
 <p:sld xmlns:a="http://schemas.openxmlformats.org/drawingml/2006/main" xmlns:r="http://schemas.openxmlformats.org/officeDocument/2006/relationships" xmlns:p="http://schemas.openxmlformats.org/presentationml/2006/main">
   <p:cSld>
     <p:bg>
@@ -17530,7 +21821,7 @@
 </p:sld>
 </file>
 
-<file path=ppt/slides/slide33.xml><?xml version="1.0" encoding="utf-8"?>
+<file path=ppt/slides/slide43.xml><?xml version="1.0" encoding="utf-8"?>
 <p:sld xmlns:a="http://schemas.openxmlformats.org/drawingml/2006/main" xmlns:r="http://schemas.openxmlformats.org/officeDocument/2006/relationships" xmlns:p="http://schemas.openxmlformats.org/presentationml/2006/main">
   <p:cSld>
     <p:bg>
@@ -17867,7 +22158,7 @@
 </p:sld>
 </file>
 
-<file path=ppt/slides/slide34.xml><?xml version="1.0" encoding="utf-8"?>
+<file path=ppt/slides/slide44.xml><?xml version="1.0" encoding="utf-8"?>
 <p:sld xmlns:a="http://schemas.openxmlformats.org/drawingml/2006/main" xmlns:r="http://schemas.openxmlformats.org/officeDocument/2006/relationships" xmlns:p="http://schemas.openxmlformats.org/presentationml/2006/main">
   <p:cSld>
     <p:bg>
@@ -18084,7 +22375,7 @@
 </p:sld>
 </file>
 
-<file path=ppt/slides/slide35.xml><?xml version="1.0" encoding="utf-8"?>
+<file path=ppt/slides/slide45.xml><?xml version="1.0" encoding="utf-8"?>
 <p:sld xmlns:a="http://schemas.openxmlformats.org/drawingml/2006/main" xmlns:r="http://schemas.openxmlformats.org/officeDocument/2006/relationships" xmlns:p="http://schemas.openxmlformats.org/presentationml/2006/main">
   <p:cSld>
     <p:bg>
@@ -18202,7 +22493,7 @@
 </p:sld>
 </file>
 
-<file path=ppt/slides/slide36.xml><?xml version="1.0" encoding="utf-8"?>
+<file path=ppt/slides/slide46.xml><?xml version="1.0" encoding="utf-8"?>
 <p:sld xmlns:a="http://schemas.openxmlformats.org/drawingml/2006/main" xmlns:r="http://schemas.openxmlformats.org/officeDocument/2006/relationships" xmlns:p="http://schemas.openxmlformats.org/presentationml/2006/main">
   <p:cSld>
     <p:bg>
@@ -18283,7 +22574,7 @@
 </p:sld>
 </file>
 
-<file path=ppt/slides/slide37.xml><?xml version="1.0" encoding="utf-8"?>
+<file path=ppt/slides/slide47.xml><?xml version="1.0" encoding="utf-8"?>
 <p:sld xmlns:a="http://schemas.openxmlformats.org/drawingml/2006/main" xmlns:r="http://schemas.openxmlformats.org/officeDocument/2006/relationships" xmlns:p="http://schemas.openxmlformats.org/presentationml/2006/main">
   <p:cSld>
     <p:bg>
@@ -18327,281 +22618,6 @@
 </p:sld>
 </file>
 
-<file path=ppt/slides/slide4.xml><?xml version="1.0" encoding="utf-8"?>
-<p:sld xmlns:a="http://schemas.openxmlformats.org/drawingml/2006/main" xmlns:r="http://schemas.openxmlformats.org/officeDocument/2006/relationships" xmlns:p="http://schemas.openxmlformats.org/presentationml/2006/main">
-  <p:cSld>
-    <p:bg>
-      <p:bgPr>
-        <a:blipFill>
-          <a:blip r:embed="rId3"/>
-          <a:tile tx="0" ty="0" sx="100000" sy="100000" flip="none" algn="tl"/>
-        </a:blipFill>
-        <a:effectLst/>
-      </p:bgPr>
-    </p:bg>
-    <p:spTree>
-      <p:nvGrpSpPr>
-        <p:cNvPr id="1" name=""/>
-        <p:cNvGrpSpPr/>
-        <p:nvPr/>
-      </p:nvGrpSpPr>
-      <p:grpSpPr>
-        <a:xfrm>
-          <a:off x="0" y="0"/>
-          <a:ext cx="0" cy="0"/>
-          <a:chOff x="0" y="0"/>
-          <a:chExt cx="0" cy="0"/>
-        </a:xfrm>
-      </p:grpSpPr>
-      <p:sp>
-        <p:nvSpPr>
-          <p:cNvPr id="2" name="文本框 1">
-            <a:extLst>
-              <a:ext uri="{FF2B5EF4-FFF2-40B4-BE49-F238E27FC236}">
-                <a16:creationId xmlns:a16="http://schemas.microsoft.com/office/drawing/2014/main" id="{12AA8BCC-7B15-4842-80C2-48C079429338}"/>
-              </a:ext>
-            </a:extLst>
-          </p:cNvPr>
-          <p:cNvSpPr txBox="1"/>
-          <p:nvPr/>
-        </p:nvSpPr>
-        <p:spPr>
-          <a:xfrm>
-            <a:off x="2520000" y="720000"/>
-            <a:ext cx="7735824" cy="830997"/>
-          </a:xfrm>
-          <a:prstGeom prst="rect">
-            <a:avLst/>
-          </a:prstGeom>
-          <a:noFill/>
-        </p:spPr>
-        <p:txBody>
-          <a:bodyPr wrap="square" rtlCol="0">
-            <a:spAutoFit/>
-          </a:bodyPr>
-          <a:lstStyle/>
-          <a:p>
-            <a:pPr algn="ctr"/>
-            <a:r>
-              <a:rPr kumimoji="1" lang="zh-CN" altLang="en-US" sz="4800" dirty="0">
-                <a:latin typeface="Microsoft YaHei" panose="020B0503020204020204" pitchFamily="34" charset="-122"/>
-                <a:ea typeface="Microsoft YaHei" panose="020B0503020204020204" pitchFamily="34" charset="-122"/>
-              </a:rPr>
-              <a:t>抽象方法</a:t>
-            </a:r>
-            <a:endParaRPr kumimoji="1" lang="en-US" altLang="zh-CN" sz="4800" dirty="0">
-              <a:ea typeface="Microsoft YaHei" panose="020B0503020204020204" pitchFamily="34" charset="-122"/>
-            </a:endParaRPr>
-          </a:p>
-        </p:txBody>
-      </p:sp>
-      <p:sp>
-        <p:nvSpPr>
-          <p:cNvPr id="4" name="文本框 3">
-            <a:extLst>
-              <a:ext uri="{FF2B5EF4-FFF2-40B4-BE49-F238E27FC236}">
-                <a16:creationId xmlns:a16="http://schemas.microsoft.com/office/drawing/2014/main" id="{7C1B0394-5035-0C4B-8A38-2B1CCA2CFC38}"/>
-              </a:ext>
-            </a:extLst>
-          </p:cNvPr>
-          <p:cNvSpPr txBox="1"/>
-          <p:nvPr/>
-        </p:nvSpPr>
-        <p:spPr>
-          <a:xfrm>
-            <a:off x="1609344" y="1682496"/>
-            <a:ext cx="9253728" cy="3785652"/>
-          </a:xfrm>
-          <a:prstGeom prst="rect">
-            <a:avLst/>
-          </a:prstGeom>
-          <a:noFill/>
-        </p:spPr>
-        <p:txBody>
-          <a:bodyPr wrap="square" rtlCol="0">
-            <a:spAutoFit/>
-          </a:bodyPr>
-          <a:lstStyle/>
-          <a:p>
-            <a:r>
-              <a:rPr kumimoji="1" lang="zh-CN" altLang="en-US" sz="2400" dirty="0">
-                <a:latin typeface="Microsoft YaHei" panose="020B0503020204020204" pitchFamily="34" charset="-122"/>
-                <a:ea typeface="Microsoft YaHei" panose="020B0503020204020204" pitchFamily="34" charset="-122"/>
-              </a:rPr>
-              <a:t>直观的定义：</a:t>
-            </a:r>
-            <a:r>
-              <a:rPr kumimoji="1" lang="zh-CN" altLang="en-US" sz="2400" dirty="0">
-                <a:solidFill>
-                  <a:schemeClr val="accent2"/>
-                </a:solidFill>
-                <a:latin typeface="Microsoft YaHei" panose="020B0503020204020204" pitchFamily="34" charset="-122"/>
-                <a:ea typeface="Microsoft YaHei" panose="020B0503020204020204" pitchFamily="34" charset="-122"/>
-              </a:rPr>
-              <a:t>只声明而没有方法体的方法</a:t>
-            </a:r>
-            <a:r>
-              <a:rPr kumimoji="1" lang="zh-CN" altLang="en-US" sz="2400" dirty="0">
-                <a:latin typeface="Microsoft YaHei" panose="020B0503020204020204" pitchFamily="34" charset="-122"/>
-                <a:ea typeface="Microsoft YaHei" panose="020B0503020204020204" pitchFamily="34" charset="-122"/>
-              </a:rPr>
-              <a:t>。</a:t>
-            </a:r>
-            <a:endParaRPr kumimoji="1" lang="en-US" altLang="zh-CN" sz="2400" dirty="0">
-              <a:latin typeface="Microsoft YaHei" panose="020B0503020204020204" pitchFamily="34" charset="-122"/>
-              <a:ea typeface="Microsoft YaHei" panose="020B0503020204020204" pitchFamily="34" charset="-122"/>
-            </a:endParaRPr>
-          </a:p>
-          <a:p>
-            <a:endParaRPr kumimoji="1" lang="en-US" altLang="zh-CN" sz="2400" dirty="0">
-              <a:latin typeface="Microsoft YaHei" panose="020B0503020204020204" pitchFamily="34" charset="-122"/>
-              <a:ea typeface="Microsoft YaHei" panose="020B0503020204020204" pitchFamily="34" charset="-122"/>
-            </a:endParaRPr>
-          </a:p>
-          <a:p>
-            <a:pPr marL="342900" indent="-342900">
-              <a:buFont typeface="Arial" panose="020B0604020202020204" pitchFamily="34" charset="0"/>
-              <a:buChar char="•"/>
-            </a:pPr>
-            <a:r>
-              <a:rPr kumimoji="1" lang="zh-CN" altLang="en-US" sz="2400" dirty="0">
-                <a:latin typeface="Microsoft YaHei" panose="020B0503020204020204" pitchFamily="34" charset="-122"/>
-                <a:ea typeface="Microsoft YaHei" panose="020B0503020204020204" pitchFamily="34" charset="-122"/>
-              </a:rPr>
-              <a:t>格式： </a:t>
-            </a:r>
-            <a:endParaRPr kumimoji="1" lang="en-US" altLang="zh-CN" sz="2400" dirty="0">
-              <a:latin typeface="Microsoft YaHei" panose="020B0503020204020204" pitchFamily="34" charset="-122"/>
-              <a:ea typeface="Microsoft YaHei" panose="020B0503020204020204" pitchFamily="34" charset="-122"/>
-            </a:endParaRPr>
-          </a:p>
-          <a:p>
-            <a:pPr marL="914400" lvl="1" indent="-457200">
-              <a:buFont typeface="+mj-lt"/>
-              <a:buAutoNum type="arabicPeriod"/>
-            </a:pPr>
-            <a:r>
-              <a:rPr kumimoji="1" lang="zh-CN" altLang="en-US" sz="2400" dirty="0">
-                <a:latin typeface="Microsoft YaHei" panose="020B0503020204020204" pitchFamily="34" charset="-122"/>
-                <a:ea typeface="Microsoft YaHei" panose="020B0503020204020204" pitchFamily="34" charset="-122"/>
-              </a:rPr>
-              <a:t>用</a:t>
-            </a:r>
-            <a:r>
-              <a:rPr kumimoji="1" lang="en-US" altLang="zh-CN" sz="2400" dirty="0">
-                <a:latin typeface="Microsoft YaHei" panose="020B0503020204020204" pitchFamily="34" charset="-122"/>
-                <a:ea typeface="Microsoft YaHei" panose="020B0503020204020204" pitchFamily="34" charset="-122"/>
-              </a:rPr>
-              <a:t>abstract</a:t>
-            </a:r>
-            <a:r>
-              <a:rPr kumimoji="1" lang="zh-CN" altLang="en-US" sz="2400" dirty="0">
-                <a:latin typeface="Microsoft YaHei" panose="020B0503020204020204" pitchFamily="34" charset="-122"/>
-                <a:ea typeface="Microsoft YaHei" panose="020B0503020204020204" pitchFamily="34" charset="-122"/>
-              </a:rPr>
-              <a:t>形容。</a:t>
-            </a:r>
-            <a:endParaRPr kumimoji="1" lang="en-US" altLang="zh-CN" sz="2400" dirty="0">
-              <a:latin typeface="Microsoft YaHei" panose="020B0503020204020204" pitchFamily="34" charset="-122"/>
-              <a:ea typeface="Microsoft YaHei" panose="020B0503020204020204" pitchFamily="34" charset="-122"/>
-            </a:endParaRPr>
-          </a:p>
-          <a:p>
-            <a:pPr marL="914400" lvl="1" indent="-457200">
-              <a:buFont typeface="+mj-lt"/>
-              <a:buAutoNum type="arabicPeriod"/>
-            </a:pPr>
-            <a:r>
-              <a:rPr kumimoji="1" lang="zh-CN" altLang="en-US" sz="2400" dirty="0">
-                <a:latin typeface="Microsoft YaHei" panose="020B0503020204020204" pitchFamily="34" charset="-122"/>
-                <a:ea typeface="Microsoft YaHei" panose="020B0503020204020204" pitchFamily="34" charset="-122"/>
-              </a:rPr>
-              <a:t>没有方法实现。</a:t>
-            </a:r>
-            <a:endParaRPr kumimoji="1" lang="en-US" altLang="zh-CN" sz="2400" dirty="0">
-              <a:latin typeface="Microsoft YaHei" panose="020B0503020204020204" pitchFamily="34" charset="-122"/>
-              <a:ea typeface="Microsoft YaHei" panose="020B0503020204020204" pitchFamily="34" charset="-122"/>
-            </a:endParaRPr>
-          </a:p>
-          <a:p>
-            <a:pPr lvl="1"/>
-            <a:r>
-              <a:rPr kumimoji="1" lang="zh-CN" altLang="en-US" sz="2400" dirty="0">
-                <a:latin typeface="Microsoft YaHei" panose="020B0503020204020204" pitchFamily="34" charset="-122"/>
-                <a:ea typeface="Microsoft YaHei" panose="020B0503020204020204" pitchFamily="34" charset="-122"/>
-              </a:rPr>
-              <a:t>例子  </a:t>
-            </a:r>
-            <a:r>
-              <a:rPr kumimoji="1" lang="en-US" altLang="zh-CN" sz="2400" dirty="0">
-                <a:latin typeface="Microsoft YaHei" panose="020B0503020204020204" pitchFamily="34" charset="-122"/>
-                <a:ea typeface="Microsoft YaHei" panose="020B0503020204020204" pitchFamily="34" charset="-122"/>
-              </a:rPr>
-              <a:t>public </a:t>
-            </a:r>
-            <a:r>
-              <a:rPr kumimoji="1" lang="en-US" altLang="zh-CN" sz="2400" dirty="0">
-                <a:solidFill>
-                  <a:schemeClr val="accent2"/>
-                </a:solidFill>
-                <a:latin typeface="Microsoft YaHei" panose="020B0503020204020204" pitchFamily="34" charset="-122"/>
-                <a:ea typeface="Microsoft YaHei" panose="020B0503020204020204" pitchFamily="34" charset="-122"/>
-              </a:rPr>
-              <a:t>abstract</a:t>
-            </a:r>
-            <a:r>
-              <a:rPr kumimoji="1" lang="en-US" altLang="zh-CN" sz="2400" dirty="0">
-                <a:latin typeface="Microsoft YaHei" panose="020B0503020204020204" pitchFamily="34" charset="-122"/>
-                <a:ea typeface="Microsoft YaHei" panose="020B0503020204020204" pitchFamily="34" charset="-122"/>
-              </a:rPr>
-              <a:t> void ();</a:t>
-            </a:r>
-          </a:p>
-          <a:p>
-            <a:pPr lvl="1"/>
-            <a:endParaRPr kumimoji="1" lang="en-US" altLang="zh-CN" sz="2400" dirty="0">
-              <a:latin typeface="Microsoft YaHei" panose="020B0503020204020204" pitchFamily="34" charset="-122"/>
-              <a:ea typeface="Microsoft YaHei" panose="020B0503020204020204" pitchFamily="34" charset="-122"/>
-            </a:endParaRPr>
-          </a:p>
-          <a:p>
-            <a:pPr marL="342900" indent="-342900">
-              <a:buFont typeface="Arial" panose="020B0604020202020204" pitchFamily="34" charset="0"/>
-              <a:buChar char="•"/>
-            </a:pPr>
-            <a:r>
-              <a:rPr kumimoji="1" lang="zh-CN" altLang="en-US" sz="2400" dirty="0">
-                <a:latin typeface="Microsoft YaHei" panose="020B0503020204020204" pitchFamily="34" charset="-122"/>
-                <a:ea typeface="Microsoft YaHei" panose="020B0503020204020204" pitchFamily="34" charset="-122"/>
-              </a:rPr>
-              <a:t>用法： 抽象方法只保留方法的功能，具体的执行，交给继承抽象类的子类，由子类重写抽象方法。</a:t>
-            </a:r>
-            <a:endParaRPr kumimoji="1" lang="en-US" altLang="zh-CN" sz="2400" dirty="0">
-              <a:latin typeface="Microsoft YaHei" panose="020B0503020204020204" pitchFamily="34" charset="-122"/>
-              <a:ea typeface="Microsoft YaHei" panose="020B0503020204020204" pitchFamily="34" charset="-122"/>
-            </a:endParaRPr>
-          </a:p>
-          <a:p>
-            <a:endParaRPr kumimoji="1" lang="en-US" altLang="zh-CN" sz="2400" dirty="0">
-              <a:latin typeface="Microsoft YaHei" panose="020B0503020204020204" pitchFamily="34" charset="-122"/>
-              <a:ea typeface="Microsoft YaHei" panose="020B0503020204020204" pitchFamily="34" charset="-122"/>
-            </a:endParaRPr>
-          </a:p>
-        </p:txBody>
-      </p:sp>
-    </p:spTree>
-    <p:extLst>
-      <p:ext uri="{BB962C8B-B14F-4D97-AF65-F5344CB8AC3E}">
-        <p14:creationId xmlns:p14="http://schemas.microsoft.com/office/powerpoint/2010/main" val="1024242802"/>
-      </p:ext>
-    </p:extLst>
-  </p:cSld>
-  <p:clrMapOvr>
-    <a:masterClrMapping/>
-  </p:clrMapOvr>
-</p:sld>
-</file>
-
 <file path=ppt/slides/slide5.xml><?xml version="1.0" encoding="utf-8"?>
 <p:sld xmlns:a="http://schemas.openxmlformats.org/drawingml/2006/main" xmlns:r="http://schemas.openxmlformats.org/officeDocument/2006/relationships" xmlns:p="http://schemas.openxmlformats.org/presentationml/2006/main">
   <p:cSld>
@@ -18659,10 +22675,33 @@
             <a:pPr algn="ctr"/>
             <a:r>
               <a:rPr kumimoji="1" lang="zh-CN" altLang="en-US" sz="4800" dirty="0">
-                <a:latin typeface="Microsoft YaHei" panose="020B0503020204020204" pitchFamily="34" charset="-122"/>
-                <a:ea typeface="Microsoft YaHei" panose="020B0503020204020204" pitchFamily="34" charset="-122"/>
-              </a:rPr>
-              <a:t>抽象方法需要注意的几点</a:t>
+                <a:ea typeface="Microsoft YaHei" panose="020B0503020204020204" pitchFamily="34" charset="-122"/>
+              </a:rPr>
+              <a:t>除数为</a:t>
+            </a:r>
+            <a:r>
+              <a:rPr kumimoji="1" lang="en-US" altLang="zh-CN" sz="4800" dirty="0">
+                <a:ea typeface="Microsoft YaHei" panose="020B0503020204020204" pitchFamily="34" charset="-122"/>
+              </a:rPr>
+              <a:t>0---</a:t>
+            </a:r>
+            <a:r>
+              <a:rPr kumimoji="1" lang="zh-CN" altLang="en-US" sz="4800" dirty="0">
+                <a:ea typeface="Microsoft YaHei" panose="020B0503020204020204" pitchFamily="34" charset="-122"/>
+              </a:rPr>
+              <a:t>用</a:t>
+            </a:r>
+            <a:r>
+              <a:rPr kumimoji="1" lang="en-US" altLang="zh-CN" sz="4800" dirty="0">
+                <a:ea typeface="Microsoft YaHei" panose="020B0503020204020204" pitchFamily="34" charset="-122"/>
+              </a:rPr>
+              <a:t>if</a:t>
+            </a:r>
+            <a:r>
+              <a:rPr kumimoji="1" lang="zh-CN" altLang="en-US" sz="4800" dirty="0">
+                <a:ea typeface="Microsoft YaHei" panose="020B0503020204020204" pitchFamily="34" charset="-122"/>
+              </a:rPr>
+              <a:t>解决</a:t>
             </a:r>
             <a:endParaRPr kumimoji="1" lang="en-US" altLang="zh-CN" sz="4800" dirty="0">
               <a:ea typeface="Microsoft YaHei" panose="020B0503020204020204" pitchFamily="34" charset="-122"/>
@@ -18670,347 +22709,12 @@
           </a:p>
         </p:txBody>
       </p:sp>
-      <p:sp>
-        <p:nvSpPr>
-          <p:cNvPr id="4" name="文本框 3">
+      <p:pic>
+        <p:nvPicPr>
+          <p:cNvPr id="4" name="图片 3">
             <a:extLst>
               <a:ext uri="{FF2B5EF4-FFF2-40B4-BE49-F238E27FC236}">
-                <a16:creationId xmlns:a16="http://schemas.microsoft.com/office/drawing/2014/main" id="{7C1B0394-5035-0C4B-8A38-2B1CCA2CFC38}"/>
-              </a:ext>
-            </a:extLst>
-          </p:cNvPr>
-          <p:cNvSpPr txBox="1"/>
-          <p:nvPr/>
-        </p:nvSpPr>
-        <p:spPr>
-          <a:xfrm>
-            <a:off x="1761048" y="2624096"/>
-            <a:ext cx="9253728" cy="2243050"/>
-          </a:xfrm>
-          <a:prstGeom prst="rect">
-            <a:avLst/>
-          </a:prstGeom>
-          <a:noFill/>
-        </p:spPr>
-        <p:txBody>
-          <a:bodyPr wrap="square" rtlCol="0">
-            <a:spAutoFit/>
-          </a:bodyPr>
-          <a:lstStyle/>
-          <a:p>
-            <a:pPr marL="457200" indent="-457200">
-              <a:lnSpc>
-                <a:spcPct val="150000"/>
-              </a:lnSpc>
-              <a:buFont typeface="+mj-lt"/>
-              <a:buAutoNum type="arabicPeriod"/>
-            </a:pPr>
-            <a:r>
-              <a:rPr kumimoji="1" lang="zh-CN" altLang="en-US" sz="2400" dirty="0">
-                <a:latin typeface="Microsoft YaHei" panose="020B0503020204020204" pitchFamily="34" charset="-122"/>
-                <a:ea typeface="Microsoft YaHei" panose="020B0503020204020204" pitchFamily="34" charset="-122"/>
-              </a:rPr>
-              <a:t> 如果子类继承抽象类，并重写了父类的所有的抽象方法，则此子类不是抽象类，可以实例化的。</a:t>
-            </a:r>
-            <a:endParaRPr kumimoji="1" lang="en-US" altLang="zh-CN" sz="2400" dirty="0">
-              <a:latin typeface="Microsoft YaHei" panose="020B0503020204020204" pitchFamily="34" charset="-122"/>
-              <a:ea typeface="Microsoft YaHei" panose="020B0503020204020204" pitchFamily="34" charset="-122"/>
-            </a:endParaRPr>
-          </a:p>
-          <a:p>
-            <a:pPr marL="457200" indent="-457200">
-              <a:lnSpc>
-                <a:spcPct val="150000"/>
-              </a:lnSpc>
-              <a:buFont typeface="+mj-lt"/>
-              <a:buAutoNum type="arabicPeriod"/>
-            </a:pPr>
-            <a:r>
-              <a:rPr kumimoji="1" lang="zh-CN" altLang="en-US" sz="2400" dirty="0">
-                <a:latin typeface="Microsoft YaHei" panose="020B0503020204020204" pitchFamily="34" charset="-122"/>
-                <a:ea typeface="Microsoft YaHei" panose="020B0503020204020204" pitchFamily="34" charset="-122"/>
-              </a:rPr>
-              <a:t>如果子类继承抽象类，没有重写父类中所有的抽象方法，意味着子类中还有抽象方法，那么此子类必须必须声明为抽象的。</a:t>
-            </a:r>
-          </a:p>
-        </p:txBody>
-      </p:sp>
-    </p:spTree>
-    <p:extLst>
-      <p:ext uri="{BB962C8B-B14F-4D97-AF65-F5344CB8AC3E}">
-        <p14:creationId xmlns:p14="http://schemas.microsoft.com/office/powerpoint/2010/main" val="4074100507"/>
-      </p:ext>
-    </p:extLst>
-  </p:cSld>
-  <p:clrMapOvr>
-    <a:masterClrMapping/>
-  </p:clrMapOvr>
-</p:sld>
-</file>
-
-<file path=ppt/slides/slide6.xml><?xml version="1.0" encoding="utf-8"?>
-<p:sld xmlns:a="http://schemas.openxmlformats.org/drawingml/2006/main" xmlns:r="http://schemas.openxmlformats.org/officeDocument/2006/relationships" xmlns:p="http://schemas.openxmlformats.org/presentationml/2006/main">
-  <p:cSld>
-    <p:bg>
-      <p:bgPr>
-        <a:blipFill>
-          <a:blip r:embed="rId3"/>
-          <a:tile tx="0" ty="0" sx="100000" sy="100000" flip="none" algn="tl"/>
-        </a:blipFill>
-        <a:effectLst/>
-      </p:bgPr>
-    </p:bg>
-    <p:spTree>
-      <p:nvGrpSpPr>
-        <p:cNvPr id="1" name=""/>
-        <p:cNvGrpSpPr/>
-        <p:nvPr/>
-      </p:nvGrpSpPr>
-      <p:grpSpPr>
-        <a:xfrm>
-          <a:off x="0" y="0"/>
-          <a:ext cx="0" cy="0"/>
-          <a:chOff x="0" y="0"/>
-          <a:chExt cx="0" cy="0"/>
-        </a:xfrm>
-      </p:grpSpPr>
-      <p:sp>
-        <p:nvSpPr>
-          <p:cNvPr id="2" name="文本框 1">
-            <a:extLst>
-              <a:ext uri="{FF2B5EF4-FFF2-40B4-BE49-F238E27FC236}">
-                <a16:creationId xmlns:a16="http://schemas.microsoft.com/office/drawing/2014/main" id="{12AA8BCC-7B15-4842-80C2-48C079429338}"/>
-              </a:ext>
-            </a:extLst>
-          </p:cNvPr>
-          <p:cNvSpPr txBox="1"/>
-          <p:nvPr/>
-        </p:nvSpPr>
-        <p:spPr>
-          <a:xfrm>
-            <a:off x="2520000" y="720000"/>
-            <a:ext cx="7735824" cy="830997"/>
-          </a:xfrm>
-          <a:prstGeom prst="rect">
-            <a:avLst/>
-          </a:prstGeom>
-          <a:noFill/>
-        </p:spPr>
-        <p:txBody>
-          <a:bodyPr wrap="square" rtlCol="0">
-            <a:spAutoFit/>
-          </a:bodyPr>
-          <a:lstStyle/>
-          <a:p>
-            <a:pPr algn="ctr"/>
-            <a:r>
-              <a:rPr kumimoji="1" lang="zh-CN" altLang="en-US" sz="4800" dirty="0">
-                <a:latin typeface="Microsoft YaHei" panose="020B0503020204020204" pitchFamily="34" charset="-122"/>
-                <a:ea typeface="Microsoft YaHei" panose="020B0503020204020204" pitchFamily="34" charset="-122"/>
-              </a:rPr>
-              <a:t>抽象类</a:t>
-            </a:r>
-            <a:endParaRPr kumimoji="1" lang="en-US" altLang="zh-CN" sz="4800" dirty="0">
-              <a:ea typeface="Microsoft YaHei" panose="020B0503020204020204" pitchFamily="34" charset="-122"/>
-            </a:endParaRPr>
-          </a:p>
-        </p:txBody>
-      </p:sp>
-      <p:sp>
-        <p:nvSpPr>
-          <p:cNvPr id="13" name="文本框 12">
-            <a:extLst>
-              <a:ext uri="{FF2B5EF4-FFF2-40B4-BE49-F238E27FC236}">
-                <a16:creationId xmlns:a16="http://schemas.microsoft.com/office/drawing/2014/main" id="{8E054F89-5FA8-2F47-8710-58E04A67980C}"/>
-              </a:ext>
-            </a:extLst>
-          </p:cNvPr>
-          <p:cNvSpPr txBox="1"/>
-          <p:nvPr/>
-        </p:nvSpPr>
-        <p:spPr>
-          <a:xfrm>
-            <a:off x="1779336" y="2039835"/>
-            <a:ext cx="8924544" cy="1200329"/>
-          </a:xfrm>
-          <a:prstGeom prst="rect">
-            <a:avLst/>
-          </a:prstGeom>
-          <a:noFill/>
-        </p:spPr>
-        <p:txBody>
-          <a:bodyPr wrap="square" rtlCol="0">
-            <a:spAutoFit/>
-          </a:bodyPr>
-          <a:lstStyle/>
-          <a:p>
-            <a:r>
-              <a:rPr kumimoji="1" lang="zh-CN" altLang="en-US" sz="2400" dirty="0">
-                <a:latin typeface="Microsoft YaHei" panose="020B0503020204020204" pitchFamily="34" charset="-122"/>
-                <a:ea typeface="Microsoft YaHei" panose="020B0503020204020204" pitchFamily="34" charset="-122"/>
-              </a:rPr>
-              <a:t>直观定义：包含抽象方法的类，其他和普通类一样。声明时候多一个</a:t>
-            </a:r>
-            <a:r>
-              <a:rPr kumimoji="1" lang="en-US" altLang="zh-CN" sz="2400" dirty="0">
-                <a:latin typeface="Microsoft YaHei" panose="020B0503020204020204" pitchFamily="34" charset="-122"/>
-                <a:ea typeface="Microsoft YaHei" panose="020B0503020204020204" pitchFamily="34" charset="-122"/>
-              </a:rPr>
-              <a:t>abstract</a:t>
-            </a:r>
-            <a:r>
-              <a:rPr kumimoji="1" lang="zh-CN" altLang="en-US" sz="2400" dirty="0">
-                <a:latin typeface="Microsoft YaHei" panose="020B0503020204020204" pitchFamily="34" charset="-122"/>
-                <a:ea typeface="Microsoft YaHei" panose="020B0503020204020204" pitchFamily="34" charset="-122"/>
-              </a:rPr>
-              <a:t>关键字修饰。</a:t>
-            </a:r>
-            <a:endParaRPr kumimoji="1" lang="en-US" altLang="zh-CN" sz="2400" dirty="0">
-              <a:latin typeface="Microsoft YaHei" panose="020B0503020204020204" pitchFamily="34" charset="-122"/>
-              <a:ea typeface="Microsoft YaHei" panose="020B0503020204020204" pitchFamily="34" charset="-122"/>
-            </a:endParaRPr>
-          </a:p>
-          <a:p>
-            <a:r>
-              <a:rPr kumimoji="1" lang="zh-CN" altLang="en-US" sz="2400" dirty="0">
-                <a:latin typeface="Microsoft YaHei" panose="020B0503020204020204" pitchFamily="34" charset="-122"/>
-                <a:ea typeface="Microsoft YaHei" panose="020B0503020204020204" pitchFamily="34" charset="-122"/>
-              </a:rPr>
-              <a:t>格式：  </a:t>
-            </a:r>
-            <a:r>
-              <a:rPr kumimoji="1" lang="en-US" altLang="zh-CN" sz="2400" dirty="0">
-                <a:solidFill>
-                  <a:schemeClr val="accent2"/>
-                </a:solidFill>
-                <a:latin typeface="Microsoft YaHei" panose="020B0503020204020204" pitchFamily="34" charset="-122"/>
-                <a:ea typeface="Microsoft YaHei" panose="020B0503020204020204" pitchFamily="34" charset="-122"/>
-              </a:rPr>
-              <a:t>abstract</a:t>
-            </a:r>
-            <a:r>
-              <a:rPr kumimoji="1" lang="zh-CN" altLang="en-US" sz="2400" dirty="0">
-                <a:latin typeface="Microsoft YaHei" panose="020B0503020204020204" pitchFamily="34" charset="-122"/>
-                <a:ea typeface="Microsoft YaHei" panose="020B0503020204020204" pitchFamily="34" charset="-122"/>
-              </a:rPr>
-              <a:t> </a:t>
-            </a:r>
-            <a:r>
-              <a:rPr kumimoji="1" lang="en-US" altLang="zh-CN" sz="2400" dirty="0">
-                <a:latin typeface="Microsoft YaHei" panose="020B0503020204020204" pitchFamily="34" charset="-122"/>
-                <a:ea typeface="Microsoft YaHei" panose="020B0503020204020204" pitchFamily="34" charset="-122"/>
-              </a:rPr>
-              <a:t>class</a:t>
-            </a:r>
-            <a:r>
-              <a:rPr kumimoji="1" lang="zh-CN" altLang="en-US" sz="2400" dirty="0">
-                <a:latin typeface="Microsoft YaHei" panose="020B0503020204020204" pitchFamily="34" charset="-122"/>
-                <a:ea typeface="Microsoft YaHei" panose="020B0503020204020204" pitchFamily="34" charset="-122"/>
-              </a:rPr>
-              <a:t> 类名</a:t>
-            </a:r>
-            <a:endParaRPr kumimoji="1" lang="en-US" altLang="zh-CN" sz="2400" dirty="0">
-              <a:latin typeface="Microsoft YaHei" panose="020B0503020204020204" pitchFamily="34" charset="-122"/>
-              <a:ea typeface="Microsoft YaHei" panose="020B0503020204020204" pitchFamily="34" charset="-122"/>
-            </a:endParaRPr>
-          </a:p>
-        </p:txBody>
-      </p:sp>
-      <p:sp>
-        <p:nvSpPr>
-          <p:cNvPr id="3" name="文本框 2">
-            <a:extLst>
-              <a:ext uri="{FF2B5EF4-FFF2-40B4-BE49-F238E27FC236}">
-                <a16:creationId xmlns:a16="http://schemas.microsoft.com/office/drawing/2014/main" id="{5CCFF940-CD29-5F4C-996D-E543226C3730}"/>
-              </a:ext>
-            </a:extLst>
-          </p:cNvPr>
-          <p:cNvSpPr txBox="1"/>
-          <p:nvPr/>
-        </p:nvSpPr>
-        <p:spPr>
-          <a:xfrm>
-            <a:off x="8863584" y="4504986"/>
-            <a:ext cx="1627632" cy="1200329"/>
-          </a:xfrm>
-          <a:prstGeom prst="rect">
-            <a:avLst/>
-          </a:prstGeom>
-          <a:solidFill>
-            <a:schemeClr val="accent2"/>
-          </a:solidFill>
-        </p:spPr>
-        <p:txBody>
-          <a:bodyPr wrap="square" rtlCol="0">
-            <a:spAutoFit/>
-          </a:bodyPr>
-          <a:lstStyle/>
-          <a:p>
-            <a:r>
-              <a:rPr kumimoji="1" lang="zh-CN" altLang="en-US" dirty="0">
-                <a:solidFill>
-                  <a:schemeClr val="bg1"/>
-                </a:solidFill>
-              </a:rPr>
-              <a:t>看示例代码：</a:t>
-            </a:r>
-            <a:r>
-              <a:rPr kumimoji="1" lang="en-US" altLang="zh-CN" dirty="0">
-                <a:solidFill>
-                  <a:schemeClr val="bg1"/>
-                </a:solidFill>
-              </a:rPr>
-              <a:t>Person,</a:t>
-            </a:r>
-            <a:r>
-              <a:rPr kumimoji="1" lang="zh-CN" altLang="en-US" dirty="0">
-                <a:solidFill>
-                  <a:schemeClr val="bg1"/>
-                </a:solidFill>
-              </a:rPr>
-              <a:t> </a:t>
-            </a:r>
-            <a:r>
-              <a:rPr kumimoji="1" lang="en-US" altLang="zh-CN" dirty="0">
-                <a:solidFill>
-                  <a:schemeClr val="bg1"/>
-                </a:solidFill>
-              </a:rPr>
-              <a:t>Student,</a:t>
-            </a:r>
-            <a:r>
-              <a:rPr kumimoji="1" lang="zh-CN" altLang="en-US" dirty="0">
-                <a:solidFill>
-                  <a:schemeClr val="bg1"/>
-                </a:solidFill>
-              </a:rPr>
-              <a:t> </a:t>
-            </a:r>
-            <a:r>
-              <a:rPr kumimoji="1" lang="en-US" altLang="zh-CN" dirty="0">
-                <a:solidFill>
-                  <a:schemeClr val="bg1"/>
-                </a:solidFill>
-              </a:rPr>
-              <a:t>Teacher3</a:t>
-            </a:r>
-            <a:r>
-              <a:rPr kumimoji="1" lang="zh-CN" altLang="en-US" dirty="0">
-                <a:solidFill>
-                  <a:schemeClr val="bg1"/>
-                </a:solidFill>
-              </a:rPr>
-              <a:t>个类</a:t>
-            </a:r>
-          </a:p>
-        </p:txBody>
-      </p:sp>
-      <p:pic>
-        <p:nvPicPr>
-          <p:cNvPr id="7" name="图片 6">
-            <a:extLst>
-              <a:ext uri="{FF2B5EF4-FFF2-40B4-BE49-F238E27FC236}">
-                <a16:creationId xmlns:a16="http://schemas.microsoft.com/office/drawing/2014/main" id="{5899285A-0E14-3245-86B3-38CB537B1337}"/>
+                <a16:creationId xmlns:a16="http://schemas.microsoft.com/office/drawing/2014/main" id="{99FD5AB4-053E-C44A-811B-FCE0F8874F0B}"/>
               </a:ext>
             </a:extLst>
           </p:cNvPr>
@@ -19027,671 +22731,8 @@
         </p:blipFill>
         <p:spPr>
           <a:xfrm>
-            <a:off x="1779336" y="3429000"/>
-            <a:ext cx="4316664" cy="3352303"/>
-          </a:xfrm>
-          <a:prstGeom prst="rect">
-            <a:avLst/>
-          </a:prstGeom>
-        </p:spPr>
-      </p:pic>
-    </p:spTree>
-    <p:extLst>
-      <p:ext uri="{BB962C8B-B14F-4D97-AF65-F5344CB8AC3E}">
-        <p14:creationId xmlns:p14="http://schemas.microsoft.com/office/powerpoint/2010/main" val="2449901828"/>
-      </p:ext>
-    </p:extLst>
-  </p:cSld>
-  <p:clrMapOvr>
-    <a:masterClrMapping/>
-  </p:clrMapOvr>
-</p:sld>
-</file>
-
-<file path=ppt/slides/slide7.xml><?xml version="1.0" encoding="utf-8"?>
-<p:sld xmlns:a="http://schemas.openxmlformats.org/drawingml/2006/main" xmlns:r="http://schemas.openxmlformats.org/officeDocument/2006/relationships" xmlns:p="http://schemas.openxmlformats.org/presentationml/2006/main">
-  <p:cSld>
-    <p:bg>
-      <p:bgPr>
-        <a:blipFill>
-          <a:blip r:embed="rId3"/>
-          <a:tile tx="0" ty="0" sx="100000" sy="100000" flip="none" algn="tl"/>
-        </a:blipFill>
-        <a:effectLst/>
-      </p:bgPr>
-    </p:bg>
-    <p:spTree>
-      <p:nvGrpSpPr>
-        <p:cNvPr id="1" name=""/>
-        <p:cNvGrpSpPr/>
-        <p:nvPr/>
-      </p:nvGrpSpPr>
-      <p:grpSpPr>
-        <a:xfrm>
-          <a:off x="0" y="0"/>
-          <a:ext cx="0" cy="0"/>
-          <a:chOff x="0" y="0"/>
-          <a:chExt cx="0" cy="0"/>
-        </a:xfrm>
-      </p:grpSpPr>
-      <p:sp>
-        <p:nvSpPr>
-          <p:cNvPr id="2" name="文本框 1">
-            <a:extLst>
-              <a:ext uri="{FF2B5EF4-FFF2-40B4-BE49-F238E27FC236}">
-                <a16:creationId xmlns:a16="http://schemas.microsoft.com/office/drawing/2014/main" id="{12AA8BCC-7B15-4842-80C2-48C079429338}"/>
-              </a:ext>
-            </a:extLst>
-          </p:cNvPr>
-          <p:cNvSpPr txBox="1"/>
-          <p:nvPr/>
-        </p:nvSpPr>
-        <p:spPr>
-          <a:xfrm>
-            <a:off x="2520000" y="720000"/>
-            <a:ext cx="7735824" cy="830997"/>
-          </a:xfrm>
-          <a:prstGeom prst="rect">
-            <a:avLst/>
-          </a:prstGeom>
-          <a:noFill/>
-        </p:spPr>
-        <p:txBody>
-          <a:bodyPr wrap="square" rtlCol="0">
-            <a:spAutoFit/>
-          </a:bodyPr>
-          <a:lstStyle/>
-          <a:p>
-            <a:pPr algn="ctr"/>
-            <a:r>
-              <a:rPr kumimoji="1" lang="zh-CN" altLang="en-US" sz="4800" dirty="0">
-                <a:latin typeface="Microsoft YaHei" panose="020B0503020204020204" pitchFamily="34" charset="-122"/>
-                <a:ea typeface="Microsoft YaHei" panose="020B0503020204020204" pitchFamily="34" charset="-122"/>
-              </a:rPr>
-              <a:t>抽象类需要注意的几点</a:t>
-            </a:r>
-            <a:endParaRPr kumimoji="1" lang="en-US" altLang="zh-CN" sz="4800" dirty="0">
-              <a:ea typeface="Microsoft YaHei" panose="020B0503020204020204" pitchFamily="34" charset="-122"/>
-            </a:endParaRPr>
-          </a:p>
-        </p:txBody>
-      </p:sp>
-      <p:sp>
-        <p:nvSpPr>
-          <p:cNvPr id="13" name="文本框 12">
-            <a:extLst>
-              <a:ext uri="{FF2B5EF4-FFF2-40B4-BE49-F238E27FC236}">
-                <a16:creationId xmlns:a16="http://schemas.microsoft.com/office/drawing/2014/main" id="{8E054F89-5FA8-2F47-8710-58E04A67980C}"/>
-              </a:ext>
-            </a:extLst>
-          </p:cNvPr>
-          <p:cNvSpPr txBox="1"/>
-          <p:nvPr/>
-        </p:nvSpPr>
-        <p:spPr>
-          <a:xfrm>
-            <a:off x="1633728" y="2103120"/>
-            <a:ext cx="8924544" cy="3351046"/>
-          </a:xfrm>
-          <a:prstGeom prst="rect">
-            <a:avLst/>
-          </a:prstGeom>
-          <a:noFill/>
-        </p:spPr>
-        <p:txBody>
-          <a:bodyPr wrap="square" rtlCol="0">
-            <a:spAutoFit/>
-          </a:bodyPr>
-          <a:lstStyle/>
-          <a:p>
-            <a:pPr marL="457200" indent="-457200">
-              <a:lnSpc>
-                <a:spcPct val="150000"/>
-              </a:lnSpc>
-              <a:buFont typeface="+mj-lt"/>
-              <a:buAutoNum type="arabicPeriod"/>
-            </a:pPr>
-            <a:r>
-              <a:rPr lang="zh-CN" altLang="en-US" sz="2400" dirty="0">
-                <a:latin typeface="Microsoft YaHei" panose="020B0503020204020204" pitchFamily="34" charset="-122"/>
-                <a:ea typeface="Microsoft YaHei" panose="020B0503020204020204" pitchFamily="34" charset="-122"/>
-              </a:rPr>
-              <a:t>不可被实例化 ，也就是说不能直接用来 </a:t>
-            </a:r>
-            <a:r>
-              <a:rPr lang="en-US" altLang="zh-CN" sz="2400" dirty="0">
-                <a:latin typeface="Microsoft YaHei" panose="020B0503020204020204" pitchFamily="34" charset="-122"/>
-                <a:ea typeface="Microsoft YaHei" panose="020B0503020204020204" pitchFamily="34" charset="-122"/>
-              </a:rPr>
-              <a:t>new</a:t>
-            </a:r>
-            <a:r>
-              <a:rPr lang="zh-CN" altLang="en-US" sz="2400" dirty="0">
-                <a:latin typeface="Microsoft YaHei" panose="020B0503020204020204" pitchFamily="34" charset="-122"/>
-                <a:ea typeface="Microsoft YaHei" panose="020B0503020204020204" pitchFamily="34" charset="-122"/>
-              </a:rPr>
-              <a:t> </a:t>
-            </a:r>
-          </a:p>
-          <a:p>
-            <a:pPr marL="457200" indent="-457200">
-              <a:lnSpc>
-                <a:spcPct val="150000"/>
-              </a:lnSpc>
-              <a:buFont typeface="+mj-lt"/>
-              <a:buAutoNum type="arabicPeriod"/>
-            </a:pPr>
-            <a:r>
-              <a:rPr lang="zh-CN" altLang="en-US" sz="2400" dirty="0">
-                <a:latin typeface="Microsoft YaHei" panose="020B0503020204020204" pitchFamily="34" charset="-122"/>
-                <a:ea typeface="Microsoft YaHei" panose="020B0503020204020204" pitchFamily="34" charset="-122"/>
-              </a:rPr>
-              <a:t>抽象类是有构造器的（所有类都有构造器）</a:t>
-            </a:r>
-          </a:p>
-          <a:p>
-            <a:pPr marL="457200" indent="-457200">
-              <a:lnSpc>
-                <a:spcPct val="150000"/>
-              </a:lnSpc>
-              <a:buFont typeface="+mj-lt"/>
-              <a:buAutoNum type="arabicPeriod"/>
-            </a:pPr>
-            <a:r>
-              <a:rPr lang="zh-CN" altLang="en-US" sz="2400" dirty="0">
-                <a:latin typeface="Microsoft YaHei" panose="020B0503020204020204" pitchFamily="34" charset="-122"/>
-                <a:ea typeface="Microsoft YaHei" panose="020B0503020204020204" pitchFamily="34" charset="-122"/>
-              </a:rPr>
-              <a:t>抽象方法所在的类，一定是抽象类</a:t>
-            </a:r>
-            <a:endParaRPr lang="en-US" altLang="zh-CN" sz="2400" dirty="0">
-              <a:latin typeface="Microsoft YaHei" panose="020B0503020204020204" pitchFamily="34" charset="-122"/>
-              <a:ea typeface="Microsoft YaHei" panose="020B0503020204020204" pitchFamily="34" charset="-122"/>
-            </a:endParaRPr>
-          </a:p>
-          <a:p>
-            <a:pPr marL="457200" indent="-457200">
-              <a:lnSpc>
-                <a:spcPct val="150000"/>
-              </a:lnSpc>
-              <a:buFont typeface="+mj-lt"/>
-              <a:buAutoNum type="arabicPeriod"/>
-            </a:pPr>
-            <a:r>
-              <a:rPr lang="zh-CN" altLang="en-US" sz="2400" dirty="0">
-                <a:latin typeface="Microsoft YaHei" panose="020B0503020204020204" pitchFamily="34" charset="-122"/>
-                <a:ea typeface="Microsoft YaHei" panose="020B0503020204020204" pitchFamily="34" charset="-122"/>
-              </a:rPr>
-              <a:t>如果一个子类没有实现父类中的抽象方法，则子类也成为了一个抽象类</a:t>
-            </a:r>
-            <a:endParaRPr lang="en-US" altLang="zh-CN" sz="2400" dirty="0">
-              <a:latin typeface="Microsoft YaHei" panose="020B0503020204020204" pitchFamily="34" charset="-122"/>
-              <a:ea typeface="Microsoft YaHei" panose="020B0503020204020204" pitchFamily="34" charset="-122"/>
-            </a:endParaRPr>
-          </a:p>
-          <a:p>
-            <a:pPr marL="457200" indent="-457200">
-              <a:lnSpc>
-                <a:spcPct val="150000"/>
-              </a:lnSpc>
-              <a:buFont typeface="+mj-lt"/>
-              <a:buAutoNum type="arabicPeriod"/>
-            </a:pPr>
-            <a:r>
-              <a:rPr lang="zh-CN" altLang="en-US" sz="2400" dirty="0">
-                <a:latin typeface="Microsoft YaHei" panose="020B0503020204020204" pitchFamily="34" charset="-122"/>
-                <a:ea typeface="Microsoft YaHei" panose="020B0503020204020204" pitchFamily="34" charset="-122"/>
-              </a:rPr>
-              <a:t>抽象类可以没有抽象方法的</a:t>
-            </a:r>
-            <a:endParaRPr kumimoji="1" lang="en-US" altLang="zh-CN" sz="2400" dirty="0">
-              <a:latin typeface="Microsoft YaHei" panose="020B0503020204020204" pitchFamily="34" charset="-122"/>
-              <a:ea typeface="Microsoft YaHei" panose="020B0503020204020204" pitchFamily="34" charset="-122"/>
-            </a:endParaRPr>
-          </a:p>
-        </p:txBody>
-      </p:sp>
-    </p:spTree>
-    <p:extLst>
-      <p:ext uri="{BB962C8B-B14F-4D97-AF65-F5344CB8AC3E}">
-        <p14:creationId xmlns:p14="http://schemas.microsoft.com/office/powerpoint/2010/main" val="407071317"/>
-      </p:ext>
-    </p:extLst>
-  </p:cSld>
-  <p:clrMapOvr>
-    <a:masterClrMapping/>
-  </p:clrMapOvr>
-</p:sld>
-</file>
-
-<file path=ppt/slides/slide8.xml><?xml version="1.0" encoding="utf-8"?>
-<p:sld xmlns:a="http://schemas.openxmlformats.org/drawingml/2006/main" xmlns:r="http://schemas.openxmlformats.org/officeDocument/2006/relationships" xmlns:p="http://schemas.openxmlformats.org/presentationml/2006/main">
-  <p:cSld>
-    <p:bg>
-      <p:bgPr>
-        <a:blipFill>
-          <a:blip r:embed="rId3"/>
-          <a:tile tx="0" ty="0" sx="100000" sy="100000" flip="none" algn="tl"/>
-        </a:blipFill>
-        <a:effectLst/>
-      </p:bgPr>
-    </p:bg>
-    <p:spTree>
-      <p:nvGrpSpPr>
-        <p:cNvPr id="1" name=""/>
-        <p:cNvGrpSpPr/>
-        <p:nvPr/>
-      </p:nvGrpSpPr>
-      <p:grpSpPr>
-        <a:xfrm>
-          <a:off x="0" y="0"/>
-          <a:ext cx="0" cy="0"/>
-          <a:chOff x="0" y="0"/>
-          <a:chExt cx="0" cy="0"/>
-        </a:xfrm>
-      </p:grpSpPr>
-      <p:sp>
-        <p:nvSpPr>
-          <p:cNvPr id="2" name="文本框 1">
-            <a:extLst>
-              <a:ext uri="{FF2B5EF4-FFF2-40B4-BE49-F238E27FC236}">
-                <a16:creationId xmlns:a16="http://schemas.microsoft.com/office/drawing/2014/main" id="{12AA8BCC-7B15-4842-80C2-48C079429338}"/>
-              </a:ext>
-            </a:extLst>
-          </p:cNvPr>
-          <p:cNvSpPr txBox="1"/>
-          <p:nvPr/>
-        </p:nvSpPr>
-        <p:spPr>
-          <a:xfrm>
-            <a:off x="2157984" y="713232"/>
-            <a:ext cx="8562528" cy="830997"/>
-          </a:xfrm>
-          <a:prstGeom prst="rect">
-            <a:avLst/>
-          </a:prstGeom>
-          <a:noFill/>
-        </p:spPr>
-        <p:txBody>
-          <a:bodyPr wrap="square" rtlCol="0">
-            <a:spAutoFit/>
-          </a:bodyPr>
-          <a:lstStyle/>
-          <a:p>
-            <a:pPr algn="ctr"/>
-            <a:r>
-              <a:rPr kumimoji="1" lang="zh-CN" altLang="en-US" sz="4800" dirty="0">
-                <a:latin typeface="Microsoft YaHei" panose="020B0503020204020204" pitchFamily="34" charset="-122"/>
-                <a:ea typeface="Microsoft YaHei" panose="020B0503020204020204" pitchFamily="34" charset="-122"/>
-              </a:rPr>
-              <a:t>思考</a:t>
-            </a:r>
-            <a:r>
-              <a:rPr kumimoji="1" lang="en-US" altLang="zh-CN" sz="4800" dirty="0">
-                <a:latin typeface="Microsoft YaHei" panose="020B0503020204020204" pitchFamily="34" charset="-122"/>
-                <a:ea typeface="Microsoft YaHei" panose="020B0503020204020204" pitchFamily="34" charset="-122"/>
-              </a:rPr>
-              <a:t>1</a:t>
-            </a:r>
-            <a:r>
-              <a:rPr kumimoji="1" lang="zh-CN" altLang="en-US" sz="4800" dirty="0">
-                <a:latin typeface="Microsoft YaHei" panose="020B0503020204020204" pitchFamily="34" charset="-122"/>
-                <a:ea typeface="Microsoft YaHei" panose="020B0503020204020204" pitchFamily="34" charset="-122"/>
-              </a:rPr>
-              <a:t>：为什么要使用抽象类？</a:t>
-            </a:r>
-            <a:endParaRPr kumimoji="1" lang="en-US" altLang="zh-CN" sz="4800" dirty="0">
-              <a:ea typeface="Microsoft YaHei" panose="020B0503020204020204" pitchFamily="34" charset="-122"/>
-            </a:endParaRPr>
-          </a:p>
-        </p:txBody>
-      </p:sp>
-      <p:sp>
-        <p:nvSpPr>
-          <p:cNvPr id="13" name="文本框 12">
-            <a:extLst>
-              <a:ext uri="{FF2B5EF4-FFF2-40B4-BE49-F238E27FC236}">
-                <a16:creationId xmlns:a16="http://schemas.microsoft.com/office/drawing/2014/main" id="{8E054F89-5FA8-2F47-8710-58E04A67980C}"/>
-              </a:ext>
-            </a:extLst>
-          </p:cNvPr>
-          <p:cNvSpPr txBox="1"/>
-          <p:nvPr/>
-        </p:nvSpPr>
-        <p:spPr>
-          <a:xfrm>
-            <a:off x="1633728" y="2103120"/>
-            <a:ext cx="8924544" cy="2308324"/>
-          </a:xfrm>
-          <a:prstGeom prst="rect">
-            <a:avLst/>
-          </a:prstGeom>
-          <a:noFill/>
-        </p:spPr>
-        <p:txBody>
-          <a:bodyPr wrap="square" rtlCol="0">
-            <a:spAutoFit/>
-          </a:bodyPr>
-          <a:lstStyle/>
-          <a:p>
-            <a:r>
-              <a:rPr kumimoji="1" lang="zh-CN" altLang="en-US" sz="2400" dirty="0">
-                <a:latin typeface="Microsoft YaHei" panose="020B0503020204020204" pitchFamily="34" charset="-122"/>
-                <a:ea typeface="Microsoft YaHei" panose="020B0503020204020204" pitchFamily="34" charset="-122"/>
-              </a:rPr>
-              <a:t>通过继承它实现多态，预先定义好接口，实现重用性。</a:t>
-            </a:r>
-            <a:endParaRPr kumimoji="1" lang="en-US" altLang="zh-CN" sz="2400" dirty="0">
-              <a:latin typeface="Microsoft YaHei" panose="020B0503020204020204" pitchFamily="34" charset="-122"/>
-              <a:ea typeface="Microsoft YaHei" panose="020B0503020204020204" pitchFamily="34" charset="-122"/>
-            </a:endParaRPr>
-          </a:p>
-          <a:p>
-            <a:endParaRPr kumimoji="1" lang="en-US" altLang="zh-CN" sz="2400" dirty="0">
-              <a:latin typeface="Microsoft YaHei" panose="020B0503020204020204" pitchFamily="34" charset="-122"/>
-              <a:ea typeface="Microsoft YaHei" panose="020B0503020204020204" pitchFamily="34" charset="-122"/>
-            </a:endParaRPr>
-          </a:p>
-          <a:p>
-            <a:r>
-              <a:rPr kumimoji="1" lang="zh-CN" altLang="en-US" sz="2400" dirty="0">
-                <a:latin typeface="Microsoft YaHei" panose="020B0503020204020204" pitchFamily="34" charset="-122"/>
-                <a:ea typeface="Microsoft YaHei" panose="020B0503020204020204" pitchFamily="34" charset="-122"/>
-              </a:rPr>
-              <a:t>普通类作为父类和抽象类作为父类的区别：</a:t>
-            </a:r>
-            <a:endParaRPr kumimoji="1" lang="en-US" altLang="zh-CN" sz="2400" dirty="0">
-              <a:latin typeface="Microsoft YaHei" panose="020B0503020204020204" pitchFamily="34" charset="-122"/>
-              <a:ea typeface="Microsoft YaHei" panose="020B0503020204020204" pitchFamily="34" charset="-122"/>
-            </a:endParaRPr>
-          </a:p>
-          <a:p>
-            <a:pPr marL="342900" indent="-342900">
-              <a:buFont typeface="Arial" panose="020B0604020202020204" pitchFamily="34" charset="0"/>
-              <a:buChar char="•"/>
-            </a:pPr>
-            <a:r>
-              <a:rPr kumimoji="1" lang="zh-CN" altLang="en-US" sz="2400" dirty="0">
-                <a:latin typeface="Microsoft YaHei" panose="020B0503020204020204" pitchFamily="34" charset="-122"/>
-                <a:ea typeface="Microsoft YaHei" panose="020B0503020204020204" pitchFamily="34" charset="-122"/>
-              </a:rPr>
-              <a:t>普通类不强制子类去重写父类的方法，</a:t>
-            </a:r>
-            <a:endParaRPr kumimoji="1" lang="en-US" altLang="zh-CN" sz="2400" dirty="0">
-              <a:latin typeface="Microsoft YaHei" panose="020B0503020204020204" pitchFamily="34" charset="-122"/>
-              <a:ea typeface="Microsoft YaHei" panose="020B0503020204020204" pitchFamily="34" charset="-122"/>
-            </a:endParaRPr>
-          </a:p>
-          <a:p>
-            <a:pPr marL="342900" indent="-342900">
-              <a:buFont typeface="Arial" panose="020B0604020202020204" pitchFamily="34" charset="0"/>
-              <a:buChar char="•"/>
-            </a:pPr>
-            <a:r>
-              <a:rPr kumimoji="1" lang="zh-CN" altLang="en-US" sz="2400" dirty="0">
-                <a:latin typeface="Microsoft YaHei" panose="020B0503020204020204" pitchFamily="34" charset="-122"/>
-                <a:ea typeface="Microsoft YaHei" panose="020B0503020204020204" pitchFamily="34" charset="-122"/>
-              </a:rPr>
-              <a:t>抽象类是强制的，子类必须实现父类的方法，不然你也是</a:t>
-            </a:r>
-            <a:r>
-              <a:rPr kumimoji="1" lang="en-US" altLang="zh-CN" sz="2400" dirty="0">
-                <a:latin typeface="Microsoft YaHei" panose="020B0503020204020204" pitchFamily="34" charset="-122"/>
-                <a:ea typeface="Microsoft YaHei" panose="020B0503020204020204" pitchFamily="34" charset="-122"/>
-              </a:rPr>
-              <a:t>abstract</a:t>
-            </a:r>
-            <a:r>
-              <a:rPr kumimoji="1" lang="zh-CN" altLang="en-US" sz="2400" dirty="0">
-                <a:latin typeface="Microsoft YaHei" panose="020B0503020204020204" pitchFamily="34" charset="-122"/>
-                <a:ea typeface="Microsoft YaHei" panose="020B0503020204020204" pitchFamily="34" charset="-122"/>
-              </a:rPr>
-              <a:t>，没法创建对象。</a:t>
-            </a:r>
-            <a:endParaRPr kumimoji="1" lang="en-US" altLang="zh-CN" sz="2400" dirty="0">
-              <a:latin typeface="Microsoft YaHei" panose="020B0503020204020204" pitchFamily="34" charset="-122"/>
-              <a:ea typeface="Microsoft YaHei" panose="020B0503020204020204" pitchFamily="34" charset="-122"/>
-            </a:endParaRPr>
-          </a:p>
-        </p:txBody>
-      </p:sp>
-    </p:spTree>
-    <p:extLst>
-      <p:ext uri="{BB962C8B-B14F-4D97-AF65-F5344CB8AC3E}">
-        <p14:creationId xmlns:p14="http://schemas.microsoft.com/office/powerpoint/2010/main" val="2813510044"/>
-      </p:ext>
-    </p:extLst>
-  </p:cSld>
-  <p:clrMapOvr>
-    <a:masterClrMapping/>
-  </p:clrMapOvr>
-</p:sld>
-</file>
-
-<file path=ppt/slides/slide9.xml><?xml version="1.0" encoding="utf-8"?>
-<p:sld xmlns:a="http://schemas.openxmlformats.org/drawingml/2006/main" xmlns:r="http://schemas.openxmlformats.org/officeDocument/2006/relationships" xmlns:p="http://schemas.openxmlformats.org/presentationml/2006/main">
-  <p:cSld>
-    <p:bg>
-      <p:bgPr>
-        <a:blipFill>
-          <a:blip r:embed="rId3"/>
-          <a:tile tx="0" ty="0" sx="100000" sy="100000" flip="none" algn="tl"/>
-        </a:blipFill>
-        <a:effectLst/>
-      </p:bgPr>
-    </p:bg>
-    <p:spTree>
-      <p:nvGrpSpPr>
-        <p:cNvPr id="1" name=""/>
-        <p:cNvGrpSpPr/>
-        <p:nvPr/>
-      </p:nvGrpSpPr>
-      <p:grpSpPr>
-        <a:xfrm>
-          <a:off x="0" y="0"/>
-          <a:ext cx="0" cy="0"/>
-          <a:chOff x="0" y="0"/>
-          <a:chExt cx="0" cy="0"/>
-        </a:xfrm>
-      </p:grpSpPr>
-      <p:sp>
-        <p:nvSpPr>
-          <p:cNvPr id="2" name="文本框 1">
-            <a:extLst>
-              <a:ext uri="{FF2B5EF4-FFF2-40B4-BE49-F238E27FC236}">
-                <a16:creationId xmlns:a16="http://schemas.microsoft.com/office/drawing/2014/main" id="{12AA8BCC-7B15-4842-80C2-48C079429338}"/>
-              </a:ext>
-            </a:extLst>
-          </p:cNvPr>
-          <p:cNvSpPr txBox="1"/>
-          <p:nvPr/>
-        </p:nvSpPr>
-        <p:spPr>
-          <a:xfrm>
-            <a:off x="1686024" y="631327"/>
-            <a:ext cx="9842688" cy="1577288"/>
-          </a:xfrm>
-          <a:prstGeom prst="rect">
-            <a:avLst/>
-          </a:prstGeom>
-          <a:noFill/>
-        </p:spPr>
-        <p:txBody>
-          <a:bodyPr wrap="square" rtlCol="0">
-            <a:spAutoFit/>
-          </a:bodyPr>
-          <a:lstStyle/>
-          <a:p>
-            <a:pPr algn="ctr"/>
-            <a:r>
-              <a:rPr kumimoji="1" lang="zh-CN" altLang="en-US" sz="4800" dirty="0">
-                <a:latin typeface="Microsoft YaHei" panose="020B0503020204020204" pitchFamily="34" charset="-122"/>
-                <a:ea typeface="Microsoft YaHei" panose="020B0503020204020204" pitchFamily="34" charset="-122"/>
-              </a:rPr>
-              <a:t>思考</a:t>
-            </a:r>
-            <a:r>
-              <a:rPr kumimoji="1" lang="en-US" altLang="zh-CN" sz="4800" dirty="0">
-                <a:latin typeface="Microsoft YaHei" panose="020B0503020204020204" pitchFamily="34" charset="-122"/>
-                <a:ea typeface="Microsoft YaHei" panose="020B0503020204020204" pitchFamily="34" charset="-122"/>
-              </a:rPr>
-              <a:t>2</a:t>
-            </a:r>
-            <a:r>
-              <a:rPr kumimoji="1" lang="zh-CN" altLang="en-US" sz="4800" dirty="0">
-                <a:latin typeface="Microsoft YaHei" panose="020B0503020204020204" pitchFamily="34" charset="-122"/>
-                <a:ea typeface="Microsoft YaHei" panose="020B0503020204020204" pitchFamily="34" charset="-122"/>
-              </a:rPr>
-              <a:t>：既然抽象类不能</a:t>
-            </a:r>
-            <a:r>
-              <a:rPr kumimoji="1" lang="en-US" altLang="zh-CN" sz="4800" dirty="0">
-                <a:latin typeface="Microsoft YaHei" panose="020B0503020204020204" pitchFamily="34" charset="-122"/>
-                <a:ea typeface="Microsoft YaHei" panose="020B0503020204020204" pitchFamily="34" charset="-122"/>
-              </a:rPr>
-              <a:t>new</a:t>
-            </a:r>
-            <a:r>
-              <a:rPr kumimoji="1" lang="zh-CN" altLang="en-US" sz="4800" dirty="0">
-                <a:latin typeface="Microsoft YaHei" panose="020B0503020204020204" pitchFamily="34" charset="-122"/>
-                <a:ea typeface="Microsoft YaHei" panose="020B0503020204020204" pitchFamily="34" charset="-122"/>
-              </a:rPr>
-              <a:t>对象，那为何要有构造函数呢？</a:t>
-            </a:r>
-            <a:endParaRPr kumimoji="1" lang="en-US" altLang="zh-CN" sz="4800" dirty="0">
-              <a:ea typeface="Microsoft YaHei" panose="020B0503020204020204" pitchFamily="34" charset="-122"/>
-            </a:endParaRPr>
-          </a:p>
-        </p:txBody>
-      </p:sp>
-      <p:sp>
-        <p:nvSpPr>
-          <p:cNvPr id="13" name="文本框 12">
-            <a:extLst>
-              <a:ext uri="{FF2B5EF4-FFF2-40B4-BE49-F238E27FC236}">
-                <a16:creationId xmlns:a16="http://schemas.microsoft.com/office/drawing/2014/main" id="{8E054F89-5FA8-2F47-8710-58E04A67980C}"/>
-              </a:ext>
-            </a:extLst>
-          </p:cNvPr>
-          <p:cNvSpPr txBox="1"/>
-          <p:nvPr/>
-        </p:nvSpPr>
-        <p:spPr>
-          <a:xfrm>
-            <a:off x="1925640" y="2671718"/>
-            <a:ext cx="8924544" cy="1200329"/>
-          </a:xfrm>
-          <a:prstGeom prst="rect">
-            <a:avLst/>
-          </a:prstGeom>
-          <a:noFill/>
-        </p:spPr>
-        <p:txBody>
-          <a:bodyPr wrap="square" rtlCol="0">
-            <a:spAutoFit/>
-          </a:bodyPr>
-          <a:lstStyle/>
-          <a:p>
-            <a:r>
-              <a:rPr kumimoji="1" lang="zh-CN" altLang="en-US" sz="2400" dirty="0">
-                <a:latin typeface="Microsoft YaHei" panose="020B0503020204020204" pitchFamily="34" charset="-122"/>
-                <a:ea typeface="Microsoft YaHei" panose="020B0503020204020204" pitchFamily="34" charset="-122"/>
-              </a:rPr>
-              <a:t>虽然抽象类不能用</a:t>
-            </a:r>
-            <a:r>
-              <a:rPr kumimoji="1" lang="en-US" altLang="zh-CN" sz="2400" dirty="0">
-                <a:latin typeface="Microsoft YaHei" panose="020B0503020204020204" pitchFamily="34" charset="-122"/>
-                <a:ea typeface="Microsoft YaHei" panose="020B0503020204020204" pitchFamily="34" charset="-122"/>
-              </a:rPr>
-              <a:t>new</a:t>
-            </a:r>
-            <a:r>
-              <a:rPr kumimoji="1" lang="zh-CN" altLang="en-US" sz="2400" dirty="0">
-                <a:latin typeface="Microsoft YaHei" panose="020B0503020204020204" pitchFamily="34" charset="-122"/>
-                <a:ea typeface="Microsoft YaHei" panose="020B0503020204020204" pitchFamily="34" charset="-122"/>
-              </a:rPr>
-              <a:t>实例化，但当你实例化抽象类子类的时候抽象类是会被实例化的，子类的构造函数可以用</a:t>
-            </a:r>
-            <a:r>
-              <a:rPr kumimoji="1" lang="en-US" altLang="zh-CN" sz="2400" dirty="0">
-                <a:latin typeface="Microsoft YaHei" panose="020B0503020204020204" pitchFamily="34" charset="-122"/>
-                <a:ea typeface="Microsoft YaHei" panose="020B0503020204020204" pitchFamily="34" charset="-122"/>
-              </a:rPr>
-              <a:t>super()</a:t>
-            </a:r>
-            <a:r>
-              <a:rPr kumimoji="1" lang="zh-CN" altLang="en-US" sz="2400" dirty="0">
-                <a:latin typeface="Microsoft YaHei" panose="020B0503020204020204" pitchFamily="34" charset="-122"/>
-                <a:ea typeface="Microsoft YaHei" panose="020B0503020204020204" pitchFamily="34" charset="-122"/>
-              </a:rPr>
-              <a:t>方法来调用抽象类中的构造方法，来初始化抽象类中的数据</a:t>
-            </a:r>
-            <a:r>
-              <a:rPr kumimoji="1" lang="en-US" altLang="zh-CN" sz="2400" dirty="0">
-                <a:latin typeface="Microsoft YaHei" panose="020B0503020204020204" pitchFamily="34" charset="-122"/>
-                <a:ea typeface="Microsoft YaHei" panose="020B0503020204020204" pitchFamily="34" charset="-122"/>
-              </a:rPr>
-              <a:t>(</a:t>
-            </a:r>
-            <a:r>
-              <a:rPr kumimoji="1" lang="zh-CN" altLang="en-US" sz="2400" dirty="0">
-                <a:latin typeface="Microsoft YaHei" panose="020B0503020204020204" pitchFamily="34" charset="-122"/>
-                <a:ea typeface="Microsoft YaHei" panose="020B0503020204020204" pitchFamily="34" charset="-122"/>
-              </a:rPr>
-              <a:t>属性</a:t>
-            </a:r>
-            <a:r>
-              <a:rPr kumimoji="1" lang="en-US" altLang="zh-CN" sz="2400" dirty="0">
-                <a:latin typeface="Microsoft YaHei" panose="020B0503020204020204" pitchFamily="34" charset="-122"/>
-                <a:ea typeface="Microsoft YaHei" panose="020B0503020204020204" pitchFamily="34" charset="-122"/>
-              </a:rPr>
-              <a:t>)</a:t>
-            </a:r>
-            <a:r>
-              <a:rPr kumimoji="1" lang="zh-CN" altLang="en-US" sz="2400" dirty="0">
-                <a:latin typeface="Microsoft YaHei" panose="020B0503020204020204" pitchFamily="34" charset="-122"/>
-                <a:ea typeface="Microsoft YaHei" panose="020B0503020204020204" pitchFamily="34" charset="-122"/>
-              </a:rPr>
-              <a:t>。</a:t>
-            </a:r>
-            <a:endParaRPr kumimoji="1" lang="en-US" altLang="zh-CN" sz="2400" dirty="0">
-              <a:latin typeface="Microsoft YaHei" panose="020B0503020204020204" pitchFamily="34" charset="-122"/>
-              <a:ea typeface="Microsoft YaHei" panose="020B0503020204020204" pitchFamily="34" charset="-122"/>
-            </a:endParaRPr>
-          </a:p>
-        </p:txBody>
-      </p:sp>
-      <p:pic>
-        <p:nvPicPr>
-          <p:cNvPr id="5" name="图形 4" descr="有想法的人">
-            <a:extLst>
-              <a:ext uri="{FF2B5EF4-FFF2-40B4-BE49-F238E27FC236}">
-                <a16:creationId xmlns:a16="http://schemas.microsoft.com/office/drawing/2014/main" id="{7F3B36B9-F0B9-9E45-94DD-7ADB20404FE8}"/>
-              </a:ext>
-            </a:extLst>
-          </p:cNvPr>
-          <p:cNvPicPr>
-            <a:picLocks noChangeAspect="1"/>
-          </p:cNvPicPr>
-          <p:nvPr/>
-        </p:nvPicPr>
-        <p:blipFill>
-          <a:blip r:embed="rId4">
-            <a:extLst>
-              <a:ext uri="{96DAC541-7B7A-43D3-8B79-37D633B846F1}">
-                <asvg:svgBlip xmlns:asvg="http://schemas.microsoft.com/office/drawing/2016/SVG/main" r:embed="rId5"/>
-              </a:ext>
-            </a:extLst>
-          </a:blip>
-          <a:stretch>
-            <a:fillRect/>
-          </a:stretch>
-        </p:blipFill>
-        <p:spPr>
-          <a:xfrm>
-            <a:off x="427416" y="2289660"/>
-            <a:ext cx="914400" cy="914400"/>
+            <a:off x="0" y="2082800"/>
+            <a:ext cx="6807200" cy="4686300"/>
           </a:xfrm>
           <a:prstGeom prst="rect">
             <a:avLst/>
@@ -19703,7 +22744,7 @@
           <p:cNvPr id="6" name="图片 5">
             <a:extLst>
               <a:ext uri="{FF2B5EF4-FFF2-40B4-BE49-F238E27FC236}">
-                <a16:creationId xmlns:a16="http://schemas.microsoft.com/office/drawing/2014/main" id="{AE3A5FC1-C9E9-4A44-8E04-CC041A2FC9C5}"/>
+                <a16:creationId xmlns:a16="http://schemas.microsoft.com/office/drawing/2014/main" id="{ED9B1653-849F-A94F-AC29-C4B217E70474}"/>
               </a:ext>
             </a:extLst>
           </p:cNvPr>
@@ -19713,55 +22754,71 @@
           <p:nvPr/>
         </p:nvPicPr>
         <p:blipFill>
-          <a:blip r:embed="rId6"/>
+          <a:blip r:embed="rId5"/>
           <a:stretch>
             <a:fillRect/>
           </a:stretch>
         </p:blipFill>
         <p:spPr>
           <a:xfrm>
-            <a:off x="711388" y="4130266"/>
-            <a:ext cx="5384612" cy="2350558"/>
+            <a:off x="7241540" y="4090432"/>
+            <a:ext cx="4699000" cy="1054100"/>
           </a:xfrm>
           <a:prstGeom prst="rect">
             <a:avLst/>
           </a:prstGeom>
         </p:spPr>
       </p:pic>
-      <p:pic>
-        <p:nvPicPr>
-          <p:cNvPr id="7" name="图片 6">
+      <p:sp>
+        <p:nvSpPr>
+          <p:cNvPr id="7" name="右箭头 6">
             <a:extLst>
               <a:ext uri="{FF2B5EF4-FFF2-40B4-BE49-F238E27FC236}">
-                <a16:creationId xmlns:a16="http://schemas.microsoft.com/office/drawing/2014/main" id="{A1255CC5-1257-7B4C-9137-AF2FBA1F5BCB}"/>
+                <a16:creationId xmlns:a16="http://schemas.microsoft.com/office/drawing/2014/main" id="{FFD8E4D4-ECAC-FE46-A9DC-727DF2FD9671}"/>
               </a:ext>
             </a:extLst>
           </p:cNvPr>
-          <p:cNvPicPr>
-            <a:picLocks noChangeAspect="1"/>
-          </p:cNvPicPr>
+          <p:cNvSpPr/>
           <p:nvPr/>
-        </p:nvPicPr>
-        <p:blipFill>
-          <a:blip r:embed="rId7"/>
-          <a:stretch>
-            <a:fillRect/>
-          </a:stretch>
-        </p:blipFill>
+        </p:nvSpPr>
         <p:spPr>
           <a:xfrm>
-            <a:off x="6607368" y="4118496"/>
-            <a:ext cx="5023800" cy="2362328"/>
+            <a:off x="6096000" y="4344997"/>
+            <a:ext cx="995680" cy="369332"/>
           </a:xfrm>
-          <a:prstGeom prst="rect">
+          <a:prstGeom prst="rightArrow">
             <a:avLst/>
           </a:prstGeom>
         </p:spPr>
-      </p:pic>
+        <p:style>
+          <a:lnRef idx="2">
+            <a:schemeClr val="accent1">
+              <a:shade val="50000"/>
+            </a:schemeClr>
+          </a:lnRef>
+          <a:fillRef idx="1">
+            <a:schemeClr val="accent1"/>
+          </a:fillRef>
+          <a:effectRef idx="0">
+            <a:schemeClr val="accent1"/>
+          </a:effectRef>
+          <a:fontRef idx="minor">
+            <a:schemeClr val="lt1"/>
+          </a:fontRef>
+        </p:style>
+        <p:txBody>
+          <a:bodyPr rtlCol="0" anchor="ctr"/>
+          <a:lstStyle/>
+          <a:p>
+            <a:pPr algn="ctr"/>
+            <a:endParaRPr kumimoji="1" lang="zh-CN" altLang="en-US"/>
+          </a:p>
+        </p:txBody>
+      </p:sp>
     </p:spTree>
     <p:extLst>
       <p:ext uri="{BB962C8B-B14F-4D97-AF65-F5344CB8AC3E}">
-        <p14:creationId xmlns:p14="http://schemas.microsoft.com/office/powerpoint/2010/main" val="3992295352"/>
+        <p14:creationId xmlns:p14="http://schemas.microsoft.com/office/powerpoint/2010/main" val="644967734"/>
       </p:ext>
     </p:extLst>
   </p:cSld>
@@ -19802,7 +22859,7 @@
                                           </p:stCondLst>
                                         </p:cTn>
                                         <p:tgtEl>
-                                          <p:spTgt spid="13"/>
+                                          <p:spTgt spid="7"/>
                                         </p:tgtEl>
                                         <p:attrNameLst>
                                           <p:attrName>style.visibility</p:attrName>
@@ -19815,35 +22872,26 @@
                                   </p:childTnLst>
                                 </p:cTn>
                               </p:par>
+                            </p:childTnLst>
+                          </p:cTn>
+                        </p:par>
+                      </p:childTnLst>
+                    </p:cTn>
+                  </p:par>
+                  <p:par>
+                    <p:cTn id="7" fill="hold">
+                      <p:stCondLst>
+                        <p:cond delay="indefinite"/>
+                      </p:stCondLst>
+                      <p:childTnLst>
+                        <p:par>
+                          <p:cTn id="8" fill="hold">
+                            <p:stCondLst>
+                              <p:cond delay="0"/>
+                            </p:stCondLst>
+                            <p:childTnLst>
                               <p:par>
-                                <p:cTn id="7" presetID="1" presetClass="entr" presetSubtype="0" fill="hold" nodeType="withEffect">
-                                  <p:stCondLst>
-                                    <p:cond delay="0"/>
-                                  </p:stCondLst>
-                                  <p:childTnLst>
-                                    <p:set>
-                                      <p:cBhvr>
-                                        <p:cTn id="8" dur="1" fill="hold">
-                                          <p:stCondLst>
-                                            <p:cond delay="0"/>
-                                          </p:stCondLst>
-                                        </p:cTn>
-                                        <p:tgtEl>
-                                          <p:spTgt spid="6"/>
-                                        </p:tgtEl>
-                                        <p:attrNameLst>
-                                          <p:attrName>style.visibility</p:attrName>
-                                        </p:attrNameLst>
-                                      </p:cBhvr>
-                                      <p:to>
-                                        <p:strVal val="visible"/>
-                                      </p:to>
-                                    </p:set>
-                                  </p:childTnLst>
-                                </p:cTn>
-                              </p:par>
-                              <p:par>
-                                <p:cTn id="9" presetID="1" presetClass="entr" presetSubtype="0" fill="hold" nodeType="withEffect">
+                                <p:cTn id="9" presetID="1" presetClass="entr" presetSubtype="0" fill="hold" nodeType="clickEffect">
                                   <p:stCondLst>
                                     <p:cond delay="0"/>
                                   </p:stCondLst>
@@ -19856,7 +22904,7 @@
                                           </p:stCondLst>
                                         </p:cTn>
                                         <p:tgtEl>
-                                          <p:spTgt spid="7"/>
+                                          <p:spTgt spid="6"/>
                                         </p:tgtEl>
                                         <p:attrNameLst>
                                           <p:attrName>style.visibility</p:attrName>
@@ -19897,9 +22945,1415 @@
       </p:par>
     </p:tnLst>
     <p:bldLst>
-      <p:bldP spid="13" grpId="0"/>
+      <p:bldP spid="7" grpId="0" animBg="1"/>
     </p:bldLst>
   </p:timing>
+</p:sld>
+</file>
+
+<file path=ppt/slides/slide6.xml><?xml version="1.0" encoding="utf-8"?>
+<p:sld xmlns:a="http://schemas.openxmlformats.org/drawingml/2006/main" xmlns:r="http://schemas.openxmlformats.org/officeDocument/2006/relationships" xmlns:p="http://schemas.openxmlformats.org/presentationml/2006/main">
+  <p:cSld>
+    <p:bg>
+      <p:bgPr>
+        <a:blipFill>
+          <a:blip r:embed="rId3"/>
+          <a:tile tx="0" ty="0" sx="100000" sy="100000" flip="none" algn="tl"/>
+        </a:blipFill>
+        <a:effectLst/>
+      </p:bgPr>
+    </p:bg>
+    <p:spTree>
+      <p:nvGrpSpPr>
+        <p:cNvPr id="1" name=""/>
+        <p:cNvGrpSpPr/>
+        <p:nvPr/>
+      </p:nvGrpSpPr>
+      <p:grpSpPr>
+        <a:xfrm>
+          <a:off x="0" y="0"/>
+          <a:ext cx="0" cy="0"/>
+          <a:chOff x="0" y="0"/>
+          <a:chExt cx="0" cy="0"/>
+        </a:xfrm>
+      </p:grpSpPr>
+      <p:sp>
+        <p:nvSpPr>
+          <p:cNvPr id="2" name="文本框 1">
+            <a:extLst>
+              <a:ext uri="{FF2B5EF4-FFF2-40B4-BE49-F238E27FC236}">
+                <a16:creationId xmlns:a16="http://schemas.microsoft.com/office/drawing/2014/main" id="{12AA8BCC-7B15-4842-80C2-48C079429338}"/>
+              </a:ext>
+            </a:extLst>
+          </p:cNvPr>
+          <p:cNvSpPr txBox="1"/>
+          <p:nvPr/>
+        </p:nvSpPr>
+        <p:spPr>
+          <a:xfrm>
+            <a:off x="2520000" y="792480"/>
+            <a:ext cx="9082720" cy="830997"/>
+          </a:xfrm>
+          <a:prstGeom prst="rect">
+            <a:avLst/>
+          </a:prstGeom>
+          <a:noFill/>
+        </p:spPr>
+        <p:txBody>
+          <a:bodyPr wrap="square" rtlCol="0">
+            <a:spAutoFit/>
+          </a:bodyPr>
+          <a:lstStyle/>
+          <a:p>
+            <a:pPr algn="ctr"/>
+            <a:r>
+              <a:rPr kumimoji="1" lang="zh-CN" altLang="en-US" sz="4800" dirty="0">
+                <a:ea typeface="Microsoft YaHei" panose="020B0503020204020204" pitchFamily="34" charset="-122"/>
+              </a:rPr>
+              <a:t>除数为</a:t>
+            </a:r>
+            <a:r>
+              <a:rPr kumimoji="1" lang="en-US" altLang="zh-CN" sz="4800" dirty="0">
+                <a:ea typeface="Microsoft YaHei" panose="020B0503020204020204" pitchFamily="34" charset="-122"/>
+              </a:rPr>
+              <a:t>0---</a:t>
+            </a:r>
+            <a:r>
+              <a:rPr kumimoji="1" lang="zh-CN" altLang="en-US" sz="4800" dirty="0">
+                <a:ea typeface="Microsoft YaHei" panose="020B0503020204020204" pitchFamily="34" charset="-122"/>
+              </a:rPr>
+              <a:t>用异常处理</a:t>
+            </a:r>
+            <a:endParaRPr kumimoji="1" lang="en-US" altLang="zh-CN" sz="4800" dirty="0">
+              <a:ea typeface="Microsoft YaHei" panose="020B0503020204020204" pitchFamily="34" charset="-122"/>
+            </a:endParaRPr>
+          </a:p>
+        </p:txBody>
+      </p:sp>
+      <p:sp>
+        <p:nvSpPr>
+          <p:cNvPr id="8" name="文本框 7">
+            <a:extLst>
+              <a:ext uri="{FF2B5EF4-FFF2-40B4-BE49-F238E27FC236}">
+                <a16:creationId xmlns:a16="http://schemas.microsoft.com/office/drawing/2014/main" id="{61DE3581-A9D0-114C-A88E-6B353EE09CDE}"/>
+              </a:ext>
+            </a:extLst>
+          </p:cNvPr>
+          <p:cNvSpPr txBox="1"/>
+          <p:nvPr/>
+        </p:nvSpPr>
+        <p:spPr>
+          <a:xfrm>
+            <a:off x="308770" y="2940795"/>
+            <a:ext cx="1313180" cy="400110"/>
+          </a:xfrm>
+          <a:prstGeom prst="rect">
+            <a:avLst/>
+          </a:prstGeom>
+          <a:solidFill>
+            <a:schemeClr val="accent2"/>
+          </a:solidFill>
+        </p:spPr>
+        <p:txBody>
+          <a:bodyPr wrap="square" rtlCol="0">
+            <a:spAutoFit/>
+          </a:bodyPr>
+          <a:lstStyle/>
+          <a:p>
+            <a:r>
+              <a:rPr kumimoji="1" lang="zh-CN" altLang="en-US" sz="2000" dirty="0">
+                <a:solidFill>
+                  <a:schemeClr val="bg1"/>
+                </a:solidFill>
+                <a:latin typeface="Microsoft YaHei" panose="020B0503020204020204" pitchFamily="34" charset="-122"/>
+                <a:ea typeface="Microsoft YaHei" panose="020B0503020204020204" pitchFamily="34" charset="-122"/>
+              </a:rPr>
+              <a:t>方法定义</a:t>
+            </a:r>
+          </a:p>
+        </p:txBody>
+      </p:sp>
+      <p:pic>
+        <p:nvPicPr>
+          <p:cNvPr id="3" name="图片 2">
+            <a:extLst>
+              <a:ext uri="{FF2B5EF4-FFF2-40B4-BE49-F238E27FC236}">
+                <a16:creationId xmlns:a16="http://schemas.microsoft.com/office/drawing/2014/main" id="{FB1A94CA-C520-4645-BC61-F502470B4166}"/>
+              </a:ext>
+            </a:extLst>
+          </p:cNvPr>
+          <p:cNvPicPr>
+            <a:picLocks noChangeAspect="1"/>
+          </p:cNvPicPr>
+          <p:nvPr/>
+        </p:nvPicPr>
+        <p:blipFill>
+          <a:blip r:embed="rId4"/>
+          <a:stretch>
+            <a:fillRect/>
+          </a:stretch>
+        </p:blipFill>
+        <p:spPr>
+          <a:xfrm>
+            <a:off x="2260600" y="2578785"/>
+            <a:ext cx="5359400" cy="1168400"/>
+          </a:xfrm>
+          <a:prstGeom prst="rect">
+            <a:avLst/>
+          </a:prstGeom>
+        </p:spPr>
+      </p:pic>
+      <p:pic>
+        <p:nvPicPr>
+          <p:cNvPr id="5" name="图片 4">
+            <a:extLst>
+              <a:ext uri="{FF2B5EF4-FFF2-40B4-BE49-F238E27FC236}">
+                <a16:creationId xmlns:a16="http://schemas.microsoft.com/office/drawing/2014/main" id="{5666431C-03F9-0E40-AA68-9932C9CEA2AE}"/>
+              </a:ext>
+            </a:extLst>
+          </p:cNvPr>
+          <p:cNvPicPr>
+            <a:picLocks noChangeAspect="1"/>
+          </p:cNvPicPr>
+          <p:nvPr/>
+        </p:nvPicPr>
+        <p:blipFill>
+          <a:blip r:embed="rId5"/>
+          <a:stretch>
+            <a:fillRect/>
+          </a:stretch>
+        </p:blipFill>
+        <p:spPr>
+          <a:xfrm>
+            <a:off x="2230280" y="4399945"/>
+            <a:ext cx="5257800" cy="2197100"/>
+          </a:xfrm>
+          <a:prstGeom prst="rect">
+            <a:avLst/>
+          </a:prstGeom>
+        </p:spPr>
+      </p:pic>
+      <p:sp>
+        <p:nvSpPr>
+          <p:cNvPr id="9" name="文本框 8">
+            <a:extLst>
+              <a:ext uri="{FF2B5EF4-FFF2-40B4-BE49-F238E27FC236}">
+                <a16:creationId xmlns:a16="http://schemas.microsoft.com/office/drawing/2014/main" id="{09AF06E9-A81D-3B4A-87C4-D1475FF2A133}"/>
+              </a:ext>
+            </a:extLst>
+          </p:cNvPr>
+          <p:cNvSpPr txBox="1"/>
+          <p:nvPr/>
+        </p:nvSpPr>
+        <p:spPr>
+          <a:xfrm>
+            <a:off x="308770" y="5498495"/>
+            <a:ext cx="1313180" cy="400110"/>
+          </a:xfrm>
+          <a:prstGeom prst="rect">
+            <a:avLst/>
+          </a:prstGeom>
+          <a:solidFill>
+            <a:schemeClr val="accent2"/>
+          </a:solidFill>
+        </p:spPr>
+        <p:txBody>
+          <a:bodyPr wrap="square" rtlCol="0">
+            <a:spAutoFit/>
+          </a:bodyPr>
+          <a:lstStyle/>
+          <a:p>
+            <a:r>
+              <a:rPr kumimoji="1" lang="zh-CN" altLang="en-US" sz="2000" dirty="0">
+                <a:solidFill>
+                  <a:schemeClr val="bg1"/>
+                </a:solidFill>
+                <a:latin typeface="Microsoft YaHei" panose="020B0503020204020204" pitchFamily="34" charset="-122"/>
+                <a:ea typeface="Microsoft YaHei" panose="020B0503020204020204" pitchFamily="34" charset="-122"/>
+              </a:rPr>
+              <a:t>方法调用</a:t>
+            </a:r>
+          </a:p>
+        </p:txBody>
+      </p:sp>
+      <p:sp>
+        <p:nvSpPr>
+          <p:cNvPr id="10" name="文本框 9">
+            <a:extLst>
+              <a:ext uri="{FF2B5EF4-FFF2-40B4-BE49-F238E27FC236}">
+                <a16:creationId xmlns:a16="http://schemas.microsoft.com/office/drawing/2014/main" id="{415C9980-566B-534A-BD81-75AEDC54B78B}"/>
+              </a:ext>
+            </a:extLst>
+          </p:cNvPr>
+          <p:cNvSpPr txBox="1"/>
+          <p:nvPr/>
+        </p:nvSpPr>
+        <p:spPr>
+          <a:xfrm>
+            <a:off x="7989965" y="2757815"/>
+            <a:ext cx="3487420" cy="923330"/>
+          </a:xfrm>
+          <a:prstGeom prst="rect">
+            <a:avLst/>
+          </a:prstGeom>
+          <a:solidFill>
+            <a:schemeClr val="accent2"/>
+          </a:solidFill>
+        </p:spPr>
+        <p:txBody>
+          <a:bodyPr wrap="square" rtlCol="0">
+            <a:spAutoFit/>
+          </a:bodyPr>
+          <a:lstStyle/>
+          <a:p>
+            <a:r>
+              <a:rPr kumimoji="1" lang="zh-CN" altLang="en-US" dirty="0">
+                <a:solidFill>
+                  <a:schemeClr val="bg1"/>
+                </a:solidFill>
+              </a:rPr>
+              <a:t>方法中如果出错，抛出一个异常</a:t>
+            </a:r>
+            <a:endParaRPr kumimoji="1" lang="en-US" altLang="zh-CN" dirty="0">
+              <a:solidFill>
+                <a:schemeClr val="bg1"/>
+              </a:solidFill>
+            </a:endParaRPr>
+          </a:p>
+          <a:p>
+            <a:pPr marL="342900" indent="-342900">
+              <a:buFont typeface="+mj-lt"/>
+              <a:buAutoNum type="arabicPeriod"/>
+            </a:pPr>
+            <a:r>
+              <a:rPr kumimoji="1" lang="en-US" altLang="zh-CN" dirty="0">
+                <a:solidFill>
+                  <a:schemeClr val="bg1"/>
+                </a:solidFill>
+              </a:rPr>
+              <a:t>Throw</a:t>
+            </a:r>
+            <a:r>
+              <a:rPr kumimoji="1" lang="zh-CN" altLang="en-US" dirty="0">
+                <a:solidFill>
+                  <a:schemeClr val="bg1"/>
+                </a:solidFill>
+              </a:rPr>
+              <a:t> 语法表示 抛出</a:t>
+            </a:r>
+            <a:endParaRPr kumimoji="1" lang="en-US" altLang="zh-CN" dirty="0">
+              <a:solidFill>
+                <a:schemeClr val="bg1"/>
+              </a:solidFill>
+            </a:endParaRPr>
+          </a:p>
+          <a:p>
+            <a:pPr marL="342900" indent="-342900">
+              <a:buFont typeface="+mj-lt"/>
+              <a:buAutoNum type="arabicPeriod"/>
+            </a:pPr>
+            <a:r>
+              <a:rPr kumimoji="1" lang="en-US" altLang="zh-CN" dirty="0">
+                <a:solidFill>
+                  <a:schemeClr val="bg1"/>
+                </a:solidFill>
+              </a:rPr>
+              <a:t>Exception</a:t>
+            </a:r>
+            <a:r>
+              <a:rPr kumimoji="1" lang="zh-CN" altLang="en-US" dirty="0">
+                <a:solidFill>
+                  <a:schemeClr val="bg1"/>
+                </a:solidFill>
+              </a:rPr>
+              <a:t> 表示一个异常对象</a:t>
+            </a:r>
+          </a:p>
+        </p:txBody>
+      </p:sp>
+      <p:sp>
+        <p:nvSpPr>
+          <p:cNvPr id="11" name="文本框 10">
+            <a:extLst>
+              <a:ext uri="{FF2B5EF4-FFF2-40B4-BE49-F238E27FC236}">
+                <a16:creationId xmlns:a16="http://schemas.microsoft.com/office/drawing/2014/main" id="{EA620FAA-0D6D-BB4D-81F6-941554C01261}"/>
+              </a:ext>
+            </a:extLst>
+          </p:cNvPr>
+          <p:cNvSpPr txBox="1"/>
+          <p:nvPr/>
+        </p:nvSpPr>
+        <p:spPr>
+          <a:xfrm>
+            <a:off x="7989965" y="5142190"/>
+            <a:ext cx="3973990" cy="923330"/>
+          </a:xfrm>
+          <a:prstGeom prst="rect">
+            <a:avLst/>
+          </a:prstGeom>
+          <a:solidFill>
+            <a:schemeClr val="accent2"/>
+          </a:solidFill>
+        </p:spPr>
+        <p:txBody>
+          <a:bodyPr wrap="square" rtlCol="0">
+            <a:spAutoFit/>
+          </a:bodyPr>
+          <a:lstStyle/>
+          <a:p>
+            <a:r>
+              <a:rPr kumimoji="1" lang="zh-CN" altLang="en-US" dirty="0">
+                <a:solidFill>
+                  <a:schemeClr val="bg1"/>
+                </a:solidFill>
+              </a:rPr>
+              <a:t>调用地，用</a:t>
+            </a:r>
+            <a:r>
+              <a:rPr kumimoji="1" lang="en-US" altLang="zh-CN" dirty="0">
+                <a:solidFill>
+                  <a:schemeClr val="bg1"/>
+                </a:solidFill>
+              </a:rPr>
+              <a:t>try</a:t>
+            </a:r>
+            <a:r>
+              <a:rPr kumimoji="1" lang="zh-CN" altLang="en-US" dirty="0">
+                <a:solidFill>
+                  <a:schemeClr val="bg1"/>
+                </a:solidFill>
+              </a:rPr>
+              <a:t> </a:t>
+            </a:r>
+            <a:r>
+              <a:rPr kumimoji="1" lang="en-US" altLang="zh-CN" dirty="0">
+                <a:solidFill>
+                  <a:schemeClr val="bg1"/>
+                </a:solidFill>
+              </a:rPr>
+              <a:t>catch</a:t>
+            </a:r>
+            <a:r>
+              <a:rPr kumimoji="1" lang="zh-CN" altLang="en-US" dirty="0">
+                <a:solidFill>
+                  <a:schemeClr val="bg1"/>
+                </a:solidFill>
+              </a:rPr>
+              <a:t>接住这个异常</a:t>
+            </a:r>
+            <a:endParaRPr kumimoji="1" lang="en-US" altLang="zh-CN" dirty="0">
+              <a:solidFill>
+                <a:schemeClr val="bg1"/>
+              </a:solidFill>
+            </a:endParaRPr>
+          </a:p>
+          <a:p>
+            <a:pPr marL="342900" indent="-342900">
+              <a:buFont typeface="+mj-lt"/>
+              <a:buAutoNum type="arabicPeriod"/>
+            </a:pPr>
+            <a:r>
+              <a:rPr kumimoji="1" lang="en-US" altLang="zh-CN" dirty="0">
+                <a:solidFill>
+                  <a:schemeClr val="bg1"/>
+                </a:solidFill>
+              </a:rPr>
+              <a:t>Throw</a:t>
+            </a:r>
+            <a:r>
+              <a:rPr kumimoji="1" lang="zh-CN" altLang="en-US" dirty="0">
+                <a:solidFill>
+                  <a:schemeClr val="bg1"/>
+                </a:solidFill>
+              </a:rPr>
+              <a:t> 语法表示 抛出</a:t>
+            </a:r>
+            <a:endParaRPr kumimoji="1" lang="en-US" altLang="zh-CN" dirty="0">
+              <a:solidFill>
+                <a:schemeClr val="bg1"/>
+              </a:solidFill>
+            </a:endParaRPr>
+          </a:p>
+          <a:p>
+            <a:pPr marL="342900" indent="-342900">
+              <a:buFont typeface="+mj-lt"/>
+              <a:buAutoNum type="arabicPeriod"/>
+            </a:pPr>
+            <a:r>
+              <a:rPr kumimoji="1" lang="en-US" altLang="zh-CN" dirty="0">
+                <a:solidFill>
+                  <a:schemeClr val="bg1"/>
+                </a:solidFill>
+              </a:rPr>
+              <a:t>Exception</a:t>
+            </a:r>
+            <a:r>
+              <a:rPr kumimoji="1" lang="zh-CN" altLang="en-US" dirty="0">
+                <a:solidFill>
+                  <a:schemeClr val="bg1"/>
+                </a:solidFill>
+              </a:rPr>
+              <a:t> 表示一个异常对象</a:t>
+            </a:r>
+          </a:p>
+        </p:txBody>
+      </p:sp>
+    </p:spTree>
+    <p:extLst>
+      <p:ext uri="{BB962C8B-B14F-4D97-AF65-F5344CB8AC3E}">
+        <p14:creationId xmlns:p14="http://schemas.microsoft.com/office/powerpoint/2010/main" val="1080121748"/>
+      </p:ext>
+    </p:extLst>
+  </p:cSld>
+  <p:clrMapOvr>
+    <a:masterClrMapping/>
+  </p:clrMapOvr>
+</p:sld>
+</file>
+
+<file path=ppt/slides/slide7.xml><?xml version="1.0" encoding="utf-8"?>
+<p:sld xmlns:a="http://schemas.openxmlformats.org/drawingml/2006/main" xmlns:r="http://schemas.openxmlformats.org/officeDocument/2006/relationships" xmlns:p="http://schemas.openxmlformats.org/presentationml/2006/main">
+  <p:cSld>
+    <p:bg>
+      <p:bgPr>
+        <a:blipFill>
+          <a:blip r:embed="rId3"/>
+          <a:tile tx="0" ty="0" sx="100000" sy="100000" flip="none" algn="tl"/>
+        </a:blipFill>
+        <a:effectLst/>
+      </p:bgPr>
+    </p:bg>
+    <p:spTree>
+      <p:nvGrpSpPr>
+        <p:cNvPr id="1" name=""/>
+        <p:cNvGrpSpPr/>
+        <p:nvPr/>
+      </p:nvGrpSpPr>
+      <p:grpSpPr>
+        <a:xfrm>
+          <a:off x="0" y="0"/>
+          <a:ext cx="0" cy="0"/>
+          <a:chOff x="0" y="0"/>
+          <a:chExt cx="0" cy="0"/>
+        </a:xfrm>
+      </p:grpSpPr>
+      <p:sp>
+        <p:nvSpPr>
+          <p:cNvPr id="2" name="文本框 1">
+            <a:extLst>
+              <a:ext uri="{FF2B5EF4-FFF2-40B4-BE49-F238E27FC236}">
+                <a16:creationId xmlns:a16="http://schemas.microsoft.com/office/drawing/2014/main" id="{12AA8BCC-7B15-4842-80C2-48C079429338}"/>
+              </a:ext>
+            </a:extLst>
+          </p:cNvPr>
+          <p:cNvSpPr txBox="1"/>
+          <p:nvPr/>
+        </p:nvSpPr>
+        <p:spPr>
+          <a:xfrm>
+            <a:off x="1609344" y="558855"/>
+            <a:ext cx="9448480" cy="830997"/>
+          </a:xfrm>
+          <a:prstGeom prst="rect">
+            <a:avLst/>
+          </a:prstGeom>
+          <a:noFill/>
+        </p:spPr>
+        <p:txBody>
+          <a:bodyPr wrap="square" rtlCol="0">
+            <a:spAutoFit/>
+          </a:bodyPr>
+          <a:lstStyle/>
+          <a:p>
+            <a:pPr algn="ctr"/>
+            <a:r>
+              <a:rPr kumimoji="1" lang="zh-CN" altLang="en-US" sz="4800" dirty="0">
+                <a:latin typeface="Microsoft YaHei" panose="020B0503020204020204" pitchFamily="34" charset="-122"/>
+                <a:ea typeface="Microsoft YaHei" panose="020B0503020204020204" pitchFamily="34" charset="-122"/>
+              </a:rPr>
+              <a:t>为什么要用</a:t>
+            </a:r>
+            <a:r>
+              <a:rPr kumimoji="1" lang="en-US" altLang="zh-CN" sz="4800" dirty="0">
+                <a:latin typeface="Microsoft YaHei" panose="020B0503020204020204" pitchFamily="34" charset="-122"/>
+                <a:ea typeface="Microsoft YaHei" panose="020B0503020204020204" pitchFamily="34" charset="-122"/>
+              </a:rPr>
+              <a:t>exception</a:t>
+            </a:r>
+            <a:r>
+              <a:rPr kumimoji="1" lang="zh-CN" altLang="en-US" sz="4800" dirty="0">
+                <a:latin typeface="Microsoft YaHei" panose="020B0503020204020204" pitchFamily="34" charset="-122"/>
+                <a:ea typeface="Microsoft YaHei" panose="020B0503020204020204" pitchFamily="34" charset="-122"/>
+              </a:rPr>
+              <a:t>处理方式</a:t>
+            </a:r>
+            <a:endParaRPr kumimoji="1" lang="en-US" altLang="zh-CN" sz="4800" dirty="0">
+              <a:ea typeface="Microsoft YaHei" panose="020B0503020204020204" pitchFamily="34" charset="-122"/>
+            </a:endParaRPr>
+          </a:p>
+        </p:txBody>
+      </p:sp>
+      <p:sp>
+        <p:nvSpPr>
+          <p:cNvPr id="4" name="文本框 3">
+            <a:extLst>
+              <a:ext uri="{FF2B5EF4-FFF2-40B4-BE49-F238E27FC236}">
+                <a16:creationId xmlns:a16="http://schemas.microsoft.com/office/drawing/2014/main" id="{7C1B0394-5035-0C4B-8A38-2B1CCA2CFC38}"/>
+              </a:ext>
+            </a:extLst>
+          </p:cNvPr>
+          <p:cNvSpPr txBox="1"/>
+          <p:nvPr/>
+        </p:nvSpPr>
+        <p:spPr>
+          <a:xfrm>
+            <a:off x="1609344" y="1682496"/>
+            <a:ext cx="9253728" cy="3785652"/>
+          </a:xfrm>
+          <a:prstGeom prst="rect">
+            <a:avLst/>
+          </a:prstGeom>
+          <a:noFill/>
+        </p:spPr>
+        <p:txBody>
+          <a:bodyPr wrap="square" rtlCol="0">
+            <a:spAutoFit/>
+          </a:bodyPr>
+          <a:lstStyle/>
+          <a:p>
+            <a:r>
+              <a:rPr kumimoji="1" lang="zh-CN" altLang="en-US" sz="2400" dirty="0">
+                <a:latin typeface="Microsoft YaHei" panose="020B0503020204020204" pitchFamily="34" charset="-122"/>
+                <a:ea typeface="Microsoft YaHei" panose="020B0503020204020204" pitchFamily="34" charset="-122"/>
+              </a:rPr>
+              <a:t>直观的定义：</a:t>
+            </a:r>
+            <a:r>
+              <a:rPr kumimoji="1" lang="zh-CN" altLang="en-US" sz="2400" dirty="0">
+                <a:solidFill>
+                  <a:schemeClr val="accent2"/>
+                </a:solidFill>
+                <a:latin typeface="Microsoft YaHei" panose="020B0503020204020204" pitchFamily="34" charset="-122"/>
+                <a:ea typeface="Microsoft YaHei" panose="020B0503020204020204" pitchFamily="34" charset="-122"/>
+              </a:rPr>
+              <a:t>只声明而没有方法体的方法</a:t>
+            </a:r>
+            <a:r>
+              <a:rPr kumimoji="1" lang="zh-CN" altLang="en-US" sz="2400" dirty="0">
+                <a:latin typeface="Microsoft YaHei" panose="020B0503020204020204" pitchFamily="34" charset="-122"/>
+                <a:ea typeface="Microsoft YaHei" panose="020B0503020204020204" pitchFamily="34" charset="-122"/>
+              </a:rPr>
+              <a:t>。</a:t>
+            </a:r>
+            <a:endParaRPr kumimoji="1" lang="en-US" altLang="zh-CN" sz="2400" dirty="0">
+              <a:latin typeface="Microsoft YaHei" panose="020B0503020204020204" pitchFamily="34" charset="-122"/>
+              <a:ea typeface="Microsoft YaHei" panose="020B0503020204020204" pitchFamily="34" charset="-122"/>
+            </a:endParaRPr>
+          </a:p>
+          <a:p>
+            <a:endParaRPr kumimoji="1" lang="en-US" altLang="zh-CN" sz="2400" dirty="0">
+              <a:latin typeface="Microsoft YaHei" panose="020B0503020204020204" pitchFamily="34" charset="-122"/>
+              <a:ea typeface="Microsoft YaHei" panose="020B0503020204020204" pitchFamily="34" charset="-122"/>
+            </a:endParaRPr>
+          </a:p>
+          <a:p>
+            <a:pPr marL="342900" indent="-342900">
+              <a:buFont typeface="Arial" panose="020B0604020202020204" pitchFamily="34" charset="0"/>
+              <a:buChar char="•"/>
+            </a:pPr>
+            <a:r>
+              <a:rPr kumimoji="1" lang="zh-CN" altLang="en-US" sz="2400" dirty="0">
+                <a:latin typeface="Microsoft YaHei" panose="020B0503020204020204" pitchFamily="34" charset="-122"/>
+                <a:ea typeface="Microsoft YaHei" panose="020B0503020204020204" pitchFamily="34" charset="-122"/>
+              </a:rPr>
+              <a:t>格式： </a:t>
+            </a:r>
+            <a:endParaRPr kumimoji="1" lang="en-US" altLang="zh-CN" sz="2400" dirty="0">
+              <a:latin typeface="Microsoft YaHei" panose="020B0503020204020204" pitchFamily="34" charset="-122"/>
+              <a:ea typeface="Microsoft YaHei" panose="020B0503020204020204" pitchFamily="34" charset="-122"/>
+            </a:endParaRPr>
+          </a:p>
+          <a:p>
+            <a:pPr marL="914400" lvl="1" indent="-457200">
+              <a:buFont typeface="+mj-lt"/>
+              <a:buAutoNum type="arabicPeriod"/>
+            </a:pPr>
+            <a:r>
+              <a:rPr kumimoji="1" lang="zh-CN" altLang="en-US" sz="2400" dirty="0">
+                <a:latin typeface="Microsoft YaHei" panose="020B0503020204020204" pitchFamily="34" charset="-122"/>
+                <a:ea typeface="Microsoft YaHei" panose="020B0503020204020204" pitchFamily="34" charset="-122"/>
+              </a:rPr>
+              <a:t>用</a:t>
+            </a:r>
+            <a:r>
+              <a:rPr kumimoji="1" lang="en-US" altLang="zh-CN" sz="2400" dirty="0">
+                <a:latin typeface="Microsoft YaHei" panose="020B0503020204020204" pitchFamily="34" charset="-122"/>
+                <a:ea typeface="Microsoft YaHei" panose="020B0503020204020204" pitchFamily="34" charset="-122"/>
+              </a:rPr>
+              <a:t>abstract</a:t>
+            </a:r>
+            <a:r>
+              <a:rPr kumimoji="1" lang="zh-CN" altLang="en-US" sz="2400" dirty="0">
+                <a:latin typeface="Microsoft YaHei" panose="020B0503020204020204" pitchFamily="34" charset="-122"/>
+                <a:ea typeface="Microsoft YaHei" panose="020B0503020204020204" pitchFamily="34" charset="-122"/>
+              </a:rPr>
+              <a:t>形容。</a:t>
+            </a:r>
+            <a:endParaRPr kumimoji="1" lang="en-US" altLang="zh-CN" sz="2400" dirty="0">
+              <a:latin typeface="Microsoft YaHei" panose="020B0503020204020204" pitchFamily="34" charset="-122"/>
+              <a:ea typeface="Microsoft YaHei" panose="020B0503020204020204" pitchFamily="34" charset="-122"/>
+            </a:endParaRPr>
+          </a:p>
+          <a:p>
+            <a:pPr marL="914400" lvl="1" indent="-457200">
+              <a:buFont typeface="+mj-lt"/>
+              <a:buAutoNum type="arabicPeriod"/>
+            </a:pPr>
+            <a:r>
+              <a:rPr kumimoji="1" lang="zh-CN" altLang="en-US" sz="2400" dirty="0">
+                <a:latin typeface="Microsoft YaHei" panose="020B0503020204020204" pitchFamily="34" charset="-122"/>
+                <a:ea typeface="Microsoft YaHei" panose="020B0503020204020204" pitchFamily="34" charset="-122"/>
+              </a:rPr>
+              <a:t>没有方法实现。</a:t>
+            </a:r>
+            <a:endParaRPr kumimoji="1" lang="en-US" altLang="zh-CN" sz="2400" dirty="0">
+              <a:latin typeface="Microsoft YaHei" panose="020B0503020204020204" pitchFamily="34" charset="-122"/>
+              <a:ea typeface="Microsoft YaHei" panose="020B0503020204020204" pitchFamily="34" charset="-122"/>
+            </a:endParaRPr>
+          </a:p>
+          <a:p>
+            <a:pPr lvl="1"/>
+            <a:r>
+              <a:rPr kumimoji="1" lang="zh-CN" altLang="en-US" sz="2400" dirty="0">
+                <a:latin typeface="Microsoft YaHei" panose="020B0503020204020204" pitchFamily="34" charset="-122"/>
+                <a:ea typeface="Microsoft YaHei" panose="020B0503020204020204" pitchFamily="34" charset="-122"/>
+              </a:rPr>
+              <a:t>例子  </a:t>
+            </a:r>
+            <a:r>
+              <a:rPr kumimoji="1" lang="en-US" altLang="zh-CN" sz="2400" dirty="0">
+                <a:latin typeface="Microsoft YaHei" panose="020B0503020204020204" pitchFamily="34" charset="-122"/>
+                <a:ea typeface="Microsoft YaHei" panose="020B0503020204020204" pitchFamily="34" charset="-122"/>
+              </a:rPr>
+              <a:t>public </a:t>
+            </a:r>
+            <a:r>
+              <a:rPr kumimoji="1" lang="en-US" altLang="zh-CN" sz="2400" dirty="0">
+                <a:solidFill>
+                  <a:schemeClr val="accent2"/>
+                </a:solidFill>
+                <a:latin typeface="Microsoft YaHei" panose="020B0503020204020204" pitchFamily="34" charset="-122"/>
+                <a:ea typeface="Microsoft YaHei" panose="020B0503020204020204" pitchFamily="34" charset="-122"/>
+              </a:rPr>
+              <a:t>abstract</a:t>
+            </a:r>
+            <a:r>
+              <a:rPr kumimoji="1" lang="en-US" altLang="zh-CN" sz="2400" dirty="0">
+                <a:latin typeface="Microsoft YaHei" panose="020B0503020204020204" pitchFamily="34" charset="-122"/>
+                <a:ea typeface="Microsoft YaHei" panose="020B0503020204020204" pitchFamily="34" charset="-122"/>
+              </a:rPr>
+              <a:t> void ();</a:t>
+            </a:r>
+          </a:p>
+          <a:p>
+            <a:pPr lvl="1"/>
+            <a:endParaRPr kumimoji="1" lang="en-US" altLang="zh-CN" sz="2400" dirty="0">
+              <a:latin typeface="Microsoft YaHei" panose="020B0503020204020204" pitchFamily="34" charset="-122"/>
+              <a:ea typeface="Microsoft YaHei" panose="020B0503020204020204" pitchFamily="34" charset="-122"/>
+            </a:endParaRPr>
+          </a:p>
+          <a:p>
+            <a:pPr marL="342900" indent="-342900">
+              <a:buFont typeface="Arial" panose="020B0604020202020204" pitchFamily="34" charset="0"/>
+              <a:buChar char="•"/>
+            </a:pPr>
+            <a:r>
+              <a:rPr kumimoji="1" lang="zh-CN" altLang="en-US" sz="2400" dirty="0">
+                <a:latin typeface="Microsoft YaHei" panose="020B0503020204020204" pitchFamily="34" charset="-122"/>
+                <a:ea typeface="Microsoft YaHei" panose="020B0503020204020204" pitchFamily="34" charset="-122"/>
+              </a:rPr>
+              <a:t>用法： 抽象方法只保留方法的功能，具体的执行，交给继承抽象类的子类，由子类重写抽象方法。</a:t>
+            </a:r>
+            <a:endParaRPr kumimoji="1" lang="en-US" altLang="zh-CN" sz="2400" dirty="0">
+              <a:latin typeface="Microsoft YaHei" panose="020B0503020204020204" pitchFamily="34" charset="-122"/>
+              <a:ea typeface="Microsoft YaHei" panose="020B0503020204020204" pitchFamily="34" charset="-122"/>
+            </a:endParaRPr>
+          </a:p>
+          <a:p>
+            <a:endParaRPr kumimoji="1" lang="en-US" altLang="zh-CN" sz="2400" dirty="0">
+              <a:latin typeface="Microsoft YaHei" panose="020B0503020204020204" pitchFamily="34" charset="-122"/>
+              <a:ea typeface="Microsoft YaHei" panose="020B0503020204020204" pitchFamily="34" charset="-122"/>
+            </a:endParaRPr>
+          </a:p>
+        </p:txBody>
+      </p:sp>
+    </p:spTree>
+    <p:extLst>
+      <p:ext uri="{BB962C8B-B14F-4D97-AF65-F5344CB8AC3E}">
+        <p14:creationId xmlns:p14="http://schemas.microsoft.com/office/powerpoint/2010/main" val="1024242802"/>
+      </p:ext>
+    </p:extLst>
+  </p:cSld>
+  <p:clrMapOvr>
+    <a:masterClrMapping/>
+  </p:clrMapOvr>
+</p:sld>
+</file>
+
+<file path=ppt/slides/slide8.xml><?xml version="1.0" encoding="utf-8"?>
+<p:sld xmlns:a="http://schemas.openxmlformats.org/drawingml/2006/main" xmlns:r="http://schemas.openxmlformats.org/officeDocument/2006/relationships" xmlns:p="http://schemas.openxmlformats.org/presentationml/2006/main">
+  <p:cSld>
+    <p:bg>
+      <p:bgPr>
+        <a:blipFill>
+          <a:blip r:embed="rId3"/>
+          <a:tile tx="0" ty="0" sx="100000" sy="100000" flip="none" algn="tl"/>
+        </a:blipFill>
+        <a:effectLst/>
+      </p:bgPr>
+    </p:bg>
+    <p:spTree>
+      <p:nvGrpSpPr>
+        <p:cNvPr id="1" name=""/>
+        <p:cNvGrpSpPr/>
+        <p:nvPr/>
+      </p:nvGrpSpPr>
+      <p:grpSpPr>
+        <a:xfrm>
+          <a:off x="0" y="0"/>
+          <a:ext cx="0" cy="0"/>
+          <a:chOff x="0" y="0"/>
+          <a:chExt cx="0" cy="0"/>
+        </a:xfrm>
+      </p:grpSpPr>
+      <p:sp>
+        <p:nvSpPr>
+          <p:cNvPr id="2" name="文本框 1">
+            <a:extLst>
+              <a:ext uri="{FF2B5EF4-FFF2-40B4-BE49-F238E27FC236}">
+                <a16:creationId xmlns:a16="http://schemas.microsoft.com/office/drawing/2014/main" id="{12AA8BCC-7B15-4842-80C2-48C079429338}"/>
+              </a:ext>
+            </a:extLst>
+          </p:cNvPr>
+          <p:cNvSpPr txBox="1"/>
+          <p:nvPr/>
+        </p:nvSpPr>
+        <p:spPr>
+          <a:xfrm>
+            <a:off x="2520000" y="720000"/>
+            <a:ext cx="7735824" cy="830997"/>
+          </a:xfrm>
+          <a:prstGeom prst="rect">
+            <a:avLst/>
+          </a:prstGeom>
+          <a:noFill/>
+        </p:spPr>
+        <p:txBody>
+          <a:bodyPr wrap="square" rtlCol="0">
+            <a:spAutoFit/>
+          </a:bodyPr>
+          <a:lstStyle/>
+          <a:p>
+            <a:pPr algn="ctr"/>
+            <a:r>
+              <a:rPr kumimoji="1" lang="zh-CN" altLang="en-US" sz="4800" dirty="0">
+                <a:latin typeface="Microsoft YaHei" panose="020B0503020204020204" pitchFamily="34" charset="-122"/>
+                <a:ea typeface="Microsoft YaHei" panose="020B0503020204020204" pitchFamily="34" charset="-122"/>
+              </a:rPr>
+              <a:t>常见异常类型</a:t>
+            </a:r>
+            <a:endParaRPr kumimoji="1" lang="en-US" altLang="zh-CN" sz="4800" dirty="0">
+              <a:ea typeface="Microsoft YaHei" panose="020B0503020204020204" pitchFamily="34" charset="-122"/>
+            </a:endParaRPr>
+          </a:p>
+        </p:txBody>
+      </p:sp>
+      <p:sp>
+        <p:nvSpPr>
+          <p:cNvPr id="4" name="文本框 3">
+            <a:extLst>
+              <a:ext uri="{FF2B5EF4-FFF2-40B4-BE49-F238E27FC236}">
+                <a16:creationId xmlns:a16="http://schemas.microsoft.com/office/drawing/2014/main" id="{7C1B0394-5035-0C4B-8A38-2B1CCA2CFC38}"/>
+              </a:ext>
+            </a:extLst>
+          </p:cNvPr>
+          <p:cNvSpPr txBox="1"/>
+          <p:nvPr/>
+        </p:nvSpPr>
+        <p:spPr>
+          <a:xfrm>
+            <a:off x="1761048" y="1844961"/>
+            <a:ext cx="9253728" cy="3351046"/>
+          </a:xfrm>
+          <a:prstGeom prst="rect">
+            <a:avLst/>
+          </a:prstGeom>
+          <a:noFill/>
+        </p:spPr>
+        <p:txBody>
+          <a:bodyPr wrap="square" rtlCol="0">
+            <a:spAutoFit/>
+          </a:bodyPr>
+          <a:lstStyle/>
+          <a:p>
+            <a:pPr marL="457200" indent="-457200">
+              <a:lnSpc>
+                <a:spcPct val="150000"/>
+              </a:lnSpc>
+              <a:buFont typeface="+mj-lt"/>
+              <a:buAutoNum type="arabicPeriod"/>
+            </a:pPr>
+            <a:r>
+              <a:rPr kumimoji="1" lang="en-US" altLang="zh-CN" sz="2400" dirty="0" err="1">
+                <a:solidFill>
+                  <a:schemeClr val="accent2"/>
+                </a:solidFill>
+                <a:latin typeface="Microsoft YaHei" panose="020B0503020204020204" pitchFamily="34" charset="-122"/>
+                <a:ea typeface="Microsoft YaHei" panose="020B0503020204020204" pitchFamily="34" charset="-122"/>
+              </a:rPr>
+              <a:t>IndexOutOfBoundsException</a:t>
+            </a:r>
+            <a:r>
+              <a:rPr kumimoji="1" lang="zh-CN" altLang="en-US" sz="2400" dirty="0">
+                <a:latin typeface="Microsoft YaHei" panose="020B0503020204020204" pitchFamily="34" charset="-122"/>
+                <a:ea typeface="Microsoft YaHei" panose="020B0503020204020204" pitchFamily="34" charset="-122"/>
+              </a:rPr>
+              <a:t>：数组越界异常，原因在于你访问的下标超过了数组的长度</a:t>
+            </a:r>
+            <a:endParaRPr kumimoji="1" lang="en-US" altLang="zh-CN" sz="2400" dirty="0">
+              <a:latin typeface="Microsoft YaHei" panose="020B0503020204020204" pitchFamily="34" charset="-122"/>
+              <a:ea typeface="Microsoft YaHei" panose="020B0503020204020204" pitchFamily="34" charset="-122"/>
+            </a:endParaRPr>
+          </a:p>
+          <a:p>
+            <a:pPr marL="457200" indent="-457200">
+              <a:lnSpc>
+                <a:spcPct val="150000"/>
+              </a:lnSpc>
+              <a:buFont typeface="+mj-lt"/>
+              <a:buAutoNum type="arabicPeriod"/>
+            </a:pPr>
+            <a:r>
+              <a:rPr kumimoji="1" lang="en-US" altLang="zh-CN" sz="2400" dirty="0" err="1">
+                <a:solidFill>
+                  <a:schemeClr val="accent2"/>
+                </a:solidFill>
+                <a:latin typeface="Microsoft YaHei" panose="020B0503020204020204" pitchFamily="34" charset="-122"/>
+                <a:ea typeface="Microsoft YaHei" panose="020B0503020204020204" pitchFamily="34" charset="-122"/>
+              </a:rPr>
+              <a:t>NullPointerException</a:t>
+            </a:r>
+            <a:r>
+              <a:rPr kumimoji="1" lang="en-US" altLang="zh-CN" sz="2400" dirty="0">
+                <a:latin typeface="Microsoft YaHei" panose="020B0503020204020204" pitchFamily="34" charset="-122"/>
+                <a:ea typeface="Microsoft YaHei" panose="020B0503020204020204" pitchFamily="34" charset="-122"/>
+              </a:rPr>
+              <a:t>:</a:t>
+            </a:r>
+            <a:r>
+              <a:rPr kumimoji="1" lang="zh-CN" altLang="en-US" sz="2400" dirty="0">
+                <a:latin typeface="Microsoft YaHei" panose="020B0503020204020204" pitchFamily="34" charset="-122"/>
+                <a:ea typeface="Microsoft YaHei" panose="020B0503020204020204" pitchFamily="34" charset="-122"/>
+              </a:rPr>
+              <a:t> 空指针异常，当试图调用一个</a:t>
+            </a:r>
+            <a:r>
+              <a:rPr kumimoji="1" lang="en-US" altLang="zh-CN" sz="2400" dirty="0">
+                <a:latin typeface="Microsoft YaHei" panose="020B0503020204020204" pitchFamily="34" charset="-122"/>
+                <a:ea typeface="Microsoft YaHei" panose="020B0503020204020204" pitchFamily="34" charset="-122"/>
+              </a:rPr>
+              <a:t>null</a:t>
+            </a:r>
+            <a:r>
+              <a:rPr kumimoji="1" lang="zh-CN" altLang="en-US" sz="2400" dirty="0">
+                <a:latin typeface="Microsoft YaHei" panose="020B0503020204020204" pitchFamily="34" charset="-122"/>
+                <a:ea typeface="Microsoft YaHei" panose="020B0503020204020204" pitchFamily="34" charset="-122"/>
+              </a:rPr>
+              <a:t>对象的实例或者实例变量时，会引发此异常</a:t>
+            </a:r>
+            <a:endParaRPr kumimoji="1" lang="en-US" altLang="zh-CN" sz="2400" dirty="0">
+              <a:latin typeface="Microsoft YaHei" panose="020B0503020204020204" pitchFamily="34" charset="-122"/>
+              <a:ea typeface="Microsoft YaHei" panose="020B0503020204020204" pitchFamily="34" charset="-122"/>
+            </a:endParaRPr>
+          </a:p>
+          <a:p>
+            <a:pPr marL="457200" indent="-457200">
+              <a:lnSpc>
+                <a:spcPct val="150000"/>
+              </a:lnSpc>
+              <a:buFont typeface="+mj-lt"/>
+              <a:buAutoNum type="arabicPeriod"/>
+            </a:pPr>
+            <a:r>
+              <a:rPr kumimoji="1" lang="en-US" altLang="zh-CN" sz="2400" dirty="0" err="1">
+                <a:solidFill>
+                  <a:schemeClr val="accent2"/>
+                </a:solidFill>
+                <a:latin typeface="Microsoft YaHei" panose="020B0503020204020204" pitchFamily="34" charset="-122"/>
+                <a:ea typeface="Microsoft YaHei" panose="020B0503020204020204" pitchFamily="34" charset="-122"/>
+              </a:rPr>
+              <a:t>IllegalArgumentException</a:t>
+            </a:r>
+            <a:r>
+              <a:rPr kumimoji="1" lang="en-US" altLang="zh-CN" sz="2400" dirty="0">
+                <a:latin typeface="Microsoft YaHei" panose="020B0503020204020204" pitchFamily="34" charset="-122"/>
+                <a:ea typeface="Microsoft YaHei" panose="020B0503020204020204" pitchFamily="34" charset="-122"/>
+              </a:rPr>
+              <a:t>:</a:t>
+            </a:r>
+            <a:r>
+              <a:rPr kumimoji="1" lang="zh-CN" altLang="en-US" sz="2400" dirty="0">
+                <a:latin typeface="Microsoft YaHei" panose="020B0503020204020204" pitchFamily="34" charset="-122"/>
+                <a:ea typeface="Microsoft YaHei" panose="020B0503020204020204" pitchFamily="34" charset="-122"/>
+              </a:rPr>
+              <a:t> 传递给方法的参数有问题</a:t>
+            </a:r>
+          </a:p>
+          <a:p>
+            <a:pPr marL="457200" indent="-457200">
+              <a:lnSpc>
+                <a:spcPct val="150000"/>
+              </a:lnSpc>
+              <a:buFont typeface="+mj-lt"/>
+              <a:buAutoNum type="arabicPeriod"/>
+            </a:pPr>
+            <a:r>
+              <a:rPr kumimoji="1" lang="en-US" altLang="zh-CN" sz="2400" dirty="0" err="1">
+                <a:solidFill>
+                  <a:schemeClr val="accent2"/>
+                </a:solidFill>
+                <a:latin typeface="Microsoft YaHei" panose="020B0503020204020204" pitchFamily="34" charset="-122"/>
+                <a:ea typeface="Microsoft YaHei" panose="020B0503020204020204" pitchFamily="34" charset="-122"/>
+              </a:rPr>
+              <a:t>IOException</a:t>
+            </a:r>
+            <a:r>
+              <a:rPr kumimoji="1" lang="en-US" altLang="zh-CN" sz="2400" dirty="0">
+                <a:latin typeface="Microsoft YaHei" panose="020B0503020204020204" pitchFamily="34" charset="-122"/>
+                <a:ea typeface="Microsoft YaHei" panose="020B0503020204020204" pitchFamily="34" charset="-122"/>
+              </a:rPr>
+              <a:t>:</a:t>
+            </a:r>
+            <a:r>
+              <a:rPr kumimoji="1" lang="zh-CN" altLang="en-US" sz="2400" dirty="0">
+                <a:latin typeface="Microsoft YaHei" panose="020B0503020204020204" pitchFamily="34" charset="-122"/>
+                <a:ea typeface="Microsoft YaHei" panose="020B0503020204020204" pitchFamily="34" charset="-122"/>
+              </a:rPr>
+              <a:t> 输入</a:t>
+            </a:r>
+            <a:r>
+              <a:rPr kumimoji="1" lang="en-US" altLang="zh-CN" sz="2400" dirty="0">
+                <a:latin typeface="Microsoft YaHei" panose="020B0503020204020204" pitchFamily="34" charset="-122"/>
+                <a:ea typeface="Microsoft YaHei" panose="020B0503020204020204" pitchFamily="34" charset="-122"/>
+              </a:rPr>
+              <a:t>/</a:t>
+            </a:r>
+            <a:r>
+              <a:rPr kumimoji="1" lang="zh-CN" altLang="en-US" sz="2400" dirty="0">
+                <a:latin typeface="Microsoft YaHei" panose="020B0503020204020204" pitchFamily="34" charset="-122"/>
+                <a:ea typeface="Microsoft YaHei" panose="020B0503020204020204" pitchFamily="34" charset="-122"/>
+              </a:rPr>
+              <a:t>输出 有问题，比如读取文件。</a:t>
+            </a:r>
+          </a:p>
+        </p:txBody>
+      </p:sp>
+      <p:sp>
+        <p:nvSpPr>
+          <p:cNvPr id="3" name="文本框 2">
+            <a:extLst>
+              <a:ext uri="{FF2B5EF4-FFF2-40B4-BE49-F238E27FC236}">
+                <a16:creationId xmlns:a16="http://schemas.microsoft.com/office/drawing/2014/main" id="{0452DAD2-BE1E-2C4F-BA52-721A8285C883}"/>
+              </a:ext>
+            </a:extLst>
+          </p:cNvPr>
+          <p:cNvSpPr txBox="1"/>
+          <p:nvPr/>
+        </p:nvSpPr>
+        <p:spPr>
+          <a:xfrm>
+            <a:off x="2738120" y="5933441"/>
+            <a:ext cx="7239000" cy="707886"/>
+          </a:xfrm>
+          <a:prstGeom prst="rect">
+            <a:avLst/>
+          </a:prstGeom>
+          <a:solidFill>
+            <a:schemeClr val="accent2"/>
+          </a:solidFill>
+        </p:spPr>
+        <p:txBody>
+          <a:bodyPr wrap="square" rtlCol="0">
+            <a:spAutoFit/>
+          </a:bodyPr>
+          <a:lstStyle/>
+          <a:p>
+            <a:r>
+              <a:rPr kumimoji="1" lang="zh-CN" altLang="en-US" sz="2000" dirty="0">
+                <a:solidFill>
+                  <a:schemeClr val="bg1"/>
+                </a:solidFill>
+                <a:latin typeface="Microsoft YaHei" panose="020B0503020204020204" pitchFamily="34" charset="-122"/>
+                <a:ea typeface="Microsoft YaHei" panose="020B0503020204020204" pitchFamily="34" charset="-122"/>
+              </a:rPr>
+              <a:t>程序出错，编辑器都会给出错误提示，常常有异常信息，要学会利用这些信息修改你的程序！！！</a:t>
+            </a:r>
+          </a:p>
+        </p:txBody>
+      </p:sp>
+    </p:spTree>
+    <p:extLst>
+      <p:ext uri="{BB962C8B-B14F-4D97-AF65-F5344CB8AC3E}">
+        <p14:creationId xmlns:p14="http://schemas.microsoft.com/office/powerpoint/2010/main" val="4074100507"/>
+      </p:ext>
+    </p:extLst>
+  </p:cSld>
+  <p:clrMapOvr>
+    <a:masterClrMapping/>
+  </p:clrMapOvr>
+</p:sld>
+</file>
+
+<file path=ppt/slides/slide9.xml><?xml version="1.0" encoding="utf-8"?>
+<p:sld xmlns:a="http://schemas.openxmlformats.org/drawingml/2006/main" xmlns:r="http://schemas.openxmlformats.org/officeDocument/2006/relationships" xmlns:p="http://schemas.openxmlformats.org/presentationml/2006/main">
+  <p:cSld>
+    <p:bg>
+      <p:bgPr>
+        <a:blipFill>
+          <a:blip r:embed="rId3"/>
+          <a:tile tx="0" ty="0" sx="100000" sy="100000" flip="none" algn="tl"/>
+        </a:blipFill>
+        <a:effectLst/>
+      </p:bgPr>
+    </p:bg>
+    <p:spTree>
+      <p:nvGrpSpPr>
+        <p:cNvPr id="1" name=""/>
+        <p:cNvGrpSpPr/>
+        <p:nvPr/>
+      </p:nvGrpSpPr>
+      <p:grpSpPr>
+        <a:xfrm>
+          <a:off x="0" y="0"/>
+          <a:ext cx="0" cy="0"/>
+          <a:chOff x="0" y="0"/>
+          <a:chExt cx="0" cy="0"/>
+        </a:xfrm>
+      </p:grpSpPr>
+      <p:sp>
+        <p:nvSpPr>
+          <p:cNvPr id="2" name="文本框 1">
+            <a:extLst>
+              <a:ext uri="{FF2B5EF4-FFF2-40B4-BE49-F238E27FC236}">
+                <a16:creationId xmlns:a16="http://schemas.microsoft.com/office/drawing/2014/main" id="{12AA8BCC-7B15-4842-80C2-48C079429338}"/>
+              </a:ext>
+            </a:extLst>
+          </p:cNvPr>
+          <p:cNvSpPr txBox="1"/>
+          <p:nvPr/>
+        </p:nvSpPr>
+        <p:spPr>
+          <a:xfrm>
+            <a:off x="2520000" y="720000"/>
+            <a:ext cx="7735824" cy="830997"/>
+          </a:xfrm>
+          <a:prstGeom prst="rect">
+            <a:avLst/>
+          </a:prstGeom>
+          <a:noFill/>
+        </p:spPr>
+        <p:txBody>
+          <a:bodyPr wrap="square" rtlCol="0">
+            <a:spAutoFit/>
+          </a:bodyPr>
+          <a:lstStyle/>
+          <a:p>
+            <a:pPr algn="ctr"/>
+            <a:r>
+              <a:rPr kumimoji="1" lang="zh-CN" altLang="en-US" sz="4800" dirty="0">
+                <a:latin typeface="Microsoft YaHei" panose="020B0503020204020204" pitchFamily="34" charset="-122"/>
+                <a:ea typeface="Microsoft YaHei" panose="020B0503020204020204" pitchFamily="34" charset="-122"/>
+              </a:rPr>
+              <a:t>声明异常</a:t>
+            </a:r>
+            <a:endParaRPr kumimoji="1" lang="en-US" altLang="zh-CN" sz="4800" dirty="0">
+              <a:ea typeface="Microsoft YaHei" panose="020B0503020204020204" pitchFamily="34" charset="-122"/>
+            </a:endParaRPr>
+          </a:p>
+        </p:txBody>
+      </p:sp>
+      <p:sp>
+        <p:nvSpPr>
+          <p:cNvPr id="13" name="文本框 12">
+            <a:extLst>
+              <a:ext uri="{FF2B5EF4-FFF2-40B4-BE49-F238E27FC236}">
+                <a16:creationId xmlns:a16="http://schemas.microsoft.com/office/drawing/2014/main" id="{8E054F89-5FA8-2F47-8710-58E04A67980C}"/>
+              </a:ext>
+            </a:extLst>
+          </p:cNvPr>
+          <p:cNvSpPr txBox="1"/>
+          <p:nvPr/>
+        </p:nvSpPr>
+        <p:spPr>
+          <a:xfrm>
+            <a:off x="1779336" y="2039835"/>
+            <a:ext cx="8924544" cy="2677656"/>
+          </a:xfrm>
+          <a:prstGeom prst="rect">
+            <a:avLst/>
+          </a:prstGeom>
+          <a:noFill/>
+        </p:spPr>
+        <p:txBody>
+          <a:bodyPr wrap="square" rtlCol="0">
+            <a:spAutoFit/>
+          </a:bodyPr>
+          <a:lstStyle/>
+          <a:p>
+            <a:r>
+              <a:rPr kumimoji="1" lang="zh-CN" altLang="en-US" sz="2400" dirty="0">
+                <a:latin typeface="Microsoft YaHei" panose="020B0503020204020204" pitchFamily="34" charset="-122"/>
+                <a:ea typeface="Microsoft YaHei" panose="020B0503020204020204" pitchFamily="34" charset="-122"/>
+              </a:rPr>
+              <a:t>每个方法都必须声明它可能抛出的必检异常的类型。这称为声明异常</a:t>
+            </a:r>
+            <a:r>
+              <a:rPr kumimoji="1" lang="en-US" altLang="zh-CN" sz="2400" dirty="0">
+                <a:latin typeface="Microsoft YaHei" panose="020B0503020204020204" pitchFamily="34" charset="-122"/>
+                <a:ea typeface="Microsoft YaHei" panose="020B0503020204020204" pitchFamily="34" charset="-122"/>
+              </a:rPr>
+              <a:t>(declaring exception)</a:t>
+            </a:r>
+            <a:r>
+              <a:rPr kumimoji="1" lang="zh-CN" altLang="en-US" sz="2400" dirty="0">
+                <a:latin typeface="Microsoft YaHei" panose="020B0503020204020204" pitchFamily="34" charset="-122"/>
+                <a:ea typeface="Microsoft YaHei" panose="020B0503020204020204" pitchFamily="34" charset="-122"/>
+              </a:rPr>
+              <a:t>。 </a:t>
+            </a:r>
+            <a:endParaRPr kumimoji="1" lang="en-US" altLang="zh-CN" sz="2400" dirty="0">
+              <a:latin typeface="Microsoft YaHei" panose="020B0503020204020204" pitchFamily="34" charset="-122"/>
+              <a:ea typeface="Microsoft YaHei" panose="020B0503020204020204" pitchFamily="34" charset="-122"/>
+            </a:endParaRPr>
+          </a:p>
+          <a:p>
+            <a:r>
+              <a:rPr kumimoji="1" lang="zh-CN" altLang="en-US" sz="2400" dirty="0">
+                <a:latin typeface="Microsoft YaHei" panose="020B0503020204020204" pitchFamily="34" charset="-122"/>
+                <a:ea typeface="Microsoft YaHei" panose="020B0503020204020204" pitchFamily="34" charset="-122"/>
+              </a:rPr>
+              <a:t>格式：</a:t>
+            </a:r>
+            <a:endParaRPr kumimoji="1" lang="en-US" altLang="zh-CN" sz="2400" dirty="0">
+              <a:latin typeface="Microsoft YaHei" panose="020B0503020204020204" pitchFamily="34" charset="-122"/>
+              <a:ea typeface="Microsoft YaHei" panose="020B0503020204020204" pitchFamily="34" charset="-122"/>
+            </a:endParaRPr>
+          </a:p>
+          <a:p>
+            <a:endParaRPr kumimoji="1" lang="en-US" altLang="zh-CN" sz="2400" dirty="0">
+              <a:latin typeface="Microsoft YaHei" panose="020B0503020204020204" pitchFamily="34" charset="-122"/>
+              <a:ea typeface="Microsoft YaHei" panose="020B0503020204020204" pitchFamily="34" charset="-122"/>
+            </a:endParaRPr>
+          </a:p>
+          <a:p>
+            <a:r>
+              <a:rPr kumimoji="1" lang="en-US" altLang="zh-CN" sz="2400" dirty="0">
+                <a:latin typeface="Microsoft YaHei" panose="020B0503020204020204" pitchFamily="34" charset="-122"/>
+                <a:ea typeface="Microsoft YaHei" panose="020B0503020204020204" pitchFamily="34" charset="-122"/>
+              </a:rPr>
+              <a:t>Public</a:t>
+            </a:r>
+            <a:r>
+              <a:rPr kumimoji="1" lang="zh-CN" altLang="en-US" sz="2400" dirty="0">
+                <a:latin typeface="Microsoft YaHei" panose="020B0503020204020204" pitchFamily="34" charset="-122"/>
+                <a:ea typeface="Microsoft YaHei" panose="020B0503020204020204" pitchFamily="34" charset="-122"/>
+              </a:rPr>
+              <a:t> </a:t>
+            </a:r>
+            <a:r>
+              <a:rPr kumimoji="1" lang="en-US" altLang="zh-CN" sz="2400" dirty="0">
+                <a:latin typeface="Microsoft YaHei" panose="020B0503020204020204" pitchFamily="34" charset="-122"/>
+                <a:ea typeface="Microsoft YaHei" panose="020B0503020204020204" pitchFamily="34" charset="-122"/>
+              </a:rPr>
+              <a:t>void</a:t>
+            </a:r>
+            <a:r>
+              <a:rPr kumimoji="1" lang="zh-CN" altLang="en-US" sz="2400" dirty="0">
+                <a:latin typeface="Microsoft YaHei" panose="020B0503020204020204" pitchFamily="34" charset="-122"/>
+                <a:ea typeface="Microsoft YaHei" panose="020B0503020204020204" pitchFamily="34" charset="-122"/>
+              </a:rPr>
+              <a:t> </a:t>
+            </a:r>
+            <a:r>
+              <a:rPr kumimoji="1" lang="en-US" altLang="zh-CN" sz="2400" dirty="0">
+                <a:latin typeface="Microsoft YaHei" panose="020B0503020204020204" pitchFamily="34" charset="-122"/>
+                <a:ea typeface="Microsoft YaHei" panose="020B0503020204020204" pitchFamily="34" charset="-122"/>
+              </a:rPr>
+              <a:t>method</a:t>
+            </a:r>
+            <a:r>
+              <a:rPr kumimoji="1" lang="zh-CN" altLang="en-US" sz="2400" dirty="0">
+                <a:latin typeface="Microsoft YaHei" panose="020B0503020204020204" pitchFamily="34" charset="-122"/>
+                <a:ea typeface="Microsoft YaHei" panose="020B0503020204020204" pitchFamily="34" charset="-122"/>
+              </a:rPr>
+              <a:t> </a:t>
+            </a:r>
+            <a:r>
+              <a:rPr kumimoji="1" lang="en-US" altLang="zh-CN" sz="2400" dirty="0">
+                <a:latin typeface="Microsoft YaHei" panose="020B0503020204020204" pitchFamily="34" charset="-122"/>
+                <a:ea typeface="Microsoft YaHei" panose="020B0503020204020204" pitchFamily="34" charset="-122"/>
+              </a:rPr>
+              <a:t>()</a:t>
+            </a:r>
+            <a:r>
+              <a:rPr kumimoji="1" lang="zh-CN" altLang="en-US" sz="2400" dirty="0">
+                <a:latin typeface="Microsoft YaHei" panose="020B0503020204020204" pitchFamily="34" charset="-122"/>
+                <a:ea typeface="Microsoft YaHei" panose="020B0503020204020204" pitchFamily="34" charset="-122"/>
+              </a:rPr>
+              <a:t> </a:t>
+            </a:r>
+            <a:r>
+              <a:rPr kumimoji="1" lang="en-US" altLang="zh-CN" sz="2400" dirty="0">
+                <a:latin typeface="Microsoft YaHei" panose="020B0503020204020204" pitchFamily="34" charset="-122"/>
+                <a:ea typeface="Microsoft YaHei" panose="020B0503020204020204" pitchFamily="34" charset="-122"/>
+              </a:rPr>
+              <a:t>throws</a:t>
+            </a:r>
+            <a:r>
+              <a:rPr kumimoji="1" lang="zh-CN" altLang="en-US" sz="2400" dirty="0">
+                <a:latin typeface="Microsoft YaHei" panose="020B0503020204020204" pitchFamily="34" charset="-122"/>
+                <a:ea typeface="Microsoft YaHei" panose="020B0503020204020204" pitchFamily="34" charset="-122"/>
+              </a:rPr>
+              <a:t> </a:t>
+            </a:r>
+            <a:r>
+              <a:rPr kumimoji="1" lang="en-US" altLang="zh-CN" sz="2400" dirty="0">
+                <a:latin typeface="Microsoft YaHei" panose="020B0503020204020204" pitchFamily="34" charset="-122"/>
+                <a:ea typeface="Microsoft YaHei" panose="020B0503020204020204" pitchFamily="34" charset="-122"/>
+              </a:rPr>
+              <a:t>Exception1,Exception2...{</a:t>
+            </a:r>
+          </a:p>
+          <a:p>
+            <a:endParaRPr kumimoji="1" lang="en-US" altLang="zh-CN" sz="2400" dirty="0">
+              <a:latin typeface="Microsoft YaHei" panose="020B0503020204020204" pitchFamily="34" charset="-122"/>
+              <a:ea typeface="Microsoft YaHei" panose="020B0503020204020204" pitchFamily="34" charset="-122"/>
+            </a:endParaRPr>
+          </a:p>
+          <a:p>
+            <a:r>
+              <a:rPr kumimoji="1" lang="en-US" altLang="zh-CN" sz="2400" dirty="0">
+                <a:latin typeface="Microsoft YaHei" panose="020B0503020204020204" pitchFamily="34" charset="-122"/>
+                <a:ea typeface="Microsoft YaHei" panose="020B0503020204020204" pitchFamily="34" charset="-122"/>
+              </a:rPr>
+              <a:t>}</a:t>
+            </a:r>
+            <a:endParaRPr kumimoji="1" lang="zh-CN" altLang="en-US" sz="2400" dirty="0">
+              <a:latin typeface="Microsoft YaHei" panose="020B0503020204020204" pitchFamily="34" charset="-122"/>
+              <a:ea typeface="Microsoft YaHei" panose="020B0503020204020204" pitchFamily="34" charset="-122"/>
+            </a:endParaRPr>
+          </a:p>
+        </p:txBody>
+      </p:sp>
+      <p:sp>
+        <p:nvSpPr>
+          <p:cNvPr id="3" name="文本框 2">
+            <a:extLst>
+              <a:ext uri="{FF2B5EF4-FFF2-40B4-BE49-F238E27FC236}">
+                <a16:creationId xmlns:a16="http://schemas.microsoft.com/office/drawing/2014/main" id="{5CCFF940-CD29-5F4C-996D-E543226C3730}"/>
+              </a:ext>
+            </a:extLst>
+          </p:cNvPr>
+          <p:cNvSpPr txBox="1"/>
+          <p:nvPr/>
+        </p:nvSpPr>
+        <p:spPr>
+          <a:xfrm>
+            <a:off x="8863584" y="4504986"/>
+            <a:ext cx="1627632" cy="1200329"/>
+          </a:xfrm>
+          <a:prstGeom prst="rect">
+            <a:avLst/>
+          </a:prstGeom>
+          <a:solidFill>
+            <a:schemeClr val="accent2"/>
+          </a:solidFill>
+        </p:spPr>
+        <p:txBody>
+          <a:bodyPr wrap="square" rtlCol="0">
+            <a:spAutoFit/>
+          </a:bodyPr>
+          <a:lstStyle/>
+          <a:p>
+            <a:r>
+              <a:rPr kumimoji="1" lang="zh-CN" altLang="en-US" dirty="0">
+                <a:solidFill>
+                  <a:schemeClr val="bg1"/>
+                </a:solidFill>
+              </a:rPr>
+              <a:t>看示例代码：</a:t>
+            </a:r>
+            <a:r>
+              <a:rPr kumimoji="1" lang="en-US" altLang="zh-CN" dirty="0">
+                <a:solidFill>
+                  <a:schemeClr val="bg1"/>
+                </a:solidFill>
+              </a:rPr>
+              <a:t>Person,</a:t>
+            </a:r>
+            <a:r>
+              <a:rPr kumimoji="1" lang="zh-CN" altLang="en-US" dirty="0">
+                <a:solidFill>
+                  <a:schemeClr val="bg1"/>
+                </a:solidFill>
+              </a:rPr>
+              <a:t> </a:t>
+            </a:r>
+            <a:r>
+              <a:rPr kumimoji="1" lang="en-US" altLang="zh-CN" dirty="0">
+                <a:solidFill>
+                  <a:schemeClr val="bg1"/>
+                </a:solidFill>
+              </a:rPr>
+              <a:t>Student,</a:t>
+            </a:r>
+            <a:r>
+              <a:rPr kumimoji="1" lang="zh-CN" altLang="en-US" dirty="0">
+                <a:solidFill>
+                  <a:schemeClr val="bg1"/>
+                </a:solidFill>
+              </a:rPr>
+              <a:t> </a:t>
+            </a:r>
+            <a:r>
+              <a:rPr kumimoji="1" lang="en-US" altLang="zh-CN" dirty="0">
+                <a:solidFill>
+                  <a:schemeClr val="bg1"/>
+                </a:solidFill>
+              </a:rPr>
+              <a:t>Teacher3</a:t>
+            </a:r>
+            <a:r>
+              <a:rPr kumimoji="1" lang="zh-CN" altLang="en-US" dirty="0">
+                <a:solidFill>
+                  <a:schemeClr val="bg1"/>
+                </a:solidFill>
+              </a:rPr>
+              <a:t>个类</a:t>
+            </a:r>
+          </a:p>
+        </p:txBody>
+      </p:sp>
+    </p:spTree>
+    <p:extLst>
+      <p:ext uri="{BB962C8B-B14F-4D97-AF65-F5344CB8AC3E}">
+        <p14:creationId xmlns:p14="http://schemas.microsoft.com/office/powerpoint/2010/main" val="2449901828"/>
+      </p:ext>
+    </p:extLst>
+  </p:cSld>
+  <p:clrMapOvr>
+    <a:masterClrMapping/>
+  </p:clrMapOvr>
 </p:sld>
 </file>
 
